--- a/presentations/models.pptx
+++ b/presentations/models.pptx
@@ -13,6 +13,11 @@
     <p:sldId id="261" r:id="rId7"/>
     <p:sldId id="262" r:id="rId8"/>
     <p:sldId id="263" r:id="rId9"/>
+    <p:sldId id="264" r:id="rId10"/>
+    <p:sldId id="265" r:id="rId11"/>
+    <p:sldId id="266" r:id="rId12"/>
+    <p:sldId id="267" r:id="rId13"/>
+    <p:sldId id="268" r:id="rId14"/>
   </p:sldIdLst>
   <p:sldSz cx="12192000" cy="6858000"/>
   <p:notesSz cx="6858000" cy="9144000"/>
@@ -14202,7 +14207,7 @@
           <a:p>
             <a:fld id="{3248773E-0E1D-C44D-81DB-7C2B8F8EC2A7}" type="datetimeFigureOut">
               <a:rPr lang="de-DE" smtClean="0"/>
-              <a:t>02.01.20</a:t>
+              <a:t>03.01.20</a:t>
             </a:fld>
             <a:endParaRPr lang="de-DE"/>
           </a:p>
@@ -14400,7 +14405,7 @@
           <a:p>
             <a:fld id="{3248773E-0E1D-C44D-81DB-7C2B8F8EC2A7}" type="datetimeFigureOut">
               <a:rPr lang="de-DE" smtClean="0"/>
-              <a:t>02.01.20</a:t>
+              <a:t>03.01.20</a:t>
             </a:fld>
             <a:endParaRPr lang="de-DE"/>
           </a:p>
@@ -14608,7 +14613,7 @@
           <a:p>
             <a:fld id="{3248773E-0E1D-C44D-81DB-7C2B8F8EC2A7}" type="datetimeFigureOut">
               <a:rPr lang="de-DE" smtClean="0"/>
-              <a:t>02.01.20</a:t>
+              <a:t>03.01.20</a:t>
             </a:fld>
             <a:endParaRPr lang="de-DE"/>
           </a:p>
@@ -14806,7 +14811,7 @@
           <a:p>
             <a:fld id="{3248773E-0E1D-C44D-81DB-7C2B8F8EC2A7}" type="datetimeFigureOut">
               <a:rPr lang="de-DE" smtClean="0"/>
-              <a:t>02.01.20</a:t>
+              <a:t>03.01.20</a:t>
             </a:fld>
             <a:endParaRPr lang="de-DE"/>
           </a:p>
@@ -15081,7 +15086,7 @@
           <a:p>
             <a:fld id="{3248773E-0E1D-C44D-81DB-7C2B8F8EC2A7}" type="datetimeFigureOut">
               <a:rPr lang="de-DE" smtClean="0"/>
-              <a:t>02.01.20</a:t>
+              <a:t>03.01.20</a:t>
             </a:fld>
             <a:endParaRPr lang="de-DE"/>
           </a:p>
@@ -15346,7 +15351,7 @@
           <a:p>
             <a:fld id="{3248773E-0E1D-C44D-81DB-7C2B8F8EC2A7}" type="datetimeFigureOut">
               <a:rPr lang="de-DE" smtClean="0"/>
-              <a:t>02.01.20</a:t>
+              <a:t>03.01.20</a:t>
             </a:fld>
             <a:endParaRPr lang="de-DE"/>
           </a:p>
@@ -15758,7 +15763,7 @@
           <a:p>
             <a:fld id="{3248773E-0E1D-C44D-81DB-7C2B8F8EC2A7}" type="datetimeFigureOut">
               <a:rPr lang="de-DE" smtClean="0"/>
-              <a:t>02.01.20</a:t>
+              <a:t>03.01.20</a:t>
             </a:fld>
             <a:endParaRPr lang="de-DE"/>
           </a:p>
@@ -15899,7 +15904,7 @@
           <a:p>
             <a:fld id="{3248773E-0E1D-C44D-81DB-7C2B8F8EC2A7}" type="datetimeFigureOut">
               <a:rPr lang="de-DE" smtClean="0"/>
-              <a:t>02.01.20</a:t>
+              <a:t>03.01.20</a:t>
             </a:fld>
             <a:endParaRPr lang="de-DE"/>
           </a:p>
@@ -16012,7 +16017,7 @@
           <a:p>
             <a:fld id="{3248773E-0E1D-C44D-81DB-7C2B8F8EC2A7}" type="datetimeFigureOut">
               <a:rPr lang="de-DE" smtClean="0"/>
-              <a:t>02.01.20</a:t>
+              <a:t>03.01.20</a:t>
             </a:fld>
             <a:endParaRPr lang="de-DE"/>
           </a:p>
@@ -16323,7 +16328,7 @@
           <a:p>
             <a:fld id="{3248773E-0E1D-C44D-81DB-7C2B8F8EC2A7}" type="datetimeFigureOut">
               <a:rPr lang="de-DE" smtClean="0"/>
-              <a:t>02.01.20</a:t>
+              <a:t>03.01.20</a:t>
             </a:fld>
             <a:endParaRPr lang="de-DE"/>
           </a:p>
@@ -16611,7 +16616,7 @@
           <a:p>
             <a:fld id="{3248773E-0E1D-C44D-81DB-7C2B8F8EC2A7}" type="datetimeFigureOut">
               <a:rPr lang="de-DE" smtClean="0"/>
-              <a:t>02.01.20</a:t>
+              <a:t>03.01.20</a:t>
             </a:fld>
             <a:endParaRPr lang="de-DE"/>
           </a:p>
@@ -16852,7 +16857,7 @@
           <a:p>
             <a:fld id="{3248773E-0E1D-C44D-81DB-7C2B8F8EC2A7}" type="datetimeFigureOut">
               <a:rPr lang="de-DE" smtClean="0"/>
-              <a:t>02.01.20</a:t>
+              <a:t>03.01.20</a:t>
             </a:fld>
             <a:endParaRPr lang="de-DE"/>
           </a:p>
@@ -17351,6 +17356,3271 @@
     <p:extLst>
       <p:ext uri="{BB962C8B-B14F-4D97-AF65-F5344CB8AC3E}">
         <p14:creationId xmlns:p14="http://schemas.microsoft.com/office/powerpoint/2010/main" val="1964761949"/>
+      </p:ext>
+    </p:extLst>
+  </p:cSld>
+  <p:clrMapOvr>
+    <a:masterClrMapping/>
+  </p:clrMapOvr>
+</p:sld>
+</file>
+
+<file path=ppt/slides/slide10.xml><?xml version="1.0" encoding="utf-8"?>
+<p:sld xmlns:a="http://schemas.openxmlformats.org/drawingml/2006/main" xmlns:r="http://schemas.openxmlformats.org/officeDocument/2006/relationships" xmlns:p="http://schemas.openxmlformats.org/presentationml/2006/main">
+  <p:cSld>
+    <p:spTree>
+      <p:nvGrpSpPr>
+        <p:cNvPr id="1" name=""/>
+        <p:cNvGrpSpPr/>
+        <p:nvPr/>
+      </p:nvGrpSpPr>
+      <p:grpSpPr>
+        <a:xfrm>
+          <a:off x="0" y="0"/>
+          <a:ext cx="0" cy="0"/>
+          <a:chOff x="0" y="0"/>
+          <a:chExt cx="0" cy="0"/>
+        </a:xfrm>
+      </p:grpSpPr>
+      <p:sp>
+        <p:nvSpPr>
+          <p:cNvPr id="2" name="Titel 1">
+            <a:extLst>
+              <a:ext uri="{FF2B5EF4-FFF2-40B4-BE49-F238E27FC236}">
+                <a16:creationId xmlns:a16="http://schemas.microsoft.com/office/drawing/2014/main" id="{D9D65443-1235-F444-9CB9-16E111500493}"/>
+              </a:ext>
+            </a:extLst>
+          </p:cNvPr>
+          <p:cNvSpPr>
+            <a:spLocks noGrp="1"/>
+          </p:cNvSpPr>
+          <p:nvPr>
+            <p:ph type="title"/>
+          </p:nvPr>
+        </p:nvSpPr>
+        <p:spPr>
+          <a:xfrm>
+            <a:off x="838200" y="365125"/>
+            <a:ext cx="10515600" cy="233965"/>
+          </a:xfrm>
+        </p:spPr>
+        <p:txBody>
+          <a:bodyPr>
+            <a:normAutofit fontScale="90000"/>
+          </a:bodyPr>
+          <a:lstStyle/>
+          <a:p>
+            <a:r>
+              <a:rPr lang="de-DE" sz="1800" dirty="0"/>
+              <a:t>Architektur Internet </a:t>
+            </a:r>
+            <a:r>
+              <a:rPr lang="de-DE" sz="1800" dirty="0" err="1"/>
+              <a:t>of</a:t>
+            </a:r>
+            <a:r>
+              <a:rPr lang="de-DE" sz="1800" dirty="0"/>
+              <a:t> Things Service</a:t>
+            </a:r>
+          </a:p>
+        </p:txBody>
+      </p:sp>
+      <p:pic>
+        <p:nvPicPr>
+          <p:cNvPr id="4" name="Inhaltsplatzhalter 3">
+            <a:extLst>
+              <a:ext uri="{FF2B5EF4-FFF2-40B4-BE49-F238E27FC236}">
+                <a16:creationId xmlns:a16="http://schemas.microsoft.com/office/drawing/2014/main" id="{87074CC0-8C25-2F41-9697-330D3323BC6C}"/>
+              </a:ext>
+            </a:extLst>
+          </p:cNvPr>
+          <p:cNvPicPr>
+            <a:picLocks noGrp="1" noChangeAspect="1"/>
+          </p:cNvPicPr>
+          <p:nvPr>
+            <p:ph idx="1"/>
+          </p:nvPr>
+        </p:nvPicPr>
+        <p:blipFill>
+          <a:blip r:embed="rId2"/>
+          <a:stretch>
+            <a:fillRect/>
+          </a:stretch>
+        </p:blipFill>
+        <p:spPr>
+          <a:xfrm>
+            <a:off x="838200" y="590829"/>
+            <a:ext cx="8611956" cy="5586134"/>
+          </a:xfrm>
+          <a:prstGeom prst="rect">
+            <a:avLst/>
+          </a:prstGeom>
+        </p:spPr>
+      </p:pic>
+    </p:spTree>
+    <p:extLst>
+      <p:ext uri="{BB962C8B-B14F-4D97-AF65-F5344CB8AC3E}">
+        <p14:creationId xmlns:p14="http://schemas.microsoft.com/office/powerpoint/2010/main" val="1455517677"/>
+      </p:ext>
+    </p:extLst>
+  </p:cSld>
+  <p:clrMapOvr>
+    <a:masterClrMapping/>
+  </p:clrMapOvr>
+</p:sld>
+</file>
+
+<file path=ppt/slides/slide11.xml><?xml version="1.0" encoding="utf-8"?>
+<p:sld xmlns:a="http://schemas.openxmlformats.org/drawingml/2006/main" xmlns:r="http://schemas.openxmlformats.org/officeDocument/2006/relationships" xmlns:p="http://schemas.openxmlformats.org/presentationml/2006/main">
+  <p:cSld>
+    <p:spTree>
+      <p:nvGrpSpPr>
+        <p:cNvPr id="1" name=""/>
+        <p:cNvGrpSpPr/>
+        <p:nvPr/>
+      </p:nvGrpSpPr>
+      <p:grpSpPr>
+        <a:xfrm>
+          <a:off x="0" y="0"/>
+          <a:ext cx="0" cy="0"/>
+          <a:chOff x="0" y="0"/>
+          <a:chExt cx="0" cy="0"/>
+        </a:xfrm>
+      </p:grpSpPr>
+      <p:pic>
+        <p:nvPicPr>
+          <p:cNvPr id="4" name="Inhaltsplatzhalter 7">
+            <a:extLst>
+              <a:ext uri="{FF2B5EF4-FFF2-40B4-BE49-F238E27FC236}">
+                <a16:creationId xmlns:a16="http://schemas.microsoft.com/office/drawing/2014/main" id="{BD22416D-51DF-9C42-BFB0-9CD6AED63B30}"/>
+              </a:ext>
+            </a:extLst>
+          </p:cNvPr>
+          <p:cNvPicPr>
+            <a:picLocks noChangeAspect="1"/>
+          </p:cNvPicPr>
+          <p:nvPr/>
+        </p:nvPicPr>
+        <p:blipFill>
+          <a:blip r:embed="rId2"/>
+          <a:stretch>
+            <a:fillRect/>
+          </a:stretch>
+        </p:blipFill>
+        <p:spPr>
+          <a:xfrm>
+            <a:off x="1143409" y="487954"/>
+            <a:ext cx="10210391" cy="5350203"/>
+          </a:xfrm>
+          <a:prstGeom prst="rect">
+            <a:avLst/>
+          </a:prstGeom>
+        </p:spPr>
+      </p:pic>
+    </p:spTree>
+    <p:extLst>
+      <p:ext uri="{BB962C8B-B14F-4D97-AF65-F5344CB8AC3E}">
+        <p14:creationId xmlns:p14="http://schemas.microsoft.com/office/powerpoint/2010/main" val="631964177"/>
+      </p:ext>
+    </p:extLst>
+  </p:cSld>
+  <p:clrMapOvr>
+    <a:masterClrMapping/>
+  </p:clrMapOvr>
+</p:sld>
+</file>
+
+<file path=ppt/slides/slide12.xml><?xml version="1.0" encoding="utf-8"?>
+<p:sld xmlns:a="http://schemas.openxmlformats.org/drawingml/2006/main" xmlns:r="http://schemas.openxmlformats.org/officeDocument/2006/relationships" xmlns:p="http://schemas.openxmlformats.org/presentationml/2006/main">
+  <p:cSld>
+    <p:spTree>
+      <p:nvGrpSpPr>
+        <p:cNvPr id="1" name=""/>
+        <p:cNvGrpSpPr/>
+        <p:nvPr/>
+      </p:nvGrpSpPr>
+      <p:grpSpPr>
+        <a:xfrm>
+          <a:off x="0" y="0"/>
+          <a:ext cx="0" cy="0"/>
+          <a:chOff x="0" y="0"/>
+          <a:chExt cx="0" cy="0"/>
+        </a:xfrm>
+      </p:grpSpPr>
+      <p:sp>
+        <p:nvSpPr>
+          <p:cNvPr id="4" name="Titel 1">
+            <a:extLst>
+              <a:ext uri="{FF2B5EF4-FFF2-40B4-BE49-F238E27FC236}">
+                <a16:creationId xmlns:a16="http://schemas.microsoft.com/office/drawing/2014/main" id="{668BA56F-3BCA-F741-91C2-C169897FDE69}"/>
+              </a:ext>
+            </a:extLst>
+          </p:cNvPr>
+          <p:cNvSpPr txBox="1">
+            <a:spLocks/>
+          </p:cNvSpPr>
+          <p:nvPr/>
+        </p:nvSpPr>
+        <p:spPr>
+          <a:xfrm>
+            <a:off x="192088" y="1"/>
+            <a:ext cx="11807824" cy="332656"/>
+          </a:xfrm>
+          <a:prstGeom prst="rect">
+            <a:avLst/>
+          </a:prstGeom>
+        </p:spPr>
+        <p:txBody>
+          <a:bodyPr vert="horz" lIns="91440" tIns="45720" rIns="91440" bIns="45720" rtlCol="0" anchor="ctr">
+            <a:normAutofit fontScale="47500" lnSpcReduction="20000"/>
+          </a:bodyPr>
+          <a:lstStyle>
+            <a:lvl1pPr algn="l" defTabSz="914400" rtl="0" eaLnBrk="1" latinLnBrk="0" hangingPunct="1">
+              <a:lnSpc>
+                <a:spcPct val="90000"/>
+              </a:lnSpc>
+              <a:spcBef>
+                <a:spcPct val="0"/>
+              </a:spcBef>
+              <a:buNone/>
+              <a:defRPr sz="4400" kern="1200">
+                <a:solidFill>
+                  <a:schemeClr val="tx1"/>
+                </a:solidFill>
+                <a:latin typeface="+mj-lt"/>
+                <a:ea typeface="+mj-ea"/>
+                <a:cs typeface="+mj-cs"/>
+              </a:defRPr>
+            </a:lvl1pPr>
+          </a:lstStyle>
+          <a:p>
+            <a:r>
+              <a:rPr lang="de-DE"/>
+              <a:t>SAP Leonardo IoT Foundation und Edge</a:t>
+            </a:r>
+            <a:endParaRPr lang="de-DE" dirty="0"/>
+          </a:p>
+        </p:txBody>
+      </p:sp>
+      <p:sp>
+        <p:nvSpPr>
+          <p:cNvPr id="5" name="Datumsplatzhalter 3">
+            <a:extLst>
+              <a:ext uri="{FF2B5EF4-FFF2-40B4-BE49-F238E27FC236}">
+                <a16:creationId xmlns:a16="http://schemas.microsoft.com/office/drawing/2014/main" id="{8A6A60AE-C548-DF41-9FDF-815F597298DB}"/>
+              </a:ext>
+            </a:extLst>
+          </p:cNvPr>
+          <p:cNvSpPr>
+            <a:spLocks noGrp="1"/>
+          </p:cNvSpPr>
+          <p:nvPr>
+            <p:ph type="dt" sz="half" idx="10"/>
+          </p:nvPr>
+        </p:nvSpPr>
+        <p:spPr>
+          <a:xfrm>
+            <a:off x="192088" y="6597650"/>
+            <a:ext cx="1079376" cy="215901"/>
+          </a:xfrm>
+        </p:spPr>
+        <p:txBody>
+          <a:bodyPr/>
+          <a:lstStyle/>
+          <a:p>
+            <a:fld id="{D15945BB-CB13-F048-8038-6D73515B4389}" type="datetime1">
+              <a:rPr lang="de-DE" smtClean="0"/>
+              <a:pPr/>
+              <a:t>03.01.20</a:t>
+            </a:fld>
+            <a:endParaRPr lang="de-DE" dirty="0"/>
+          </a:p>
+        </p:txBody>
+      </p:sp>
+      <p:sp>
+        <p:nvSpPr>
+          <p:cNvPr id="6" name="Fußzeilenplatzhalter 4">
+            <a:extLst>
+              <a:ext uri="{FF2B5EF4-FFF2-40B4-BE49-F238E27FC236}">
+                <a16:creationId xmlns:a16="http://schemas.microsoft.com/office/drawing/2014/main" id="{7CA73DC4-AC17-0A41-9D0A-C84F0D908491}"/>
+              </a:ext>
+            </a:extLst>
+          </p:cNvPr>
+          <p:cNvSpPr>
+            <a:spLocks noGrp="1"/>
+          </p:cNvSpPr>
+          <p:nvPr>
+            <p:ph type="ftr" sz="quarter" idx="11"/>
+          </p:nvPr>
+        </p:nvSpPr>
+        <p:spPr>
+          <a:xfrm>
+            <a:off x="1631504" y="6597650"/>
+            <a:ext cx="8928992" cy="215899"/>
+          </a:xfrm>
+        </p:spPr>
+        <p:txBody>
+          <a:bodyPr/>
+          <a:lstStyle/>
+          <a:p>
+            <a:endParaRPr lang="de-DE"/>
+          </a:p>
+        </p:txBody>
+      </p:sp>
+      <p:sp>
+        <p:nvSpPr>
+          <p:cNvPr id="7" name="Foliennummernplatzhalter 5">
+            <a:extLst>
+              <a:ext uri="{FF2B5EF4-FFF2-40B4-BE49-F238E27FC236}">
+                <a16:creationId xmlns:a16="http://schemas.microsoft.com/office/drawing/2014/main" id="{F99F4C49-23DC-3E46-ABB2-E47FF43E0BE5}"/>
+              </a:ext>
+            </a:extLst>
+          </p:cNvPr>
+          <p:cNvSpPr>
+            <a:spLocks noGrp="1"/>
+          </p:cNvSpPr>
+          <p:nvPr>
+            <p:ph type="sldNum" sz="quarter" idx="12"/>
+          </p:nvPr>
+        </p:nvSpPr>
+        <p:spPr>
+          <a:xfrm>
+            <a:off x="10920537" y="6597649"/>
+            <a:ext cx="1079376" cy="215900"/>
+          </a:xfrm>
+        </p:spPr>
+        <p:txBody>
+          <a:bodyPr/>
+          <a:lstStyle/>
+          <a:p>
+            <a:fld id="{1DA9AA31-D53F-D84D-B952-53212CE9E554}" type="slidenum">
+              <a:rPr lang="de-DE" smtClean="0"/>
+              <a:pPr/>
+              <a:t>12</a:t>
+            </a:fld>
+            <a:endParaRPr lang="de-DE"/>
+          </a:p>
+        </p:txBody>
+      </p:sp>
+      <p:sp>
+        <p:nvSpPr>
+          <p:cNvPr id="8" name="Shape 2158">
+            <a:extLst>
+              <a:ext uri="{FF2B5EF4-FFF2-40B4-BE49-F238E27FC236}">
+                <a16:creationId xmlns:a16="http://schemas.microsoft.com/office/drawing/2014/main" id="{E54C41D4-99EB-684C-B856-DC07CAEF4979}"/>
+              </a:ext>
+            </a:extLst>
+          </p:cNvPr>
+          <p:cNvSpPr/>
+          <p:nvPr/>
+        </p:nvSpPr>
+        <p:spPr>
+          <a:xfrm>
+            <a:off x="9917439" y="2286076"/>
+            <a:ext cx="1327144" cy="2441169"/>
+          </a:xfrm>
+          <a:prstGeom prst="roundRect">
+            <a:avLst>
+              <a:gd name="adj" fmla="val 399"/>
+            </a:avLst>
+          </a:prstGeom>
+          <a:noFill/>
+          <a:ln w="19050" cap="rnd">
+            <a:solidFill>
+              <a:schemeClr val="tx1">
+                <a:lumMod val="65000"/>
+                <a:lumOff val="35000"/>
+              </a:schemeClr>
+            </a:solidFill>
+            <a:prstDash val="sysDot"/>
+          </a:ln>
+        </p:spPr>
+        <p:style>
+          <a:lnRef idx="2">
+            <a:schemeClr val="accent1">
+              <a:shade val="50000"/>
+            </a:schemeClr>
+          </a:lnRef>
+          <a:fillRef idx="1">
+            <a:schemeClr val="accent1"/>
+          </a:fillRef>
+          <a:effectRef idx="0">
+            <a:schemeClr val="accent1"/>
+          </a:effectRef>
+          <a:fontRef idx="minor">
+            <a:schemeClr val="lt1"/>
+          </a:fontRef>
+        </p:style>
+        <p:txBody>
+          <a:bodyPr lIns="72000" tIns="36000" rIns="72000" bIns="72000" rtlCol="0" anchor="t"/>
+          <a:lstStyle/>
+          <a:p>
+            <a:pPr algn="ctr"/>
+            <a:r>
+              <a:rPr lang="en-US" sz="1100" b="1" dirty="0">
+                <a:solidFill>
+                  <a:schemeClr val="tx1">
+                    <a:lumMod val="65000"/>
+                    <a:lumOff val="35000"/>
+                  </a:schemeClr>
+                </a:solidFill>
+                <a:ea typeface="Arial" charset="0"/>
+                <a:cs typeface="Arial" charset="0"/>
+                <a:sym typeface="Arial"/>
+              </a:rPr>
+              <a:t>SAP and non- SAP Applications</a:t>
+            </a:r>
+          </a:p>
+          <a:p>
+            <a:pPr algn="ctr"/>
+            <a:endParaRPr lang="en-US" sz="1400" b="1" dirty="0">
+              <a:solidFill>
+                <a:schemeClr val="tx1">
+                  <a:lumMod val="65000"/>
+                  <a:lumOff val="35000"/>
+                </a:schemeClr>
+              </a:solidFill>
+              <a:ea typeface="Arial" charset="0"/>
+              <a:cs typeface="Arial" charset="0"/>
+              <a:sym typeface="Arial"/>
+            </a:endParaRPr>
+          </a:p>
+          <a:p>
+            <a:pPr marL="342900" indent="-342900" algn="ctr">
+              <a:buFont typeface="Wingdings" panose="05000000000000000000" pitchFamily="2" charset="2"/>
+              <a:buChar char="§"/>
+            </a:pPr>
+            <a:endParaRPr lang="en-US" sz="1100" dirty="0">
+              <a:sym typeface="Arial"/>
+            </a:endParaRPr>
+          </a:p>
+          <a:p>
+            <a:pPr algn="ctr"/>
+            <a:endParaRPr lang="en-US" sz="1600" b="1" dirty="0">
+              <a:solidFill>
+                <a:schemeClr val="tx1"/>
+              </a:solidFill>
+              <a:ea typeface="Arial" charset="0"/>
+              <a:cs typeface="Arial" charset="0"/>
+              <a:sym typeface="Arial"/>
+            </a:endParaRPr>
+          </a:p>
+          <a:p>
+            <a:pPr algn="ctr"/>
+            <a:endParaRPr lang="en-US" sz="1600" dirty="0">
+              <a:solidFill>
+                <a:schemeClr val="tx1"/>
+              </a:solidFill>
+              <a:ea typeface="Arial" charset="0"/>
+              <a:cs typeface="Arial" charset="0"/>
+              <a:sym typeface="Arial"/>
+            </a:endParaRPr>
+          </a:p>
+        </p:txBody>
+      </p:sp>
+      <p:sp>
+        <p:nvSpPr>
+          <p:cNvPr id="9" name="Shape 2158">
+            <a:extLst>
+              <a:ext uri="{FF2B5EF4-FFF2-40B4-BE49-F238E27FC236}">
+                <a16:creationId xmlns:a16="http://schemas.microsoft.com/office/drawing/2014/main" id="{019B456C-450F-9C42-9E79-34192DAB889F}"/>
+              </a:ext>
+            </a:extLst>
+          </p:cNvPr>
+          <p:cNvSpPr/>
+          <p:nvPr/>
+        </p:nvSpPr>
+        <p:spPr>
+          <a:xfrm>
+            <a:off x="1941389" y="2614415"/>
+            <a:ext cx="1848948" cy="2009321"/>
+          </a:xfrm>
+          <a:prstGeom prst="roundRect">
+            <a:avLst>
+              <a:gd name="adj" fmla="val 399"/>
+            </a:avLst>
+          </a:prstGeom>
+          <a:noFill/>
+          <a:ln w="19050" cap="rnd">
+            <a:solidFill>
+              <a:srgbClr val="1A9898"/>
+            </a:solidFill>
+          </a:ln>
+        </p:spPr>
+        <p:style>
+          <a:lnRef idx="2">
+            <a:schemeClr val="accent1">
+              <a:shade val="50000"/>
+            </a:schemeClr>
+          </a:lnRef>
+          <a:fillRef idx="1">
+            <a:schemeClr val="accent1"/>
+          </a:fillRef>
+          <a:effectRef idx="0">
+            <a:schemeClr val="accent1"/>
+          </a:effectRef>
+          <a:fontRef idx="minor">
+            <a:schemeClr val="lt1"/>
+          </a:fontRef>
+        </p:style>
+        <p:txBody>
+          <a:bodyPr lIns="36000" tIns="36000" rIns="36000" bIns="36000" rtlCol="0" anchor="t"/>
+          <a:lstStyle/>
+          <a:p>
+            <a:r>
+              <a:rPr lang="en-US" sz="1100" b="1" dirty="0">
+                <a:solidFill>
+                  <a:schemeClr val="tx1">
+                    <a:lumMod val="65000"/>
+                    <a:lumOff val="35000"/>
+                  </a:schemeClr>
+                </a:solidFill>
+                <a:ea typeface="Arial" charset="0"/>
+                <a:cs typeface="Arial" charset="0"/>
+                <a:sym typeface="Arial"/>
+              </a:rPr>
+              <a:t>SAP Leonardo </a:t>
+            </a:r>
+            <a:r>
+              <a:rPr lang="en-US" sz="1100" b="1" dirty="0" err="1">
+                <a:solidFill>
+                  <a:schemeClr val="tx1">
+                    <a:lumMod val="65000"/>
+                    <a:lumOff val="35000"/>
+                  </a:schemeClr>
+                </a:solidFill>
+                <a:ea typeface="Arial" charset="0"/>
+                <a:cs typeface="Arial" charset="0"/>
+                <a:sym typeface="Arial"/>
+              </a:rPr>
+              <a:t>IoT</a:t>
+            </a:r>
+            <a:r>
+              <a:rPr lang="en-US" sz="1100" b="1" dirty="0">
+                <a:solidFill>
+                  <a:schemeClr val="tx1">
+                    <a:lumMod val="65000"/>
+                    <a:lumOff val="35000"/>
+                  </a:schemeClr>
+                </a:solidFill>
+                <a:ea typeface="Arial" charset="0"/>
+                <a:cs typeface="Arial" charset="0"/>
+                <a:sym typeface="Arial"/>
+              </a:rPr>
+              <a:t> Edge</a:t>
+            </a:r>
+            <a:endParaRPr lang="en-US" sz="1100" dirty="0">
+              <a:sym typeface="Arial"/>
+            </a:endParaRPr>
+          </a:p>
+          <a:p>
+            <a:pPr algn="ctr"/>
+            <a:endParaRPr lang="en-US" sz="1600" b="1" dirty="0">
+              <a:solidFill>
+                <a:schemeClr val="tx1"/>
+              </a:solidFill>
+              <a:ea typeface="Arial" charset="0"/>
+              <a:cs typeface="Arial" charset="0"/>
+              <a:sym typeface="Arial"/>
+            </a:endParaRPr>
+          </a:p>
+          <a:p>
+            <a:pPr algn="ctr"/>
+            <a:endParaRPr lang="en-US" sz="1600" dirty="0">
+              <a:solidFill>
+                <a:schemeClr val="tx1"/>
+              </a:solidFill>
+              <a:ea typeface="Arial" charset="0"/>
+              <a:cs typeface="Arial" charset="0"/>
+              <a:sym typeface="Arial"/>
+            </a:endParaRPr>
+          </a:p>
+        </p:txBody>
+      </p:sp>
+      <p:sp>
+        <p:nvSpPr>
+          <p:cNvPr id="10" name="TextBox 43">
+            <a:extLst>
+              <a:ext uri="{FF2B5EF4-FFF2-40B4-BE49-F238E27FC236}">
+                <a16:creationId xmlns:a16="http://schemas.microsoft.com/office/drawing/2014/main" id="{1BA55543-AABF-BA4C-975F-5D2395A224A9}"/>
+              </a:ext>
+            </a:extLst>
+          </p:cNvPr>
+          <p:cNvSpPr txBox="1"/>
+          <p:nvPr/>
+        </p:nvSpPr>
+        <p:spPr>
+          <a:xfrm>
+            <a:off x="10198456" y="4369281"/>
+            <a:ext cx="774072" cy="169238"/>
+          </a:xfrm>
+          <a:prstGeom prst="rect">
+            <a:avLst/>
+          </a:prstGeom>
+          <a:noFill/>
+        </p:spPr>
+        <p:txBody>
+          <a:bodyPr wrap="none" lIns="0" tIns="0" rIns="0" bIns="0" rtlCol="0">
+            <a:spAutoFit/>
+          </a:bodyPr>
+          <a:lstStyle/>
+          <a:p>
+            <a:pPr fontAlgn="base">
+              <a:spcBef>
+                <a:spcPct val="50000"/>
+              </a:spcBef>
+              <a:spcAft>
+                <a:spcPct val="0"/>
+              </a:spcAft>
+              <a:buClr>
+                <a:srgbClr val="F0AB00"/>
+              </a:buClr>
+              <a:buSzPct val="80000"/>
+            </a:pPr>
+            <a:r>
+              <a:rPr lang="en-US" sz="1100" kern="0" dirty="0">
+                <a:solidFill>
+                  <a:schemeClr val="tx1">
+                    <a:lumMod val="65000"/>
+                    <a:lumOff val="35000"/>
+                  </a:schemeClr>
+                </a:solidFill>
+                <a:latin typeface="+mn-lt"/>
+                <a:ea typeface="Arial Unicode MS" pitchFamily="34" charset="-128"/>
+                <a:cs typeface="Arial Unicode MS" pitchFamily="34" charset="-128"/>
+              </a:rPr>
+              <a:t>and more …</a:t>
+            </a:r>
+          </a:p>
+        </p:txBody>
+      </p:sp>
+      <p:sp>
+        <p:nvSpPr>
+          <p:cNvPr id="11" name="TextBox 44">
+            <a:extLst>
+              <a:ext uri="{FF2B5EF4-FFF2-40B4-BE49-F238E27FC236}">
+                <a16:creationId xmlns:a16="http://schemas.microsoft.com/office/drawing/2014/main" id="{2F349553-E994-F144-B8B6-956D3E71C6B9}"/>
+              </a:ext>
+            </a:extLst>
+          </p:cNvPr>
+          <p:cNvSpPr txBox="1"/>
+          <p:nvPr/>
+        </p:nvSpPr>
+        <p:spPr>
+          <a:xfrm>
+            <a:off x="509271" y="3989449"/>
+            <a:ext cx="831215" cy="553998"/>
+          </a:xfrm>
+          <a:prstGeom prst="rect">
+            <a:avLst/>
+          </a:prstGeom>
+          <a:noFill/>
+        </p:spPr>
+        <p:txBody>
+          <a:bodyPr wrap="square" lIns="0" tIns="0" rIns="0" bIns="0" rtlCol="0">
+            <a:spAutoFit/>
+          </a:bodyPr>
+          <a:lstStyle/>
+          <a:p>
+            <a:pPr fontAlgn="base">
+              <a:spcBef>
+                <a:spcPct val="50000"/>
+              </a:spcBef>
+              <a:spcAft>
+                <a:spcPct val="0"/>
+              </a:spcAft>
+              <a:buClr>
+                <a:srgbClr val="F0AB00"/>
+              </a:buClr>
+              <a:buSzPct val="80000"/>
+            </a:pPr>
+            <a:r>
+              <a:rPr lang="en-US" sz="1200" i="1" kern="0" dirty="0">
+                <a:solidFill>
+                  <a:schemeClr val="tx1">
+                    <a:lumMod val="65000"/>
+                    <a:lumOff val="35000"/>
+                  </a:schemeClr>
+                </a:solidFill>
+                <a:latin typeface="+mn-lt"/>
+                <a:ea typeface="Arial Unicode MS" pitchFamily="34" charset="-128"/>
+                <a:cs typeface="Arial Unicode MS" pitchFamily="34" charset="-128"/>
+              </a:rPr>
+              <a:t>Sensor</a:t>
+            </a:r>
+            <a:br>
+              <a:rPr lang="en-US" sz="1200" i="1" kern="0" dirty="0">
+                <a:solidFill>
+                  <a:schemeClr val="tx1">
+                    <a:lumMod val="65000"/>
+                    <a:lumOff val="35000"/>
+                  </a:schemeClr>
+                </a:solidFill>
+                <a:latin typeface="+mn-lt"/>
+                <a:ea typeface="Arial Unicode MS" pitchFamily="34" charset="-128"/>
+                <a:cs typeface="Arial Unicode MS" pitchFamily="34" charset="-128"/>
+              </a:rPr>
+            </a:br>
+            <a:r>
+              <a:rPr lang="en-US" sz="1200" i="1" kern="0" dirty="0">
+                <a:solidFill>
+                  <a:schemeClr val="tx1">
+                    <a:lumMod val="65000"/>
+                    <a:lumOff val="35000"/>
+                  </a:schemeClr>
+                </a:solidFill>
+                <a:latin typeface="+mn-lt"/>
+                <a:ea typeface="Arial Unicode MS" pitchFamily="34" charset="-128"/>
+                <a:cs typeface="Arial Unicode MS" pitchFamily="34" charset="-128"/>
+              </a:rPr>
+              <a:t>embedded</a:t>
+            </a:r>
+            <a:br>
+              <a:rPr lang="en-US" sz="1200" i="1" kern="0" dirty="0">
+                <a:solidFill>
+                  <a:schemeClr val="tx1">
+                    <a:lumMod val="65000"/>
+                    <a:lumOff val="35000"/>
+                  </a:schemeClr>
+                </a:solidFill>
+                <a:latin typeface="+mn-lt"/>
+                <a:ea typeface="Arial Unicode MS" pitchFamily="34" charset="-128"/>
+                <a:cs typeface="Arial Unicode MS" pitchFamily="34" charset="-128"/>
+              </a:rPr>
+            </a:br>
+            <a:r>
+              <a:rPr lang="en-US" sz="1200" i="1" kern="0" dirty="0">
+                <a:solidFill>
+                  <a:schemeClr val="tx1">
+                    <a:lumMod val="65000"/>
+                    <a:lumOff val="35000"/>
+                  </a:schemeClr>
+                </a:solidFill>
+                <a:latin typeface="+mn-lt"/>
+                <a:ea typeface="Arial Unicode MS" pitchFamily="34" charset="-128"/>
+                <a:cs typeface="Arial Unicode MS" pitchFamily="34" charset="-128"/>
+              </a:rPr>
+              <a:t>things</a:t>
+            </a:r>
+          </a:p>
+        </p:txBody>
+      </p:sp>
+      <p:sp>
+        <p:nvSpPr>
+          <p:cNvPr id="12" name="Rechteck 9">
+            <a:extLst>
+              <a:ext uri="{FF2B5EF4-FFF2-40B4-BE49-F238E27FC236}">
+                <a16:creationId xmlns:a16="http://schemas.microsoft.com/office/drawing/2014/main" id="{10AF2AA2-7971-2749-B2C9-F966DBFF4C82}"/>
+              </a:ext>
+            </a:extLst>
+          </p:cNvPr>
+          <p:cNvSpPr/>
+          <p:nvPr/>
+        </p:nvSpPr>
+        <p:spPr>
+          <a:xfrm>
+            <a:off x="4272017" y="1179323"/>
+            <a:ext cx="5297282" cy="4464522"/>
+          </a:xfrm>
+          <a:prstGeom prst="rect">
+            <a:avLst/>
+          </a:prstGeom>
+          <a:noFill/>
+          <a:ln w="19050">
+            <a:solidFill>
+              <a:srgbClr val="427CAC"/>
+            </a:solidFill>
+          </a:ln>
+        </p:spPr>
+        <p:style>
+          <a:lnRef idx="2">
+            <a:schemeClr val="accent1">
+              <a:shade val="50000"/>
+            </a:schemeClr>
+          </a:lnRef>
+          <a:fillRef idx="1">
+            <a:schemeClr val="accent1"/>
+          </a:fillRef>
+          <a:effectRef idx="0">
+            <a:schemeClr val="accent1"/>
+          </a:effectRef>
+          <a:fontRef idx="minor">
+            <a:schemeClr val="lt1"/>
+          </a:fontRef>
+        </p:style>
+        <p:txBody>
+          <a:bodyPr lIns="72000" tIns="72000" rIns="72000" bIns="72000" rtlCol="0" anchor="t"/>
+          <a:lstStyle/>
+          <a:p>
+            <a:endParaRPr lang="en-US" sz="1800" b="1" dirty="0">
+              <a:solidFill>
+                <a:schemeClr val="tx1">
+                  <a:lumMod val="65000"/>
+                  <a:lumOff val="35000"/>
+                </a:schemeClr>
+              </a:solidFill>
+            </a:endParaRPr>
+          </a:p>
+        </p:txBody>
+      </p:sp>
+      <p:sp>
+        <p:nvSpPr>
+          <p:cNvPr id="13" name="Shape 2158">
+            <a:extLst>
+              <a:ext uri="{FF2B5EF4-FFF2-40B4-BE49-F238E27FC236}">
+                <a16:creationId xmlns:a16="http://schemas.microsoft.com/office/drawing/2014/main" id="{8408C44F-1F81-A44A-BB4A-2B74829FF7A9}"/>
+              </a:ext>
+            </a:extLst>
+          </p:cNvPr>
+          <p:cNvSpPr/>
+          <p:nvPr/>
+        </p:nvSpPr>
+        <p:spPr>
+          <a:xfrm>
+            <a:off x="4552783" y="2945805"/>
+            <a:ext cx="3793216" cy="1527901"/>
+          </a:xfrm>
+          <a:prstGeom prst="roundRect">
+            <a:avLst>
+              <a:gd name="adj" fmla="val 399"/>
+            </a:avLst>
+          </a:prstGeom>
+          <a:noFill/>
+          <a:ln w="19050" cap="rnd">
+            <a:solidFill>
+              <a:srgbClr val="1A9898"/>
+            </a:solidFill>
+            <a:prstDash val="solid"/>
+          </a:ln>
+        </p:spPr>
+        <p:style>
+          <a:lnRef idx="2">
+            <a:schemeClr val="accent1">
+              <a:shade val="50000"/>
+            </a:schemeClr>
+          </a:lnRef>
+          <a:fillRef idx="1">
+            <a:schemeClr val="accent1"/>
+          </a:fillRef>
+          <a:effectRef idx="0">
+            <a:schemeClr val="accent1"/>
+          </a:effectRef>
+          <a:fontRef idx="minor">
+            <a:schemeClr val="lt1"/>
+          </a:fontRef>
+        </p:style>
+        <p:txBody>
+          <a:bodyPr lIns="36000" tIns="36000" rIns="36000" bIns="36000" rtlCol="0" anchor="t"/>
+          <a:lstStyle/>
+          <a:p>
+            <a:r>
+              <a:rPr lang="en-US" sz="1100" b="1" dirty="0">
+                <a:solidFill>
+                  <a:schemeClr val="tx1">
+                    <a:lumMod val="65000"/>
+                    <a:lumOff val="35000"/>
+                  </a:schemeClr>
+                </a:solidFill>
+                <a:ea typeface="Arial" charset="0"/>
+                <a:cs typeface="Arial" charset="0"/>
+                <a:sym typeface="Arial"/>
+              </a:rPr>
+              <a:t>SAP Leonardo </a:t>
+            </a:r>
+            <a:r>
+              <a:rPr lang="en-US" sz="1100" b="1" dirty="0" err="1">
+                <a:solidFill>
+                  <a:schemeClr val="tx1">
+                    <a:lumMod val="65000"/>
+                    <a:lumOff val="35000"/>
+                  </a:schemeClr>
+                </a:solidFill>
+                <a:ea typeface="Arial" charset="0"/>
+                <a:cs typeface="Arial" charset="0"/>
+                <a:sym typeface="Arial"/>
+              </a:rPr>
+              <a:t>IoT</a:t>
+            </a:r>
+            <a:r>
+              <a:rPr lang="en-US" sz="1100" b="1" dirty="0">
+                <a:solidFill>
+                  <a:schemeClr val="tx1">
+                    <a:lumMod val="65000"/>
+                    <a:lumOff val="35000"/>
+                  </a:schemeClr>
+                </a:solidFill>
+                <a:ea typeface="Arial" charset="0"/>
+                <a:cs typeface="Arial" charset="0"/>
+                <a:sym typeface="Arial"/>
+              </a:rPr>
+              <a:t> Foundation</a:t>
+            </a:r>
+          </a:p>
+        </p:txBody>
+      </p:sp>
+      <p:sp>
+        <p:nvSpPr>
+          <p:cNvPr id="14" name="Shape 2158">
+            <a:extLst>
+              <a:ext uri="{FF2B5EF4-FFF2-40B4-BE49-F238E27FC236}">
+                <a16:creationId xmlns:a16="http://schemas.microsoft.com/office/drawing/2014/main" id="{A424B3F3-E597-2849-B505-F7EB8C104E19}"/>
+              </a:ext>
+            </a:extLst>
+          </p:cNvPr>
+          <p:cNvSpPr/>
+          <p:nvPr/>
+        </p:nvSpPr>
+        <p:spPr>
+          <a:xfrm>
+            <a:off x="5798678" y="1503956"/>
+            <a:ext cx="1493686" cy="262822"/>
+          </a:xfrm>
+          <a:prstGeom prst="roundRect">
+            <a:avLst>
+              <a:gd name="adj" fmla="val 399"/>
+            </a:avLst>
+          </a:prstGeom>
+          <a:noFill/>
+          <a:ln w="19050" cap="rnd">
+            <a:noFill/>
+            <a:prstDash val="sysDot"/>
+          </a:ln>
+        </p:spPr>
+        <p:style>
+          <a:lnRef idx="2">
+            <a:schemeClr val="accent1">
+              <a:shade val="50000"/>
+            </a:schemeClr>
+          </a:lnRef>
+          <a:fillRef idx="1">
+            <a:schemeClr val="accent1"/>
+          </a:fillRef>
+          <a:effectRef idx="0">
+            <a:schemeClr val="accent1"/>
+          </a:effectRef>
+          <a:fontRef idx="minor">
+            <a:schemeClr val="lt1"/>
+          </a:fontRef>
+        </p:style>
+        <p:txBody>
+          <a:bodyPr lIns="72000" tIns="72000" rIns="72000" bIns="72000" rtlCol="0" anchor="ctr" anchorCtr="0"/>
+          <a:lstStyle/>
+          <a:p>
+            <a:pPr algn="ctr" fontAlgn="base">
+              <a:spcBef>
+                <a:spcPts val="600"/>
+              </a:spcBef>
+              <a:spcAft>
+                <a:spcPct val="0"/>
+              </a:spcAft>
+              <a:buClr>
+                <a:srgbClr val="F0AB00"/>
+              </a:buClr>
+              <a:buSzPct val="80000"/>
+            </a:pPr>
+            <a:r>
+              <a:rPr lang="en-US" sz="1100" b="1" kern="0" dirty="0">
+                <a:solidFill>
+                  <a:srgbClr val="1A9898"/>
+                </a:solidFill>
+                <a:ea typeface="BentonSans" charset="0"/>
+                <a:cs typeface="BentonSans" charset="0"/>
+              </a:rPr>
+              <a:t>Your IoT application</a:t>
+            </a:r>
+            <a:endParaRPr lang="en-US" sz="1100" b="1" kern="0" dirty="0">
+              <a:solidFill>
+                <a:srgbClr val="1A9898"/>
+              </a:solidFill>
+              <a:ea typeface="BentonSans" charset="0"/>
+              <a:cs typeface="BentonSans" charset="0"/>
+              <a:sym typeface="Arial"/>
+            </a:endParaRPr>
+          </a:p>
+        </p:txBody>
+      </p:sp>
+      <p:cxnSp>
+        <p:nvCxnSpPr>
+          <p:cNvPr id="15" name="Straight Connector 48">
+            <a:extLst>
+              <a:ext uri="{FF2B5EF4-FFF2-40B4-BE49-F238E27FC236}">
+                <a16:creationId xmlns:a16="http://schemas.microsoft.com/office/drawing/2014/main" id="{B556A1CF-F7F7-8940-9F68-F443D48D5E12}"/>
+              </a:ext>
+            </a:extLst>
+          </p:cNvPr>
+          <p:cNvCxnSpPr>
+            <a:cxnSpLocks/>
+            <a:stCxn id="18" idx="2"/>
+            <a:endCxn id="13" idx="0"/>
+          </p:cNvCxnSpPr>
+          <p:nvPr/>
+        </p:nvCxnSpPr>
+        <p:spPr>
+          <a:xfrm flipH="1">
+            <a:off x="6449391" y="2153925"/>
+            <a:ext cx="3949" cy="791880"/>
+          </a:xfrm>
+          <a:prstGeom prst="line">
+            <a:avLst/>
+          </a:prstGeom>
+          <a:ln w="19050" cap="rnd" cmpd="sng">
+            <a:solidFill>
+              <a:schemeClr val="tx1">
+                <a:lumMod val="65000"/>
+                <a:lumOff val="35000"/>
+              </a:schemeClr>
+            </a:solidFill>
+            <a:round/>
+            <a:headEnd type="none" w="med" len="med"/>
+            <a:tailEnd type="none" w="med" len="med"/>
+          </a:ln>
+        </p:spPr>
+        <p:style>
+          <a:lnRef idx="1">
+            <a:schemeClr val="accent1"/>
+          </a:lnRef>
+          <a:fillRef idx="0">
+            <a:schemeClr val="accent1"/>
+          </a:fillRef>
+          <a:effectRef idx="0">
+            <a:schemeClr val="accent1"/>
+          </a:effectRef>
+          <a:fontRef idx="minor">
+            <a:schemeClr val="tx1"/>
+          </a:fontRef>
+        </p:style>
+      </p:cxnSp>
+      <p:sp>
+        <p:nvSpPr>
+          <p:cNvPr id="16" name="Shape 2158">
+            <a:extLst>
+              <a:ext uri="{FF2B5EF4-FFF2-40B4-BE49-F238E27FC236}">
+                <a16:creationId xmlns:a16="http://schemas.microsoft.com/office/drawing/2014/main" id="{9BD5E1B2-1A8F-CE49-A0CD-310F952B8085}"/>
+              </a:ext>
+            </a:extLst>
+          </p:cNvPr>
+          <p:cNvSpPr/>
+          <p:nvPr/>
+        </p:nvSpPr>
+        <p:spPr>
+          <a:xfrm>
+            <a:off x="1824970" y="2286075"/>
+            <a:ext cx="7600311" cy="2441170"/>
+          </a:xfrm>
+          <a:prstGeom prst="roundRect">
+            <a:avLst>
+              <a:gd name="adj" fmla="val 399"/>
+            </a:avLst>
+          </a:prstGeom>
+          <a:noFill/>
+          <a:ln w="19050" cap="rnd">
+            <a:solidFill>
+              <a:srgbClr val="1A9898"/>
+            </a:solidFill>
+            <a:prstDash val="sysDot"/>
+          </a:ln>
+        </p:spPr>
+        <p:style>
+          <a:lnRef idx="2">
+            <a:schemeClr val="accent1">
+              <a:shade val="50000"/>
+            </a:schemeClr>
+          </a:lnRef>
+          <a:fillRef idx="1">
+            <a:schemeClr val="accent1"/>
+          </a:fillRef>
+          <a:effectRef idx="0">
+            <a:schemeClr val="accent1"/>
+          </a:effectRef>
+          <a:fontRef idx="minor">
+            <a:schemeClr val="lt1"/>
+          </a:fontRef>
+        </p:style>
+        <p:txBody>
+          <a:bodyPr lIns="36000" tIns="36000" rIns="36000" bIns="36000" rtlCol="0" anchor="t"/>
+          <a:lstStyle/>
+          <a:p>
+            <a:r>
+              <a:rPr lang="en-US" sz="1200" dirty="0">
+                <a:solidFill>
+                  <a:schemeClr val="tx1">
+                    <a:lumMod val="65000"/>
+                    <a:lumOff val="35000"/>
+                  </a:schemeClr>
+                </a:solidFill>
+                <a:ea typeface="Arial" charset="0"/>
+                <a:cs typeface="Arial" charset="0"/>
+                <a:sym typeface="Arial"/>
+              </a:rPr>
+              <a:t>SAP Leonardo </a:t>
+            </a:r>
+            <a:r>
+              <a:rPr lang="en-US" sz="1200" dirty="0" err="1">
+                <a:solidFill>
+                  <a:schemeClr val="tx1">
+                    <a:lumMod val="65000"/>
+                    <a:lumOff val="35000"/>
+                  </a:schemeClr>
+                </a:solidFill>
+                <a:ea typeface="Arial" charset="0"/>
+                <a:cs typeface="Arial" charset="0"/>
+                <a:sym typeface="Arial"/>
+              </a:rPr>
+              <a:t>IoT</a:t>
+            </a:r>
+            <a:endParaRPr lang="en-US" sz="1200" dirty="0">
+              <a:solidFill>
+                <a:schemeClr val="tx1">
+                  <a:lumMod val="65000"/>
+                  <a:lumOff val="35000"/>
+                </a:schemeClr>
+              </a:solidFill>
+              <a:ea typeface="Arial" charset="0"/>
+              <a:cs typeface="Arial" charset="0"/>
+              <a:sym typeface="Arial"/>
+            </a:endParaRPr>
+          </a:p>
+        </p:txBody>
+      </p:sp>
+      <p:cxnSp>
+        <p:nvCxnSpPr>
+          <p:cNvPr id="17" name="Straight Connector 50">
+            <a:extLst>
+              <a:ext uri="{FF2B5EF4-FFF2-40B4-BE49-F238E27FC236}">
+                <a16:creationId xmlns:a16="http://schemas.microsoft.com/office/drawing/2014/main" id="{1C797119-5879-AF49-885D-FA6364D61786}"/>
+              </a:ext>
+            </a:extLst>
+          </p:cNvPr>
+          <p:cNvCxnSpPr>
+            <a:cxnSpLocks/>
+            <a:stCxn id="13" idx="3"/>
+          </p:cNvCxnSpPr>
+          <p:nvPr/>
+        </p:nvCxnSpPr>
+        <p:spPr>
+          <a:xfrm>
+            <a:off x="8345999" y="3709756"/>
+            <a:ext cx="1569866" cy="0"/>
+          </a:xfrm>
+          <a:prstGeom prst="line">
+            <a:avLst/>
+          </a:prstGeom>
+          <a:ln w="19050" cap="rnd" cmpd="sng">
+            <a:solidFill>
+              <a:schemeClr val="tx1">
+                <a:lumMod val="65000"/>
+                <a:lumOff val="35000"/>
+              </a:schemeClr>
+            </a:solidFill>
+            <a:round/>
+            <a:headEnd type="none" w="med" len="med"/>
+            <a:tailEnd type="none" w="med" len="med"/>
+          </a:ln>
+        </p:spPr>
+        <p:style>
+          <a:lnRef idx="1">
+            <a:schemeClr val="accent1"/>
+          </a:lnRef>
+          <a:fillRef idx="0">
+            <a:schemeClr val="accent1"/>
+          </a:fillRef>
+          <a:effectRef idx="0">
+            <a:schemeClr val="accent1"/>
+          </a:effectRef>
+          <a:fontRef idx="minor">
+            <a:schemeClr val="tx1"/>
+          </a:fontRef>
+        </p:style>
+      </p:cxnSp>
+      <p:pic>
+        <p:nvPicPr>
+          <p:cNvPr id="18" name="Bild 8">
+            <a:extLst>
+              <a:ext uri="{FF2B5EF4-FFF2-40B4-BE49-F238E27FC236}">
+                <a16:creationId xmlns:a16="http://schemas.microsoft.com/office/drawing/2014/main" id="{534D8B3C-113F-6A4F-83A0-710C551F718F}"/>
+              </a:ext>
+            </a:extLst>
+          </p:cNvPr>
+          <p:cNvPicPr>
+            <a:picLocks noChangeAspect="1"/>
+          </p:cNvPicPr>
+          <p:nvPr/>
+        </p:nvPicPr>
+        <p:blipFill>
+          <a:blip r:embed="rId2">
+            <a:extLst>
+              <a:ext uri="{28A0092B-C50C-407E-A947-70E740481C1C}">
+                <a14:useLocalDpi xmlns:a14="http://schemas.microsoft.com/office/drawing/2010/main" val="0"/>
+              </a:ext>
+            </a:extLst>
+          </a:blip>
+          <a:stretch>
+            <a:fillRect/>
+          </a:stretch>
+        </p:blipFill>
+        <p:spPr>
+          <a:xfrm>
+            <a:off x="6273340" y="1793925"/>
+            <a:ext cx="360000" cy="360000"/>
+          </a:xfrm>
+          <a:prstGeom prst="rect">
+            <a:avLst/>
+          </a:prstGeom>
+        </p:spPr>
+      </p:pic>
+      <p:grpSp>
+        <p:nvGrpSpPr>
+          <p:cNvPr id="19" name="Gruppierung 7">
+            <a:extLst>
+              <a:ext uri="{FF2B5EF4-FFF2-40B4-BE49-F238E27FC236}">
+                <a16:creationId xmlns:a16="http://schemas.microsoft.com/office/drawing/2014/main" id="{B164106C-2056-934A-8E31-4AED5A9A0976}"/>
+              </a:ext>
+            </a:extLst>
+          </p:cNvPr>
+          <p:cNvGrpSpPr/>
+          <p:nvPr/>
+        </p:nvGrpSpPr>
+        <p:grpSpPr>
+          <a:xfrm>
+            <a:off x="8441046" y="3308330"/>
+            <a:ext cx="1041770" cy="1185592"/>
+            <a:chOff x="2871673" y="2333281"/>
+            <a:chExt cx="1041770" cy="1185592"/>
+          </a:xfrm>
+        </p:grpSpPr>
+        <p:sp>
+          <p:nvSpPr>
+            <p:cNvPr id="20" name="Rechteck 42">
+              <a:extLst>
+                <a:ext uri="{FF2B5EF4-FFF2-40B4-BE49-F238E27FC236}">
+                  <a16:creationId xmlns:a16="http://schemas.microsoft.com/office/drawing/2014/main" id="{7501801B-A2EE-1C49-BD9E-05487515D8E0}"/>
+                </a:ext>
+              </a:extLst>
+            </p:cNvPr>
+            <p:cNvSpPr/>
+            <p:nvPr/>
+          </p:nvSpPr>
+          <p:spPr>
+            <a:xfrm>
+              <a:off x="2871673" y="3011042"/>
+              <a:ext cx="1041770" cy="507831"/>
+            </a:xfrm>
+            <a:prstGeom prst="rect">
+              <a:avLst/>
+            </a:prstGeom>
+          </p:spPr>
+          <p:txBody>
+            <a:bodyPr wrap="square" lIns="0" tIns="0" rIns="0" bIns="0">
+              <a:spAutoFit/>
+            </a:bodyPr>
+            <a:lstStyle/>
+            <a:p>
+              <a:pPr algn="ctr"/>
+              <a:r>
+                <a:rPr lang="en-US" sz="1100" b="1" dirty="0">
+                  <a:solidFill>
+                    <a:srgbClr val="427CAC"/>
+                  </a:solidFill>
+                  <a:latin typeface="+mn-lt"/>
+                </a:rPr>
+                <a:t>SAP Cloud</a:t>
+              </a:r>
+              <a:br>
+                <a:rPr lang="en-US" sz="1100" b="1" dirty="0">
+                  <a:solidFill>
+                    <a:srgbClr val="427CAC"/>
+                  </a:solidFill>
+                  <a:latin typeface="+mn-lt"/>
+                </a:rPr>
+              </a:br>
+              <a:r>
+                <a:rPr lang="en-US" sz="1100" b="1" dirty="0">
+                  <a:solidFill>
+                    <a:srgbClr val="427CAC"/>
+                  </a:solidFill>
+                  <a:latin typeface="+mn-lt"/>
+                </a:rPr>
+                <a:t>Platform Integration</a:t>
+              </a:r>
+              <a:endParaRPr lang="en-US" sz="1100" b="1" dirty="0">
+                <a:solidFill>
+                  <a:srgbClr val="427CAC"/>
+                </a:solidFill>
+                <a:latin typeface="+mn-lt"/>
+                <a:ea typeface="Arial" charset="0"/>
+                <a:cs typeface="Arial" charset="0"/>
+              </a:endParaRPr>
+            </a:p>
+          </p:txBody>
+        </p:sp>
+        <p:pic>
+          <p:nvPicPr>
+            <p:cNvPr id="21" name="Bild 54">
+              <a:extLst>
+                <a:ext uri="{FF2B5EF4-FFF2-40B4-BE49-F238E27FC236}">
+                  <a16:creationId xmlns:a16="http://schemas.microsoft.com/office/drawing/2014/main" id="{5A6873EC-F5F1-864B-983B-CCE7B9E4A15D}"/>
+                </a:ext>
+              </a:extLst>
+            </p:cNvPr>
+            <p:cNvPicPr>
+              <a:picLocks noChangeAspect="1"/>
+            </p:cNvPicPr>
+            <p:nvPr/>
+          </p:nvPicPr>
+          <p:blipFill>
+            <a:blip r:embed="rId3">
+              <a:extLst>
+                <a:ext uri="{28A0092B-C50C-407E-A947-70E740481C1C}">
+                  <a14:useLocalDpi xmlns:a14="http://schemas.microsoft.com/office/drawing/2010/main" val="0"/>
+                </a:ext>
+              </a:extLst>
+            </a:blip>
+            <a:stretch>
+              <a:fillRect/>
+            </a:stretch>
+          </p:blipFill>
+          <p:spPr>
+            <a:xfrm>
+              <a:off x="3048681" y="2333281"/>
+              <a:ext cx="720000" cy="720000"/>
+            </a:xfrm>
+            <a:prstGeom prst="ellipse">
+              <a:avLst/>
+            </a:prstGeom>
+            <a:solidFill>
+              <a:schemeClr val="bg1"/>
+            </a:solidFill>
+          </p:spPr>
+        </p:pic>
+      </p:grpSp>
+      <p:sp>
+        <p:nvSpPr>
+          <p:cNvPr id="22" name="Rechteck 85">
+            <a:extLst>
+              <a:ext uri="{FF2B5EF4-FFF2-40B4-BE49-F238E27FC236}">
+                <a16:creationId xmlns:a16="http://schemas.microsoft.com/office/drawing/2014/main" id="{E5F007D8-A234-0F42-BA23-DD2375598378}"/>
+              </a:ext>
+            </a:extLst>
+          </p:cNvPr>
+          <p:cNvSpPr/>
+          <p:nvPr/>
+        </p:nvSpPr>
+        <p:spPr>
+          <a:xfrm>
+            <a:off x="4538065" y="3193416"/>
+            <a:ext cx="1437739" cy="507831"/>
+          </a:xfrm>
+          <a:prstGeom prst="rect">
+            <a:avLst/>
+          </a:prstGeom>
+        </p:spPr>
+        <p:txBody>
+          <a:bodyPr wrap="square" lIns="0" tIns="0" rIns="0" bIns="0">
+            <a:spAutoFit/>
+          </a:bodyPr>
+          <a:lstStyle/>
+          <a:p>
+            <a:pPr algn="ctr"/>
+            <a:r>
+              <a:rPr lang="en-US" sz="1100" b="1" dirty="0">
+                <a:solidFill>
+                  <a:srgbClr val="427CAC"/>
+                </a:solidFill>
+                <a:latin typeface="+mn-lt"/>
+                <a:ea typeface="Arial" charset="0"/>
+                <a:cs typeface="Arial" charset="0"/>
+              </a:rPr>
+              <a:t>SAP Cloud Platform Internet of Things </a:t>
+            </a:r>
+            <a:br>
+              <a:rPr lang="en-US" sz="1100" b="1" dirty="0">
+                <a:solidFill>
+                  <a:srgbClr val="427CAC"/>
+                </a:solidFill>
+                <a:latin typeface="+mn-lt"/>
+                <a:ea typeface="Arial" charset="0"/>
+                <a:cs typeface="Arial" charset="0"/>
+              </a:rPr>
+            </a:br>
+            <a:r>
+              <a:rPr lang="en-US" sz="1050" dirty="0">
+                <a:solidFill>
+                  <a:srgbClr val="427CAC"/>
+                </a:solidFill>
+                <a:latin typeface="+mn-lt"/>
+                <a:ea typeface="Arial" charset="0"/>
+                <a:cs typeface="Arial" charset="0"/>
+              </a:rPr>
+              <a:t>(Core)</a:t>
+            </a:r>
+            <a:endParaRPr lang="en-US" sz="1100" dirty="0">
+              <a:solidFill>
+                <a:srgbClr val="427CAC"/>
+              </a:solidFill>
+              <a:latin typeface="+mn-lt"/>
+              <a:ea typeface="Arial" charset="0"/>
+              <a:cs typeface="Arial" charset="0"/>
+            </a:endParaRPr>
+          </a:p>
+        </p:txBody>
+      </p:sp>
+      <p:pic>
+        <p:nvPicPr>
+          <p:cNvPr id="23" name="Bild 94">
+            <a:extLst>
+              <a:ext uri="{FF2B5EF4-FFF2-40B4-BE49-F238E27FC236}">
+                <a16:creationId xmlns:a16="http://schemas.microsoft.com/office/drawing/2014/main" id="{0DECB678-C306-1C4A-AE68-2BF21CD07750}"/>
+              </a:ext>
+            </a:extLst>
+          </p:cNvPr>
+          <p:cNvPicPr>
+            <a:picLocks noChangeAspect="1"/>
+          </p:cNvPicPr>
+          <p:nvPr/>
+        </p:nvPicPr>
+        <p:blipFill>
+          <a:blip r:embed="rId4">
+            <a:extLst>
+              <a:ext uri="{28A0092B-C50C-407E-A947-70E740481C1C}">
+                <a14:useLocalDpi xmlns:a14="http://schemas.microsoft.com/office/drawing/2010/main" val="0"/>
+              </a:ext>
+            </a:extLst>
+          </a:blip>
+          <a:stretch>
+            <a:fillRect/>
+          </a:stretch>
+        </p:blipFill>
+        <p:spPr>
+          <a:xfrm>
+            <a:off x="4896934" y="3658364"/>
+            <a:ext cx="720000" cy="720000"/>
+          </a:xfrm>
+          <a:prstGeom prst="ellipse">
+            <a:avLst/>
+          </a:prstGeom>
+        </p:spPr>
+      </p:pic>
+      <p:sp>
+        <p:nvSpPr>
+          <p:cNvPr id="24" name="Rechteck 88">
+            <a:extLst>
+              <a:ext uri="{FF2B5EF4-FFF2-40B4-BE49-F238E27FC236}">
+                <a16:creationId xmlns:a16="http://schemas.microsoft.com/office/drawing/2014/main" id="{0AE1F7B0-D4B0-AB40-9A70-ACBAFA6C55DF}"/>
+              </a:ext>
+            </a:extLst>
+          </p:cNvPr>
+          <p:cNvSpPr/>
+          <p:nvPr/>
+        </p:nvSpPr>
+        <p:spPr>
+          <a:xfrm>
+            <a:off x="6844602" y="3302705"/>
+            <a:ext cx="1569866" cy="338554"/>
+          </a:xfrm>
+          <a:prstGeom prst="rect">
+            <a:avLst/>
+          </a:prstGeom>
+        </p:spPr>
+        <p:txBody>
+          <a:bodyPr wrap="square" lIns="0" tIns="0" rIns="0" bIns="0">
+            <a:spAutoFit/>
+          </a:bodyPr>
+          <a:lstStyle/>
+          <a:p>
+            <a:pPr algn="ctr"/>
+            <a:r>
+              <a:rPr lang="en-US" sz="1100" b="1" dirty="0">
+                <a:solidFill>
+                  <a:srgbClr val="427CAC"/>
+                </a:solidFill>
+                <a:latin typeface="+mn-lt"/>
+              </a:rPr>
+              <a:t>SAP IoT Application Enablement</a:t>
+            </a:r>
+            <a:endParaRPr lang="en-US" sz="1100" b="1" dirty="0">
+              <a:solidFill>
+                <a:srgbClr val="427CAC"/>
+              </a:solidFill>
+              <a:latin typeface="+mn-lt"/>
+              <a:ea typeface="Arial" charset="0"/>
+              <a:cs typeface="Arial" charset="0"/>
+            </a:endParaRPr>
+          </a:p>
+        </p:txBody>
+      </p:sp>
+      <p:pic>
+        <p:nvPicPr>
+          <p:cNvPr id="25" name="Bild 95">
+            <a:extLst>
+              <a:ext uri="{FF2B5EF4-FFF2-40B4-BE49-F238E27FC236}">
+                <a16:creationId xmlns:a16="http://schemas.microsoft.com/office/drawing/2014/main" id="{DBB58E46-BAE3-144D-AEF4-EC83E4734BBD}"/>
+              </a:ext>
+            </a:extLst>
+          </p:cNvPr>
+          <p:cNvPicPr>
+            <a:picLocks noChangeAspect="1"/>
+          </p:cNvPicPr>
+          <p:nvPr/>
+        </p:nvPicPr>
+        <p:blipFill>
+          <a:blip r:embed="rId5">
+            <a:extLst>
+              <a:ext uri="{28A0092B-C50C-407E-A947-70E740481C1C}">
+                <a14:useLocalDpi xmlns:a14="http://schemas.microsoft.com/office/drawing/2010/main" val="0"/>
+              </a:ext>
+            </a:extLst>
+          </a:blip>
+          <a:stretch>
+            <a:fillRect/>
+          </a:stretch>
+        </p:blipFill>
+        <p:spPr>
+          <a:xfrm>
+            <a:off x="7335731" y="3664316"/>
+            <a:ext cx="720000" cy="720000"/>
+          </a:xfrm>
+          <a:prstGeom prst="ellipse">
+            <a:avLst/>
+          </a:prstGeom>
+        </p:spPr>
+      </p:pic>
+      <p:sp>
+        <p:nvSpPr>
+          <p:cNvPr id="26" name="Abgerundetes Rechteck 30">
+            <a:extLst>
+              <a:ext uri="{FF2B5EF4-FFF2-40B4-BE49-F238E27FC236}">
+                <a16:creationId xmlns:a16="http://schemas.microsoft.com/office/drawing/2014/main" id="{FF804686-7331-B845-89B7-808F2F2C290E}"/>
+              </a:ext>
+            </a:extLst>
+          </p:cNvPr>
+          <p:cNvSpPr/>
+          <p:nvPr/>
+        </p:nvSpPr>
+        <p:spPr>
+          <a:xfrm>
+            <a:off x="5171678" y="5048386"/>
+            <a:ext cx="2226986" cy="377700"/>
+          </a:xfrm>
+          <a:prstGeom prst="roundRect">
+            <a:avLst>
+              <a:gd name="adj" fmla="val 4078"/>
+            </a:avLst>
+          </a:prstGeom>
+          <a:noFill/>
+          <a:ln w="28575">
+            <a:noFill/>
+          </a:ln>
+        </p:spPr>
+        <p:style>
+          <a:lnRef idx="2">
+            <a:schemeClr val="accent1">
+              <a:shade val="50000"/>
+            </a:schemeClr>
+          </a:lnRef>
+          <a:fillRef idx="1">
+            <a:schemeClr val="accent1"/>
+          </a:fillRef>
+          <a:effectRef idx="0">
+            <a:schemeClr val="accent1"/>
+          </a:effectRef>
+          <a:fontRef idx="minor">
+            <a:schemeClr val="lt1"/>
+          </a:fontRef>
+        </p:style>
+        <p:txBody>
+          <a:bodyPr lIns="36000" tIns="36000" rIns="36000" bIns="36000" rtlCol="0" anchor="ctr"/>
+          <a:lstStyle/>
+          <a:p>
+            <a:pPr algn="r"/>
+            <a:r>
+              <a:rPr lang="en-US" sz="1100" b="1" dirty="0">
+                <a:solidFill>
+                  <a:srgbClr val="1A9898"/>
+                </a:solidFill>
+                <a:ea typeface="Arial" charset="0"/>
+                <a:cs typeface="Arial" charset="0"/>
+              </a:rPr>
+              <a:t>Your IoT Data</a:t>
+            </a:r>
+            <a:br>
+              <a:rPr lang="en-US" sz="1100" b="1" dirty="0">
+                <a:solidFill>
+                  <a:schemeClr val="tx1">
+                    <a:lumMod val="65000"/>
+                    <a:lumOff val="35000"/>
+                  </a:schemeClr>
+                </a:solidFill>
+                <a:ea typeface="Arial" charset="0"/>
+                <a:cs typeface="Arial" charset="0"/>
+              </a:rPr>
+            </a:br>
+            <a:r>
+              <a:rPr lang="en-US" sz="1100" dirty="0">
+                <a:solidFill>
+                  <a:schemeClr val="tx1">
+                    <a:lumMod val="65000"/>
+                    <a:lumOff val="35000"/>
+                  </a:schemeClr>
+                </a:solidFill>
+                <a:ea typeface="Arial" charset="0"/>
+                <a:cs typeface="Arial" charset="0"/>
+              </a:rPr>
+              <a:t>Swift I Cassandra** I SAP HANA</a:t>
+            </a:r>
+          </a:p>
+        </p:txBody>
+      </p:sp>
+      <p:pic>
+        <p:nvPicPr>
+          <p:cNvPr id="27" name="Bild 32">
+            <a:extLst>
+              <a:ext uri="{FF2B5EF4-FFF2-40B4-BE49-F238E27FC236}">
+                <a16:creationId xmlns:a16="http://schemas.microsoft.com/office/drawing/2014/main" id="{0A697678-C13B-4B4F-82F7-FB3A436C0CE9}"/>
+              </a:ext>
+            </a:extLst>
+          </p:cNvPr>
+          <p:cNvPicPr>
+            <a:picLocks noChangeAspect="1"/>
+          </p:cNvPicPr>
+          <p:nvPr/>
+        </p:nvPicPr>
+        <p:blipFill rotWithShape="1">
+          <a:blip r:embed="rId6">
+            <a:duotone>
+              <a:schemeClr val="accent2">
+                <a:shade val="45000"/>
+                <a:satMod val="135000"/>
+              </a:schemeClr>
+              <a:prstClr val="white"/>
+            </a:duotone>
+            <a:extLst>
+              <a:ext uri="{28A0092B-C50C-407E-A947-70E740481C1C}">
+                <a14:useLocalDpi xmlns:a14="http://schemas.microsoft.com/office/drawing/2010/main" val="0"/>
+              </a:ext>
+            </a:extLst>
+          </a:blip>
+          <a:srcRect t="-5177"/>
+          <a:stretch/>
+        </p:blipFill>
+        <p:spPr>
+          <a:xfrm>
+            <a:off x="7486627" y="4983314"/>
+            <a:ext cx="418207" cy="439857"/>
+          </a:xfrm>
+          <a:prstGeom prst="rect">
+            <a:avLst/>
+          </a:prstGeom>
+        </p:spPr>
+      </p:pic>
+      <p:sp>
+        <p:nvSpPr>
+          <p:cNvPr id="28" name="Rechteck 96">
+            <a:extLst>
+              <a:ext uri="{FF2B5EF4-FFF2-40B4-BE49-F238E27FC236}">
+                <a16:creationId xmlns:a16="http://schemas.microsoft.com/office/drawing/2014/main" id="{A5192166-F1DE-E948-BC1C-6115EA2685D1}"/>
+              </a:ext>
+            </a:extLst>
+          </p:cNvPr>
+          <p:cNvSpPr/>
+          <p:nvPr/>
+        </p:nvSpPr>
+        <p:spPr>
+          <a:xfrm>
+            <a:off x="5141746" y="1787923"/>
+            <a:ext cx="545021" cy="323165"/>
+          </a:xfrm>
+          <a:prstGeom prst="rect">
+            <a:avLst/>
+          </a:prstGeom>
+        </p:spPr>
+        <p:txBody>
+          <a:bodyPr wrap="none" lIns="0" tIns="0" rIns="0" bIns="0">
+            <a:spAutoFit/>
+          </a:bodyPr>
+          <a:lstStyle/>
+          <a:p>
+            <a:r>
+              <a:rPr lang="en-US" sz="1050" b="1" dirty="0">
+                <a:solidFill>
+                  <a:srgbClr val="427CAC"/>
+                </a:solidFill>
+                <a:latin typeface="+mn-lt"/>
+                <a:ea typeface="Arial" charset="0"/>
+                <a:cs typeface="Arial" charset="0"/>
+              </a:rPr>
+              <a:t>SAP </a:t>
+            </a:r>
+            <a:br>
+              <a:rPr lang="en-US" sz="1050" b="1" dirty="0">
+                <a:solidFill>
+                  <a:srgbClr val="427CAC"/>
+                </a:solidFill>
+                <a:latin typeface="+mn-lt"/>
+                <a:ea typeface="Arial" charset="0"/>
+                <a:cs typeface="Arial" charset="0"/>
+              </a:rPr>
+            </a:br>
+            <a:r>
+              <a:rPr lang="en-US" sz="1050" b="1" dirty="0">
+                <a:solidFill>
+                  <a:srgbClr val="427CAC"/>
+                </a:solidFill>
+                <a:latin typeface="+mn-lt"/>
+                <a:ea typeface="Arial" charset="0"/>
+                <a:cs typeface="Arial" charset="0"/>
+              </a:rPr>
+              <a:t>Web IDE</a:t>
+            </a:r>
+          </a:p>
+        </p:txBody>
+      </p:sp>
+      <p:sp>
+        <p:nvSpPr>
+          <p:cNvPr id="29" name="Rectangle 69">
+            <a:extLst>
+              <a:ext uri="{FF2B5EF4-FFF2-40B4-BE49-F238E27FC236}">
+                <a16:creationId xmlns:a16="http://schemas.microsoft.com/office/drawing/2014/main" id="{4AC8FDAF-0A84-CA42-B6CC-044CD775650D}"/>
+              </a:ext>
+            </a:extLst>
+          </p:cNvPr>
+          <p:cNvSpPr/>
+          <p:nvPr/>
+        </p:nvSpPr>
+        <p:spPr>
+          <a:xfrm>
+            <a:off x="8095745" y="1762077"/>
+            <a:ext cx="1275990" cy="323165"/>
+          </a:xfrm>
+          <a:prstGeom prst="rect">
+            <a:avLst/>
+          </a:prstGeom>
+        </p:spPr>
+        <p:txBody>
+          <a:bodyPr wrap="none" lIns="0" tIns="0" rIns="0" bIns="0">
+            <a:spAutoFit/>
+          </a:bodyPr>
+          <a:lstStyle/>
+          <a:p>
+            <a:r>
+              <a:rPr lang="en-US" sz="1050" b="1" dirty="0">
+                <a:solidFill>
+                  <a:srgbClr val="427CAC"/>
+                </a:solidFill>
+                <a:ea typeface="Arial" charset="0"/>
+                <a:cs typeface="Arial" charset="0"/>
+              </a:rPr>
+              <a:t>Portal</a:t>
+            </a:r>
+            <a:br>
+              <a:rPr lang="en-US" sz="1050" b="1" dirty="0">
+                <a:solidFill>
+                  <a:srgbClr val="427CAC"/>
+                </a:solidFill>
+                <a:ea typeface="Arial" charset="0"/>
+                <a:cs typeface="Arial" charset="0"/>
+              </a:rPr>
+            </a:br>
+            <a:r>
+              <a:rPr lang="en-US" sz="1050" dirty="0">
+                <a:solidFill>
+                  <a:srgbClr val="427CAC"/>
+                </a:solidFill>
+                <a:ea typeface="Arial" charset="0"/>
+                <a:cs typeface="Arial" charset="0"/>
+              </a:rPr>
+              <a:t>SAP Fiori Launchpad</a:t>
+            </a:r>
+          </a:p>
+        </p:txBody>
+      </p:sp>
+      <p:cxnSp>
+        <p:nvCxnSpPr>
+          <p:cNvPr id="30" name="Gewinkelte Verbindung 42">
+            <a:extLst>
+              <a:ext uri="{FF2B5EF4-FFF2-40B4-BE49-F238E27FC236}">
+                <a16:creationId xmlns:a16="http://schemas.microsoft.com/office/drawing/2014/main" id="{380728BE-7189-A141-A0B9-289C1F3881B7}"/>
+              </a:ext>
+            </a:extLst>
+          </p:cNvPr>
+          <p:cNvCxnSpPr>
+            <a:cxnSpLocks/>
+            <a:stCxn id="25" idx="4"/>
+          </p:cNvCxnSpPr>
+          <p:nvPr/>
+        </p:nvCxnSpPr>
+        <p:spPr>
+          <a:xfrm>
+            <a:off x="7695731" y="4384316"/>
+            <a:ext cx="0" cy="552784"/>
+          </a:xfrm>
+          <a:prstGeom prst="straightConnector1">
+            <a:avLst/>
+          </a:prstGeom>
+          <a:ln w="19050" cap="rnd" cmpd="sng">
+            <a:solidFill>
+              <a:schemeClr val="tx1">
+                <a:lumMod val="65000"/>
+                <a:lumOff val="35000"/>
+              </a:schemeClr>
+            </a:solidFill>
+            <a:round/>
+            <a:headEnd type="none" w="med" len="med"/>
+            <a:tailEnd type="triangle" w="med" len="med"/>
+          </a:ln>
+        </p:spPr>
+        <p:style>
+          <a:lnRef idx="1">
+            <a:schemeClr val="accent1"/>
+          </a:lnRef>
+          <a:fillRef idx="0">
+            <a:schemeClr val="accent1"/>
+          </a:fillRef>
+          <a:effectRef idx="0">
+            <a:schemeClr val="accent1"/>
+          </a:effectRef>
+          <a:fontRef idx="minor">
+            <a:schemeClr val="tx1"/>
+          </a:fontRef>
+        </p:style>
+      </p:cxnSp>
+      <p:sp>
+        <p:nvSpPr>
+          <p:cNvPr id="31" name="TextBox 71">
+            <a:extLst>
+              <a:ext uri="{FF2B5EF4-FFF2-40B4-BE49-F238E27FC236}">
+                <a16:creationId xmlns:a16="http://schemas.microsoft.com/office/drawing/2014/main" id="{9FFA0F91-060E-D04B-A473-A80D7892DAF4}"/>
+              </a:ext>
+            </a:extLst>
+          </p:cNvPr>
+          <p:cNvSpPr txBox="1"/>
+          <p:nvPr/>
+        </p:nvSpPr>
+        <p:spPr>
+          <a:xfrm>
+            <a:off x="641154" y="5669402"/>
+            <a:ext cx="1912383" cy="161583"/>
+          </a:xfrm>
+          <a:prstGeom prst="rect">
+            <a:avLst/>
+          </a:prstGeom>
+          <a:noFill/>
+        </p:spPr>
+        <p:txBody>
+          <a:bodyPr wrap="none" lIns="0" tIns="0" rIns="0" bIns="0" rtlCol="0">
+            <a:spAutoFit/>
+          </a:bodyPr>
+          <a:lstStyle/>
+          <a:p>
+            <a:pPr fontAlgn="base">
+              <a:spcBef>
+                <a:spcPct val="50000"/>
+              </a:spcBef>
+              <a:spcAft>
+                <a:spcPct val="0"/>
+              </a:spcAft>
+              <a:buClr>
+                <a:srgbClr val="F0AB00"/>
+              </a:buClr>
+              <a:buSzPct val="80000"/>
+            </a:pPr>
+            <a:r>
+              <a:rPr lang="en-US" sz="1050" kern="0" dirty="0">
+                <a:latin typeface="+mn-lt"/>
+                <a:ea typeface="Arial Unicode MS" pitchFamily="34" charset="-128"/>
+                <a:cs typeface="Arial Unicode MS" pitchFamily="34" charset="-128"/>
+              </a:rPr>
+              <a:t>**Support of SAP Vora planned.</a:t>
+            </a:r>
+          </a:p>
+        </p:txBody>
+      </p:sp>
+      <p:cxnSp>
+        <p:nvCxnSpPr>
+          <p:cNvPr id="32" name="Gewinkelte Verbindung 42">
+            <a:extLst>
+              <a:ext uri="{FF2B5EF4-FFF2-40B4-BE49-F238E27FC236}">
+                <a16:creationId xmlns:a16="http://schemas.microsoft.com/office/drawing/2014/main" id="{0767F368-C9F6-424B-BA13-8AE10D56AA89}"/>
+              </a:ext>
+            </a:extLst>
+          </p:cNvPr>
+          <p:cNvCxnSpPr>
+            <a:stCxn id="48" idx="2"/>
+            <a:endCxn id="49" idx="0"/>
+          </p:cNvCxnSpPr>
+          <p:nvPr/>
+        </p:nvCxnSpPr>
+        <p:spPr>
+          <a:xfrm>
+            <a:off x="2871958" y="3411055"/>
+            <a:ext cx="0" cy="542611"/>
+          </a:xfrm>
+          <a:prstGeom prst="straightConnector1">
+            <a:avLst/>
+          </a:prstGeom>
+          <a:ln w="19050" cap="rnd" cmpd="sng">
+            <a:solidFill>
+              <a:schemeClr val="tx1">
+                <a:lumMod val="65000"/>
+                <a:lumOff val="35000"/>
+              </a:schemeClr>
+            </a:solidFill>
+            <a:round/>
+            <a:headEnd type="none" w="med" len="med"/>
+            <a:tailEnd type="triangle" w="med" len="med"/>
+          </a:ln>
+        </p:spPr>
+        <p:style>
+          <a:lnRef idx="1">
+            <a:schemeClr val="accent1"/>
+          </a:lnRef>
+          <a:fillRef idx="0">
+            <a:schemeClr val="accent1"/>
+          </a:fillRef>
+          <a:effectRef idx="0">
+            <a:schemeClr val="accent1"/>
+          </a:effectRef>
+          <a:fontRef idx="minor">
+            <a:schemeClr val="tx1"/>
+          </a:fontRef>
+        </p:style>
+      </p:cxnSp>
+      <p:sp>
+        <p:nvSpPr>
+          <p:cNvPr id="33" name="Shape 2158">
+            <a:extLst>
+              <a:ext uri="{FF2B5EF4-FFF2-40B4-BE49-F238E27FC236}">
+                <a16:creationId xmlns:a16="http://schemas.microsoft.com/office/drawing/2014/main" id="{75F9F231-F16F-F347-8BF2-633436F84B61}"/>
+              </a:ext>
+            </a:extLst>
+          </p:cNvPr>
+          <p:cNvSpPr/>
+          <p:nvPr/>
+        </p:nvSpPr>
+        <p:spPr>
+          <a:xfrm>
+            <a:off x="4405362" y="2614072"/>
+            <a:ext cx="4088655" cy="2009665"/>
+          </a:xfrm>
+          <a:prstGeom prst="roundRect">
+            <a:avLst>
+              <a:gd name="adj" fmla="val 399"/>
+            </a:avLst>
+          </a:prstGeom>
+          <a:noFill/>
+          <a:ln w="19050" cap="rnd">
+            <a:solidFill>
+              <a:srgbClr val="0092D1"/>
+            </a:solidFill>
+          </a:ln>
+        </p:spPr>
+        <p:style>
+          <a:lnRef idx="2">
+            <a:schemeClr val="accent1">
+              <a:shade val="50000"/>
+            </a:schemeClr>
+          </a:lnRef>
+          <a:fillRef idx="1">
+            <a:schemeClr val="accent1"/>
+          </a:fillRef>
+          <a:effectRef idx="0">
+            <a:schemeClr val="accent1"/>
+          </a:effectRef>
+          <a:fontRef idx="minor">
+            <a:schemeClr val="lt1"/>
+          </a:fontRef>
+        </p:style>
+        <p:txBody>
+          <a:bodyPr lIns="72000" tIns="72000" rIns="72000" bIns="72000" rtlCol="0" anchor="t"/>
+          <a:lstStyle/>
+          <a:p>
+            <a:r>
+              <a:rPr lang="en-US" sz="1050" b="1" dirty="0">
+                <a:solidFill>
+                  <a:schemeClr val="tx1">
+                    <a:lumMod val="65000"/>
+                    <a:lumOff val="35000"/>
+                  </a:schemeClr>
+                </a:solidFill>
+                <a:sym typeface="Arial"/>
+              </a:rPr>
+              <a:t> </a:t>
+            </a:r>
+            <a:r>
+              <a:rPr lang="en-US" sz="1100" b="1" dirty="0">
+                <a:solidFill>
+                  <a:srgbClr val="427CAC"/>
+                </a:solidFill>
+                <a:cs typeface="Arial" charset="0"/>
+                <a:sym typeface="Arial"/>
+              </a:rPr>
+              <a:t>Cloud Foundry Environment</a:t>
+            </a:r>
+          </a:p>
+        </p:txBody>
+      </p:sp>
+      <p:cxnSp>
+        <p:nvCxnSpPr>
+          <p:cNvPr id="34" name="Straight Connector 74">
+            <a:extLst>
+              <a:ext uri="{FF2B5EF4-FFF2-40B4-BE49-F238E27FC236}">
+                <a16:creationId xmlns:a16="http://schemas.microsoft.com/office/drawing/2014/main" id="{FD8D5177-5AB6-6843-9766-5F52534B5B3D}"/>
+              </a:ext>
+            </a:extLst>
+          </p:cNvPr>
+          <p:cNvCxnSpPr>
+            <a:cxnSpLocks/>
+            <a:stCxn id="23" idx="6"/>
+            <a:endCxn id="25" idx="2"/>
+          </p:cNvCxnSpPr>
+          <p:nvPr/>
+        </p:nvCxnSpPr>
+        <p:spPr>
+          <a:xfrm>
+            <a:off x="5616934" y="4018364"/>
+            <a:ext cx="1718797" cy="5952"/>
+          </a:xfrm>
+          <a:prstGeom prst="line">
+            <a:avLst/>
+          </a:prstGeom>
+          <a:ln w="19050" cap="rnd" cmpd="sng">
+            <a:solidFill>
+              <a:schemeClr val="tx1">
+                <a:lumMod val="65000"/>
+                <a:lumOff val="35000"/>
+              </a:schemeClr>
+            </a:solidFill>
+            <a:round/>
+            <a:headEnd type="none" w="med" len="med"/>
+            <a:tailEnd type="triangle" w="med" len="med"/>
+          </a:ln>
+        </p:spPr>
+        <p:style>
+          <a:lnRef idx="1">
+            <a:schemeClr val="accent1"/>
+          </a:lnRef>
+          <a:fillRef idx="0">
+            <a:schemeClr val="accent1"/>
+          </a:fillRef>
+          <a:effectRef idx="0">
+            <a:schemeClr val="accent1"/>
+          </a:effectRef>
+          <a:fontRef idx="minor">
+            <a:schemeClr val="tx1"/>
+          </a:fontRef>
+        </p:style>
+      </p:cxnSp>
+      <p:sp>
+        <p:nvSpPr>
+          <p:cNvPr id="35" name="Rectangle 75">
+            <a:extLst>
+              <a:ext uri="{FF2B5EF4-FFF2-40B4-BE49-F238E27FC236}">
+                <a16:creationId xmlns:a16="http://schemas.microsoft.com/office/drawing/2014/main" id="{D45C031A-369A-E746-A60B-B213E618B61B}"/>
+              </a:ext>
+            </a:extLst>
+          </p:cNvPr>
+          <p:cNvSpPr/>
+          <p:nvPr/>
+        </p:nvSpPr>
+        <p:spPr bwMode="gray">
+          <a:xfrm>
+            <a:off x="5889008" y="3745239"/>
+            <a:ext cx="1120766" cy="543790"/>
+          </a:xfrm>
+          <a:prstGeom prst="rect">
+            <a:avLst/>
+          </a:prstGeom>
+          <a:solidFill>
+            <a:schemeClr val="bg1"/>
+          </a:solidFill>
+          <a:ln>
+            <a:solidFill>
+              <a:srgbClr val="1A9898"/>
+            </a:solidFill>
+          </a:ln>
+        </p:spPr>
+        <p:style>
+          <a:lnRef idx="2">
+            <a:schemeClr val="accent1">
+              <a:shade val="50000"/>
+            </a:schemeClr>
+          </a:lnRef>
+          <a:fillRef idx="1">
+            <a:schemeClr val="accent1"/>
+          </a:fillRef>
+          <a:effectRef idx="0">
+            <a:schemeClr val="accent1"/>
+          </a:effectRef>
+          <a:fontRef idx="minor">
+            <a:schemeClr val="lt1"/>
+          </a:fontRef>
+        </p:style>
+        <p:txBody>
+          <a:bodyPr lIns="72000" tIns="72000" rIns="72000" bIns="72000" rtlCol="0" anchor="ctr"/>
+          <a:lstStyle/>
+          <a:p>
+            <a:pPr algn="ctr"/>
+            <a:r>
+              <a:rPr lang="en-US" sz="1100" b="1" dirty="0">
+                <a:solidFill>
+                  <a:schemeClr val="tx1">
+                    <a:lumMod val="65000"/>
+                    <a:lumOff val="35000"/>
+                  </a:schemeClr>
+                </a:solidFill>
+                <a:ea typeface="Arial" charset="0"/>
+                <a:cs typeface="Arial" charset="0"/>
+              </a:rPr>
+              <a:t>Data Ingestion Pipeline</a:t>
+            </a:r>
+          </a:p>
+        </p:txBody>
+      </p:sp>
+      <p:sp>
+        <p:nvSpPr>
+          <p:cNvPr id="36" name="TextBox 76">
+            <a:extLst>
+              <a:ext uri="{FF2B5EF4-FFF2-40B4-BE49-F238E27FC236}">
+                <a16:creationId xmlns:a16="http://schemas.microsoft.com/office/drawing/2014/main" id="{3AD8A977-5220-A240-854E-4F365060B87A}"/>
+              </a:ext>
+            </a:extLst>
+          </p:cNvPr>
+          <p:cNvSpPr txBox="1"/>
+          <p:nvPr/>
+        </p:nvSpPr>
+        <p:spPr>
+          <a:xfrm>
+            <a:off x="2423068" y="3591350"/>
+            <a:ext cx="360676" cy="153888"/>
+          </a:xfrm>
+          <a:prstGeom prst="rect">
+            <a:avLst/>
+          </a:prstGeom>
+          <a:noFill/>
+        </p:spPr>
+        <p:txBody>
+          <a:bodyPr wrap="none" lIns="0" tIns="0" rIns="0" bIns="0" rtlCol="0">
+            <a:spAutoFit/>
+          </a:bodyPr>
+          <a:lstStyle/>
+          <a:p>
+            <a:pPr fontAlgn="base">
+              <a:spcBef>
+                <a:spcPct val="50000"/>
+              </a:spcBef>
+              <a:spcAft>
+                <a:spcPct val="0"/>
+              </a:spcAft>
+              <a:buClr>
+                <a:srgbClr val="F0AB00"/>
+              </a:buClr>
+              <a:buSzPct val="80000"/>
+            </a:pPr>
+            <a:r>
+              <a:rPr lang="en-US" sz="1000" i="1" kern="0" dirty="0">
+                <a:solidFill>
+                  <a:schemeClr val="tx1">
+                    <a:lumMod val="65000"/>
+                    <a:lumOff val="35000"/>
+                  </a:schemeClr>
+                </a:solidFill>
+                <a:latin typeface="+mn-lt"/>
+                <a:ea typeface="Arial Unicode MS" pitchFamily="34" charset="-128"/>
+                <a:cs typeface="Arial Unicode MS" pitchFamily="34" charset="-128"/>
+              </a:rPr>
+              <a:t>run on</a:t>
+            </a:r>
+          </a:p>
+        </p:txBody>
+      </p:sp>
+      <p:sp>
+        <p:nvSpPr>
+          <p:cNvPr id="37" name="Rechteck 61">
+            <a:extLst>
+              <a:ext uri="{FF2B5EF4-FFF2-40B4-BE49-F238E27FC236}">
+                <a16:creationId xmlns:a16="http://schemas.microsoft.com/office/drawing/2014/main" id="{F4877084-417F-094E-B8FE-4F73B55D9DAB}"/>
+              </a:ext>
+            </a:extLst>
+          </p:cNvPr>
+          <p:cNvSpPr/>
+          <p:nvPr/>
+        </p:nvSpPr>
+        <p:spPr>
+          <a:xfrm>
+            <a:off x="1695180" y="1798009"/>
+            <a:ext cx="2253405" cy="3057549"/>
+          </a:xfrm>
+          <a:prstGeom prst="rect">
+            <a:avLst/>
+          </a:prstGeom>
+          <a:noFill/>
+          <a:ln w="19050">
+            <a:solidFill>
+              <a:schemeClr val="tx1">
+                <a:lumMod val="65000"/>
+                <a:lumOff val="35000"/>
+              </a:schemeClr>
+            </a:solidFill>
+          </a:ln>
+          <a:effectLst/>
+        </p:spPr>
+        <p:style>
+          <a:lnRef idx="2">
+            <a:schemeClr val="accent1">
+              <a:shade val="50000"/>
+            </a:schemeClr>
+          </a:lnRef>
+          <a:fillRef idx="1">
+            <a:schemeClr val="accent1"/>
+          </a:fillRef>
+          <a:effectRef idx="0">
+            <a:schemeClr val="accent1"/>
+          </a:effectRef>
+          <a:fontRef idx="minor">
+            <a:schemeClr val="lt1"/>
+          </a:fontRef>
+        </p:style>
+        <p:txBody>
+          <a:bodyPr lIns="72000" tIns="72000" rIns="72000" bIns="0" rtlCol="0" anchor="t" anchorCtr="0"/>
+          <a:lstStyle/>
+          <a:p>
+            <a:pPr algn="ctr"/>
+            <a:r>
+              <a:rPr lang="en-US" sz="1400" b="1" kern="0" dirty="0">
+                <a:solidFill>
+                  <a:schemeClr val="tx1">
+                    <a:lumMod val="65000"/>
+                    <a:lumOff val="35000"/>
+                  </a:schemeClr>
+                </a:solidFill>
+                <a:ea typeface="BentonSans" charset="0"/>
+                <a:cs typeface="BentonSans" charset="0"/>
+              </a:rPr>
+              <a:t>Hardware Gateway</a:t>
+            </a:r>
+          </a:p>
+        </p:txBody>
+      </p:sp>
+      <p:sp>
+        <p:nvSpPr>
+          <p:cNvPr id="38" name="Textfeld 6">
+            <a:extLst>
+              <a:ext uri="{FF2B5EF4-FFF2-40B4-BE49-F238E27FC236}">
+                <a16:creationId xmlns:a16="http://schemas.microsoft.com/office/drawing/2014/main" id="{2523FE83-A41F-8D47-A97A-3DFD5E006CBD}"/>
+              </a:ext>
+            </a:extLst>
+          </p:cNvPr>
+          <p:cNvSpPr txBox="1"/>
+          <p:nvPr/>
+        </p:nvSpPr>
+        <p:spPr>
+          <a:xfrm>
+            <a:off x="1919536" y="1196752"/>
+            <a:ext cx="3521030" cy="307777"/>
+          </a:xfrm>
+          <a:prstGeom prst="rect">
+            <a:avLst/>
+          </a:prstGeom>
+          <a:noFill/>
+        </p:spPr>
+        <p:txBody>
+          <a:bodyPr wrap="square" rtlCol="0">
+            <a:spAutoFit/>
+          </a:bodyPr>
+          <a:lstStyle/>
+          <a:p>
+            <a:pPr algn="ctr"/>
+            <a:r>
+              <a:rPr lang="en-US" sz="1400" b="1" dirty="0">
+                <a:solidFill>
+                  <a:schemeClr val="tx1">
+                    <a:lumMod val="65000"/>
+                    <a:lumOff val="35000"/>
+                  </a:schemeClr>
+                </a:solidFill>
+                <a:latin typeface="+mn-lt"/>
+                <a:ea typeface="BentonSans Medium" charset="0"/>
+                <a:cs typeface="BentonSans Medium" charset="0"/>
+              </a:rPr>
+              <a:t>INTERNET</a:t>
+            </a:r>
+          </a:p>
+        </p:txBody>
+      </p:sp>
+      <p:cxnSp>
+        <p:nvCxnSpPr>
+          <p:cNvPr id="39" name="Straight Arrow Connector 79">
+            <a:extLst>
+              <a:ext uri="{FF2B5EF4-FFF2-40B4-BE49-F238E27FC236}">
+                <a16:creationId xmlns:a16="http://schemas.microsoft.com/office/drawing/2014/main" id="{85CA7CD5-57C9-794C-A322-36B2E90CDA02}"/>
+              </a:ext>
+            </a:extLst>
+          </p:cNvPr>
+          <p:cNvCxnSpPr>
+            <a:cxnSpLocks/>
+            <a:stCxn id="9" idx="3"/>
+            <a:endCxn id="33" idx="1"/>
+          </p:cNvCxnSpPr>
+          <p:nvPr/>
+        </p:nvCxnSpPr>
+        <p:spPr>
+          <a:xfrm flipV="1">
+            <a:off x="3790337" y="3618905"/>
+            <a:ext cx="615025" cy="171"/>
+          </a:xfrm>
+          <a:prstGeom prst="straightConnector1">
+            <a:avLst/>
+          </a:prstGeom>
+          <a:ln w="19050" cap="rnd" cmpd="sng">
+            <a:solidFill>
+              <a:schemeClr val="tx1">
+                <a:lumMod val="65000"/>
+                <a:lumOff val="35000"/>
+              </a:schemeClr>
+            </a:solidFill>
+            <a:round/>
+            <a:headEnd type="triangle" w="med" len="med"/>
+            <a:tailEnd type="triangle" w="med" len="med"/>
+          </a:ln>
+        </p:spPr>
+        <p:style>
+          <a:lnRef idx="1">
+            <a:schemeClr val="accent1"/>
+          </a:lnRef>
+          <a:fillRef idx="0">
+            <a:schemeClr val="accent1"/>
+          </a:fillRef>
+          <a:effectRef idx="0">
+            <a:schemeClr val="accent1"/>
+          </a:effectRef>
+          <a:fontRef idx="minor">
+            <a:schemeClr val="tx1"/>
+          </a:fontRef>
+        </p:style>
+      </p:cxnSp>
+      <p:pic>
+        <p:nvPicPr>
+          <p:cNvPr id="40" name="Bild 35">
+            <a:extLst>
+              <a:ext uri="{FF2B5EF4-FFF2-40B4-BE49-F238E27FC236}">
+                <a16:creationId xmlns:a16="http://schemas.microsoft.com/office/drawing/2014/main" id="{FB0D201C-AC00-8144-9220-CFD8E72EC657}"/>
+              </a:ext>
+            </a:extLst>
+          </p:cNvPr>
+          <p:cNvPicPr>
+            <a:picLocks noChangeAspect="1"/>
+          </p:cNvPicPr>
+          <p:nvPr/>
+        </p:nvPicPr>
+        <p:blipFill>
+          <a:blip r:embed="rId7">
+            <a:extLst>
+              <a:ext uri="{28A0092B-C50C-407E-A947-70E740481C1C}">
+                <a14:useLocalDpi xmlns:a14="http://schemas.microsoft.com/office/drawing/2010/main" val="0"/>
+              </a:ext>
+            </a:extLst>
+          </a:blip>
+          <a:stretch>
+            <a:fillRect/>
+          </a:stretch>
+        </p:blipFill>
+        <p:spPr>
+          <a:xfrm>
+            <a:off x="7375745" y="1554091"/>
+            <a:ext cx="720000" cy="720000"/>
+          </a:xfrm>
+          <a:prstGeom prst="ellipse">
+            <a:avLst/>
+          </a:prstGeom>
+        </p:spPr>
+      </p:pic>
+      <p:sp>
+        <p:nvSpPr>
+          <p:cNvPr id="41" name="Oval 40">
+            <a:extLst>
+              <a:ext uri="{FF2B5EF4-FFF2-40B4-BE49-F238E27FC236}">
+                <a16:creationId xmlns:a16="http://schemas.microsoft.com/office/drawing/2014/main" id="{079A3FDF-81D5-9848-8324-CE64D5562AA1}"/>
+              </a:ext>
+            </a:extLst>
+          </p:cNvPr>
+          <p:cNvSpPr/>
+          <p:nvPr/>
+        </p:nvSpPr>
+        <p:spPr bwMode="gray">
+          <a:xfrm>
+            <a:off x="1007197" y="3008049"/>
+            <a:ext cx="179958" cy="179958"/>
+          </a:xfrm>
+          <a:prstGeom prst="ellipse">
+            <a:avLst/>
+          </a:prstGeom>
+          <a:noFill/>
+          <a:ln w="12700" algn="ctr">
+            <a:solidFill>
+              <a:schemeClr val="tx1">
+                <a:lumMod val="65000"/>
+                <a:lumOff val="35000"/>
+              </a:schemeClr>
+            </a:solidFill>
+            <a:prstDash val="solid"/>
+            <a:miter lim="800000"/>
+            <a:headEnd/>
+            <a:tailEnd/>
+          </a:ln>
+        </p:spPr>
+        <p:txBody>
+          <a:bodyPr lIns="89979" tIns="71983" rIns="89979" bIns="71983" rtlCol="0" anchor="ctr"/>
+          <a:lstStyle/>
+          <a:p>
+            <a:pPr algn="ctr" defTabSz="914217" fontAlgn="base">
+              <a:spcBef>
+                <a:spcPct val="50000"/>
+              </a:spcBef>
+              <a:spcAft>
+                <a:spcPct val="0"/>
+              </a:spcAft>
+              <a:buClr>
+                <a:srgbClr val="F0AB00"/>
+              </a:buClr>
+              <a:buSzPct val="80000"/>
+            </a:pPr>
+            <a:endParaRPr lang="en-US" sz="1800" kern="0" dirty="0">
+              <a:solidFill>
+                <a:schemeClr val="tx1">
+                  <a:lumMod val="65000"/>
+                  <a:lumOff val="35000"/>
+                </a:schemeClr>
+              </a:solidFill>
+              <a:latin typeface="Arial" panose="020B0604020202020204" pitchFamily="34" charset="0"/>
+              <a:ea typeface="Arial Unicode MS" pitchFamily="34" charset="-128"/>
+              <a:cs typeface="Arial Unicode MS" pitchFamily="34" charset="-128"/>
+            </a:endParaRPr>
+          </a:p>
+        </p:txBody>
+      </p:sp>
+      <p:sp>
+        <p:nvSpPr>
+          <p:cNvPr id="42" name="Oval 41">
+            <a:extLst>
+              <a:ext uri="{FF2B5EF4-FFF2-40B4-BE49-F238E27FC236}">
+                <a16:creationId xmlns:a16="http://schemas.microsoft.com/office/drawing/2014/main" id="{75D2E4DD-C7E6-0743-AD84-6FEBBD95B558}"/>
+              </a:ext>
+            </a:extLst>
+          </p:cNvPr>
+          <p:cNvSpPr/>
+          <p:nvPr/>
+        </p:nvSpPr>
+        <p:spPr bwMode="gray">
+          <a:xfrm>
+            <a:off x="1139905" y="2773977"/>
+            <a:ext cx="179958" cy="179958"/>
+          </a:xfrm>
+          <a:prstGeom prst="ellipse">
+            <a:avLst/>
+          </a:prstGeom>
+          <a:noFill/>
+          <a:ln w="12700" algn="ctr">
+            <a:solidFill>
+              <a:schemeClr val="tx1">
+                <a:lumMod val="65000"/>
+                <a:lumOff val="35000"/>
+              </a:schemeClr>
+            </a:solidFill>
+            <a:prstDash val="solid"/>
+            <a:miter lim="800000"/>
+            <a:headEnd/>
+            <a:tailEnd/>
+          </a:ln>
+        </p:spPr>
+        <p:txBody>
+          <a:bodyPr lIns="89979" tIns="71983" rIns="89979" bIns="71983" rtlCol="0" anchor="ctr"/>
+          <a:lstStyle/>
+          <a:p>
+            <a:pPr algn="ctr" defTabSz="914217" fontAlgn="base">
+              <a:spcBef>
+                <a:spcPct val="50000"/>
+              </a:spcBef>
+              <a:spcAft>
+                <a:spcPct val="0"/>
+              </a:spcAft>
+              <a:buClr>
+                <a:srgbClr val="F0AB00"/>
+              </a:buClr>
+              <a:buSzPct val="80000"/>
+            </a:pPr>
+            <a:endParaRPr lang="en-US" sz="1800" kern="0" dirty="0">
+              <a:solidFill>
+                <a:schemeClr val="tx1">
+                  <a:lumMod val="65000"/>
+                  <a:lumOff val="35000"/>
+                </a:schemeClr>
+              </a:solidFill>
+              <a:latin typeface="Arial" panose="020B0604020202020204" pitchFamily="34" charset="0"/>
+              <a:ea typeface="Arial Unicode MS" pitchFamily="34" charset="-128"/>
+              <a:cs typeface="Arial Unicode MS" pitchFamily="34" charset="-128"/>
+            </a:endParaRPr>
+          </a:p>
+        </p:txBody>
+      </p:sp>
+      <p:sp>
+        <p:nvSpPr>
+          <p:cNvPr id="43" name="Oval 42">
+            <a:extLst>
+              <a:ext uri="{FF2B5EF4-FFF2-40B4-BE49-F238E27FC236}">
+                <a16:creationId xmlns:a16="http://schemas.microsoft.com/office/drawing/2014/main" id="{0EEC46A0-253D-CA47-B900-DCA8A1DDBCC0}"/>
+              </a:ext>
+            </a:extLst>
+          </p:cNvPr>
+          <p:cNvSpPr/>
+          <p:nvPr/>
+        </p:nvSpPr>
+        <p:spPr bwMode="gray">
+          <a:xfrm>
+            <a:off x="1007197" y="3517429"/>
+            <a:ext cx="179958" cy="179958"/>
+          </a:xfrm>
+          <a:prstGeom prst="ellipse">
+            <a:avLst/>
+          </a:prstGeom>
+          <a:noFill/>
+          <a:ln w="12700" algn="ctr">
+            <a:solidFill>
+              <a:schemeClr val="tx1">
+                <a:lumMod val="65000"/>
+                <a:lumOff val="35000"/>
+              </a:schemeClr>
+            </a:solidFill>
+            <a:prstDash val="solid"/>
+            <a:miter lim="800000"/>
+            <a:headEnd/>
+            <a:tailEnd/>
+          </a:ln>
+        </p:spPr>
+        <p:txBody>
+          <a:bodyPr lIns="89979" tIns="71983" rIns="89979" bIns="71983" rtlCol="0" anchor="ctr"/>
+          <a:lstStyle/>
+          <a:p>
+            <a:pPr algn="ctr" defTabSz="914217" fontAlgn="base">
+              <a:spcBef>
+                <a:spcPct val="50000"/>
+              </a:spcBef>
+              <a:spcAft>
+                <a:spcPct val="0"/>
+              </a:spcAft>
+              <a:buClr>
+                <a:srgbClr val="F0AB00"/>
+              </a:buClr>
+              <a:buSzPct val="80000"/>
+            </a:pPr>
+            <a:endParaRPr lang="en-US" sz="1800" kern="0" dirty="0">
+              <a:solidFill>
+                <a:schemeClr val="tx1">
+                  <a:lumMod val="65000"/>
+                  <a:lumOff val="35000"/>
+                </a:schemeClr>
+              </a:solidFill>
+              <a:latin typeface="Arial" panose="020B0604020202020204" pitchFamily="34" charset="0"/>
+              <a:ea typeface="Arial Unicode MS" pitchFamily="34" charset="-128"/>
+              <a:cs typeface="Arial Unicode MS" pitchFamily="34" charset="-128"/>
+            </a:endParaRPr>
+          </a:p>
+        </p:txBody>
+      </p:sp>
+      <p:sp>
+        <p:nvSpPr>
+          <p:cNvPr id="44" name="Oval 43">
+            <a:extLst>
+              <a:ext uri="{FF2B5EF4-FFF2-40B4-BE49-F238E27FC236}">
+                <a16:creationId xmlns:a16="http://schemas.microsoft.com/office/drawing/2014/main" id="{DE5ED7B9-5208-4A4B-A7F0-A4D90BAC9C82}"/>
+              </a:ext>
+            </a:extLst>
+          </p:cNvPr>
+          <p:cNvSpPr/>
+          <p:nvPr/>
+        </p:nvSpPr>
+        <p:spPr bwMode="gray">
+          <a:xfrm>
+            <a:off x="1312336" y="3975630"/>
+            <a:ext cx="179958" cy="179958"/>
+          </a:xfrm>
+          <a:prstGeom prst="ellipse">
+            <a:avLst/>
+          </a:prstGeom>
+          <a:noFill/>
+          <a:ln w="12700" algn="ctr">
+            <a:solidFill>
+              <a:schemeClr val="tx1">
+                <a:lumMod val="65000"/>
+                <a:lumOff val="35000"/>
+              </a:schemeClr>
+            </a:solidFill>
+            <a:prstDash val="solid"/>
+            <a:miter lim="800000"/>
+            <a:headEnd/>
+            <a:tailEnd/>
+          </a:ln>
+        </p:spPr>
+        <p:txBody>
+          <a:bodyPr lIns="89979" tIns="71983" rIns="89979" bIns="71983" rtlCol="0" anchor="ctr"/>
+          <a:lstStyle/>
+          <a:p>
+            <a:pPr algn="ctr" defTabSz="914217" fontAlgn="base">
+              <a:spcBef>
+                <a:spcPct val="50000"/>
+              </a:spcBef>
+              <a:spcAft>
+                <a:spcPct val="0"/>
+              </a:spcAft>
+              <a:buClr>
+                <a:srgbClr val="F0AB00"/>
+              </a:buClr>
+              <a:buSzPct val="80000"/>
+            </a:pPr>
+            <a:endParaRPr lang="en-US" sz="1800" kern="0" dirty="0">
+              <a:solidFill>
+                <a:schemeClr val="tx1">
+                  <a:lumMod val="65000"/>
+                  <a:lumOff val="35000"/>
+                </a:schemeClr>
+              </a:solidFill>
+              <a:latin typeface="Arial" panose="020B0604020202020204" pitchFamily="34" charset="0"/>
+              <a:ea typeface="Arial Unicode MS" pitchFamily="34" charset="-128"/>
+              <a:cs typeface="Arial Unicode MS" pitchFamily="34" charset="-128"/>
+            </a:endParaRPr>
+          </a:p>
+        </p:txBody>
+      </p:sp>
+      <p:sp>
+        <p:nvSpPr>
+          <p:cNvPr id="45" name="Oval 44">
+            <a:extLst>
+              <a:ext uri="{FF2B5EF4-FFF2-40B4-BE49-F238E27FC236}">
+                <a16:creationId xmlns:a16="http://schemas.microsoft.com/office/drawing/2014/main" id="{05E6A1B4-69DB-C941-9C90-4A62F461EE2C}"/>
+              </a:ext>
+            </a:extLst>
+          </p:cNvPr>
+          <p:cNvSpPr/>
+          <p:nvPr/>
+        </p:nvSpPr>
+        <p:spPr bwMode="gray">
+          <a:xfrm>
+            <a:off x="950807" y="3270166"/>
+            <a:ext cx="179958" cy="179958"/>
+          </a:xfrm>
+          <a:prstGeom prst="ellipse">
+            <a:avLst/>
+          </a:prstGeom>
+          <a:noFill/>
+          <a:ln w="12700" algn="ctr">
+            <a:solidFill>
+              <a:schemeClr val="tx1">
+                <a:lumMod val="65000"/>
+                <a:lumOff val="35000"/>
+              </a:schemeClr>
+            </a:solidFill>
+            <a:prstDash val="solid"/>
+            <a:miter lim="800000"/>
+            <a:headEnd/>
+            <a:tailEnd/>
+          </a:ln>
+        </p:spPr>
+        <p:txBody>
+          <a:bodyPr lIns="89979" tIns="71983" rIns="89979" bIns="71983" rtlCol="0" anchor="ctr"/>
+          <a:lstStyle/>
+          <a:p>
+            <a:pPr algn="ctr" defTabSz="914217" fontAlgn="base">
+              <a:spcBef>
+                <a:spcPct val="50000"/>
+              </a:spcBef>
+              <a:spcAft>
+                <a:spcPct val="0"/>
+              </a:spcAft>
+              <a:buClr>
+                <a:srgbClr val="F0AB00"/>
+              </a:buClr>
+              <a:buSzPct val="80000"/>
+            </a:pPr>
+            <a:endParaRPr lang="en-US" sz="1800" kern="0" dirty="0">
+              <a:solidFill>
+                <a:schemeClr val="tx1">
+                  <a:lumMod val="65000"/>
+                  <a:lumOff val="35000"/>
+                </a:schemeClr>
+              </a:solidFill>
+              <a:latin typeface="Arial" panose="020B0604020202020204" pitchFamily="34" charset="0"/>
+              <a:ea typeface="Arial Unicode MS" pitchFamily="34" charset="-128"/>
+              <a:cs typeface="Arial Unicode MS" pitchFamily="34" charset="-128"/>
+            </a:endParaRPr>
+          </a:p>
+        </p:txBody>
+      </p:sp>
+      <p:sp>
+        <p:nvSpPr>
+          <p:cNvPr id="46" name="Oval 45">
+            <a:extLst>
+              <a:ext uri="{FF2B5EF4-FFF2-40B4-BE49-F238E27FC236}">
+                <a16:creationId xmlns:a16="http://schemas.microsoft.com/office/drawing/2014/main" id="{7D33C541-F24C-D642-AB1D-BB242F253E98}"/>
+              </a:ext>
+            </a:extLst>
+          </p:cNvPr>
+          <p:cNvSpPr/>
+          <p:nvPr/>
+        </p:nvSpPr>
+        <p:spPr bwMode="gray">
+          <a:xfrm>
+            <a:off x="1325029" y="2614088"/>
+            <a:ext cx="179958" cy="179958"/>
+          </a:xfrm>
+          <a:prstGeom prst="ellipse">
+            <a:avLst/>
+          </a:prstGeom>
+          <a:noFill/>
+          <a:ln w="12700" algn="ctr">
+            <a:solidFill>
+              <a:schemeClr val="tx1">
+                <a:lumMod val="65000"/>
+                <a:lumOff val="35000"/>
+              </a:schemeClr>
+            </a:solidFill>
+            <a:prstDash val="solid"/>
+            <a:miter lim="800000"/>
+            <a:headEnd/>
+            <a:tailEnd/>
+          </a:ln>
+        </p:spPr>
+        <p:txBody>
+          <a:bodyPr lIns="89979" tIns="71983" rIns="89979" bIns="71983" rtlCol="0" anchor="ctr"/>
+          <a:lstStyle/>
+          <a:p>
+            <a:pPr algn="ctr" defTabSz="914217" fontAlgn="base">
+              <a:spcBef>
+                <a:spcPct val="50000"/>
+              </a:spcBef>
+              <a:spcAft>
+                <a:spcPct val="0"/>
+              </a:spcAft>
+              <a:buClr>
+                <a:srgbClr val="F0AB00"/>
+              </a:buClr>
+              <a:buSzPct val="80000"/>
+            </a:pPr>
+            <a:endParaRPr lang="en-US" sz="1800" kern="0" dirty="0">
+              <a:solidFill>
+                <a:schemeClr val="tx1">
+                  <a:lumMod val="65000"/>
+                  <a:lumOff val="35000"/>
+                </a:schemeClr>
+              </a:solidFill>
+              <a:latin typeface="Arial" panose="020B0604020202020204" pitchFamily="34" charset="0"/>
+              <a:ea typeface="Arial Unicode MS" pitchFamily="34" charset="-128"/>
+              <a:cs typeface="Arial Unicode MS" pitchFamily="34" charset="-128"/>
+            </a:endParaRPr>
+          </a:p>
+        </p:txBody>
+      </p:sp>
+      <p:sp>
+        <p:nvSpPr>
+          <p:cNvPr id="47" name="Oval 46">
+            <a:extLst>
+              <a:ext uri="{FF2B5EF4-FFF2-40B4-BE49-F238E27FC236}">
+                <a16:creationId xmlns:a16="http://schemas.microsoft.com/office/drawing/2014/main" id="{1FD4FABC-1C15-3541-AE3D-D3490D0AF6B4}"/>
+              </a:ext>
+            </a:extLst>
+          </p:cNvPr>
+          <p:cNvSpPr/>
+          <p:nvPr/>
+        </p:nvSpPr>
+        <p:spPr bwMode="gray">
+          <a:xfrm>
+            <a:off x="1136987" y="3762608"/>
+            <a:ext cx="179958" cy="179958"/>
+          </a:xfrm>
+          <a:prstGeom prst="ellipse">
+            <a:avLst/>
+          </a:prstGeom>
+          <a:noFill/>
+          <a:ln w="12700" algn="ctr">
+            <a:solidFill>
+              <a:schemeClr val="tx1">
+                <a:lumMod val="65000"/>
+                <a:lumOff val="35000"/>
+              </a:schemeClr>
+            </a:solidFill>
+            <a:prstDash val="solid"/>
+            <a:miter lim="800000"/>
+            <a:headEnd/>
+            <a:tailEnd/>
+          </a:ln>
+        </p:spPr>
+        <p:txBody>
+          <a:bodyPr lIns="89979" tIns="71983" rIns="89979" bIns="71983" rtlCol="0" anchor="ctr"/>
+          <a:lstStyle/>
+          <a:p>
+            <a:pPr algn="ctr" defTabSz="914217" fontAlgn="base">
+              <a:spcBef>
+                <a:spcPct val="50000"/>
+              </a:spcBef>
+              <a:spcAft>
+                <a:spcPct val="0"/>
+              </a:spcAft>
+              <a:buClr>
+                <a:srgbClr val="F0AB00"/>
+              </a:buClr>
+              <a:buSzPct val="80000"/>
+            </a:pPr>
+            <a:endParaRPr lang="en-US" sz="1800" kern="0" dirty="0">
+              <a:solidFill>
+                <a:schemeClr val="tx1">
+                  <a:lumMod val="65000"/>
+                  <a:lumOff val="35000"/>
+                </a:schemeClr>
+              </a:solidFill>
+              <a:latin typeface="Arial" panose="020B0604020202020204" pitchFamily="34" charset="0"/>
+              <a:ea typeface="Arial Unicode MS" pitchFamily="34" charset="-128"/>
+              <a:cs typeface="Arial Unicode MS" pitchFamily="34" charset="-128"/>
+            </a:endParaRPr>
+          </a:p>
+        </p:txBody>
+      </p:sp>
+      <p:sp>
+        <p:nvSpPr>
+          <p:cNvPr id="48" name="Rechteck 9">
+            <a:extLst>
+              <a:ext uri="{FF2B5EF4-FFF2-40B4-BE49-F238E27FC236}">
+                <a16:creationId xmlns:a16="http://schemas.microsoft.com/office/drawing/2014/main" id="{9E1D1423-CE2A-6F40-98E4-2863AF01F048}"/>
+              </a:ext>
+            </a:extLst>
+          </p:cNvPr>
+          <p:cNvSpPr/>
+          <p:nvPr/>
+        </p:nvSpPr>
+        <p:spPr>
+          <a:xfrm>
+            <a:off x="2102826" y="2953935"/>
+            <a:ext cx="1538264" cy="457120"/>
+          </a:xfrm>
+          <a:prstGeom prst="rect">
+            <a:avLst/>
+          </a:prstGeom>
+          <a:noFill/>
+          <a:ln w="19050" cap="rnd">
+            <a:solidFill>
+              <a:srgbClr val="1A9898"/>
+            </a:solidFill>
+          </a:ln>
+        </p:spPr>
+        <p:style>
+          <a:lnRef idx="2">
+            <a:schemeClr val="accent1">
+              <a:shade val="50000"/>
+            </a:schemeClr>
+          </a:lnRef>
+          <a:fillRef idx="1">
+            <a:schemeClr val="accent1"/>
+          </a:fillRef>
+          <a:effectRef idx="0">
+            <a:schemeClr val="accent1"/>
+          </a:effectRef>
+          <a:fontRef idx="minor">
+            <a:schemeClr val="lt1"/>
+          </a:fontRef>
+        </p:style>
+        <p:txBody>
+          <a:bodyPr lIns="72000" tIns="72000" rIns="72000" bIns="72000" rtlCol="0" anchor="ctr"/>
+          <a:lstStyle/>
+          <a:p>
+            <a:pPr algn="ctr"/>
+            <a:r>
+              <a:rPr lang="en-US" sz="1100" b="1" dirty="0">
+                <a:solidFill>
+                  <a:schemeClr val="tx1">
+                    <a:lumMod val="65000"/>
+                    <a:lumOff val="35000"/>
+                  </a:schemeClr>
+                </a:solidFill>
+                <a:latin typeface="+mj-lt"/>
+              </a:rPr>
+              <a:t>SAP Edge Services</a:t>
+            </a:r>
+            <a:endParaRPr lang="en-US" sz="1100" b="1" i="1" dirty="0">
+              <a:solidFill>
+                <a:srgbClr val="1A9898"/>
+              </a:solidFill>
+            </a:endParaRPr>
+          </a:p>
+        </p:txBody>
+      </p:sp>
+      <p:sp>
+        <p:nvSpPr>
+          <p:cNvPr id="49" name="Rechteck 9">
+            <a:extLst>
+              <a:ext uri="{FF2B5EF4-FFF2-40B4-BE49-F238E27FC236}">
+                <a16:creationId xmlns:a16="http://schemas.microsoft.com/office/drawing/2014/main" id="{9ED5D27D-7F3A-FB42-98EF-9D4156B94886}"/>
+              </a:ext>
+            </a:extLst>
+          </p:cNvPr>
+          <p:cNvSpPr/>
+          <p:nvPr/>
+        </p:nvSpPr>
+        <p:spPr>
+          <a:xfrm>
+            <a:off x="2102826" y="3953666"/>
+            <a:ext cx="1538264" cy="520899"/>
+          </a:xfrm>
+          <a:prstGeom prst="rect">
+            <a:avLst/>
+          </a:prstGeom>
+          <a:noFill/>
+          <a:ln w="19050" cap="rnd">
+            <a:solidFill>
+              <a:srgbClr val="1A9898"/>
+            </a:solidFill>
+          </a:ln>
+        </p:spPr>
+        <p:style>
+          <a:lnRef idx="2">
+            <a:schemeClr val="accent1">
+              <a:shade val="50000"/>
+            </a:schemeClr>
+          </a:lnRef>
+          <a:fillRef idx="1">
+            <a:schemeClr val="accent1"/>
+          </a:fillRef>
+          <a:effectRef idx="0">
+            <a:schemeClr val="accent1"/>
+          </a:effectRef>
+          <a:fontRef idx="minor">
+            <a:schemeClr val="lt1"/>
+          </a:fontRef>
+        </p:style>
+        <p:txBody>
+          <a:bodyPr lIns="72000" tIns="72000" rIns="72000" bIns="72000" rtlCol="0" anchor="ctr">
+            <a:noAutofit/>
+          </a:bodyPr>
+          <a:lstStyle/>
+          <a:p>
+            <a:pPr algn="ctr"/>
+            <a:r>
+              <a:rPr lang="en-US" sz="1100" b="1" dirty="0" err="1">
+                <a:solidFill>
+                  <a:schemeClr val="tx1">
+                    <a:lumMod val="65000"/>
+                    <a:lumOff val="35000"/>
+                  </a:schemeClr>
+                </a:solidFill>
+              </a:rPr>
+              <a:t>IoT</a:t>
+            </a:r>
+            <a:r>
+              <a:rPr lang="en-US" sz="1100" b="1" dirty="0">
+                <a:solidFill>
+                  <a:schemeClr val="tx1">
+                    <a:lumMod val="65000"/>
+                    <a:lumOff val="35000"/>
+                  </a:schemeClr>
+                </a:solidFill>
+              </a:rPr>
+              <a:t> Gateway Edge*</a:t>
+            </a:r>
+            <a:endParaRPr lang="en-US" sz="1100" b="1" i="1" dirty="0">
+              <a:solidFill>
+                <a:srgbClr val="1A9898"/>
+              </a:solidFill>
+            </a:endParaRPr>
+          </a:p>
+        </p:txBody>
+      </p:sp>
+      <p:sp>
+        <p:nvSpPr>
+          <p:cNvPr id="50" name="TextBox 92">
+            <a:extLst>
+              <a:ext uri="{FF2B5EF4-FFF2-40B4-BE49-F238E27FC236}">
+                <a16:creationId xmlns:a16="http://schemas.microsoft.com/office/drawing/2014/main" id="{9BEC0EBB-3A08-CA46-83E9-75F01886F638}"/>
+              </a:ext>
+            </a:extLst>
+          </p:cNvPr>
+          <p:cNvSpPr txBox="1"/>
+          <p:nvPr/>
+        </p:nvSpPr>
+        <p:spPr>
+          <a:xfrm>
+            <a:off x="641154" y="5389508"/>
+            <a:ext cx="3012043" cy="161583"/>
+          </a:xfrm>
+          <a:prstGeom prst="rect">
+            <a:avLst/>
+          </a:prstGeom>
+          <a:noFill/>
+        </p:spPr>
+        <p:txBody>
+          <a:bodyPr wrap="none" lIns="0" tIns="0" rIns="0" bIns="0" rtlCol="0">
+            <a:spAutoFit/>
+          </a:bodyPr>
+          <a:lstStyle/>
+          <a:p>
+            <a:pPr fontAlgn="base">
+              <a:spcBef>
+                <a:spcPct val="50000"/>
+              </a:spcBef>
+              <a:spcAft>
+                <a:spcPct val="0"/>
+              </a:spcAft>
+              <a:buClr>
+                <a:srgbClr val="F0AB00"/>
+              </a:buClr>
+              <a:buSzPct val="80000"/>
+            </a:pPr>
+            <a:r>
+              <a:rPr lang="en-US" sz="1050" kern="0" dirty="0">
+                <a:latin typeface="+mn-lt"/>
+                <a:ea typeface="Arial Unicode MS" pitchFamily="34" charset="-128"/>
+                <a:cs typeface="Arial Unicode MS" pitchFamily="34" charset="-128"/>
+              </a:rPr>
+              <a:t>*Belongs to SAP Cloud Platform Internet of Things</a:t>
+            </a:r>
+          </a:p>
+        </p:txBody>
+      </p:sp>
+      <p:pic>
+        <p:nvPicPr>
+          <p:cNvPr id="51" name="Picture 93">
+            <a:extLst>
+              <a:ext uri="{FF2B5EF4-FFF2-40B4-BE49-F238E27FC236}">
+                <a16:creationId xmlns:a16="http://schemas.microsoft.com/office/drawing/2014/main" id="{2A2FB2A6-8B1E-8D46-ACF9-8537A5DD50D2}"/>
+              </a:ext>
+            </a:extLst>
+          </p:cNvPr>
+          <p:cNvPicPr>
+            <a:picLocks noChangeAspect="1"/>
+          </p:cNvPicPr>
+          <p:nvPr/>
+        </p:nvPicPr>
+        <p:blipFill>
+          <a:blip r:embed="rId8"/>
+          <a:stretch>
+            <a:fillRect/>
+          </a:stretch>
+        </p:blipFill>
+        <p:spPr>
+          <a:xfrm>
+            <a:off x="4405362" y="1297545"/>
+            <a:ext cx="1800000" cy="142469"/>
+          </a:xfrm>
+          <a:prstGeom prst="rect">
+            <a:avLst/>
+          </a:prstGeom>
+        </p:spPr>
+      </p:pic>
+      <p:pic>
+        <p:nvPicPr>
+          <p:cNvPr id="52" name="Picture 94">
+            <a:extLst>
+              <a:ext uri="{FF2B5EF4-FFF2-40B4-BE49-F238E27FC236}">
+                <a16:creationId xmlns:a16="http://schemas.microsoft.com/office/drawing/2014/main" id="{DF4422AA-C348-5C46-A49F-B8694517C3E0}"/>
+              </a:ext>
+            </a:extLst>
+          </p:cNvPr>
+          <p:cNvPicPr>
+            <a:picLocks noChangeAspect="1"/>
+          </p:cNvPicPr>
+          <p:nvPr/>
+        </p:nvPicPr>
+        <p:blipFill>
+          <a:blip r:embed="rId9"/>
+          <a:stretch>
+            <a:fillRect/>
+          </a:stretch>
+        </p:blipFill>
+        <p:spPr>
+          <a:xfrm>
+            <a:off x="10087187" y="2990997"/>
+            <a:ext cx="1040518" cy="112634"/>
+          </a:xfrm>
+          <a:prstGeom prst="rect">
+            <a:avLst/>
+          </a:prstGeom>
+        </p:spPr>
+      </p:pic>
+      <p:pic>
+        <p:nvPicPr>
+          <p:cNvPr id="53" name="Picture 89">
+            <a:extLst>
+              <a:ext uri="{FF2B5EF4-FFF2-40B4-BE49-F238E27FC236}">
+                <a16:creationId xmlns:a16="http://schemas.microsoft.com/office/drawing/2014/main" id="{F07485FA-E188-A14C-B920-02E7E36AA259}"/>
+              </a:ext>
+            </a:extLst>
+          </p:cNvPr>
+          <p:cNvPicPr>
+            <a:picLocks noChangeAspect="1"/>
+          </p:cNvPicPr>
+          <p:nvPr/>
+        </p:nvPicPr>
+        <p:blipFill>
+          <a:blip r:embed="rId10"/>
+          <a:stretch>
+            <a:fillRect/>
+          </a:stretch>
+        </p:blipFill>
+        <p:spPr>
+          <a:xfrm>
+            <a:off x="10087188" y="3857425"/>
+            <a:ext cx="999340" cy="191160"/>
+          </a:xfrm>
+          <a:prstGeom prst="rect">
+            <a:avLst/>
+          </a:prstGeom>
+        </p:spPr>
+      </p:pic>
+      <p:pic>
+        <p:nvPicPr>
+          <p:cNvPr id="54" name="Picture 95">
+            <a:extLst>
+              <a:ext uri="{FF2B5EF4-FFF2-40B4-BE49-F238E27FC236}">
+                <a16:creationId xmlns:a16="http://schemas.microsoft.com/office/drawing/2014/main" id="{545ED53E-87FF-CD45-A50B-2A58D1BFC80C}"/>
+              </a:ext>
+            </a:extLst>
+          </p:cNvPr>
+          <p:cNvPicPr>
+            <a:picLocks noChangeAspect="1"/>
+          </p:cNvPicPr>
+          <p:nvPr/>
+        </p:nvPicPr>
+        <p:blipFill>
+          <a:blip r:embed="rId11"/>
+          <a:stretch>
+            <a:fillRect/>
+          </a:stretch>
+        </p:blipFill>
+        <p:spPr>
+          <a:xfrm>
+            <a:off x="10087188" y="3424327"/>
+            <a:ext cx="1040518" cy="112402"/>
+          </a:xfrm>
+          <a:prstGeom prst="rect">
+            <a:avLst/>
+          </a:prstGeom>
+        </p:spPr>
+      </p:pic>
+      <p:pic>
+        <p:nvPicPr>
+          <p:cNvPr id="55" name="Picture 96">
+            <a:extLst>
+              <a:ext uri="{FF2B5EF4-FFF2-40B4-BE49-F238E27FC236}">
+                <a16:creationId xmlns:a16="http://schemas.microsoft.com/office/drawing/2014/main" id="{E9C5721B-4D51-8646-B911-5EDCCB7E403F}"/>
+              </a:ext>
+            </a:extLst>
+          </p:cNvPr>
+          <p:cNvPicPr>
+            <a:picLocks noChangeAspect="1"/>
+          </p:cNvPicPr>
+          <p:nvPr/>
+        </p:nvPicPr>
+        <p:blipFill>
+          <a:blip r:embed="rId12"/>
+          <a:stretch>
+            <a:fillRect/>
+          </a:stretch>
+        </p:blipFill>
+        <p:spPr>
+          <a:xfrm>
+            <a:off x="4545823" y="1681839"/>
+            <a:ext cx="540000" cy="540000"/>
+          </a:xfrm>
+          <a:prstGeom prst="rect">
+            <a:avLst/>
+          </a:prstGeom>
+        </p:spPr>
+      </p:pic>
+    </p:spTree>
+    <p:extLst>
+      <p:ext uri="{BB962C8B-B14F-4D97-AF65-F5344CB8AC3E}">
+        <p14:creationId xmlns:p14="http://schemas.microsoft.com/office/powerpoint/2010/main" val="4276840761"/>
+      </p:ext>
+    </p:extLst>
+  </p:cSld>
+  <p:clrMapOvr>
+    <a:masterClrMapping/>
+  </p:clrMapOvr>
+</p:sld>
+</file>
+
+<file path=ppt/slides/slide13.xml><?xml version="1.0" encoding="utf-8"?>
+<p:sld xmlns:a="http://schemas.openxmlformats.org/drawingml/2006/main" xmlns:r="http://schemas.openxmlformats.org/officeDocument/2006/relationships" xmlns:p="http://schemas.openxmlformats.org/presentationml/2006/main">
+  <p:cSld>
+    <p:spTree>
+      <p:nvGrpSpPr>
+        <p:cNvPr id="1" name=""/>
+        <p:cNvGrpSpPr/>
+        <p:nvPr/>
+      </p:nvGrpSpPr>
+      <p:grpSpPr>
+        <a:xfrm>
+          <a:off x="0" y="0"/>
+          <a:ext cx="0" cy="0"/>
+          <a:chOff x="0" y="0"/>
+          <a:chExt cx="0" cy="0"/>
+        </a:xfrm>
+      </p:grpSpPr>
+      <p:sp>
+        <p:nvSpPr>
+          <p:cNvPr id="2" name="Titel 1">
+            <a:extLst>
+              <a:ext uri="{FF2B5EF4-FFF2-40B4-BE49-F238E27FC236}">
+                <a16:creationId xmlns:a16="http://schemas.microsoft.com/office/drawing/2014/main" id="{1484EB3D-115D-1549-98E4-AFA0CE73BC50}"/>
+              </a:ext>
+            </a:extLst>
+          </p:cNvPr>
+          <p:cNvSpPr>
+            <a:spLocks noGrp="1"/>
+          </p:cNvSpPr>
+          <p:nvPr>
+            <p:ph type="title"/>
+          </p:nvPr>
+        </p:nvSpPr>
+        <p:spPr/>
+        <p:txBody>
+          <a:bodyPr/>
+          <a:lstStyle/>
+          <a:p>
+            <a:endParaRPr lang="de-DE" dirty="0"/>
+          </a:p>
+        </p:txBody>
+      </p:sp>
+      <p:pic>
+        <p:nvPicPr>
+          <p:cNvPr id="4" name="Inhaltsplatzhalter 3">
+            <a:extLst>
+              <a:ext uri="{FF2B5EF4-FFF2-40B4-BE49-F238E27FC236}">
+                <a16:creationId xmlns:a16="http://schemas.microsoft.com/office/drawing/2014/main" id="{24E9E276-1CE7-4A40-AE11-4D87A479878A}"/>
+              </a:ext>
+            </a:extLst>
+          </p:cNvPr>
+          <p:cNvPicPr>
+            <a:picLocks noGrp="1" noChangeAspect="1"/>
+          </p:cNvPicPr>
+          <p:nvPr>
+            <p:ph idx="1"/>
+          </p:nvPr>
+        </p:nvPicPr>
+        <p:blipFill>
+          <a:blip r:embed="rId2"/>
+          <a:stretch>
+            <a:fillRect/>
+          </a:stretch>
+        </p:blipFill>
+        <p:spPr>
+          <a:xfrm>
+            <a:off x="1812630" y="365125"/>
+            <a:ext cx="5708301" cy="6039217"/>
+          </a:xfrm>
+          <a:prstGeom prst="rect">
+            <a:avLst/>
+          </a:prstGeom>
+        </p:spPr>
+      </p:pic>
+    </p:spTree>
+    <p:extLst>
+      <p:ext uri="{BB962C8B-B14F-4D97-AF65-F5344CB8AC3E}">
+        <p14:creationId xmlns:p14="http://schemas.microsoft.com/office/powerpoint/2010/main" val="464300282"/>
       </p:ext>
     </p:extLst>
   </p:cSld>
@@ -20972,6 +24242,66 @@
 </p:sld>
 </file>
 
+<file path=ppt/slides/slide9.xml><?xml version="1.0" encoding="utf-8"?>
+<p:sld xmlns:a="http://schemas.openxmlformats.org/drawingml/2006/main" xmlns:r="http://schemas.openxmlformats.org/officeDocument/2006/relationships" xmlns:p="http://schemas.openxmlformats.org/presentationml/2006/main">
+  <p:cSld>
+    <p:spTree>
+      <p:nvGrpSpPr>
+        <p:cNvPr id="1" name=""/>
+        <p:cNvGrpSpPr/>
+        <p:nvPr/>
+      </p:nvGrpSpPr>
+      <p:grpSpPr>
+        <a:xfrm>
+          <a:off x="0" y="0"/>
+          <a:ext cx="0" cy="0"/>
+          <a:chOff x="0" y="0"/>
+          <a:chExt cx="0" cy="0"/>
+        </a:xfrm>
+      </p:grpSpPr>
+      <p:pic>
+        <p:nvPicPr>
+          <p:cNvPr id="4" name="Inhaltsplatzhalter 9">
+            <a:extLst>
+              <a:ext uri="{FF2B5EF4-FFF2-40B4-BE49-F238E27FC236}">
+                <a16:creationId xmlns:a16="http://schemas.microsoft.com/office/drawing/2014/main" id="{5A53C325-06C4-6940-8E1D-A0B300932FE1}"/>
+              </a:ext>
+            </a:extLst>
+          </p:cNvPr>
+          <p:cNvPicPr>
+            <a:picLocks noChangeAspect="1"/>
+          </p:cNvPicPr>
+          <p:nvPr/>
+        </p:nvPicPr>
+        <p:blipFill>
+          <a:blip r:embed="rId2"/>
+          <a:stretch>
+            <a:fillRect/>
+          </a:stretch>
+        </p:blipFill>
+        <p:spPr>
+          <a:xfrm>
+            <a:off x="774986" y="1672448"/>
+            <a:ext cx="10887686" cy="2804018"/>
+          </a:xfrm>
+          <a:prstGeom prst="rect">
+            <a:avLst/>
+          </a:prstGeom>
+        </p:spPr>
+      </p:pic>
+    </p:spTree>
+    <p:extLst>
+      <p:ext uri="{BB962C8B-B14F-4D97-AF65-F5344CB8AC3E}">
+        <p14:creationId xmlns:p14="http://schemas.microsoft.com/office/powerpoint/2010/main" val="1192244589"/>
+      </p:ext>
+    </p:extLst>
+  </p:cSld>
+  <p:clrMapOvr>
+    <a:masterClrMapping/>
+  </p:clrMapOvr>
+</p:sld>
+</file>
+
 <file path=ppt/theme/theme1.xml><?xml version="1.0" encoding="utf-8"?>
 <a:theme xmlns:a="http://schemas.openxmlformats.org/drawingml/2006/main" name="Office">
   <a:themeElements>

--- a/presentations/models.pptx
+++ b/presentations/models.pptx
@@ -14207,7 +14207,7 @@
           <a:p>
             <a:fld id="{3248773E-0E1D-C44D-81DB-7C2B8F8EC2A7}" type="datetimeFigureOut">
               <a:rPr lang="de-DE" smtClean="0"/>
-              <a:t>03.01.20</a:t>
+              <a:t>06.01.20</a:t>
             </a:fld>
             <a:endParaRPr lang="de-DE"/>
           </a:p>
@@ -14405,7 +14405,7 @@
           <a:p>
             <a:fld id="{3248773E-0E1D-C44D-81DB-7C2B8F8EC2A7}" type="datetimeFigureOut">
               <a:rPr lang="de-DE" smtClean="0"/>
-              <a:t>03.01.20</a:t>
+              <a:t>06.01.20</a:t>
             </a:fld>
             <a:endParaRPr lang="de-DE"/>
           </a:p>
@@ -14613,7 +14613,7 @@
           <a:p>
             <a:fld id="{3248773E-0E1D-C44D-81DB-7C2B8F8EC2A7}" type="datetimeFigureOut">
               <a:rPr lang="de-DE" smtClean="0"/>
-              <a:t>03.01.20</a:t>
+              <a:t>06.01.20</a:t>
             </a:fld>
             <a:endParaRPr lang="de-DE"/>
           </a:p>
@@ -14811,7 +14811,7 @@
           <a:p>
             <a:fld id="{3248773E-0E1D-C44D-81DB-7C2B8F8EC2A7}" type="datetimeFigureOut">
               <a:rPr lang="de-DE" smtClean="0"/>
-              <a:t>03.01.20</a:t>
+              <a:t>06.01.20</a:t>
             </a:fld>
             <a:endParaRPr lang="de-DE"/>
           </a:p>
@@ -15086,7 +15086,7 @@
           <a:p>
             <a:fld id="{3248773E-0E1D-C44D-81DB-7C2B8F8EC2A7}" type="datetimeFigureOut">
               <a:rPr lang="de-DE" smtClean="0"/>
-              <a:t>03.01.20</a:t>
+              <a:t>06.01.20</a:t>
             </a:fld>
             <a:endParaRPr lang="de-DE"/>
           </a:p>
@@ -15351,7 +15351,7 @@
           <a:p>
             <a:fld id="{3248773E-0E1D-C44D-81DB-7C2B8F8EC2A7}" type="datetimeFigureOut">
               <a:rPr lang="de-DE" smtClean="0"/>
-              <a:t>03.01.20</a:t>
+              <a:t>06.01.20</a:t>
             </a:fld>
             <a:endParaRPr lang="de-DE"/>
           </a:p>
@@ -15763,7 +15763,7 @@
           <a:p>
             <a:fld id="{3248773E-0E1D-C44D-81DB-7C2B8F8EC2A7}" type="datetimeFigureOut">
               <a:rPr lang="de-DE" smtClean="0"/>
-              <a:t>03.01.20</a:t>
+              <a:t>06.01.20</a:t>
             </a:fld>
             <a:endParaRPr lang="de-DE"/>
           </a:p>
@@ -15904,7 +15904,7 @@
           <a:p>
             <a:fld id="{3248773E-0E1D-C44D-81DB-7C2B8F8EC2A7}" type="datetimeFigureOut">
               <a:rPr lang="de-DE" smtClean="0"/>
-              <a:t>03.01.20</a:t>
+              <a:t>06.01.20</a:t>
             </a:fld>
             <a:endParaRPr lang="de-DE"/>
           </a:p>
@@ -16017,7 +16017,7 @@
           <a:p>
             <a:fld id="{3248773E-0E1D-C44D-81DB-7C2B8F8EC2A7}" type="datetimeFigureOut">
               <a:rPr lang="de-DE" smtClean="0"/>
-              <a:t>03.01.20</a:t>
+              <a:t>06.01.20</a:t>
             </a:fld>
             <a:endParaRPr lang="de-DE"/>
           </a:p>
@@ -16328,7 +16328,7 @@
           <a:p>
             <a:fld id="{3248773E-0E1D-C44D-81DB-7C2B8F8EC2A7}" type="datetimeFigureOut">
               <a:rPr lang="de-DE" smtClean="0"/>
-              <a:t>03.01.20</a:t>
+              <a:t>06.01.20</a:t>
             </a:fld>
             <a:endParaRPr lang="de-DE"/>
           </a:p>
@@ -16616,7 +16616,7 @@
           <a:p>
             <a:fld id="{3248773E-0E1D-C44D-81DB-7C2B8F8EC2A7}" type="datetimeFigureOut">
               <a:rPr lang="de-DE" smtClean="0"/>
-              <a:t>03.01.20</a:t>
+              <a:t>06.01.20</a:t>
             </a:fld>
             <a:endParaRPr lang="de-DE"/>
           </a:p>
@@ -16857,7 +16857,7 @@
           <a:p>
             <a:fld id="{3248773E-0E1D-C44D-81DB-7C2B8F8EC2A7}" type="datetimeFigureOut">
               <a:rPr lang="de-DE" smtClean="0"/>
-              <a:t>03.01.20</a:t>
+              <a:t>06.01.20</a:t>
             </a:fld>
             <a:endParaRPr lang="de-DE"/>
           </a:p>
@@ -17631,7 +17631,7 @@
             <a:fld id="{D15945BB-CB13-F048-8038-6D73515B4389}" type="datetime1">
               <a:rPr lang="de-DE" smtClean="0"/>
               <a:pPr/>
-              <a:t>03.01.20</a:t>
+              <a:t>06.01.20</a:t>
             </a:fld>
             <a:endParaRPr lang="de-DE" dirty="0"/>
           </a:p>
@@ -23062,7 +23062,7 @@
         <p:spPr>
           <a:xfrm>
             <a:off x="7302960" y="2192287"/>
-            <a:ext cx="1410789" cy="1292662"/>
+            <a:ext cx="1749753" cy="1292662"/>
           </a:xfrm>
           <a:prstGeom prst="rect">
             <a:avLst/>
@@ -23095,7 +23095,7 @@
           <a:p>
             <a:r>
               <a:rPr lang="de-DE" sz="1200" dirty="0"/>
-              <a:t>Auftraggeber</a:t>
+              <a:t>Auftraggeber/Branche</a:t>
             </a:r>
           </a:p>
         </p:txBody>
@@ -23193,7 +23193,7 @@
         <p:spPr>
           <a:xfrm>
             <a:off x="2923992" y="1863511"/>
-            <a:ext cx="1555530" cy="861774"/>
+            <a:ext cx="1555530" cy="1200329"/>
           </a:xfrm>
           <a:prstGeom prst="rect">
             <a:avLst/>
@@ -23215,6 +23215,19 @@
             <a:r>
               <a:rPr lang="de-DE" sz="1200" dirty="0"/>
               <a:t>RAMI 4.0</a:t>
+            </a:r>
+          </a:p>
+          <a:p>
+            <a:r>
+              <a:rPr lang="de-DE" sz="1200" dirty="0"/>
+              <a:t>Industrie-4.0-</a:t>
+            </a:r>
+            <a:br>
+              <a:rPr lang="de-DE" sz="1200" dirty="0"/>
+            </a:br>
+            <a:r>
+              <a:rPr lang="de-DE" sz="1200" dirty="0"/>
+              <a:t>Komponente</a:t>
             </a:r>
             <a:endParaRPr lang="de-DE" dirty="0"/>
           </a:p>

--- a/presentations/models.pptx
+++ b/presentations/models.pptx
@@ -23695,8 +23695,8 @@
         </p:nvSpPr>
         <p:spPr>
           <a:xfrm>
-            <a:off x="3877056" y="2312628"/>
-            <a:ext cx="2359152" cy="550926"/>
+            <a:off x="2715318" y="2366227"/>
+            <a:ext cx="4779762" cy="550926"/>
           </a:xfrm>
           <a:prstGeom prst="rect">
             <a:avLst/>
@@ -23746,8 +23746,8 @@
         </p:nvSpPr>
         <p:spPr>
           <a:xfrm>
-            <a:off x="3877056" y="1149858"/>
-            <a:ext cx="2359152" cy="1282446"/>
+            <a:off x="2715318" y="1203457"/>
+            <a:ext cx="4779763" cy="1282446"/>
           </a:xfrm>
           <a:prstGeom prst="rect">
             <a:avLst/>
@@ -23807,7 +23807,7 @@
         </p:blipFill>
         <p:spPr>
           <a:xfrm>
-            <a:off x="6276885" y="1203457"/>
+            <a:off x="7850853" y="1203457"/>
             <a:ext cx="2070714" cy="1600606"/>
           </a:xfrm>
         </p:spPr>
@@ -23826,7 +23826,7 @@
         </p:nvSpPr>
         <p:spPr>
           <a:xfrm>
-            <a:off x="4489704" y="1182587"/>
+            <a:off x="3327967" y="1236186"/>
             <a:ext cx="1606296" cy="226314"/>
           </a:xfrm>
           <a:prstGeom prst="rect">
@@ -23886,7 +23886,7 @@
         </p:nvSpPr>
         <p:spPr>
           <a:xfrm>
-            <a:off x="4489704" y="1460620"/>
+            <a:off x="3327967" y="1514219"/>
             <a:ext cx="1606296" cy="219456"/>
           </a:xfrm>
           <a:prstGeom prst="rect">
@@ -23946,7 +23946,7 @@
         </p:nvSpPr>
         <p:spPr>
           <a:xfrm>
-            <a:off x="4489704" y="1749058"/>
+            <a:off x="3327967" y="1802657"/>
             <a:ext cx="1606296" cy="219456"/>
           </a:xfrm>
           <a:prstGeom prst="rect">
@@ -24003,7 +24003,7 @@
         </p:nvSpPr>
         <p:spPr>
           <a:xfrm>
-            <a:off x="4489704" y="2027414"/>
+            <a:off x="3327967" y="2081013"/>
             <a:ext cx="1606296" cy="226314"/>
           </a:xfrm>
           <a:prstGeom prst="rect">
@@ -24060,7 +24060,7 @@
         </p:nvSpPr>
         <p:spPr>
           <a:xfrm>
-            <a:off x="4489704" y="2313432"/>
+            <a:off x="3327967" y="2367031"/>
             <a:ext cx="1606296" cy="219456"/>
           </a:xfrm>
           <a:prstGeom prst="rect">
@@ -24119,7 +24119,7 @@
         </p:nvSpPr>
         <p:spPr>
           <a:xfrm>
-            <a:off x="4489704" y="2584607"/>
+            <a:off x="3327967" y="2638206"/>
             <a:ext cx="1606296" cy="219456"/>
           </a:xfrm>
           <a:prstGeom prst="rect">
@@ -24178,7 +24178,7 @@
         </p:nvSpPr>
         <p:spPr>
           <a:xfrm rot="16200000">
-            <a:off x="3591699" y="1674643"/>
+            <a:off x="2429962" y="1728242"/>
             <a:ext cx="1126462" cy="307777"/>
           </a:xfrm>
           <a:prstGeom prst="rect">
@@ -24217,7 +24217,7 @@
         </p:nvSpPr>
         <p:spPr>
           <a:xfrm rot="16200000">
-            <a:off x="3923521" y="2509825"/>
+            <a:off x="2761784" y="2563424"/>
             <a:ext cx="462819" cy="307777"/>
           </a:xfrm>
           <a:prstGeom prst="rect">
@@ -24238,6 +24238,362 @@
                 </a:solidFill>
               </a:rPr>
               <a:t>real</a:t>
+            </a:r>
+          </a:p>
+        </p:txBody>
+      </p:sp>
+      <p:sp>
+        <p:nvSpPr>
+          <p:cNvPr id="15" name="Rechteck 14">
+            <a:extLst>
+              <a:ext uri="{FF2B5EF4-FFF2-40B4-BE49-F238E27FC236}">
+                <a16:creationId xmlns:a16="http://schemas.microsoft.com/office/drawing/2014/main" id="{BA6B1713-CFA9-6A43-98D8-C93BB9C82C76}"/>
+              </a:ext>
+            </a:extLst>
+          </p:cNvPr>
+          <p:cNvSpPr/>
+          <p:nvPr/>
+        </p:nvSpPr>
+        <p:spPr>
+          <a:xfrm>
+            <a:off x="5137953" y="1236186"/>
+            <a:ext cx="2192236" cy="226314"/>
+          </a:xfrm>
+          <a:prstGeom prst="rect">
+            <a:avLst/>
+          </a:prstGeom>
+          <a:solidFill>
+            <a:schemeClr val="accent5">
+              <a:lumMod val="40000"/>
+              <a:lumOff val="60000"/>
+            </a:schemeClr>
+          </a:solidFill>
+          <a:ln>
+            <a:solidFill>
+              <a:schemeClr val="bg1"/>
+            </a:solidFill>
+          </a:ln>
+        </p:spPr>
+        <p:style>
+          <a:lnRef idx="2">
+            <a:schemeClr val="accent1">
+              <a:shade val="50000"/>
+            </a:schemeClr>
+          </a:lnRef>
+          <a:fillRef idx="1">
+            <a:schemeClr val="accent1"/>
+          </a:fillRef>
+          <a:effectRef idx="0">
+            <a:schemeClr val="accent1"/>
+          </a:effectRef>
+          <a:fontRef idx="minor">
+            <a:schemeClr val="lt1"/>
+          </a:fontRef>
+        </p:style>
+        <p:txBody>
+          <a:bodyPr rtlCol="0" anchor="ctr"/>
+          <a:lstStyle/>
+          <a:p>
+            <a:pPr algn="ctr"/>
+            <a:r>
+              <a:rPr lang="de-DE" sz="1400" dirty="0"/>
+              <a:t>Geschäftsprozesse</a:t>
+            </a:r>
+          </a:p>
+        </p:txBody>
+      </p:sp>
+      <p:sp>
+        <p:nvSpPr>
+          <p:cNvPr id="17" name="Rechteck 16">
+            <a:extLst>
+              <a:ext uri="{FF2B5EF4-FFF2-40B4-BE49-F238E27FC236}">
+                <a16:creationId xmlns:a16="http://schemas.microsoft.com/office/drawing/2014/main" id="{3A74ACEC-DF79-EB49-B253-BDA574DD83A9}"/>
+              </a:ext>
+            </a:extLst>
+          </p:cNvPr>
+          <p:cNvSpPr/>
+          <p:nvPr/>
+        </p:nvSpPr>
+        <p:spPr>
+          <a:xfrm>
+            <a:off x="5137953" y="1514219"/>
+            <a:ext cx="2192236" cy="219456"/>
+          </a:xfrm>
+          <a:prstGeom prst="rect">
+            <a:avLst/>
+          </a:prstGeom>
+          <a:solidFill>
+            <a:schemeClr val="accent6">
+              <a:lumMod val="60000"/>
+              <a:lumOff val="40000"/>
+            </a:schemeClr>
+          </a:solidFill>
+          <a:ln>
+            <a:solidFill>
+              <a:schemeClr val="bg1"/>
+            </a:solidFill>
+          </a:ln>
+        </p:spPr>
+        <p:style>
+          <a:lnRef idx="2">
+            <a:schemeClr val="accent1">
+              <a:shade val="50000"/>
+            </a:schemeClr>
+          </a:lnRef>
+          <a:fillRef idx="1">
+            <a:schemeClr val="accent1"/>
+          </a:fillRef>
+          <a:effectRef idx="0">
+            <a:schemeClr val="accent1"/>
+          </a:effectRef>
+          <a:fontRef idx="minor">
+            <a:schemeClr val="lt1"/>
+          </a:fontRef>
+        </p:style>
+        <p:txBody>
+          <a:bodyPr rtlCol="0" anchor="ctr"/>
+          <a:lstStyle/>
+          <a:p>
+            <a:pPr algn="ctr"/>
+            <a:r>
+              <a:rPr lang="de-DE" sz="1400" dirty="0"/>
+              <a:t>Funktionen</a:t>
+            </a:r>
+          </a:p>
+        </p:txBody>
+      </p:sp>
+      <p:sp>
+        <p:nvSpPr>
+          <p:cNvPr id="18" name="Rechteck 17">
+            <a:extLst>
+              <a:ext uri="{FF2B5EF4-FFF2-40B4-BE49-F238E27FC236}">
+                <a16:creationId xmlns:a16="http://schemas.microsoft.com/office/drawing/2014/main" id="{5FA26582-A6A6-DB4A-B930-3B1B51F5DF5F}"/>
+              </a:ext>
+            </a:extLst>
+          </p:cNvPr>
+          <p:cNvSpPr/>
+          <p:nvPr/>
+        </p:nvSpPr>
+        <p:spPr>
+          <a:xfrm>
+            <a:off x="5137953" y="1802657"/>
+            <a:ext cx="2192236" cy="219456"/>
+          </a:xfrm>
+          <a:prstGeom prst="rect">
+            <a:avLst/>
+          </a:prstGeom>
+          <a:solidFill>
+            <a:srgbClr val="C00000"/>
+          </a:solidFill>
+          <a:ln>
+            <a:solidFill>
+              <a:schemeClr val="bg1"/>
+            </a:solidFill>
+          </a:ln>
+        </p:spPr>
+        <p:style>
+          <a:lnRef idx="2">
+            <a:schemeClr val="accent1">
+              <a:shade val="50000"/>
+            </a:schemeClr>
+          </a:lnRef>
+          <a:fillRef idx="1">
+            <a:schemeClr val="accent1"/>
+          </a:fillRef>
+          <a:effectRef idx="0">
+            <a:schemeClr val="accent1"/>
+          </a:effectRef>
+          <a:fontRef idx="minor">
+            <a:schemeClr val="lt1"/>
+          </a:fontRef>
+        </p:style>
+        <p:txBody>
+          <a:bodyPr rtlCol="0" anchor="ctr"/>
+          <a:lstStyle/>
+          <a:p>
+            <a:pPr algn="ctr"/>
+            <a:r>
+              <a:rPr lang="de-DE" sz="1400" dirty="0"/>
+              <a:t>Information</a:t>
+            </a:r>
+          </a:p>
+        </p:txBody>
+      </p:sp>
+      <p:sp>
+        <p:nvSpPr>
+          <p:cNvPr id="19" name="Rechteck 18">
+            <a:extLst>
+              <a:ext uri="{FF2B5EF4-FFF2-40B4-BE49-F238E27FC236}">
+                <a16:creationId xmlns:a16="http://schemas.microsoft.com/office/drawing/2014/main" id="{F404083B-DFB5-FD41-BCA7-572B39BAA2A6}"/>
+              </a:ext>
+            </a:extLst>
+          </p:cNvPr>
+          <p:cNvSpPr/>
+          <p:nvPr/>
+        </p:nvSpPr>
+        <p:spPr>
+          <a:xfrm>
+            <a:off x="5137953" y="2081013"/>
+            <a:ext cx="2192236" cy="226314"/>
+          </a:xfrm>
+          <a:prstGeom prst="rect">
+            <a:avLst/>
+          </a:prstGeom>
+          <a:solidFill>
+            <a:srgbClr val="C00000"/>
+          </a:solidFill>
+          <a:ln>
+            <a:solidFill>
+              <a:schemeClr val="bg1"/>
+            </a:solidFill>
+          </a:ln>
+        </p:spPr>
+        <p:style>
+          <a:lnRef idx="2">
+            <a:schemeClr val="accent1">
+              <a:shade val="50000"/>
+            </a:schemeClr>
+          </a:lnRef>
+          <a:fillRef idx="1">
+            <a:schemeClr val="accent1"/>
+          </a:fillRef>
+          <a:effectRef idx="0">
+            <a:schemeClr val="accent1"/>
+          </a:effectRef>
+          <a:fontRef idx="minor">
+            <a:schemeClr val="lt1"/>
+          </a:fontRef>
+        </p:style>
+        <p:txBody>
+          <a:bodyPr rtlCol="0" anchor="ctr"/>
+          <a:lstStyle/>
+          <a:p>
+            <a:pPr algn="ctr"/>
+            <a:r>
+              <a:rPr lang="de-DE" sz="1400" dirty="0"/>
+              <a:t>Kommunikation</a:t>
+            </a:r>
+          </a:p>
+        </p:txBody>
+      </p:sp>
+      <p:sp>
+        <p:nvSpPr>
+          <p:cNvPr id="20" name="Rechteck 19">
+            <a:extLst>
+              <a:ext uri="{FF2B5EF4-FFF2-40B4-BE49-F238E27FC236}">
+                <a16:creationId xmlns:a16="http://schemas.microsoft.com/office/drawing/2014/main" id="{BBD3D984-3412-E849-9955-E4684F8CD081}"/>
+              </a:ext>
+            </a:extLst>
+          </p:cNvPr>
+          <p:cNvSpPr/>
+          <p:nvPr/>
+        </p:nvSpPr>
+        <p:spPr>
+          <a:xfrm>
+            <a:off x="5145448" y="2367031"/>
+            <a:ext cx="2184742" cy="219456"/>
+          </a:xfrm>
+          <a:prstGeom prst="rect">
+            <a:avLst/>
+          </a:prstGeom>
+          <a:solidFill>
+            <a:schemeClr val="bg2">
+              <a:lumMod val="50000"/>
+            </a:schemeClr>
+          </a:solidFill>
+          <a:ln>
+            <a:solidFill>
+              <a:schemeClr val="bg1"/>
+            </a:solidFill>
+          </a:ln>
+        </p:spPr>
+        <p:style>
+          <a:lnRef idx="2">
+            <a:schemeClr val="accent1">
+              <a:shade val="50000"/>
+            </a:schemeClr>
+          </a:lnRef>
+          <a:fillRef idx="1">
+            <a:schemeClr val="accent1"/>
+          </a:fillRef>
+          <a:effectRef idx="0">
+            <a:schemeClr val="accent1"/>
+          </a:effectRef>
+          <a:fontRef idx="minor">
+            <a:schemeClr val="lt1"/>
+          </a:fontRef>
+        </p:style>
+        <p:txBody>
+          <a:bodyPr rtlCol="0" anchor="ctr"/>
+          <a:lstStyle/>
+          <a:p>
+            <a:pPr algn="ctr"/>
+            <a:r>
+              <a:rPr lang="de-DE" sz="1400" dirty="0"/>
+              <a:t>Sensorik</a:t>
+            </a:r>
+          </a:p>
+        </p:txBody>
+      </p:sp>
+      <p:sp>
+        <p:nvSpPr>
+          <p:cNvPr id="21" name="Rechteck 20">
+            <a:extLst>
+              <a:ext uri="{FF2B5EF4-FFF2-40B4-BE49-F238E27FC236}">
+                <a16:creationId xmlns:a16="http://schemas.microsoft.com/office/drawing/2014/main" id="{2D56A05B-2F62-534A-8C63-D03A33100A0A}"/>
+              </a:ext>
+            </a:extLst>
+          </p:cNvPr>
+          <p:cNvSpPr/>
+          <p:nvPr/>
+        </p:nvSpPr>
+        <p:spPr>
+          <a:xfrm>
+            <a:off x="5137952" y="2638206"/>
+            <a:ext cx="2192237" cy="219456"/>
+          </a:xfrm>
+          <a:prstGeom prst="rect">
+            <a:avLst/>
+          </a:prstGeom>
+          <a:solidFill>
+            <a:schemeClr val="accent3">
+              <a:lumMod val="50000"/>
+            </a:schemeClr>
+          </a:solidFill>
+          <a:ln>
+            <a:solidFill>
+              <a:schemeClr val="bg1"/>
+            </a:solidFill>
+          </a:ln>
+        </p:spPr>
+        <p:style>
+          <a:lnRef idx="2">
+            <a:schemeClr val="accent1">
+              <a:shade val="50000"/>
+            </a:schemeClr>
+          </a:lnRef>
+          <a:fillRef idx="1">
+            <a:schemeClr val="accent1"/>
+          </a:fillRef>
+          <a:effectRef idx="0">
+            <a:schemeClr val="accent1"/>
+          </a:effectRef>
+          <a:fontRef idx="minor">
+            <a:schemeClr val="lt1"/>
+          </a:fontRef>
+        </p:style>
+        <p:txBody>
+          <a:bodyPr rtlCol="0" anchor="ctr"/>
+          <a:lstStyle/>
+          <a:p>
+            <a:pPr algn="ctr"/>
+            <a:r>
+              <a:rPr lang="de-DE" sz="1400" dirty="0" err="1"/>
+              <a:t>Raspberry</a:t>
+            </a:r>
+            <a:r>
+              <a:rPr lang="de-DE" sz="1400" dirty="0"/>
+              <a:t> Pi </a:t>
             </a:r>
           </a:p>
         </p:txBody>

--- a/presentations/models.pptx
+++ b/presentations/models.pptx
@@ -14207,7 +14207,7 @@
           <a:p>
             <a:fld id="{3248773E-0E1D-C44D-81DB-7C2B8F8EC2A7}" type="datetimeFigureOut">
               <a:rPr lang="de-DE" smtClean="0"/>
-              <a:t>06.01.20</a:t>
+              <a:t>09.01.20</a:t>
             </a:fld>
             <a:endParaRPr lang="de-DE"/>
           </a:p>
@@ -14405,7 +14405,7 @@
           <a:p>
             <a:fld id="{3248773E-0E1D-C44D-81DB-7C2B8F8EC2A7}" type="datetimeFigureOut">
               <a:rPr lang="de-DE" smtClean="0"/>
-              <a:t>06.01.20</a:t>
+              <a:t>09.01.20</a:t>
             </a:fld>
             <a:endParaRPr lang="de-DE"/>
           </a:p>
@@ -14613,7 +14613,7 @@
           <a:p>
             <a:fld id="{3248773E-0E1D-C44D-81DB-7C2B8F8EC2A7}" type="datetimeFigureOut">
               <a:rPr lang="de-DE" smtClean="0"/>
-              <a:t>06.01.20</a:t>
+              <a:t>09.01.20</a:t>
             </a:fld>
             <a:endParaRPr lang="de-DE"/>
           </a:p>
@@ -14811,7 +14811,7 @@
           <a:p>
             <a:fld id="{3248773E-0E1D-C44D-81DB-7C2B8F8EC2A7}" type="datetimeFigureOut">
               <a:rPr lang="de-DE" smtClean="0"/>
-              <a:t>06.01.20</a:t>
+              <a:t>09.01.20</a:t>
             </a:fld>
             <a:endParaRPr lang="de-DE"/>
           </a:p>
@@ -15086,7 +15086,7 @@
           <a:p>
             <a:fld id="{3248773E-0E1D-C44D-81DB-7C2B8F8EC2A7}" type="datetimeFigureOut">
               <a:rPr lang="de-DE" smtClean="0"/>
-              <a:t>06.01.20</a:t>
+              <a:t>09.01.20</a:t>
             </a:fld>
             <a:endParaRPr lang="de-DE"/>
           </a:p>
@@ -15351,7 +15351,7 @@
           <a:p>
             <a:fld id="{3248773E-0E1D-C44D-81DB-7C2B8F8EC2A7}" type="datetimeFigureOut">
               <a:rPr lang="de-DE" smtClean="0"/>
-              <a:t>06.01.20</a:t>
+              <a:t>09.01.20</a:t>
             </a:fld>
             <a:endParaRPr lang="de-DE"/>
           </a:p>
@@ -15763,7 +15763,7 @@
           <a:p>
             <a:fld id="{3248773E-0E1D-C44D-81DB-7C2B8F8EC2A7}" type="datetimeFigureOut">
               <a:rPr lang="de-DE" smtClean="0"/>
-              <a:t>06.01.20</a:t>
+              <a:t>09.01.20</a:t>
             </a:fld>
             <a:endParaRPr lang="de-DE"/>
           </a:p>
@@ -15904,7 +15904,7 @@
           <a:p>
             <a:fld id="{3248773E-0E1D-C44D-81DB-7C2B8F8EC2A7}" type="datetimeFigureOut">
               <a:rPr lang="de-DE" smtClean="0"/>
-              <a:t>06.01.20</a:t>
+              <a:t>09.01.20</a:t>
             </a:fld>
             <a:endParaRPr lang="de-DE"/>
           </a:p>
@@ -16017,7 +16017,7 @@
           <a:p>
             <a:fld id="{3248773E-0E1D-C44D-81DB-7C2B8F8EC2A7}" type="datetimeFigureOut">
               <a:rPr lang="de-DE" smtClean="0"/>
-              <a:t>06.01.20</a:t>
+              <a:t>09.01.20</a:t>
             </a:fld>
             <a:endParaRPr lang="de-DE"/>
           </a:p>
@@ -16328,7 +16328,7 @@
           <a:p>
             <a:fld id="{3248773E-0E1D-C44D-81DB-7C2B8F8EC2A7}" type="datetimeFigureOut">
               <a:rPr lang="de-DE" smtClean="0"/>
-              <a:t>06.01.20</a:t>
+              <a:t>09.01.20</a:t>
             </a:fld>
             <a:endParaRPr lang="de-DE"/>
           </a:p>
@@ -16616,7 +16616,7 @@
           <a:p>
             <a:fld id="{3248773E-0E1D-C44D-81DB-7C2B8F8EC2A7}" type="datetimeFigureOut">
               <a:rPr lang="de-DE" smtClean="0"/>
-              <a:t>06.01.20</a:t>
+              <a:t>09.01.20</a:t>
             </a:fld>
             <a:endParaRPr lang="de-DE"/>
           </a:p>
@@ -16857,7 +16857,7 @@
           <a:p>
             <a:fld id="{3248773E-0E1D-C44D-81DB-7C2B8F8EC2A7}" type="datetimeFigureOut">
               <a:rPr lang="de-DE" smtClean="0"/>
-              <a:t>06.01.20</a:t>
+              <a:t>09.01.20</a:t>
             </a:fld>
             <a:endParaRPr lang="de-DE"/>
           </a:p>
@@ -17631,7 +17631,7 @@
             <a:fld id="{D15945BB-CB13-F048-8038-6D73515B4389}" type="datetime1">
               <a:rPr lang="de-DE" smtClean="0"/>
               <a:pPr/>
-              <a:t>06.01.20</a:t>
+              <a:t>09.01.20</a:t>
             </a:fld>
             <a:endParaRPr lang="de-DE" dirty="0"/>
           </a:p>
@@ -23039,7 +23039,7 @@
         </p:blipFill>
         <p:spPr>
           <a:xfrm>
-            <a:off x="7285321" y="1718442"/>
+            <a:off x="7159009" y="1718442"/>
             <a:ext cx="777766" cy="641130"/>
           </a:xfrm>
           <a:prstGeom prst="rect">
@@ -23061,8 +23061,8 @@
         </p:nvSpPr>
         <p:spPr>
           <a:xfrm>
-            <a:off x="7302960" y="2192287"/>
-            <a:ext cx="1749753" cy="1292662"/>
+            <a:off x="7382081" y="2172063"/>
+            <a:ext cx="1749753" cy="1477328"/>
           </a:xfrm>
           <a:prstGeom prst="rect">
             <a:avLst/>
@@ -23089,13 +23089,19 @@
           <a:p>
             <a:r>
               <a:rPr lang="de-DE" sz="1200" dirty="0"/>
+              <a:t>Auftraggeber/Branche,</a:t>
+            </a:r>
+          </a:p>
+          <a:p>
+            <a:r>
+              <a:rPr lang="de-DE" sz="1200" dirty="0"/>
               <a:t>Entwickler/innen &amp; Architekt(inn)en, </a:t>
             </a:r>
           </a:p>
           <a:p>
             <a:r>
               <a:rPr lang="de-DE" sz="1200" dirty="0"/>
-              <a:t>Auftraggeber/Branche</a:t>
+              <a:t>Systemadministrator/in</a:t>
             </a:r>
           </a:p>
         </p:txBody>
@@ -23116,8 +23122,8 @@
         </p:nvCxnSpPr>
         <p:spPr>
           <a:xfrm flipV="1">
-            <a:off x="6479177" y="2383446"/>
-            <a:ext cx="755839" cy="425070"/>
+            <a:off x="6479177" y="2266034"/>
+            <a:ext cx="679832" cy="542482"/>
           </a:xfrm>
           <a:prstGeom prst="straightConnector1">
             <a:avLst/>

--- a/presentations/models.pptx
+++ b/presentations/models.pptx
@@ -18,6 +18,7 @@
     <p:sldId id="266" r:id="rId12"/>
     <p:sldId id="267" r:id="rId13"/>
     <p:sldId id="268" r:id="rId14"/>
+    <p:sldId id="269" r:id="rId15"/>
   </p:sldIdLst>
   <p:sldSz cx="12192000" cy="6858000"/>
   <p:notesSz cx="6858000" cy="9144000"/>
@@ -14207,7 +14208,7 @@
           <a:p>
             <a:fld id="{3248773E-0E1D-C44D-81DB-7C2B8F8EC2A7}" type="datetimeFigureOut">
               <a:rPr lang="de-DE" smtClean="0"/>
-              <a:t>09.01.20</a:t>
+              <a:t>14.01.20</a:t>
             </a:fld>
             <a:endParaRPr lang="de-DE"/>
           </a:p>
@@ -14405,7 +14406,7 @@
           <a:p>
             <a:fld id="{3248773E-0E1D-C44D-81DB-7C2B8F8EC2A7}" type="datetimeFigureOut">
               <a:rPr lang="de-DE" smtClean="0"/>
-              <a:t>09.01.20</a:t>
+              <a:t>14.01.20</a:t>
             </a:fld>
             <a:endParaRPr lang="de-DE"/>
           </a:p>
@@ -14613,7 +14614,7 @@
           <a:p>
             <a:fld id="{3248773E-0E1D-C44D-81DB-7C2B8F8EC2A7}" type="datetimeFigureOut">
               <a:rPr lang="de-DE" smtClean="0"/>
-              <a:t>09.01.20</a:t>
+              <a:t>14.01.20</a:t>
             </a:fld>
             <a:endParaRPr lang="de-DE"/>
           </a:p>
@@ -14811,7 +14812,7 @@
           <a:p>
             <a:fld id="{3248773E-0E1D-C44D-81DB-7C2B8F8EC2A7}" type="datetimeFigureOut">
               <a:rPr lang="de-DE" smtClean="0"/>
-              <a:t>09.01.20</a:t>
+              <a:t>14.01.20</a:t>
             </a:fld>
             <a:endParaRPr lang="de-DE"/>
           </a:p>
@@ -15086,7 +15087,7 @@
           <a:p>
             <a:fld id="{3248773E-0E1D-C44D-81DB-7C2B8F8EC2A7}" type="datetimeFigureOut">
               <a:rPr lang="de-DE" smtClean="0"/>
-              <a:t>09.01.20</a:t>
+              <a:t>14.01.20</a:t>
             </a:fld>
             <a:endParaRPr lang="de-DE"/>
           </a:p>
@@ -15351,7 +15352,7 @@
           <a:p>
             <a:fld id="{3248773E-0E1D-C44D-81DB-7C2B8F8EC2A7}" type="datetimeFigureOut">
               <a:rPr lang="de-DE" smtClean="0"/>
-              <a:t>09.01.20</a:t>
+              <a:t>14.01.20</a:t>
             </a:fld>
             <a:endParaRPr lang="de-DE"/>
           </a:p>
@@ -15763,7 +15764,7 @@
           <a:p>
             <a:fld id="{3248773E-0E1D-C44D-81DB-7C2B8F8EC2A7}" type="datetimeFigureOut">
               <a:rPr lang="de-DE" smtClean="0"/>
-              <a:t>09.01.20</a:t>
+              <a:t>14.01.20</a:t>
             </a:fld>
             <a:endParaRPr lang="de-DE"/>
           </a:p>
@@ -15904,7 +15905,7 @@
           <a:p>
             <a:fld id="{3248773E-0E1D-C44D-81DB-7C2B8F8EC2A7}" type="datetimeFigureOut">
               <a:rPr lang="de-DE" smtClean="0"/>
-              <a:t>09.01.20</a:t>
+              <a:t>14.01.20</a:t>
             </a:fld>
             <a:endParaRPr lang="de-DE"/>
           </a:p>
@@ -16017,7 +16018,7 @@
           <a:p>
             <a:fld id="{3248773E-0E1D-C44D-81DB-7C2B8F8EC2A7}" type="datetimeFigureOut">
               <a:rPr lang="de-DE" smtClean="0"/>
-              <a:t>09.01.20</a:t>
+              <a:t>14.01.20</a:t>
             </a:fld>
             <a:endParaRPr lang="de-DE"/>
           </a:p>
@@ -16328,7 +16329,7 @@
           <a:p>
             <a:fld id="{3248773E-0E1D-C44D-81DB-7C2B8F8EC2A7}" type="datetimeFigureOut">
               <a:rPr lang="de-DE" smtClean="0"/>
-              <a:t>09.01.20</a:t>
+              <a:t>14.01.20</a:t>
             </a:fld>
             <a:endParaRPr lang="de-DE"/>
           </a:p>
@@ -16616,7 +16617,7 @@
           <a:p>
             <a:fld id="{3248773E-0E1D-C44D-81DB-7C2B8F8EC2A7}" type="datetimeFigureOut">
               <a:rPr lang="de-DE" smtClean="0"/>
-              <a:t>09.01.20</a:t>
+              <a:t>14.01.20</a:t>
             </a:fld>
             <a:endParaRPr lang="de-DE"/>
           </a:p>
@@ -16857,7 +16858,7 @@
           <a:p>
             <a:fld id="{3248773E-0E1D-C44D-81DB-7C2B8F8EC2A7}" type="datetimeFigureOut">
               <a:rPr lang="de-DE" smtClean="0"/>
-              <a:t>09.01.20</a:t>
+              <a:t>14.01.20</a:t>
             </a:fld>
             <a:endParaRPr lang="de-DE"/>
           </a:p>
@@ -17412,15 +17413,7 @@
           <a:p>
             <a:r>
               <a:rPr lang="de-DE" sz="1800" dirty="0"/>
-              <a:t>Architektur Internet </a:t>
-            </a:r>
-            <a:r>
-              <a:rPr lang="de-DE" sz="1800" dirty="0" err="1"/>
-              <a:t>of</a:t>
-            </a:r>
-            <a:r>
-              <a:rPr lang="de-DE" sz="1800" dirty="0"/>
-              <a:t> Things Service</a:t>
+              <a:t>Architektur Internet of Things Service</a:t>
             </a:r>
           </a:p>
         </p:txBody>
@@ -17595,10 +17588,17 @@
           </a:lstStyle>
           <a:p>
             <a:r>
-              <a:rPr lang="de-DE"/>
-              <a:t>SAP Leonardo IoT Foundation und Edge</a:t>
+              <a:rPr lang="de-DE" dirty="0"/>
+              <a:t>SAP Leonardo IoT </a:t>
             </a:r>
-            <a:endParaRPr lang="de-DE" dirty="0"/>
+            <a:r>
+              <a:rPr lang="de-DE" dirty="0" err="1"/>
+              <a:t>Foundation</a:t>
+            </a:r>
+            <a:r>
+              <a:rPr lang="de-DE" dirty="0"/>
+              <a:t> und Edge</a:t>
+            </a:r>
           </a:p>
         </p:txBody>
       </p:sp>
@@ -17631,7 +17631,7 @@
             <a:fld id="{D15945BB-CB13-F048-8038-6D73515B4389}" type="datetime1">
               <a:rPr lang="de-DE" smtClean="0"/>
               <a:pPr/>
-              <a:t>09.01.20</a:t>
+              <a:t>14.01.20</a:t>
             </a:fld>
             <a:endParaRPr lang="de-DE" dirty="0"/>
           </a:p>
@@ -20621,6 +20621,88 @@
     <p:extLst>
       <p:ext uri="{BB962C8B-B14F-4D97-AF65-F5344CB8AC3E}">
         <p14:creationId xmlns:p14="http://schemas.microsoft.com/office/powerpoint/2010/main" val="464300282"/>
+      </p:ext>
+    </p:extLst>
+  </p:cSld>
+  <p:clrMapOvr>
+    <a:masterClrMapping/>
+  </p:clrMapOvr>
+</p:sld>
+</file>
+
+<file path=ppt/slides/slide14.xml><?xml version="1.0" encoding="utf-8"?>
+<p:sld xmlns:a="http://schemas.openxmlformats.org/drawingml/2006/main" xmlns:r="http://schemas.openxmlformats.org/officeDocument/2006/relationships" xmlns:p="http://schemas.openxmlformats.org/presentationml/2006/main">
+  <p:cSld>
+    <p:spTree>
+      <p:nvGrpSpPr>
+        <p:cNvPr id="1" name=""/>
+        <p:cNvGrpSpPr/>
+        <p:nvPr/>
+      </p:nvGrpSpPr>
+      <p:grpSpPr>
+        <a:xfrm>
+          <a:off x="0" y="0"/>
+          <a:ext cx="0" cy="0"/>
+          <a:chOff x="0" y="0"/>
+          <a:chExt cx="0" cy="0"/>
+        </a:xfrm>
+      </p:grpSpPr>
+      <p:sp>
+        <p:nvSpPr>
+          <p:cNvPr id="2" name="Titel 1">
+            <a:extLst>
+              <a:ext uri="{FF2B5EF4-FFF2-40B4-BE49-F238E27FC236}">
+                <a16:creationId xmlns:a16="http://schemas.microsoft.com/office/drawing/2014/main" id="{17199C80-FEE2-7143-8588-69C4D6B19ECC}"/>
+              </a:ext>
+            </a:extLst>
+          </p:cNvPr>
+          <p:cNvSpPr>
+            <a:spLocks noGrp="1"/>
+          </p:cNvSpPr>
+          <p:nvPr>
+            <p:ph type="title"/>
+          </p:nvPr>
+        </p:nvSpPr>
+        <p:spPr/>
+        <p:txBody>
+          <a:bodyPr/>
+          <a:lstStyle/>
+          <a:p>
+            <a:endParaRPr lang="de-DE"/>
+          </a:p>
+        </p:txBody>
+      </p:sp>
+      <p:sp>
+        <p:nvSpPr>
+          <p:cNvPr id="3" name="Inhaltsplatzhalter 2">
+            <a:extLst>
+              <a:ext uri="{FF2B5EF4-FFF2-40B4-BE49-F238E27FC236}">
+                <a16:creationId xmlns:a16="http://schemas.microsoft.com/office/drawing/2014/main" id="{B37AAF40-A892-CE49-9B92-DA4A5DF4394F}"/>
+              </a:ext>
+            </a:extLst>
+          </p:cNvPr>
+          <p:cNvSpPr>
+            <a:spLocks noGrp="1"/>
+          </p:cNvSpPr>
+          <p:nvPr>
+            <p:ph idx="1"/>
+          </p:nvPr>
+        </p:nvSpPr>
+        <p:spPr/>
+        <p:txBody>
+          <a:bodyPr>
+            <a:normAutofit/>
+          </a:bodyPr>
+          <a:lstStyle/>
+          <a:p>
+            <a:endParaRPr lang="de-DE" dirty="0"/>
+          </a:p>
+        </p:txBody>
+      </p:sp>
+    </p:spTree>
+    <p:extLst>
+      <p:ext uri="{BB962C8B-B14F-4D97-AF65-F5344CB8AC3E}">
+        <p14:creationId xmlns:p14="http://schemas.microsoft.com/office/powerpoint/2010/main" val="2155447701"/>
       </p:ext>
     </p:extLst>
   </p:cSld>
@@ -23701,8 +23783,8 @@
         </p:nvSpPr>
         <p:spPr>
           <a:xfrm>
-            <a:off x="2715318" y="2366227"/>
-            <a:ext cx="4779762" cy="550926"/>
+            <a:off x="2715317" y="2366227"/>
+            <a:ext cx="6113373" cy="691328"/>
           </a:xfrm>
           <a:prstGeom prst="rect">
             <a:avLst/>
@@ -23752,8 +23834,8 @@
         </p:nvSpPr>
         <p:spPr>
           <a:xfrm>
-            <a:off x="2715318" y="1203457"/>
-            <a:ext cx="4779763" cy="1282446"/>
+            <a:off x="2715318" y="874252"/>
+            <a:ext cx="6113372" cy="1512313"/>
           </a:xfrm>
           <a:prstGeom prst="rect">
             <a:avLst/>
@@ -23763,6 +23845,13 @@
               <a:lumMod val="75000"/>
             </a:schemeClr>
           </a:solidFill>
+          <a:ln>
+            <a:solidFill>
+              <a:schemeClr val="accent1">
+                <a:lumMod val="50000"/>
+              </a:schemeClr>
+            </a:solidFill>
+          </a:ln>
         </p:spPr>
         <p:style>
           <a:lnRef idx="2">
@@ -23813,7 +23902,7 @@
         </p:blipFill>
         <p:spPr>
           <a:xfrm>
-            <a:off x="7850853" y="1203457"/>
+            <a:off x="4308867" y="4854240"/>
             <a:ext cx="2070714" cy="1600606"/>
           </a:xfrm>
         </p:spPr>
@@ -23832,16 +23921,16 @@
         </p:nvSpPr>
         <p:spPr>
           <a:xfrm>
-            <a:off x="3327967" y="1236186"/>
-            <a:ext cx="1606296" cy="226314"/>
+            <a:off x="3339264" y="937867"/>
+            <a:ext cx="1606296" cy="284410"/>
           </a:xfrm>
           <a:prstGeom prst="rect">
             <a:avLst/>
           </a:prstGeom>
           <a:solidFill>
-            <a:schemeClr val="accent5">
-              <a:lumMod val="40000"/>
-              <a:lumOff val="60000"/>
+            <a:schemeClr val="accent1">
+              <a:lumMod val="60000"/>
+              <a:lumOff val="40000"/>
             </a:schemeClr>
           </a:solidFill>
           <a:ln>
@@ -23872,7 +23961,11 @@
           <a:p>
             <a:pPr algn="ctr"/>
             <a:r>
-              <a:rPr lang="de-DE" sz="1400" dirty="0"/>
+              <a:rPr lang="de-DE" sz="1400" dirty="0">
+                <a:solidFill>
+                  <a:schemeClr val="tx2"/>
+                </a:solidFill>
+              </a:rPr>
               <a:t>Geschäftsprozesse</a:t>
             </a:r>
           </a:p>
@@ -23892,8 +23985,8 @@
         </p:nvSpPr>
         <p:spPr>
           <a:xfrm>
-            <a:off x="3327967" y="1514219"/>
-            <a:ext cx="1606296" cy="219456"/>
+            <a:off x="3339264" y="1276554"/>
+            <a:ext cx="1606296" cy="284410"/>
           </a:xfrm>
           <a:prstGeom prst="rect">
             <a:avLst/>
@@ -23932,7 +24025,7 @@
           <a:p>
             <a:pPr algn="ctr"/>
             <a:r>
-              <a:rPr lang="de-DE" sz="1400" dirty="0"/>
+              <a:rPr lang="de-DE" sz="1400" b="1" dirty="0"/>
               <a:t>Funktionen</a:t>
             </a:r>
           </a:p>
@@ -23952,8 +24045,8 @@
         </p:nvSpPr>
         <p:spPr>
           <a:xfrm>
-            <a:off x="3327967" y="1802657"/>
-            <a:ext cx="1606296" cy="219456"/>
+            <a:off x="3323253" y="1624908"/>
+            <a:ext cx="1606296" cy="282061"/>
           </a:xfrm>
           <a:prstGeom prst="rect">
             <a:avLst/>
@@ -23989,7 +24082,7 @@
           <a:p>
             <a:pPr algn="ctr"/>
             <a:r>
-              <a:rPr lang="de-DE" sz="1400" dirty="0"/>
+              <a:rPr lang="de-DE" sz="1400" b="1" dirty="0"/>
               <a:t>Information</a:t>
             </a:r>
           </a:p>
@@ -24009,8 +24102,8 @@
         </p:nvSpPr>
         <p:spPr>
           <a:xfrm>
-            <a:off x="3327967" y="2081013"/>
-            <a:ext cx="1606296" cy="226314"/>
+            <a:off x="3323253" y="1961108"/>
+            <a:ext cx="1606296" cy="284410"/>
           </a:xfrm>
           <a:prstGeom prst="rect">
             <a:avLst/>
@@ -24046,7 +24139,7 @@
           <a:p>
             <a:pPr algn="ctr"/>
             <a:r>
-              <a:rPr lang="de-DE" sz="1400" dirty="0"/>
+              <a:rPr lang="de-DE" sz="1400" b="1" dirty="0"/>
               <a:t>Kommunikation</a:t>
             </a:r>
           </a:p>
@@ -24066,8 +24159,8 @@
         </p:nvSpPr>
         <p:spPr>
           <a:xfrm>
-            <a:off x="3327967" y="2367031"/>
-            <a:ext cx="1606296" cy="219456"/>
+            <a:off x="3327967" y="2299657"/>
+            <a:ext cx="1601582" cy="284410"/>
           </a:xfrm>
           <a:prstGeom prst="rect">
             <a:avLst/>
@@ -24105,7 +24198,7 @@
           <a:p>
             <a:pPr algn="ctr"/>
             <a:r>
-              <a:rPr lang="de-DE" sz="1400" dirty="0"/>
+              <a:rPr lang="de-DE" sz="1400" b="1" dirty="0"/>
               <a:t>Integration</a:t>
             </a:r>
           </a:p>
@@ -24126,7 +24219,7 @@
         <p:spPr>
           <a:xfrm>
             <a:off x="3327967" y="2638206"/>
-            <a:ext cx="1606296" cy="219456"/>
+            <a:ext cx="1601582" cy="301673"/>
           </a:xfrm>
           <a:prstGeom prst="rect">
             <a:avLst/>
@@ -24164,7 +24257,7 @@
           <a:p>
             <a:pPr algn="ctr"/>
             <a:r>
-              <a:rPr lang="de-DE" sz="1400" dirty="0"/>
+              <a:rPr lang="de-DE" sz="1400" b="1" dirty="0"/>
               <a:t>Physische Dinge</a:t>
             </a:r>
           </a:p>
@@ -24262,16 +24355,16 @@
         </p:nvSpPr>
         <p:spPr>
           <a:xfrm>
-            <a:off x="5137953" y="1236186"/>
-            <a:ext cx="2192236" cy="226314"/>
+            <a:off x="5137953" y="938836"/>
+            <a:ext cx="2767794" cy="274043"/>
           </a:xfrm>
           <a:prstGeom prst="rect">
             <a:avLst/>
           </a:prstGeom>
           <a:solidFill>
-            <a:schemeClr val="accent5">
-              <a:lumMod val="40000"/>
-              <a:lumOff val="60000"/>
+            <a:schemeClr val="accent1">
+              <a:lumMod val="60000"/>
+              <a:lumOff val="40000"/>
             </a:schemeClr>
           </a:solidFill>
           <a:ln>
@@ -24302,8 +24395,12 @@
           <a:p>
             <a:pPr algn="ctr"/>
             <a:r>
-              <a:rPr lang="de-DE" sz="1400" dirty="0"/>
-              <a:t>Geschäftsprozesse</a:t>
+              <a:rPr lang="de-DE" sz="1400" dirty="0">
+                <a:solidFill>
+                  <a:schemeClr val="tx2"/>
+                </a:solidFill>
+              </a:rPr>
+              <a:t>SAP Cloud Platform Integration</a:t>
             </a:r>
           </a:p>
         </p:txBody>
@@ -24322,8 +24419,8 @@
         </p:nvSpPr>
         <p:spPr>
           <a:xfrm>
-            <a:off x="5137953" y="1514219"/>
-            <a:ext cx="2192236" cy="219456"/>
+            <a:off x="5137953" y="1276554"/>
+            <a:ext cx="2767794" cy="271176"/>
           </a:xfrm>
           <a:prstGeom prst="rect">
             <a:avLst/>
@@ -24362,8 +24459,8 @@
           <a:p>
             <a:pPr algn="ctr"/>
             <a:r>
-              <a:rPr lang="de-DE" sz="1400" dirty="0"/>
-              <a:t>Funktionen</a:t>
+              <a:rPr lang="de-DE" sz="1400" b="1" dirty="0"/>
+              <a:t>SAP Leonardo IoT</a:t>
             </a:r>
           </a:p>
         </p:txBody>
@@ -24382,8 +24479,8 @@
         </p:nvSpPr>
         <p:spPr>
           <a:xfrm>
-            <a:off x="5137953" y="1802657"/>
-            <a:ext cx="2192236" cy="219456"/>
+            <a:off x="5137953" y="1619233"/>
+            <a:ext cx="2767794" cy="271176"/>
           </a:xfrm>
           <a:prstGeom prst="rect">
             <a:avLst/>
@@ -24419,8 +24516,8 @@
           <a:p>
             <a:pPr algn="ctr"/>
             <a:r>
-              <a:rPr lang="de-DE" sz="1400" dirty="0"/>
-              <a:t>Information</a:t>
+              <a:rPr lang="de-DE" sz="1400" b="1" dirty="0"/>
+              <a:t>SCP Internet of Things Service </a:t>
             </a:r>
           </a:p>
         </p:txBody>
@@ -24439,8 +24536,8 @@
         </p:nvSpPr>
         <p:spPr>
           <a:xfrm>
-            <a:off x="5137953" y="2081013"/>
-            <a:ext cx="2192236" cy="226314"/>
+            <a:off x="5137953" y="1965868"/>
+            <a:ext cx="2767794" cy="279650"/>
           </a:xfrm>
           <a:prstGeom prst="rect">
             <a:avLst/>
@@ -24476,8 +24573,8 @@
           <a:p>
             <a:pPr algn="ctr"/>
             <a:r>
-              <a:rPr lang="de-DE" sz="1400" dirty="0"/>
-              <a:t>Kommunikation</a:t>
+              <a:rPr lang="de-DE" sz="1400" b="1" dirty="0"/>
+              <a:t>Gateway</a:t>
             </a:r>
           </a:p>
         </p:txBody>
@@ -24496,8 +24593,8 @@
         </p:nvSpPr>
         <p:spPr>
           <a:xfrm>
-            <a:off x="5145448" y="2367031"/>
-            <a:ext cx="2184742" cy="219456"/>
+            <a:off x="5137742" y="2299657"/>
+            <a:ext cx="2758332" cy="329137"/>
           </a:xfrm>
           <a:prstGeom prst="rect">
             <a:avLst/>
@@ -24535,8 +24632,8 @@
           <a:p>
             <a:pPr algn="ctr"/>
             <a:r>
-              <a:rPr lang="de-DE" sz="1400" dirty="0"/>
-              <a:t>Sensorik</a:t>
+              <a:rPr lang="de-DE" sz="1400" b="1" dirty="0"/>
+              <a:t>rechnerverarbeitbare Sensorik</a:t>
             </a:r>
           </a:p>
         </p:txBody>
@@ -24555,8 +24652,8 @@
         </p:nvSpPr>
         <p:spPr>
           <a:xfrm>
-            <a:off x="5137952" y="2638206"/>
-            <a:ext cx="2192237" cy="219456"/>
+            <a:off x="5137952" y="2670937"/>
+            <a:ext cx="2767795" cy="271176"/>
           </a:xfrm>
           <a:prstGeom prst="rect">
             <a:avLst/>
@@ -24594,12 +24691,151 @@
           <a:p>
             <a:pPr algn="ctr"/>
             <a:r>
-              <a:rPr lang="de-DE" sz="1400" dirty="0" err="1"/>
-              <a:t>Raspberry</a:t>
+              <a:rPr lang="de-DE" sz="1400" b="1" dirty="0"/>
+              <a:t>Produktionsanlage </a:t>
             </a:r>
+          </a:p>
+        </p:txBody>
+      </p:sp>
+      <p:sp>
+        <p:nvSpPr>
+          <p:cNvPr id="2" name="Textfeld 1">
+            <a:extLst>
+              <a:ext uri="{FF2B5EF4-FFF2-40B4-BE49-F238E27FC236}">
+                <a16:creationId xmlns:a16="http://schemas.microsoft.com/office/drawing/2014/main" id="{B6FD1344-F597-3148-B24D-BD7679F0C29A}"/>
+              </a:ext>
+            </a:extLst>
+          </p:cNvPr>
+          <p:cNvSpPr txBox="1"/>
+          <p:nvPr/>
+        </p:nvSpPr>
+        <p:spPr>
+          <a:xfrm rot="5400000">
+            <a:off x="7362536" y="1541578"/>
+            <a:ext cx="1512311" cy="276999"/>
+          </a:xfrm>
+          <a:prstGeom prst="rect">
+            <a:avLst/>
+          </a:prstGeom>
+        </p:spPr>
+        <p:style>
+          <a:lnRef idx="2">
+            <a:schemeClr val="accent1"/>
+          </a:lnRef>
+          <a:fillRef idx="1">
+            <a:schemeClr val="lt1"/>
+          </a:fillRef>
+          <a:effectRef idx="0">
+            <a:schemeClr val="accent1"/>
+          </a:effectRef>
+          <a:fontRef idx="minor">
+            <a:schemeClr val="dk1"/>
+          </a:fontRef>
+        </p:style>
+        <p:txBody>
+          <a:bodyPr wrap="square" rtlCol="0">
+            <a:spAutoFit/>
+          </a:bodyPr>
+          <a:lstStyle/>
+          <a:p>
             <a:r>
-              <a:rPr lang="de-DE" sz="1400" dirty="0"/>
-              <a:t> Pi </a:t>
+              <a:rPr lang="de-DE" sz="1200" dirty="0"/>
+              <a:t>Verwaltungsschale</a:t>
+            </a:r>
+            <a:endParaRPr lang="de-DE" sz="1050" dirty="0"/>
+          </a:p>
+        </p:txBody>
+      </p:sp>
+      <p:sp>
+        <p:nvSpPr>
+          <p:cNvPr id="3" name="Rechteck 2">
+            <a:extLst>
+              <a:ext uri="{FF2B5EF4-FFF2-40B4-BE49-F238E27FC236}">
+                <a16:creationId xmlns:a16="http://schemas.microsoft.com/office/drawing/2014/main" id="{CC950313-E25D-F34F-91B2-E4CE0BA9D5EC}"/>
+              </a:ext>
+            </a:extLst>
+          </p:cNvPr>
+          <p:cNvSpPr/>
+          <p:nvPr/>
+        </p:nvSpPr>
+        <p:spPr>
+          <a:xfrm>
+            <a:off x="7020031" y="4854240"/>
+            <a:ext cx="322524" cy="369332"/>
+          </a:xfrm>
+          <a:prstGeom prst="rect">
+            <a:avLst/>
+          </a:prstGeom>
+        </p:spPr>
+        <p:txBody>
+          <a:bodyPr wrap="none">
+            <a:spAutoFit/>
+          </a:bodyPr>
+          <a:lstStyle/>
+          <a:p>
+            <a:r>
+              <a:rPr lang="de-DE" dirty="0">
+                <a:solidFill>
+                  <a:srgbClr val="D4D4D4"/>
+                </a:solidFill>
+                <a:latin typeface="Fira Code" panose="020B0509050000020004" pitchFamily="49" charset="0"/>
+              </a:rPr>
+              <a:t> </a:t>
+            </a:r>
+            <a:endParaRPr lang="de-DE" b="0" dirty="0">
+              <a:solidFill>
+                <a:srgbClr val="D4D4D4"/>
+              </a:solidFill>
+              <a:effectLst/>
+              <a:latin typeface="Fira Code" panose="020B0509050000020004" pitchFamily="49" charset="0"/>
+            </a:endParaRPr>
+          </a:p>
+        </p:txBody>
+      </p:sp>
+      <p:sp>
+        <p:nvSpPr>
+          <p:cNvPr id="22" name="Textfeld 21">
+            <a:extLst>
+              <a:ext uri="{FF2B5EF4-FFF2-40B4-BE49-F238E27FC236}">
+                <a16:creationId xmlns:a16="http://schemas.microsoft.com/office/drawing/2014/main" id="{B7AFE130-CFB2-E14C-97A9-A15995BB4446}"/>
+              </a:ext>
+            </a:extLst>
+          </p:cNvPr>
+          <p:cNvSpPr txBox="1"/>
+          <p:nvPr/>
+        </p:nvSpPr>
+        <p:spPr>
+          <a:xfrm rot="5400000">
+            <a:off x="7487361" y="1801493"/>
+            <a:ext cx="2004244" cy="276999"/>
+          </a:xfrm>
+          <a:prstGeom prst="rect">
+            <a:avLst/>
+          </a:prstGeom>
+        </p:spPr>
+        <p:style>
+          <a:lnRef idx="2">
+            <a:schemeClr val="accent1"/>
+          </a:lnRef>
+          <a:fillRef idx="1">
+            <a:schemeClr val="lt1"/>
+          </a:fillRef>
+          <a:effectRef idx="0">
+            <a:schemeClr val="accent1"/>
+          </a:effectRef>
+          <a:fontRef idx="minor">
+            <a:schemeClr val="dk1"/>
+          </a:fontRef>
+        </p:style>
+        <p:txBody>
+          <a:bodyPr wrap="square" rtlCol="0">
+            <a:spAutoFit/>
+          </a:bodyPr>
+          <a:lstStyle/>
+          <a:p>
+            <a:r>
+              <a:rPr lang="de-DE" sz="1200" dirty="0"/>
+              <a:t>Industrie-4.0-Komponente</a:t>
             </a:r>
           </a:p>
         </p:txBody>

--- a/presentations/models.pptx
+++ b/presentations/models.pptx
@@ -19,6 +19,8 @@
     <p:sldId id="267" r:id="rId13"/>
     <p:sldId id="268" r:id="rId14"/>
     <p:sldId id="269" r:id="rId15"/>
+    <p:sldId id="271" r:id="rId16"/>
+    <p:sldId id="270" r:id="rId17"/>
   </p:sldIdLst>
   <p:sldSz cx="12192000" cy="6858000"/>
   <p:notesSz cx="6858000" cy="9144000"/>
@@ -14208,7 +14210,7 @@
           <a:p>
             <a:fld id="{3248773E-0E1D-C44D-81DB-7C2B8F8EC2A7}" type="datetimeFigureOut">
               <a:rPr lang="de-DE" smtClean="0"/>
-              <a:t>14.01.20</a:t>
+              <a:t>22.01.20</a:t>
             </a:fld>
             <a:endParaRPr lang="de-DE"/>
           </a:p>
@@ -14406,7 +14408,7 @@
           <a:p>
             <a:fld id="{3248773E-0E1D-C44D-81DB-7C2B8F8EC2A7}" type="datetimeFigureOut">
               <a:rPr lang="de-DE" smtClean="0"/>
-              <a:t>14.01.20</a:t>
+              <a:t>22.01.20</a:t>
             </a:fld>
             <a:endParaRPr lang="de-DE"/>
           </a:p>
@@ -14614,7 +14616,7 @@
           <a:p>
             <a:fld id="{3248773E-0E1D-C44D-81DB-7C2B8F8EC2A7}" type="datetimeFigureOut">
               <a:rPr lang="de-DE" smtClean="0"/>
-              <a:t>14.01.20</a:t>
+              <a:t>22.01.20</a:t>
             </a:fld>
             <a:endParaRPr lang="de-DE"/>
           </a:p>
@@ -14812,7 +14814,7 @@
           <a:p>
             <a:fld id="{3248773E-0E1D-C44D-81DB-7C2B8F8EC2A7}" type="datetimeFigureOut">
               <a:rPr lang="de-DE" smtClean="0"/>
-              <a:t>14.01.20</a:t>
+              <a:t>22.01.20</a:t>
             </a:fld>
             <a:endParaRPr lang="de-DE"/>
           </a:p>
@@ -15087,7 +15089,7 @@
           <a:p>
             <a:fld id="{3248773E-0E1D-C44D-81DB-7C2B8F8EC2A7}" type="datetimeFigureOut">
               <a:rPr lang="de-DE" smtClean="0"/>
-              <a:t>14.01.20</a:t>
+              <a:t>22.01.20</a:t>
             </a:fld>
             <a:endParaRPr lang="de-DE"/>
           </a:p>
@@ -15352,7 +15354,7 @@
           <a:p>
             <a:fld id="{3248773E-0E1D-C44D-81DB-7C2B8F8EC2A7}" type="datetimeFigureOut">
               <a:rPr lang="de-DE" smtClean="0"/>
-              <a:t>14.01.20</a:t>
+              <a:t>22.01.20</a:t>
             </a:fld>
             <a:endParaRPr lang="de-DE"/>
           </a:p>
@@ -15764,7 +15766,7 @@
           <a:p>
             <a:fld id="{3248773E-0E1D-C44D-81DB-7C2B8F8EC2A7}" type="datetimeFigureOut">
               <a:rPr lang="de-DE" smtClean="0"/>
-              <a:t>14.01.20</a:t>
+              <a:t>22.01.20</a:t>
             </a:fld>
             <a:endParaRPr lang="de-DE"/>
           </a:p>
@@ -15905,7 +15907,7 @@
           <a:p>
             <a:fld id="{3248773E-0E1D-C44D-81DB-7C2B8F8EC2A7}" type="datetimeFigureOut">
               <a:rPr lang="de-DE" smtClean="0"/>
-              <a:t>14.01.20</a:t>
+              <a:t>22.01.20</a:t>
             </a:fld>
             <a:endParaRPr lang="de-DE"/>
           </a:p>
@@ -16018,7 +16020,7 @@
           <a:p>
             <a:fld id="{3248773E-0E1D-C44D-81DB-7C2B8F8EC2A7}" type="datetimeFigureOut">
               <a:rPr lang="de-DE" smtClean="0"/>
-              <a:t>14.01.20</a:t>
+              <a:t>22.01.20</a:t>
             </a:fld>
             <a:endParaRPr lang="de-DE"/>
           </a:p>
@@ -16329,7 +16331,7 @@
           <a:p>
             <a:fld id="{3248773E-0E1D-C44D-81DB-7C2B8F8EC2A7}" type="datetimeFigureOut">
               <a:rPr lang="de-DE" smtClean="0"/>
-              <a:t>14.01.20</a:t>
+              <a:t>22.01.20</a:t>
             </a:fld>
             <a:endParaRPr lang="de-DE"/>
           </a:p>
@@ -16617,7 +16619,7 @@
           <a:p>
             <a:fld id="{3248773E-0E1D-C44D-81DB-7C2B8F8EC2A7}" type="datetimeFigureOut">
               <a:rPr lang="de-DE" smtClean="0"/>
-              <a:t>14.01.20</a:t>
+              <a:t>22.01.20</a:t>
             </a:fld>
             <a:endParaRPr lang="de-DE"/>
           </a:p>
@@ -16858,7 +16860,7 @@
           <a:p>
             <a:fld id="{3248773E-0E1D-C44D-81DB-7C2B8F8EC2A7}" type="datetimeFigureOut">
               <a:rPr lang="de-DE" smtClean="0"/>
-              <a:t>14.01.20</a:t>
+              <a:t>22.01.20</a:t>
             </a:fld>
             <a:endParaRPr lang="de-DE"/>
           </a:p>
@@ -17631,7 +17633,7 @@
             <a:fld id="{D15945BB-CB13-F048-8038-6D73515B4389}" type="datetime1">
               <a:rPr lang="de-DE" smtClean="0"/>
               <a:pPr/>
-              <a:t>14.01.20</a:t>
+              <a:t>22.01.20</a:t>
             </a:fld>
             <a:endParaRPr lang="de-DE" dirty="0"/>
           </a:p>
@@ -20647,12 +20649,3258 @@
           <a:chExt cx="0" cy="0"/>
         </a:xfrm>
       </p:grpSpPr>
+      <p:grpSp>
+        <p:nvGrpSpPr>
+          <p:cNvPr id="202" name="Gruppieren 201">
+            <a:extLst>
+              <a:ext uri="{FF2B5EF4-FFF2-40B4-BE49-F238E27FC236}">
+                <a16:creationId xmlns:a16="http://schemas.microsoft.com/office/drawing/2014/main" id="{062D8552-041E-1C42-84B6-EF1D375F360F}"/>
+              </a:ext>
+            </a:extLst>
+          </p:cNvPr>
+          <p:cNvGrpSpPr/>
+          <p:nvPr/>
+        </p:nvGrpSpPr>
+        <p:grpSpPr>
+          <a:xfrm>
+            <a:off x="3592835" y="270928"/>
+            <a:ext cx="8390663" cy="5132261"/>
+            <a:chOff x="3592834" y="471040"/>
+            <a:chExt cx="8390663" cy="4905999"/>
+          </a:xfrm>
+        </p:grpSpPr>
+        <p:sp>
+          <p:nvSpPr>
+            <p:cNvPr id="4" name="Rechteck 3">
+              <a:extLst>
+                <a:ext uri="{FF2B5EF4-FFF2-40B4-BE49-F238E27FC236}">
+                  <a16:creationId xmlns:a16="http://schemas.microsoft.com/office/drawing/2014/main" id="{35497B10-5DB1-D64E-A860-9265B1F52B9B}"/>
+                </a:ext>
+              </a:extLst>
+            </p:cNvPr>
+            <p:cNvSpPr/>
+            <p:nvPr/>
+          </p:nvSpPr>
+          <p:spPr>
+            <a:xfrm>
+              <a:off x="3592834" y="471040"/>
+              <a:ext cx="8390663" cy="4905999"/>
+            </a:xfrm>
+            <a:prstGeom prst="rect">
+              <a:avLst/>
+            </a:prstGeom>
+            <a:solidFill>
+              <a:schemeClr val="accent3">
+                <a:lumMod val="40000"/>
+                <a:lumOff val="60000"/>
+              </a:schemeClr>
+            </a:solidFill>
+            <a:ln>
+              <a:solidFill>
+                <a:schemeClr val="accent1"/>
+              </a:solidFill>
+            </a:ln>
+          </p:spPr>
+          <p:style>
+            <a:lnRef idx="2">
+              <a:schemeClr val="accent6"/>
+            </a:lnRef>
+            <a:fillRef idx="1">
+              <a:schemeClr val="lt1"/>
+            </a:fillRef>
+            <a:effectRef idx="0">
+              <a:schemeClr val="accent6"/>
+            </a:effectRef>
+            <a:fontRef idx="minor">
+              <a:schemeClr val="dk1"/>
+            </a:fontRef>
+          </p:style>
+          <p:txBody>
+            <a:bodyPr rtlCol="0" anchor="ctr"/>
+            <a:lstStyle/>
+            <a:p>
+              <a:pPr algn="ctr"/>
+              <a:endParaRPr lang="de-DE"/>
+            </a:p>
+          </p:txBody>
+        </p:sp>
+        <p:sp>
+          <p:nvSpPr>
+            <p:cNvPr id="42" name="Rechteck 41">
+              <a:extLst>
+                <a:ext uri="{FF2B5EF4-FFF2-40B4-BE49-F238E27FC236}">
+                  <a16:creationId xmlns:a16="http://schemas.microsoft.com/office/drawing/2014/main" id="{43D2AF40-6F89-6C4E-A201-634AD6D5AF88}"/>
+                </a:ext>
+              </a:extLst>
+            </p:cNvPr>
+            <p:cNvSpPr/>
+            <p:nvPr/>
+          </p:nvSpPr>
+          <p:spPr>
+            <a:xfrm>
+              <a:off x="3697694" y="719263"/>
+              <a:ext cx="6607092" cy="4460697"/>
+            </a:xfrm>
+            <a:prstGeom prst="rect">
+              <a:avLst/>
+            </a:prstGeom>
+            <a:solidFill>
+              <a:schemeClr val="accent1">
+                <a:lumMod val="40000"/>
+                <a:lumOff val="60000"/>
+              </a:schemeClr>
+            </a:solidFill>
+          </p:spPr>
+          <p:style>
+            <a:lnRef idx="2">
+              <a:schemeClr val="accent1">
+                <a:shade val="50000"/>
+              </a:schemeClr>
+            </a:lnRef>
+            <a:fillRef idx="1">
+              <a:schemeClr val="accent1"/>
+            </a:fillRef>
+            <a:effectRef idx="0">
+              <a:schemeClr val="accent1"/>
+            </a:effectRef>
+            <a:fontRef idx="minor">
+              <a:schemeClr val="lt1"/>
+            </a:fontRef>
+          </p:style>
+          <p:txBody>
+            <a:bodyPr rtlCol="0" anchor="ctr"/>
+            <a:lstStyle/>
+            <a:p>
+              <a:pPr algn="ctr"/>
+              <a:endParaRPr lang="de-DE" dirty="0"/>
+            </a:p>
+          </p:txBody>
+        </p:sp>
+        <p:sp>
+          <p:nvSpPr>
+            <p:cNvPr id="16" name="Rechteck 15">
+              <a:extLst>
+                <a:ext uri="{FF2B5EF4-FFF2-40B4-BE49-F238E27FC236}">
+                  <a16:creationId xmlns:a16="http://schemas.microsoft.com/office/drawing/2014/main" id="{36F99FA7-8914-DF4A-84F5-C0CD1BD96C74}"/>
+                </a:ext>
+              </a:extLst>
+            </p:cNvPr>
+            <p:cNvSpPr/>
+            <p:nvPr/>
+          </p:nvSpPr>
+          <p:spPr>
+            <a:xfrm>
+              <a:off x="3937804" y="1953643"/>
+              <a:ext cx="2920263" cy="2587106"/>
+            </a:xfrm>
+            <a:prstGeom prst="rect">
+              <a:avLst/>
+            </a:prstGeom>
+            <a:solidFill>
+              <a:schemeClr val="bg1"/>
+            </a:solidFill>
+            <a:ln>
+              <a:solidFill>
+                <a:schemeClr val="accent1"/>
+              </a:solidFill>
+            </a:ln>
+          </p:spPr>
+          <p:style>
+            <a:lnRef idx="2">
+              <a:schemeClr val="accent6"/>
+            </a:lnRef>
+            <a:fillRef idx="1">
+              <a:schemeClr val="lt1"/>
+            </a:fillRef>
+            <a:effectRef idx="0">
+              <a:schemeClr val="accent6"/>
+            </a:effectRef>
+            <a:fontRef idx="minor">
+              <a:schemeClr val="dk1"/>
+            </a:fontRef>
+          </p:style>
+          <p:txBody>
+            <a:bodyPr rtlCol="0" anchor="ctr"/>
+            <a:lstStyle/>
+            <a:p>
+              <a:pPr algn="ctr"/>
+              <a:endParaRPr lang="de-DE"/>
+            </a:p>
+          </p:txBody>
+        </p:sp>
+        <p:sp>
+          <p:nvSpPr>
+            <p:cNvPr id="17" name="Rechteck 16">
+              <a:extLst>
+                <a:ext uri="{FF2B5EF4-FFF2-40B4-BE49-F238E27FC236}">
+                  <a16:creationId xmlns:a16="http://schemas.microsoft.com/office/drawing/2014/main" id="{E592CD7C-C427-C541-A0A0-B532BFF7BDE0}"/>
+                </a:ext>
+              </a:extLst>
+            </p:cNvPr>
+            <p:cNvSpPr/>
+            <p:nvPr/>
+          </p:nvSpPr>
+          <p:spPr>
+            <a:xfrm>
+              <a:off x="7158582" y="1957192"/>
+              <a:ext cx="2959756" cy="2587106"/>
+            </a:xfrm>
+            <a:prstGeom prst="rect">
+              <a:avLst/>
+            </a:prstGeom>
+            <a:solidFill>
+              <a:schemeClr val="bg1"/>
+            </a:solidFill>
+            <a:ln>
+              <a:solidFill>
+                <a:schemeClr val="accent1"/>
+              </a:solidFill>
+            </a:ln>
+          </p:spPr>
+          <p:style>
+            <a:lnRef idx="2">
+              <a:schemeClr val="accent6"/>
+            </a:lnRef>
+            <a:fillRef idx="1">
+              <a:schemeClr val="lt1"/>
+            </a:fillRef>
+            <a:effectRef idx="0">
+              <a:schemeClr val="accent6"/>
+            </a:effectRef>
+            <a:fontRef idx="minor">
+              <a:schemeClr val="dk1"/>
+            </a:fontRef>
+          </p:style>
+          <p:txBody>
+            <a:bodyPr rtlCol="0" anchor="ctr"/>
+            <a:lstStyle/>
+            <a:p>
+              <a:pPr algn="ctr"/>
+              <a:endParaRPr lang="de-DE"/>
+            </a:p>
+          </p:txBody>
+        </p:sp>
+        <p:grpSp>
+          <p:nvGrpSpPr>
+            <p:cNvPr id="25" name="Gruppierung 25">
+              <a:extLst>
+                <a:ext uri="{FF2B5EF4-FFF2-40B4-BE49-F238E27FC236}">
+                  <a16:creationId xmlns:a16="http://schemas.microsoft.com/office/drawing/2014/main" id="{47BFCC8A-7A5B-ED41-988A-CF7E58A6BDE6}"/>
+                </a:ext>
+              </a:extLst>
+            </p:cNvPr>
+            <p:cNvGrpSpPr/>
+            <p:nvPr/>
+          </p:nvGrpSpPr>
+          <p:grpSpPr>
+            <a:xfrm>
+              <a:off x="3973511" y="1966687"/>
+              <a:ext cx="2251415" cy="486068"/>
+              <a:chOff x="5659942" y="1838744"/>
+              <a:chExt cx="2251415" cy="486068"/>
+            </a:xfrm>
+          </p:grpSpPr>
+          <p:sp>
+            <p:nvSpPr>
+              <p:cNvPr id="26" name="Rechteck 25">
+                <a:extLst>
+                  <a:ext uri="{FF2B5EF4-FFF2-40B4-BE49-F238E27FC236}">
+                    <a16:creationId xmlns:a16="http://schemas.microsoft.com/office/drawing/2014/main" id="{90DDBB87-72DD-714F-803A-88110A7FE4BC}"/>
+                  </a:ext>
+                </a:extLst>
+              </p:cNvPr>
+              <p:cNvSpPr/>
+              <p:nvPr/>
+            </p:nvSpPr>
+            <p:spPr>
+              <a:xfrm>
+                <a:off x="6181716" y="1981280"/>
+                <a:ext cx="1729641" cy="169277"/>
+              </a:xfrm>
+              <a:prstGeom prst="rect">
+                <a:avLst/>
+              </a:prstGeom>
+            </p:spPr>
+            <p:txBody>
+              <a:bodyPr wrap="none" lIns="0" tIns="0" rIns="0" bIns="0">
+                <a:spAutoFit/>
+              </a:bodyPr>
+              <a:lstStyle/>
+              <a:p>
+                <a:pPr algn="ctr"/>
+                <a:r>
+                  <a:rPr lang="en-US" sz="1100" b="1" dirty="0">
+                    <a:solidFill>
+                      <a:srgbClr val="427CAC"/>
+                    </a:solidFill>
+                    <a:latin typeface="Arial" charset="0"/>
+                    <a:ea typeface="Arial" charset="0"/>
+                    <a:cs typeface="Arial" charset="0"/>
+                  </a:rPr>
+                  <a:t>Internet of Things Service</a:t>
+                </a:r>
+              </a:p>
+            </p:txBody>
+          </p:sp>
+          <p:pic>
+            <p:nvPicPr>
+              <p:cNvPr id="27" name="Bild 94">
+                <a:extLst>
+                  <a:ext uri="{FF2B5EF4-FFF2-40B4-BE49-F238E27FC236}">
+                    <a16:creationId xmlns:a16="http://schemas.microsoft.com/office/drawing/2014/main" id="{60B7194B-1D35-A14D-B998-0C7B4DDB8CC9}"/>
+                  </a:ext>
+                </a:extLst>
+              </p:cNvPr>
+              <p:cNvPicPr>
+                <a:picLocks noChangeAspect="1"/>
+              </p:cNvPicPr>
+              <p:nvPr/>
+            </p:nvPicPr>
+            <p:blipFill>
+              <a:blip r:embed="rId2">
+                <a:extLst>
+                  <a:ext uri="{28A0092B-C50C-407E-A947-70E740481C1C}">
+                    <a14:useLocalDpi xmlns:a14="http://schemas.microsoft.com/office/drawing/2010/main" val="0"/>
+                  </a:ext>
+                </a:extLst>
+              </a:blip>
+              <a:stretch>
+                <a:fillRect/>
+              </a:stretch>
+            </p:blipFill>
+            <p:spPr>
+              <a:xfrm>
+                <a:off x="5659942" y="1838744"/>
+                <a:ext cx="486068" cy="486068"/>
+              </a:xfrm>
+              <a:prstGeom prst="ellipse">
+                <a:avLst/>
+              </a:prstGeom>
+            </p:spPr>
+          </p:pic>
+        </p:grpSp>
+        <p:grpSp>
+          <p:nvGrpSpPr>
+            <p:cNvPr id="28" name="Gruppierung 28">
+              <a:extLst>
+                <a:ext uri="{FF2B5EF4-FFF2-40B4-BE49-F238E27FC236}">
+                  <a16:creationId xmlns:a16="http://schemas.microsoft.com/office/drawing/2014/main" id="{DAA33E54-3691-4048-81DB-79F53EC35CF3}"/>
+                </a:ext>
+              </a:extLst>
+            </p:cNvPr>
+            <p:cNvGrpSpPr/>
+            <p:nvPr/>
+          </p:nvGrpSpPr>
+          <p:grpSpPr>
+            <a:xfrm>
+              <a:off x="7189590" y="1996393"/>
+              <a:ext cx="1847367" cy="449543"/>
+              <a:chOff x="10251508" y="2278744"/>
+              <a:chExt cx="1847367" cy="449543"/>
+            </a:xfrm>
+          </p:grpSpPr>
+          <p:sp>
+            <p:nvSpPr>
+              <p:cNvPr id="29" name="Rechteck 28">
+                <a:extLst>
+                  <a:ext uri="{FF2B5EF4-FFF2-40B4-BE49-F238E27FC236}">
+                    <a16:creationId xmlns:a16="http://schemas.microsoft.com/office/drawing/2014/main" id="{3A52B515-9D5B-FB4A-A88A-799CB7863036}"/>
+                  </a:ext>
+                </a:extLst>
+              </p:cNvPr>
+              <p:cNvSpPr/>
+              <p:nvPr/>
+            </p:nvSpPr>
+            <p:spPr>
+              <a:xfrm>
+                <a:off x="10577272" y="2399473"/>
+                <a:ext cx="1521603" cy="169277"/>
+              </a:xfrm>
+              <a:prstGeom prst="rect">
+                <a:avLst/>
+              </a:prstGeom>
+            </p:spPr>
+            <p:txBody>
+              <a:bodyPr wrap="square" lIns="0" tIns="0" rIns="0" bIns="0">
+                <a:spAutoFit/>
+              </a:bodyPr>
+              <a:lstStyle/>
+              <a:p>
+                <a:pPr algn="ctr"/>
+                <a:r>
+                  <a:rPr lang="en-US" sz="1100" b="1" dirty="0">
+                    <a:solidFill>
+                      <a:srgbClr val="427CAC"/>
+                    </a:solidFill>
+                    <a:latin typeface="Arial" charset="0"/>
+                    <a:ea typeface="Arial" charset="0"/>
+                    <a:cs typeface="Arial" charset="0"/>
+                  </a:rPr>
+                  <a:t>SAP Leonardo IoT</a:t>
+                </a:r>
+              </a:p>
+            </p:txBody>
+          </p:sp>
+          <p:pic>
+            <p:nvPicPr>
+              <p:cNvPr id="30" name="Bild 95">
+                <a:extLst>
+                  <a:ext uri="{FF2B5EF4-FFF2-40B4-BE49-F238E27FC236}">
+                    <a16:creationId xmlns:a16="http://schemas.microsoft.com/office/drawing/2014/main" id="{AC2C55D8-94A0-B247-8090-45CFE891B323}"/>
+                  </a:ext>
+                </a:extLst>
+              </p:cNvPr>
+              <p:cNvPicPr>
+                <a:picLocks noChangeAspect="1"/>
+              </p:cNvPicPr>
+              <p:nvPr/>
+            </p:nvPicPr>
+            <p:blipFill>
+              <a:blip r:embed="rId3">
+                <a:extLst>
+                  <a:ext uri="{28A0092B-C50C-407E-A947-70E740481C1C}">
+                    <a14:useLocalDpi xmlns:a14="http://schemas.microsoft.com/office/drawing/2010/main" val="0"/>
+                  </a:ext>
+                </a:extLst>
+              </a:blip>
+              <a:stretch>
+                <a:fillRect/>
+              </a:stretch>
+            </p:blipFill>
+            <p:spPr>
+              <a:xfrm>
+                <a:off x="10251508" y="2278744"/>
+                <a:ext cx="449543" cy="449543"/>
+              </a:xfrm>
+              <a:prstGeom prst="ellipse">
+                <a:avLst/>
+              </a:prstGeom>
+            </p:spPr>
+          </p:pic>
+        </p:grpSp>
+        <p:sp>
+          <p:nvSpPr>
+            <p:cNvPr id="164" name="Rechteck 163">
+              <a:extLst>
+                <a:ext uri="{FF2B5EF4-FFF2-40B4-BE49-F238E27FC236}">
+                  <a16:creationId xmlns:a16="http://schemas.microsoft.com/office/drawing/2014/main" id="{57AFC785-3C7E-FA41-8B03-F4EDC881EE14}"/>
+                </a:ext>
+              </a:extLst>
+            </p:cNvPr>
+            <p:cNvSpPr/>
+            <p:nvPr/>
+          </p:nvSpPr>
+          <p:spPr>
+            <a:xfrm>
+              <a:off x="10549647" y="719263"/>
+              <a:ext cx="1239322" cy="4439189"/>
+            </a:xfrm>
+            <a:prstGeom prst="rect">
+              <a:avLst/>
+            </a:prstGeom>
+            <a:solidFill>
+              <a:schemeClr val="accent1">
+                <a:lumMod val="40000"/>
+                <a:lumOff val="60000"/>
+              </a:schemeClr>
+            </a:solidFill>
+          </p:spPr>
+          <p:style>
+            <a:lnRef idx="2">
+              <a:schemeClr val="accent1">
+                <a:shade val="50000"/>
+              </a:schemeClr>
+            </a:lnRef>
+            <a:fillRef idx="1">
+              <a:schemeClr val="accent1"/>
+            </a:fillRef>
+            <a:effectRef idx="0">
+              <a:schemeClr val="accent1"/>
+            </a:effectRef>
+            <a:fontRef idx="minor">
+              <a:schemeClr val="lt1"/>
+            </a:fontRef>
+          </p:style>
+          <p:txBody>
+            <a:bodyPr rtlCol="0" anchor="ctr"/>
+            <a:lstStyle/>
+            <a:p>
+              <a:pPr algn="ctr"/>
+              <a:endParaRPr lang="de-DE"/>
+            </a:p>
+          </p:txBody>
+        </p:sp>
+      </p:grpSp>
+      <p:grpSp>
+        <p:nvGrpSpPr>
+          <p:cNvPr id="13" name="Gruppieren 12">
+            <a:extLst>
+              <a:ext uri="{FF2B5EF4-FFF2-40B4-BE49-F238E27FC236}">
+                <a16:creationId xmlns:a16="http://schemas.microsoft.com/office/drawing/2014/main" id="{4D58EBD9-20D7-924B-83AB-4DA5B5431565}"/>
+              </a:ext>
+            </a:extLst>
+          </p:cNvPr>
+          <p:cNvGrpSpPr/>
+          <p:nvPr/>
+        </p:nvGrpSpPr>
+        <p:grpSpPr>
+          <a:xfrm>
+            <a:off x="135836" y="2185467"/>
+            <a:ext cx="2004287" cy="1412112"/>
+            <a:chOff x="591818" y="2040038"/>
+            <a:chExt cx="2101769" cy="1388962"/>
+          </a:xfrm>
+        </p:grpSpPr>
+        <p:sp>
+          <p:nvSpPr>
+            <p:cNvPr id="6" name="Abgerundetes Rechteck 5">
+              <a:extLst>
+                <a:ext uri="{FF2B5EF4-FFF2-40B4-BE49-F238E27FC236}">
+                  <a16:creationId xmlns:a16="http://schemas.microsoft.com/office/drawing/2014/main" id="{1A6ECA27-9FD6-8547-A7A6-899226BBE596}"/>
+                </a:ext>
+              </a:extLst>
+            </p:cNvPr>
+            <p:cNvSpPr/>
+            <p:nvPr/>
+          </p:nvSpPr>
+          <p:spPr>
+            <a:xfrm>
+              <a:off x="591818" y="2040038"/>
+              <a:ext cx="2025570" cy="1388962"/>
+            </a:xfrm>
+            <a:prstGeom prst="roundRect">
+              <a:avLst/>
+            </a:prstGeom>
+            <a:solidFill>
+              <a:schemeClr val="accent5">
+                <a:lumMod val="60000"/>
+                <a:lumOff val="40000"/>
+              </a:schemeClr>
+            </a:solidFill>
+          </p:spPr>
+          <p:style>
+            <a:lnRef idx="2">
+              <a:schemeClr val="accent1">
+                <a:shade val="50000"/>
+              </a:schemeClr>
+            </a:lnRef>
+            <a:fillRef idx="1">
+              <a:schemeClr val="accent1"/>
+            </a:fillRef>
+            <a:effectRef idx="0">
+              <a:schemeClr val="accent1"/>
+            </a:effectRef>
+            <a:fontRef idx="minor">
+              <a:schemeClr val="lt1"/>
+            </a:fontRef>
+          </p:style>
+          <p:txBody>
+            <a:bodyPr rtlCol="0" anchor="ctr"/>
+            <a:lstStyle/>
+            <a:p>
+              <a:pPr algn="ctr"/>
+              <a:endParaRPr lang="de-DE"/>
+            </a:p>
+          </p:txBody>
+        </p:sp>
+        <p:sp>
+          <p:nvSpPr>
+            <p:cNvPr id="8" name="Rechteck 7">
+              <a:extLst>
+                <a:ext uri="{FF2B5EF4-FFF2-40B4-BE49-F238E27FC236}">
+                  <a16:creationId xmlns:a16="http://schemas.microsoft.com/office/drawing/2014/main" id="{C0E89070-D653-E04C-88A4-ADC6DD674A86}"/>
+                </a:ext>
+              </a:extLst>
+            </p:cNvPr>
+            <p:cNvSpPr/>
+            <p:nvPr/>
+          </p:nvSpPr>
+          <p:spPr>
+            <a:xfrm>
+              <a:off x="765438" y="2349660"/>
+              <a:ext cx="1678329" cy="960699"/>
+            </a:xfrm>
+            <a:prstGeom prst="rect">
+              <a:avLst/>
+            </a:prstGeom>
+            <a:solidFill>
+              <a:schemeClr val="accent5"/>
+            </a:solidFill>
+          </p:spPr>
+          <p:style>
+            <a:lnRef idx="2">
+              <a:schemeClr val="accent1">
+                <a:shade val="50000"/>
+              </a:schemeClr>
+            </a:lnRef>
+            <a:fillRef idx="1">
+              <a:schemeClr val="accent1"/>
+            </a:fillRef>
+            <a:effectRef idx="0">
+              <a:schemeClr val="accent1"/>
+            </a:effectRef>
+            <a:fontRef idx="minor">
+              <a:schemeClr val="lt1"/>
+            </a:fontRef>
+          </p:style>
+          <p:txBody>
+            <a:bodyPr rtlCol="0" anchor="ctr"/>
+            <a:lstStyle/>
+            <a:p>
+              <a:pPr algn="ctr"/>
+              <a:endParaRPr lang="de-DE" sz="1100" dirty="0"/>
+            </a:p>
+          </p:txBody>
+        </p:sp>
+        <p:sp>
+          <p:nvSpPr>
+            <p:cNvPr id="7" name="Rechteck 6">
+              <a:extLst>
+                <a:ext uri="{FF2B5EF4-FFF2-40B4-BE49-F238E27FC236}">
+                  <a16:creationId xmlns:a16="http://schemas.microsoft.com/office/drawing/2014/main" id="{4377C788-784B-AE46-8D50-AA76F1B7C228}"/>
+                </a:ext>
+              </a:extLst>
+            </p:cNvPr>
+            <p:cNvSpPr/>
+            <p:nvPr/>
+          </p:nvSpPr>
+          <p:spPr>
+            <a:xfrm>
+              <a:off x="899300" y="2647509"/>
+              <a:ext cx="1410603" cy="662850"/>
+            </a:xfrm>
+            <a:prstGeom prst="rect">
+              <a:avLst/>
+            </a:prstGeom>
+            <a:solidFill>
+              <a:schemeClr val="accent5">
+                <a:lumMod val="50000"/>
+              </a:schemeClr>
+            </a:solidFill>
+          </p:spPr>
+          <p:style>
+            <a:lnRef idx="2">
+              <a:schemeClr val="accent1">
+                <a:shade val="50000"/>
+              </a:schemeClr>
+            </a:lnRef>
+            <a:fillRef idx="1">
+              <a:schemeClr val="accent1"/>
+            </a:fillRef>
+            <a:effectRef idx="0">
+              <a:schemeClr val="accent1"/>
+            </a:effectRef>
+            <a:fontRef idx="minor">
+              <a:schemeClr val="lt1"/>
+            </a:fontRef>
+          </p:style>
+          <p:txBody>
+            <a:bodyPr rtlCol="0" anchor="ctr"/>
+            <a:lstStyle/>
+            <a:p>
+              <a:pPr algn="ctr"/>
+              <a:r>
+                <a:rPr lang="de-DE" sz="1100" b="1" dirty="0"/>
+                <a:t>Anemometer</a:t>
+              </a:r>
+            </a:p>
+            <a:p>
+              <a:pPr algn="ctr"/>
+              <a:r>
+                <a:rPr lang="de-DE" sz="1100" b="1" dirty="0"/>
+                <a:t>Grove Pi Sensoren</a:t>
+              </a:r>
+            </a:p>
+            <a:p>
+              <a:pPr algn="ctr"/>
+              <a:r>
+                <a:rPr lang="de-DE" sz="1100" b="1" dirty="0"/>
+                <a:t>Grove Pi LED</a:t>
+              </a:r>
+            </a:p>
+          </p:txBody>
+        </p:sp>
+        <p:sp>
+          <p:nvSpPr>
+            <p:cNvPr id="9" name="Textfeld 8">
+              <a:extLst>
+                <a:ext uri="{FF2B5EF4-FFF2-40B4-BE49-F238E27FC236}">
+                  <a16:creationId xmlns:a16="http://schemas.microsoft.com/office/drawing/2014/main" id="{70E6FD31-0AB8-B04D-8869-6400AD00F880}"/>
+                </a:ext>
+              </a:extLst>
+            </p:cNvPr>
+            <p:cNvSpPr txBox="1"/>
+            <p:nvPr/>
+          </p:nvSpPr>
+          <p:spPr>
+            <a:xfrm>
+              <a:off x="1043229" y="2360085"/>
+              <a:ext cx="1574158" cy="276999"/>
+            </a:xfrm>
+            <a:prstGeom prst="rect">
+              <a:avLst/>
+            </a:prstGeom>
+            <a:noFill/>
+          </p:spPr>
+          <p:txBody>
+            <a:bodyPr wrap="square" rtlCol="0">
+              <a:spAutoFit/>
+            </a:bodyPr>
+            <a:lstStyle/>
+            <a:p>
+              <a:r>
+                <a:rPr lang="de-DE" sz="1200" b="1" dirty="0">
+                  <a:solidFill>
+                    <a:schemeClr val="bg2"/>
+                  </a:solidFill>
+                </a:rPr>
+                <a:t>Raspberry Pi 3 B</a:t>
+              </a:r>
+            </a:p>
+          </p:txBody>
+        </p:sp>
+        <p:sp>
+          <p:nvSpPr>
+            <p:cNvPr id="12" name="Textfeld 11">
+              <a:extLst>
+                <a:ext uri="{FF2B5EF4-FFF2-40B4-BE49-F238E27FC236}">
+                  <a16:creationId xmlns:a16="http://schemas.microsoft.com/office/drawing/2014/main" id="{5016460B-728A-ED4B-89B3-D31B55BE5FE5}"/>
+                </a:ext>
+              </a:extLst>
+            </p:cNvPr>
+            <p:cNvSpPr txBox="1"/>
+            <p:nvPr/>
+          </p:nvSpPr>
+          <p:spPr>
+            <a:xfrm>
+              <a:off x="668018" y="2061562"/>
+              <a:ext cx="2025569" cy="276999"/>
+            </a:xfrm>
+            <a:prstGeom prst="rect">
+              <a:avLst/>
+            </a:prstGeom>
+            <a:noFill/>
+          </p:spPr>
+          <p:txBody>
+            <a:bodyPr wrap="square" rtlCol="0">
+              <a:spAutoFit/>
+            </a:bodyPr>
+            <a:lstStyle/>
+            <a:p>
+              <a:r>
+                <a:rPr lang="de-DE" sz="1200" b="1" dirty="0">
+                  <a:solidFill>
+                    <a:schemeClr val="bg1"/>
+                  </a:solidFill>
+                </a:rPr>
+                <a:t>Indutrie-4.0-Komponente</a:t>
+              </a:r>
+            </a:p>
+          </p:txBody>
+        </p:sp>
+      </p:grpSp>
+      <p:sp>
+        <p:nvSpPr>
+          <p:cNvPr id="14" name="Textfeld 13">
+            <a:extLst>
+              <a:ext uri="{FF2B5EF4-FFF2-40B4-BE49-F238E27FC236}">
+                <a16:creationId xmlns:a16="http://schemas.microsoft.com/office/drawing/2014/main" id="{3ED48A9B-F9F6-004D-B786-D1D988EAC6B3}"/>
+              </a:ext>
+            </a:extLst>
+          </p:cNvPr>
+          <p:cNvSpPr txBox="1"/>
+          <p:nvPr/>
+        </p:nvSpPr>
+        <p:spPr>
+          <a:xfrm>
+            <a:off x="3592835" y="229532"/>
+            <a:ext cx="2220600" cy="307777"/>
+          </a:xfrm>
+          <a:prstGeom prst="rect">
+            <a:avLst/>
+          </a:prstGeom>
+          <a:noFill/>
+        </p:spPr>
+        <p:txBody>
+          <a:bodyPr wrap="square" rtlCol="0">
+            <a:spAutoFit/>
+          </a:bodyPr>
+          <a:lstStyle/>
+          <a:p>
+            <a:r>
+              <a:rPr lang="de-DE" sz="1400" dirty="0"/>
+              <a:t>SAP Cloud Platform</a:t>
+            </a:r>
+          </a:p>
+        </p:txBody>
+      </p:sp>
+      <p:cxnSp>
+        <p:nvCxnSpPr>
+          <p:cNvPr id="19" name="Gerade Verbindung 18">
+            <a:extLst>
+              <a:ext uri="{FF2B5EF4-FFF2-40B4-BE49-F238E27FC236}">
+                <a16:creationId xmlns:a16="http://schemas.microsoft.com/office/drawing/2014/main" id="{0C481D9A-BD2A-9F48-ADF0-6A0DC8851763}"/>
+              </a:ext>
+            </a:extLst>
+          </p:cNvPr>
+          <p:cNvCxnSpPr>
+            <a:cxnSpLocks/>
+            <a:stCxn id="6" idx="3"/>
+            <a:endCxn id="179" idx="1"/>
+          </p:cNvCxnSpPr>
+          <p:nvPr/>
+        </p:nvCxnSpPr>
+        <p:spPr>
+          <a:xfrm>
+            <a:off x="2067458" y="2891523"/>
+            <a:ext cx="432114" cy="9610"/>
+          </a:xfrm>
+          <a:prstGeom prst="line">
+            <a:avLst/>
+          </a:prstGeom>
+          <a:ln w="19050">
+            <a:solidFill>
+              <a:schemeClr val="accent6"/>
+            </a:solidFill>
+            <a:headEnd type="oval"/>
+            <a:tailEnd type="triangle"/>
+          </a:ln>
+        </p:spPr>
+        <p:style>
+          <a:lnRef idx="1">
+            <a:schemeClr val="accent1"/>
+          </a:lnRef>
+          <a:fillRef idx="0">
+            <a:schemeClr val="accent1"/>
+          </a:fillRef>
+          <a:effectRef idx="0">
+            <a:schemeClr val="accent1"/>
+          </a:effectRef>
+          <a:fontRef idx="minor">
+            <a:schemeClr val="tx1"/>
+          </a:fontRef>
+        </p:style>
+      </p:cxnSp>
+      <p:sp>
+        <p:nvSpPr>
+          <p:cNvPr id="31" name="Rechteck 30">
+            <a:extLst>
+              <a:ext uri="{FF2B5EF4-FFF2-40B4-BE49-F238E27FC236}">
+                <a16:creationId xmlns:a16="http://schemas.microsoft.com/office/drawing/2014/main" id="{4B7F4D16-2ABE-4644-8A48-64657A4C5367}"/>
+              </a:ext>
+            </a:extLst>
+          </p:cNvPr>
+          <p:cNvSpPr/>
+          <p:nvPr/>
+        </p:nvSpPr>
+        <p:spPr>
+          <a:xfrm>
+            <a:off x="4312882" y="2421051"/>
+            <a:ext cx="902721" cy="831196"/>
+          </a:xfrm>
+          <a:prstGeom prst="rect">
+            <a:avLst/>
+          </a:prstGeom>
+        </p:spPr>
+        <p:style>
+          <a:lnRef idx="2">
+            <a:schemeClr val="accent1">
+              <a:shade val="50000"/>
+            </a:schemeClr>
+          </a:lnRef>
+          <a:fillRef idx="1">
+            <a:schemeClr val="accent1"/>
+          </a:fillRef>
+          <a:effectRef idx="0">
+            <a:schemeClr val="accent1"/>
+          </a:effectRef>
+          <a:fontRef idx="minor">
+            <a:schemeClr val="lt1"/>
+          </a:fontRef>
+        </p:style>
+        <p:txBody>
+          <a:bodyPr rtlCol="0" anchor="ctr"/>
+          <a:lstStyle/>
+          <a:p>
+            <a:pPr algn="ctr"/>
+            <a:r>
+              <a:rPr lang="de-DE" sz="1400" dirty="0"/>
+              <a:t>deviceId</a:t>
+            </a:r>
+          </a:p>
+        </p:txBody>
+      </p:sp>
+      <p:cxnSp>
+        <p:nvCxnSpPr>
+          <p:cNvPr id="33" name="Gerade Verbindung 32">
+            <a:extLst>
+              <a:ext uri="{FF2B5EF4-FFF2-40B4-BE49-F238E27FC236}">
+                <a16:creationId xmlns:a16="http://schemas.microsoft.com/office/drawing/2014/main" id="{0A7F1188-301D-694B-A4BC-F4CD15335251}"/>
+              </a:ext>
+            </a:extLst>
+          </p:cNvPr>
+          <p:cNvCxnSpPr>
+            <a:cxnSpLocks/>
+            <a:endCxn id="31" idx="1"/>
+          </p:cNvCxnSpPr>
+          <p:nvPr/>
+        </p:nvCxnSpPr>
+        <p:spPr>
+          <a:xfrm flipV="1">
+            <a:off x="3442952" y="2836649"/>
+            <a:ext cx="869930" cy="12882"/>
+          </a:xfrm>
+          <a:prstGeom prst="line">
+            <a:avLst/>
+          </a:prstGeom>
+          <a:ln w="19050">
+            <a:solidFill>
+              <a:schemeClr val="accent6"/>
+            </a:solidFill>
+            <a:headEnd type="oval"/>
+            <a:tailEnd type="arrow"/>
+          </a:ln>
+        </p:spPr>
+        <p:style>
+          <a:lnRef idx="1">
+            <a:schemeClr val="accent1"/>
+          </a:lnRef>
+          <a:fillRef idx="0">
+            <a:schemeClr val="accent1"/>
+          </a:fillRef>
+          <a:effectRef idx="0">
+            <a:schemeClr val="accent1"/>
+          </a:effectRef>
+          <a:fontRef idx="minor">
+            <a:schemeClr val="tx1"/>
+          </a:fontRef>
+        </p:style>
+      </p:cxnSp>
+      <p:sp>
+        <p:nvSpPr>
+          <p:cNvPr id="47" name="Rechteck 46">
+            <a:extLst>
+              <a:ext uri="{FF2B5EF4-FFF2-40B4-BE49-F238E27FC236}">
+                <a16:creationId xmlns:a16="http://schemas.microsoft.com/office/drawing/2014/main" id="{D46A5E49-0B9B-8548-AAD0-A51F4B571CF5}"/>
+              </a:ext>
+            </a:extLst>
+          </p:cNvPr>
+          <p:cNvSpPr/>
+          <p:nvPr/>
+        </p:nvSpPr>
+        <p:spPr>
+          <a:xfrm>
+            <a:off x="4019437" y="4672357"/>
+            <a:ext cx="1489612" cy="436211"/>
+          </a:xfrm>
+          <a:prstGeom prst="rect">
+            <a:avLst/>
+          </a:prstGeom>
+          <a:solidFill>
+            <a:schemeClr val="accent2">
+              <a:lumMod val="40000"/>
+              <a:lumOff val="60000"/>
+            </a:schemeClr>
+          </a:solidFill>
+        </p:spPr>
+        <p:style>
+          <a:lnRef idx="2">
+            <a:schemeClr val="accent1">
+              <a:shade val="50000"/>
+            </a:schemeClr>
+          </a:lnRef>
+          <a:fillRef idx="1">
+            <a:schemeClr val="accent1"/>
+          </a:fillRef>
+          <a:effectRef idx="0">
+            <a:schemeClr val="accent1"/>
+          </a:effectRef>
+          <a:fontRef idx="minor">
+            <a:schemeClr val="lt1"/>
+          </a:fontRef>
+        </p:style>
+        <p:txBody>
+          <a:bodyPr rtlCol="0" anchor="ctr"/>
+          <a:lstStyle/>
+          <a:p>
+            <a:pPr algn="ctr"/>
+            <a:r>
+              <a:rPr lang="de-DE" sz="1100" dirty="0"/>
+              <a:t>Led_Blink_Command*</a:t>
+            </a:r>
+          </a:p>
+        </p:txBody>
+      </p:sp>
+      <p:sp>
+        <p:nvSpPr>
+          <p:cNvPr id="51" name="Rechteck 50">
+            <a:extLst>
+              <a:ext uri="{FF2B5EF4-FFF2-40B4-BE49-F238E27FC236}">
+                <a16:creationId xmlns:a16="http://schemas.microsoft.com/office/drawing/2014/main" id="{03C12276-480A-6B4E-9BD6-B3DC8D07103C}"/>
+              </a:ext>
+            </a:extLst>
+          </p:cNvPr>
+          <p:cNvSpPr/>
+          <p:nvPr/>
+        </p:nvSpPr>
+        <p:spPr>
+          <a:xfrm>
+            <a:off x="1468828" y="5174521"/>
+            <a:ext cx="1622886" cy="203789"/>
+          </a:xfrm>
+          <a:prstGeom prst="rect">
+            <a:avLst/>
+          </a:prstGeom>
+          <a:solidFill>
+            <a:schemeClr val="accent2">
+              <a:lumMod val="40000"/>
+              <a:lumOff val="60000"/>
+            </a:schemeClr>
+          </a:solidFill>
+        </p:spPr>
+        <p:style>
+          <a:lnRef idx="2">
+            <a:schemeClr val="accent1">
+              <a:shade val="50000"/>
+            </a:schemeClr>
+          </a:lnRef>
+          <a:fillRef idx="1">
+            <a:schemeClr val="accent1"/>
+          </a:fillRef>
+          <a:effectRef idx="0">
+            <a:schemeClr val="accent1"/>
+          </a:effectRef>
+          <a:fontRef idx="minor">
+            <a:schemeClr val="lt1"/>
+          </a:fontRef>
+        </p:style>
+        <p:txBody>
+          <a:bodyPr rtlCol="0" anchor="ctr"/>
+          <a:lstStyle/>
+          <a:p>
+            <a:pPr algn="ctr"/>
+            <a:r>
+              <a:rPr lang="de-DE" sz="1100" dirty="0"/>
+              <a:t>*HTTP Destination</a:t>
+            </a:r>
+          </a:p>
+        </p:txBody>
+      </p:sp>
+      <p:cxnSp>
+        <p:nvCxnSpPr>
+          <p:cNvPr id="53" name="Gerade Verbindung 52">
+            <a:extLst>
+              <a:ext uri="{FF2B5EF4-FFF2-40B4-BE49-F238E27FC236}">
+                <a16:creationId xmlns:a16="http://schemas.microsoft.com/office/drawing/2014/main" id="{494C0766-7F02-2C45-9B04-AC05AB7983B2}"/>
+              </a:ext>
+            </a:extLst>
+          </p:cNvPr>
+          <p:cNvCxnSpPr>
+            <a:cxnSpLocks/>
+            <a:stCxn id="47" idx="0"/>
+            <a:endCxn id="31" idx="2"/>
+          </p:cNvCxnSpPr>
+          <p:nvPr/>
+        </p:nvCxnSpPr>
+        <p:spPr>
+          <a:xfrm flipV="1">
+            <a:off x="4764243" y="3252247"/>
+            <a:ext cx="0" cy="1420110"/>
+          </a:xfrm>
+          <a:prstGeom prst="line">
+            <a:avLst/>
+          </a:prstGeom>
+          <a:ln w="22225">
+            <a:solidFill>
+              <a:schemeClr val="accent2">
+                <a:lumMod val="75000"/>
+              </a:schemeClr>
+            </a:solidFill>
+            <a:headEnd type="oval"/>
+            <a:tailEnd type="arrow"/>
+          </a:ln>
+        </p:spPr>
+        <p:style>
+          <a:lnRef idx="1">
+            <a:schemeClr val="accent1"/>
+          </a:lnRef>
+          <a:fillRef idx="0">
+            <a:schemeClr val="accent1"/>
+          </a:fillRef>
+          <a:effectRef idx="0">
+            <a:schemeClr val="accent1"/>
+          </a:effectRef>
+          <a:fontRef idx="minor">
+            <a:schemeClr val="tx1"/>
+          </a:fontRef>
+        </p:style>
+      </p:cxnSp>
+      <p:sp>
+        <p:nvSpPr>
+          <p:cNvPr id="64" name="Rechteck 63">
+            <a:extLst>
+              <a:ext uri="{FF2B5EF4-FFF2-40B4-BE49-F238E27FC236}">
+                <a16:creationId xmlns:a16="http://schemas.microsoft.com/office/drawing/2014/main" id="{F560921B-4412-A743-903A-F4B779C6BF19}"/>
+              </a:ext>
+            </a:extLst>
+          </p:cNvPr>
+          <p:cNvSpPr/>
+          <p:nvPr/>
+        </p:nvSpPr>
+        <p:spPr>
+          <a:xfrm>
+            <a:off x="8876526" y="3043555"/>
+            <a:ext cx="902721" cy="298531"/>
+          </a:xfrm>
+          <a:prstGeom prst="rect">
+            <a:avLst/>
+          </a:prstGeom>
+        </p:spPr>
+        <p:style>
+          <a:lnRef idx="2">
+            <a:schemeClr val="accent1">
+              <a:shade val="50000"/>
+            </a:schemeClr>
+          </a:lnRef>
+          <a:fillRef idx="1">
+            <a:schemeClr val="accent1"/>
+          </a:fillRef>
+          <a:effectRef idx="0">
+            <a:schemeClr val="accent1"/>
+          </a:effectRef>
+          <a:fontRef idx="minor">
+            <a:schemeClr val="lt1"/>
+          </a:fontRef>
+        </p:style>
+        <p:txBody>
+          <a:bodyPr rtlCol="0" anchor="ctr"/>
+          <a:lstStyle/>
+          <a:p>
+            <a:pPr algn="ctr"/>
+            <a:r>
+              <a:rPr lang="de-DE" sz="1400" dirty="0"/>
+              <a:t>ThingId</a:t>
+            </a:r>
+          </a:p>
+        </p:txBody>
+      </p:sp>
+      <p:sp>
+        <p:nvSpPr>
+          <p:cNvPr id="65" name="Oval 64">
+            <a:extLst>
+              <a:ext uri="{FF2B5EF4-FFF2-40B4-BE49-F238E27FC236}">
+                <a16:creationId xmlns:a16="http://schemas.microsoft.com/office/drawing/2014/main" id="{1D77D1FB-1385-AE45-B358-1A384F2BF65B}"/>
+              </a:ext>
+            </a:extLst>
+          </p:cNvPr>
+          <p:cNvSpPr/>
+          <p:nvPr/>
+        </p:nvSpPr>
+        <p:spPr>
+          <a:xfrm>
+            <a:off x="5452250" y="2675078"/>
+            <a:ext cx="1087062" cy="319238"/>
+          </a:xfrm>
+          <a:prstGeom prst="ellipse">
+            <a:avLst/>
+          </a:prstGeom>
+        </p:spPr>
+        <p:style>
+          <a:lnRef idx="2">
+            <a:schemeClr val="accent1">
+              <a:shade val="50000"/>
+            </a:schemeClr>
+          </a:lnRef>
+          <a:fillRef idx="1">
+            <a:schemeClr val="accent1"/>
+          </a:fillRef>
+          <a:effectRef idx="0">
+            <a:schemeClr val="accent1"/>
+          </a:effectRef>
+          <a:fontRef idx="minor">
+            <a:schemeClr val="lt1"/>
+          </a:fontRef>
+        </p:style>
+        <p:txBody>
+          <a:bodyPr rtlCol="0" anchor="ctr"/>
+          <a:lstStyle/>
+          <a:p>
+            <a:pPr algn="ctr"/>
+            <a:r>
+              <a:rPr lang="de-DE" sz="900" dirty="0"/>
+              <a:t>Capabilities</a:t>
+            </a:r>
+          </a:p>
+        </p:txBody>
+      </p:sp>
+      <p:sp>
+        <p:nvSpPr>
+          <p:cNvPr id="66" name="Oval 65">
+            <a:extLst>
+              <a:ext uri="{FF2B5EF4-FFF2-40B4-BE49-F238E27FC236}">
+                <a16:creationId xmlns:a16="http://schemas.microsoft.com/office/drawing/2014/main" id="{408964B4-8BE3-AD49-9670-3D959DC09B71}"/>
+              </a:ext>
+            </a:extLst>
+          </p:cNvPr>
+          <p:cNvSpPr/>
+          <p:nvPr/>
+        </p:nvSpPr>
+        <p:spPr>
+          <a:xfrm>
+            <a:off x="7239913" y="2552196"/>
+            <a:ext cx="1051843" cy="392141"/>
+          </a:xfrm>
+          <a:prstGeom prst="ellipse">
+            <a:avLst/>
+          </a:prstGeom>
+        </p:spPr>
+        <p:style>
+          <a:lnRef idx="2">
+            <a:schemeClr val="accent1">
+              <a:shade val="50000"/>
+            </a:schemeClr>
+          </a:lnRef>
+          <a:fillRef idx="1">
+            <a:schemeClr val="accent1"/>
+          </a:fillRef>
+          <a:effectRef idx="0">
+            <a:schemeClr val="accent1"/>
+          </a:effectRef>
+          <a:fontRef idx="minor">
+            <a:schemeClr val="lt1"/>
+          </a:fontRef>
+        </p:style>
+        <p:txBody>
+          <a:bodyPr rtlCol="0" anchor="ctr"/>
+          <a:lstStyle/>
+          <a:p>
+            <a:pPr algn="ctr"/>
+            <a:r>
+              <a:rPr lang="de-DE" sz="900" dirty="0"/>
+              <a:t>PropertySet</a:t>
+            </a:r>
+          </a:p>
+        </p:txBody>
+      </p:sp>
+      <p:cxnSp>
+        <p:nvCxnSpPr>
+          <p:cNvPr id="69" name="Gerade Verbindung 68">
+            <a:extLst>
+              <a:ext uri="{FF2B5EF4-FFF2-40B4-BE49-F238E27FC236}">
+                <a16:creationId xmlns:a16="http://schemas.microsoft.com/office/drawing/2014/main" id="{B753E042-4EB7-624B-A45C-98A3529E408B}"/>
+              </a:ext>
+            </a:extLst>
+          </p:cNvPr>
+          <p:cNvCxnSpPr>
+            <a:cxnSpLocks/>
+            <a:stCxn id="31" idx="3"/>
+            <a:endCxn id="65" idx="2"/>
+          </p:cNvCxnSpPr>
+          <p:nvPr/>
+        </p:nvCxnSpPr>
+        <p:spPr>
+          <a:xfrm flipV="1">
+            <a:off x="5215603" y="2834697"/>
+            <a:ext cx="236647" cy="1952"/>
+          </a:xfrm>
+          <a:prstGeom prst="line">
+            <a:avLst/>
+          </a:prstGeom>
+        </p:spPr>
+        <p:style>
+          <a:lnRef idx="1">
+            <a:schemeClr val="accent1"/>
+          </a:lnRef>
+          <a:fillRef idx="0">
+            <a:schemeClr val="accent1"/>
+          </a:fillRef>
+          <a:effectRef idx="0">
+            <a:schemeClr val="accent1"/>
+          </a:effectRef>
+          <a:fontRef idx="minor">
+            <a:schemeClr val="tx1"/>
+          </a:fontRef>
+        </p:style>
+      </p:cxnSp>
+      <p:sp>
+        <p:nvSpPr>
+          <p:cNvPr id="74" name="Oval 73">
+            <a:extLst>
+              <a:ext uri="{FF2B5EF4-FFF2-40B4-BE49-F238E27FC236}">
+                <a16:creationId xmlns:a16="http://schemas.microsoft.com/office/drawing/2014/main" id="{D41B9556-4C4A-0543-99EA-5413EFE34947}"/>
+              </a:ext>
+            </a:extLst>
+          </p:cNvPr>
+          <p:cNvSpPr/>
+          <p:nvPr/>
+        </p:nvSpPr>
+        <p:spPr>
+          <a:xfrm>
+            <a:off x="5750826" y="3145928"/>
+            <a:ext cx="865673" cy="300367"/>
+          </a:xfrm>
+          <a:prstGeom prst="ellipse">
+            <a:avLst/>
+          </a:prstGeom>
+        </p:spPr>
+        <p:style>
+          <a:lnRef idx="2">
+            <a:schemeClr val="accent1">
+              <a:shade val="50000"/>
+            </a:schemeClr>
+          </a:lnRef>
+          <a:fillRef idx="1">
+            <a:schemeClr val="accent1"/>
+          </a:fillRef>
+          <a:effectRef idx="0">
+            <a:schemeClr val="accent1"/>
+          </a:effectRef>
+          <a:fontRef idx="minor">
+            <a:schemeClr val="lt1"/>
+          </a:fontRef>
+        </p:style>
+        <p:txBody>
+          <a:bodyPr rtlCol="0" anchor="ctr"/>
+          <a:lstStyle/>
+          <a:p>
+            <a:pPr algn="ctr"/>
+            <a:r>
+              <a:rPr lang="de-DE" sz="900" dirty="0"/>
+              <a:t>Measure</a:t>
+            </a:r>
+          </a:p>
+        </p:txBody>
+      </p:sp>
+      <p:sp>
+        <p:nvSpPr>
+          <p:cNvPr id="75" name="Oval 74">
+            <a:extLst>
+              <a:ext uri="{FF2B5EF4-FFF2-40B4-BE49-F238E27FC236}">
+                <a16:creationId xmlns:a16="http://schemas.microsoft.com/office/drawing/2014/main" id="{554F1014-5BAF-954A-ABBC-190A404D48E0}"/>
+              </a:ext>
+            </a:extLst>
+          </p:cNvPr>
+          <p:cNvSpPr/>
+          <p:nvPr/>
+        </p:nvSpPr>
+        <p:spPr>
+          <a:xfrm>
+            <a:off x="4939265" y="3345495"/>
+            <a:ext cx="944937" cy="318277"/>
+          </a:xfrm>
+          <a:prstGeom prst="ellipse">
+            <a:avLst/>
+          </a:prstGeom>
+        </p:spPr>
+        <p:style>
+          <a:lnRef idx="2">
+            <a:schemeClr val="accent1">
+              <a:shade val="50000"/>
+            </a:schemeClr>
+          </a:lnRef>
+          <a:fillRef idx="1">
+            <a:schemeClr val="accent1"/>
+          </a:fillRef>
+          <a:effectRef idx="0">
+            <a:schemeClr val="accent1"/>
+          </a:effectRef>
+          <a:fontRef idx="minor">
+            <a:schemeClr val="lt1"/>
+          </a:fontRef>
+        </p:style>
+        <p:txBody>
+          <a:bodyPr rtlCol="0" anchor="ctr"/>
+          <a:lstStyle/>
+          <a:p>
+            <a:pPr algn="ctr"/>
+            <a:r>
+              <a:rPr lang="de-DE" sz="900" dirty="0"/>
+              <a:t>Command</a:t>
+            </a:r>
+          </a:p>
+        </p:txBody>
+      </p:sp>
+      <p:cxnSp>
+        <p:nvCxnSpPr>
+          <p:cNvPr id="77" name="Gerade Verbindung 76">
+            <a:extLst>
+              <a:ext uri="{FF2B5EF4-FFF2-40B4-BE49-F238E27FC236}">
+                <a16:creationId xmlns:a16="http://schemas.microsoft.com/office/drawing/2014/main" id="{309EBA7A-8AD1-AE44-AAD1-914BA90A0D7B}"/>
+              </a:ext>
+            </a:extLst>
+          </p:cNvPr>
+          <p:cNvCxnSpPr>
+            <a:cxnSpLocks/>
+            <a:stCxn id="17" idx="1"/>
+            <a:endCxn id="16" idx="3"/>
+          </p:cNvCxnSpPr>
+          <p:nvPr/>
+        </p:nvCxnSpPr>
+        <p:spPr>
+          <a:xfrm flipH="1" flipV="1">
+            <a:off x="6858068" y="3175119"/>
+            <a:ext cx="300515" cy="3713"/>
+          </a:xfrm>
+          <a:prstGeom prst="line">
+            <a:avLst/>
+          </a:prstGeom>
+          <a:ln w="19050">
+            <a:solidFill>
+              <a:schemeClr val="accent6"/>
+            </a:solidFill>
+            <a:headEnd type="arrow"/>
+            <a:tailEnd type="oval"/>
+          </a:ln>
+        </p:spPr>
+        <p:style>
+          <a:lnRef idx="1">
+            <a:schemeClr val="accent1"/>
+          </a:lnRef>
+          <a:fillRef idx="0">
+            <a:schemeClr val="accent1"/>
+          </a:fillRef>
+          <a:effectRef idx="0">
+            <a:schemeClr val="accent1"/>
+          </a:effectRef>
+          <a:fontRef idx="minor">
+            <a:schemeClr val="tx1"/>
+          </a:fontRef>
+        </p:style>
+      </p:cxnSp>
+      <p:sp>
+        <p:nvSpPr>
+          <p:cNvPr id="101" name="Oval 100">
+            <a:extLst>
+              <a:ext uri="{FF2B5EF4-FFF2-40B4-BE49-F238E27FC236}">
+                <a16:creationId xmlns:a16="http://schemas.microsoft.com/office/drawing/2014/main" id="{10660FBC-9F54-D740-B4FF-F25E300B8257}"/>
+              </a:ext>
+            </a:extLst>
+          </p:cNvPr>
+          <p:cNvSpPr/>
+          <p:nvPr/>
+        </p:nvSpPr>
+        <p:spPr>
+          <a:xfrm>
+            <a:off x="7239913" y="3195933"/>
+            <a:ext cx="1051843" cy="392141"/>
+          </a:xfrm>
+          <a:prstGeom prst="ellipse">
+            <a:avLst/>
+          </a:prstGeom>
+        </p:spPr>
+        <p:style>
+          <a:lnRef idx="2">
+            <a:schemeClr val="accent1">
+              <a:shade val="50000"/>
+            </a:schemeClr>
+          </a:lnRef>
+          <a:fillRef idx="1">
+            <a:schemeClr val="accent1"/>
+          </a:fillRef>
+          <a:effectRef idx="0">
+            <a:schemeClr val="accent1"/>
+          </a:effectRef>
+          <a:fontRef idx="minor">
+            <a:schemeClr val="lt1"/>
+          </a:fontRef>
+        </p:style>
+        <p:txBody>
+          <a:bodyPr rtlCol="0" anchor="ctr"/>
+          <a:lstStyle/>
+          <a:p>
+            <a:pPr algn="ctr"/>
+            <a:r>
+              <a:rPr lang="de-DE" sz="900" dirty="0"/>
+              <a:t>ThingType</a:t>
+            </a:r>
+          </a:p>
+        </p:txBody>
+      </p:sp>
+      <p:cxnSp>
+        <p:nvCxnSpPr>
+          <p:cNvPr id="108" name="Gerade Verbindung 107">
+            <a:extLst>
+              <a:ext uri="{FF2B5EF4-FFF2-40B4-BE49-F238E27FC236}">
+                <a16:creationId xmlns:a16="http://schemas.microsoft.com/office/drawing/2014/main" id="{6E821985-ED7B-0748-81BE-37CCDFFC3CEF}"/>
+              </a:ext>
+            </a:extLst>
+          </p:cNvPr>
+          <p:cNvCxnSpPr>
+            <a:cxnSpLocks/>
+            <a:stCxn id="66" idx="4"/>
+            <a:endCxn id="101" idx="0"/>
+          </p:cNvCxnSpPr>
+          <p:nvPr/>
+        </p:nvCxnSpPr>
+        <p:spPr>
+          <a:xfrm>
+            <a:off x="7765835" y="2944337"/>
+            <a:ext cx="0" cy="251596"/>
+          </a:xfrm>
+          <a:prstGeom prst="line">
+            <a:avLst/>
+          </a:prstGeom>
+          <a:ln>
+            <a:tailEnd type="arrow"/>
+          </a:ln>
+        </p:spPr>
+        <p:style>
+          <a:lnRef idx="1">
+            <a:schemeClr val="accent1"/>
+          </a:lnRef>
+          <a:fillRef idx="0">
+            <a:schemeClr val="accent1"/>
+          </a:fillRef>
+          <a:effectRef idx="0">
+            <a:schemeClr val="accent1"/>
+          </a:effectRef>
+          <a:fontRef idx="minor">
+            <a:schemeClr val="tx1"/>
+          </a:fontRef>
+        </p:style>
+      </p:cxnSp>
+      <p:sp>
+        <p:nvSpPr>
+          <p:cNvPr id="109" name="Rechteck 108">
+            <a:extLst>
+              <a:ext uri="{FF2B5EF4-FFF2-40B4-BE49-F238E27FC236}">
+                <a16:creationId xmlns:a16="http://schemas.microsoft.com/office/drawing/2014/main" id="{8EF4A056-2A83-754A-9E5D-79A133AC2BBE}"/>
+              </a:ext>
+            </a:extLst>
+          </p:cNvPr>
+          <p:cNvSpPr/>
+          <p:nvPr/>
+        </p:nvSpPr>
+        <p:spPr>
+          <a:xfrm>
+            <a:off x="5365486" y="1308684"/>
+            <a:ext cx="1105920" cy="436211"/>
+          </a:xfrm>
+          <a:prstGeom prst="rect">
+            <a:avLst/>
+          </a:prstGeom>
+          <a:solidFill>
+            <a:schemeClr val="accent2">
+              <a:lumMod val="40000"/>
+              <a:lumOff val="60000"/>
+            </a:schemeClr>
+          </a:solidFill>
+        </p:spPr>
+        <p:style>
+          <a:lnRef idx="2">
+            <a:schemeClr val="accent1">
+              <a:shade val="50000"/>
+            </a:schemeClr>
+          </a:lnRef>
+          <a:fillRef idx="1">
+            <a:schemeClr val="accent1"/>
+          </a:fillRef>
+          <a:effectRef idx="0">
+            <a:schemeClr val="accent1"/>
+          </a:effectRef>
+          <a:fontRef idx="minor">
+            <a:schemeClr val="lt1"/>
+          </a:fontRef>
+        </p:style>
+        <p:txBody>
+          <a:bodyPr rtlCol="0" anchor="ctr"/>
+          <a:lstStyle/>
+          <a:p>
+            <a:pPr algn="ctr"/>
+            <a:r>
+              <a:rPr lang="de-DE" sz="1100" dirty="0"/>
+              <a:t>SMS_Gateway*</a:t>
+            </a:r>
+          </a:p>
+        </p:txBody>
+      </p:sp>
+      <p:sp>
+        <p:nvSpPr>
+          <p:cNvPr id="110" name="Rechteck 109">
+            <a:extLst>
+              <a:ext uri="{FF2B5EF4-FFF2-40B4-BE49-F238E27FC236}">
+                <a16:creationId xmlns:a16="http://schemas.microsoft.com/office/drawing/2014/main" id="{08FDAC69-49B2-3146-A1CB-B6E407412249}"/>
+              </a:ext>
+            </a:extLst>
+          </p:cNvPr>
+          <p:cNvSpPr/>
+          <p:nvPr/>
+        </p:nvSpPr>
+        <p:spPr>
+          <a:xfrm>
+            <a:off x="7863166" y="4691210"/>
+            <a:ext cx="1432060" cy="436211"/>
+          </a:xfrm>
+          <a:prstGeom prst="rect">
+            <a:avLst/>
+          </a:prstGeom>
+          <a:solidFill>
+            <a:schemeClr val="accent2">
+              <a:lumMod val="40000"/>
+              <a:lumOff val="60000"/>
+            </a:schemeClr>
+          </a:solidFill>
+        </p:spPr>
+        <p:style>
+          <a:lnRef idx="2">
+            <a:schemeClr val="accent1">
+              <a:shade val="50000"/>
+            </a:schemeClr>
+          </a:lnRef>
+          <a:fillRef idx="1">
+            <a:schemeClr val="accent1"/>
+          </a:fillRef>
+          <a:effectRef idx="0">
+            <a:schemeClr val="accent1"/>
+          </a:effectRef>
+          <a:fontRef idx="minor">
+            <a:schemeClr val="lt1"/>
+          </a:fontRef>
+        </p:style>
+        <p:txBody>
+          <a:bodyPr rtlCol="0" anchor="ctr"/>
+          <a:lstStyle/>
+          <a:p>
+            <a:pPr algn="ctr"/>
+            <a:r>
+              <a:rPr lang="de-DE" sz="1100" dirty="0"/>
+              <a:t>Standard_EventType*</a:t>
+            </a:r>
+          </a:p>
+        </p:txBody>
+      </p:sp>
+      <p:sp>
+        <p:nvSpPr>
+          <p:cNvPr id="114" name="Abgerundetes Rechteck 113">
+            <a:extLst>
+              <a:ext uri="{FF2B5EF4-FFF2-40B4-BE49-F238E27FC236}">
+                <a16:creationId xmlns:a16="http://schemas.microsoft.com/office/drawing/2014/main" id="{8B792364-9A5A-2B47-B287-00F3A8BFAE63}"/>
+              </a:ext>
+            </a:extLst>
+          </p:cNvPr>
+          <p:cNvSpPr/>
+          <p:nvPr/>
+        </p:nvSpPr>
+        <p:spPr>
+          <a:xfrm>
+            <a:off x="8876526" y="2561903"/>
+            <a:ext cx="610778" cy="179505"/>
+          </a:xfrm>
+          <a:prstGeom prst="roundRect">
+            <a:avLst/>
+          </a:prstGeom>
+        </p:spPr>
+        <p:style>
+          <a:lnRef idx="2">
+            <a:schemeClr val="accent1">
+              <a:shade val="50000"/>
+            </a:schemeClr>
+          </a:lnRef>
+          <a:fillRef idx="1">
+            <a:schemeClr val="accent1"/>
+          </a:fillRef>
+          <a:effectRef idx="0">
+            <a:schemeClr val="accent1"/>
+          </a:effectRef>
+          <a:fontRef idx="minor">
+            <a:schemeClr val="lt1"/>
+          </a:fontRef>
+        </p:style>
+        <p:txBody>
+          <a:bodyPr rtlCol="0" anchor="ctr"/>
+          <a:lstStyle/>
+          <a:p>
+            <a:pPr algn="ctr"/>
+            <a:r>
+              <a:rPr lang="de-DE" sz="1400" dirty="0"/>
+              <a:t>Rule </a:t>
+            </a:r>
+          </a:p>
+        </p:txBody>
+      </p:sp>
+      <p:sp>
+        <p:nvSpPr>
+          <p:cNvPr id="115" name="Abgerundetes Rechteck 114">
+            <a:extLst>
+              <a:ext uri="{FF2B5EF4-FFF2-40B4-BE49-F238E27FC236}">
+                <a16:creationId xmlns:a16="http://schemas.microsoft.com/office/drawing/2014/main" id="{F7D83AE8-D903-5C41-A9BF-6207F60171D8}"/>
+              </a:ext>
+            </a:extLst>
+          </p:cNvPr>
+          <p:cNvSpPr/>
+          <p:nvPr/>
+        </p:nvSpPr>
+        <p:spPr>
+          <a:xfrm>
+            <a:off x="8227281" y="3784803"/>
+            <a:ext cx="649245" cy="189444"/>
+          </a:xfrm>
+          <a:prstGeom prst="roundRect">
+            <a:avLst/>
+          </a:prstGeom>
+        </p:spPr>
+        <p:style>
+          <a:lnRef idx="2">
+            <a:schemeClr val="accent1">
+              <a:shade val="50000"/>
+            </a:schemeClr>
+          </a:lnRef>
+          <a:fillRef idx="1">
+            <a:schemeClr val="accent1"/>
+          </a:fillRef>
+          <a:effectRef idx="0">
+            <a:schemeClr val="accent1"/>
+          </a:effectRef>
+          <a:fontRef idx="minor">
+            <a:schemeClr val="lt1"/>
+          </a:fontRef>
+        </p:style>
+        <p:txBody>
+          <a:bodyPr rtlCol="0" anchor="ctr"/>
+          <a:lstStyle/>
+          <a:p>
+            <a:pPr algn="ctr"/>
+            <a:r>
+              <a:rPr lang="de-DE" sz="1400" dirty="0"/>
+              <a:t>Rule </a:t>
+            </a:r>
+          </a:p>
+        </p:txBody>
+      </p:sp>
+      <p:sp>
+        <p:nvSpPr>
+          <p:cNvPr id="116" name="Abgerundetes Rechteck 115">
+            <a:extLst>
+              <a:ext uri="{FF2B5EF4-FFF2-40B4-BE49-F238E27FC236}">
+                <a16:creationId xmlns:a16="http://schemas.microsoft.com/office/drawing/2014/main" id="{D2918C4B-63DA-6B42-AA93-702EC60B095C}"/>
+              </a:ext>
+            </a:extLst>
+          </p:cNvPr>
+          <p:cNvSpPr/>
+          <p:nvPr/>
+        </p:nvSpPr>
+        <p:spPr>
+          <a:xfrm>
+            <a:off x="7448013" y="3835445"/>
+            <a:ext cx="534407" cy="179506"/>
+          </a:xfrm>
+          <a:prstGeom prst="roundRect">
+            <a:avLst/>
+          </a:prstGeom>
+        </p:spPr>
+        <p:style>
+          <a:lnRef idx="2">
+            <a:schemeClr val="accent1">
+              <a:shade val="50000"/>
+            </a:schemeClr>
+          </a:lnRef>
+          <a:fillRef idx="1">
+            <a:schemeClr val="accent1"/>
+          </a:fillRef>
+          <a:effectRef idx="0">
+            <a:schemeClr val="accent1"/>
+          </a:effectRef>
+          <a:fontRef idx="minor">
+            <a:schemeClr val="lt1"/>
+          </a:fontRef>
+        </p:style>
+        <p:txBody>
+          <a:bodyPr rtlCol="0" anchor="ctr"/>
+          <a:lstStyle/>
+          <a:p>
+            <a:pPr algn="ctr"/>
+            <a:r>
+              <a:rPr lang="de-DE" sz="1400" dirty="0"/>
+              <a:t>Rule </a:t>
+            </a:r>
+          </a:p>
+        </p:txBody>
+      </p:sp>
+      <p:cxnSp>
+        <p:nvCxnSpPr>
+          <p:cNvPr id="138" name="Gerade Verbindung 137">
+            <a:extLst>
+              <a:ext uri="{FF2B5EF4-FFF2-40B4-BE49-F238E27FC236}">
+                <a16:creationId xmlns:a16="http://schemas.microsoft.com/office/drawing/2014/main" id="{A5F09D1E-0EC9-134E-8651-84998A35B3A1}"/>
+              </a:ext>
+            </a:extLst>
+          </p:cNvPr>
+          <p:cNvCxnSpPr>
+            <a:cxnSpLocks/>
+          </p:cNvCxnSpPr>
+          <p:nvPr/>
+        </p:nvCxnSpPr>
+        <p:spPr>
+          <a:xfrm>
+            <a:off x="7706720" y="3579689"/>
+            <a:ext cx="0" cy="246970"/>
+          </a:xfrm>
+          <a:prstGeom prst="line">
+            <a:avLst/>
+          </a:prstGeom>
+        </p:spPr>
+        <p:style>
+          <a:lnRef idx="1">
+            <a:schemeClr val="accent1"/>
+          </a:lnRef>
+          <a:fillRef idx="0">
+            <a:schemeClr val="accent1"/>
+          </a:fillRef>
+          <a:effectRef idx="0">
+            <a:schemeClr val="accent1"/>
+          </a:effectRef>
+          <a:fontRef idx="minor">
+            <a:schemeClr val="tx1"/>
+          </a:fontRef>
+        </p:style>
+      </p:cxnSp>
+      <p:cxnSp>
+        <p:nvCxnSpPr>
+          <p:cNvPr id="140" name="Gewinkelte Verbindung 139">
+            <a:extLst>
+              <a:ext uri="{FF2B5EF4-FFF2-40B4-BE49-F238E27FC236}">
+                <a16:creationId xmlns:a16="http://schemas.microsoft.com/office/drawing/2014/main" id="{7FF18354-C6A3-9D44-B107-86901AB15B14}"/>
+              </a:ext>
+            </a:extLst>
+          </p:cNvPr>
+          <p:cNvCxnSpPr>
+            <a:cxnSpLocks/>
+            <a:stCxn id="116" idx="2"/>
+            <a:endCxn id="47" idx="3"/>
+          </p:cNvCxnSpPr>
+          <p:nvPr/>
+        </p:nvCxnSpPr>
+        <p:spPr>
+          <a:xfrm rot="5400000">
+            <a:off x="6174377" y="3349623"/>
+            <a:ext cx="875512" cy="2206168"/>
+          </a:xfrm>
+          <a:prstGeom prst="bentConnector2">
+            <a:avLst/>
+          </a:prstGeom>
+          <a:ln w="19050">
+            <a:solidFill>
+              <a:schemeClr val="accent2">
+                <a:lumMod val="75000"/>
+              </a:schemeClr>
+            </a:solidFill>
+            <a:headEnd type="oval"/>
+            <a:tailEnd type="arrow"/>
+          </a:ln>
+        </p:spPr>
+        <p:style>
+          <a:lnRef idx="1">
+            <a:schemeClr val="accent1"/>
+          </a:lnRef>
+          <a:fillRef idx="0">
+            <a:schemeClr val="accent1"/>
+          </a:fillRef>
+          <a:effectRef idx="0">
+            <a:schemeClr val="accent1"/>
+          </a:effectRef>
+          <a:fontRef idx="minor">
+            <a:schemeClr val="tx1"/>
+          </a:fontRef>
+        </p:style>
+      </p:cxnSp>
+      <p:pic>
+        <p:nvPicPr>
+          <p:cNvPr id="145" name="Grafik 144" descr="Benutzer">
+            <a:extLst>
+              <a:ext uri="{FF2B5EF4-FFF2-40B4-BE49-F238E27FC236}">
+                <a16:creationId xmlns:a16="http://schemas.microsoft.com/office/drawing/2014/main" id="{575FA18E-7C63-6D48-AA43-9555469C983F}"/>
+              </a:ext>
+            </a:extLst>
+          </p:cNvPr>
+          <p:cNvPicPr>
+            <a:picLocks noChangeAspect="1"/>
+          </p:cNvPicPr>
+          <p:nvPr/>
+        </p:nvPicPr>
+        <p:blipFill>
+          <a:blip r:embed="rId4">
+            <a:extLst>
+              <a:ext uri="{96DAC541-7B7A-43D3-8B79-37D633B846F1}">
+                <asvg:svgBlip xmlns:asvg="http://schemas.microsoft.com/office/drawing/2016/SVG/main" r:embed="rId5"/>
+              </a:ext>
+            </a:extLst>
+          </a:blip>
+          <a:stretch>
+            <a:fillRect/>
+          </a:stretch>
+        </p:blipFill>
+        <p:spPr>
+          <a:xfrm>
+            <a:off x="2150914" y="1234252"/>
+            <a:ext cx="599101" cy="599101"/>
+          </a:xfrm>
+          <a:prstGeom prst="rect">
+            <a:avLst/>
+          </a:prstGeom>
+        </p:spPr>
+      </p:pic>
+      <p:pic>
+        <p:nvPicPr>
+          <p:cNvPr id="149" name="Grafik 148" descr="Smartphone">
+            <a:extLst>
+              <a:ext uri="{FF2B5EF4-FFF2-40B4-BE49-F238E27FC236}">
+                <a16:creationId xmlns:a16="http://schemas.microsoft.com/office/drawing/2014/main" id="{A1A7C496-F37D-5444-A698-B55F887A6094}"/>
+              </a:ext>
+            </a:extLst>
+          </p:cNvPr>
+          <p:cNvPicPr>
+            <a:picLocks noChangeAspect="1"/>
+          </p:cNvPicPr>
+          <p:nvPr/>
+        </p:nvPicPr>
+        <p:blipFill>
+          <a:blip r:embed="rId6">
+            <a:extLst>
+              <a:ext uri="{96DAC541-7B7A-43D3-8B79-37D633B846F1}">
+                <asvg:svgBlip xmlns:asvg="http://schemas.microsoft.com/office/drawing/2016/SVG/main" r:embed="rId7"/>
+              </a:ext>
+            </a:extLst>
+          </a:blip>
+          <a:stretch>
+            <a:fillRect/>
+          </a:stretch>
+        </p:blipFill>
+        <p:spPr>
+          <a:xfrm>
+            <a:off x="2515060" y="1331853"/>
+            <a:ext cx="442283" cy="442283"/>
+          </a:xfrm>
+          <a:prstGeom prst="rect">
+            <a:avLst/>
+          </a:prstGeom>
+        </p:spPr>
+      </p:pic>
+      <p:cxnSp>
+        <p:nvCxnSpPr>
+          <p:cNvPr id="151" name="Gerade Verbindung 150">
+            <a:extLst>
+              <a:ext uri="{FF2B5EF4-FFF2-40B4-BE49-F238E27FC236}">
+                <a16:creationId xmlns:a16="http://schemas.microsoft.com/office/drawing/2014/main" id="{6C016774-C729-984E-B667-49507D89403C}"/>
+              </a:ext>
+            </a:extLst>
+          </p:cNvPr>
+          <p:cNvCxnSpPr>
+            <a:cxnSpLocks/>
+            <a:stCxn id="109" idx="1"/>
+            <a:endCxn id="149" idx="3"/>
+          </p:cNvCxnSpPr>
+          <p:nvPr/>
+        </p:nvCxnSpPr>
+        <p:spPr>
+          <a:xfrm flipH="1">
+            <a:off x="2957343" y="1526790"/>
+            <a:ext cx="2408143" cy="26205"/>
+          </a:xfrm>
+          <a:prstGeom prst="line">
+            <a:avLst/>
+          </a:prstGeom>
+          <a:ln w="15875">
+            <a:solidFill>
+              <a:schemeClr val="accent2">
+                <a:lumMod val="75000"/>
+              </a:schemeClr>
+            </a:solidFill>
+            <a:headEnd type="oval"/>
+            <a:tailEnd type="triangle" w="lg" len="lg"/>
+          </a:ln>
+        </p:spPr>
+        <p:style>
+          <a:lnRef idx="1">
+            <a:schemeClr val="accent1"/>
+          </a:lnRef>
+          <a:fillRef idx="0">
+            <a:schemeClr val="accent1"/>
+          </a:fillRef>
+          <a:effectRef idx="0">
+            <a:schemeClr val="accent1"/>
+          </a:effectRef>
+          <a:fontRef idx="minor">
+            <a:schemeClr val="tx1"/>
+          </a:fontRef>
+        </p:style>
+      </p:cxnSp>
+      <p:cxnSp>
+        <p:nvCxnSpPr>
+          <p:cNvPr id="154" name="Gerade Verbindung mit Pfeil 153">
+            <a:extLst>
+              <a:ext uri="{FF2B5EF4-FFF2-40B4-BE49-F238E27FC236}">
+                <a16:creationId xmlns:a16="http://schemas.microsoft.com/office/drawing/2014/main" id="{DA224F74-6975-B74B-B9A3-C769549F090F}"/>
+              </a:ext>
+            </a:extLst>
+          </p:cNvPr>
+          <p:cNvCxnSpPr>
+            <a:cxnSpLocks/>
+          </p:cNvCxnSpPr>
+          <p:nvPr/>
+        </p:nvCxnSpPr>
+        <p:spPr>
+          <a:xfrm flipH="1">
+            <a:off x="3396978" y="3008922"/>
+            <a:ext cx="915904" cy="0"/>
+          </a:xfrm>
+          <a:prstGeom prst="straightConnector1">
+            <a:avLst/>
+          </a:prstGeom>
+          <a:ln w="19050">
+            <a:solidFill>
+              <a:schemeClr val="accent2">
+                <a:lumMod val="75000"/>
+              </a:schemeClr>
+            </a:solidFill>
+            <a:headEnd type="oval"/>
+            <a:tailEnd type="triangle" w="med" len="med"/>
+          </a:ln>
+        </p:spPr>
+        <p:style>
+          <a:lnRef idx="1">
+            <a:schemeClr val="accent1"/>
+          </a:lnRef>
+          <a:fillRef idx="0">
+            <a:schemeClr val="accent1"/>
+          </a:fillRef>
+          <a:effectRef idx="0">
+            <a:schemeClr val="accent1"/>
+          </a:effectRef>
+          <a:fontRef idx="minor">
+            <a:schemeClr val="tx1"/>
+          </a:fontRef>
+        </p:style>
+      </p:cxnSp>
+      <p:cxnSp>
+        <p:nvCxnSpPr>
+          <p:cNvPr id="159" name="Gerade Verbindung 158">
+            <a:extLst>
+              <a:ext uri="{FF2B5EF4-FFF2-40B4-BE49-F238E27FC236}">
+                <a16:creationId xmlns:a16="http://schemas.microsoft.com/office/drawing/2014/main" id="{83A6E7E4-601A-E24C-B7BF-2DD40AB669A4}"/>
+              </a:ext>
+            </a:extLst>
+          </p:cNvPr>
+          <p:cNvCxnSpPr/>
+          <p:nvPr/>
+        </p:nvCxnSpPr>
+        <p:spPr>
+          <a:xfrm flipH="1">
+            <a:off x="2080152" y="3078463"/>
+            <a:ext cx="400239" cy="0"/>
+          </a:xfrm>
+          <a:prstGeom prst="line">
+            <a:avLst/>
+          </a:prstGeom>
+          <a:ln w="19050">
+            <a:solidFill>
+              <a:schemeClr val="accent2">
+                <a:lumMod val="75000"/>
+              </a:schemeClr>
+            </a:solidFill>
+            <a:headEnd type="oval"/>
+            <a:tailEnd type="triangle"/>
+          </a:ln>
+        </p:spPr>
+        <p:style>
+          <a:lnRef idx="1">
+            <a:schemeClr val="accent1"/>
+          </a:lnRef>
+          <a:fillRef idx="0">
+            <a:schemeClr val="accent1"/>
+          </a:fillRef>
+          <a:effectRef idx="0">
+            <a:schemeClr val="accent1"/>
+          </a:effectRef>
+          <a:fontRef idx="minor">
+            <a:schemeClr val="tx1"/>
+          </a:fontRef>
+        </p:style>
+      </p:cxnSp>
+      <p:sp>
+        <p:nvSpPr>
+          <p:cNvPr id="161" name="Rechteck 160">
+            <a:extLst>
+              <a:ext uri="{FF2B5EF4-FFF2-40B4-BE49-F238E27FC236}">
+                <a16:creationId xmlns:a16="http://schemas.microsoft.com/office/drawing/2014/main" id="{97DF96B0-D7BF-664E-8E4C-926C5CF61F9F}"/>
+              </a:ext>
+            </a:extLst>
+          </p:cNvPr>
+          <p:cNvSpPr/>
+          <p:nvPr/>
+        </p:nvSpPr>
+        <p:spPr>
+          <a:xfrm>
+            <a:off x="3711318" y="551923"/>
+            <a:ext cx="1782539" cy="338554"/>
+          </a:xfrm>
+          <a:prstGeom prst="rect">
+            <a:avLst/>
+          </a:prstGeom>
+        </p:spPr>
+        <p:txBody>
+          <a:bodyPr wrap="none" lIns="0" tIns="0" rIns="0" bIns="0">
+            <a:spAutoFit/>
+          </a:bodyPr>
+          <a:lstStyle/>
+          <a:p>
+            <a:pPr algn="ctr"/>
+            <a:r>
+              <a:rPr lang="en-US" sz="1100" b="1" dirty="0">
+                <a:solidFill>
+                  <a:srgbClr val="427CAC"/>
+                </a:solidFill>
+                <a:latin typeface="Arial" charset="0"/>
+                <a:ea typeface="Arial" charset="0"/>
+                <a:cs typeface="Arial" charset="0"/>
+              </a:rPr>
+              <a:t>Cloud Foundry Umgebung</a:t>
+            </a:r>
+          </a:p>
+          <a:p>
+            <a:pPr algn="ctr"/>
+            <a:endParaRPr lang="en-US" sz="1100" b="1" dirty="0">
+              <a:solidFill>
+                <a:srgbClr val="427CAC"/>
+              </a:solidFill>
+              <a:latin typeface="Arial" charset="0"/>
+              <a:ea typeface="Arial" charset="0"/>
+              <a:cs typeface="Arial" charset="0"/>
+            </a:endParaRPr>
+          </a:p>
+        </p:txBody>
+      </p:sp>
+      <p:sp>
+        <p:nvSpPr>
+          <p:cNvPr id="165" name="Rechteck 164">
+            <a:extLst>
+              <a:ext uri="{FF2B5EF4-FFF2-40B4-BE49-F238E27FC236}">
+                <a16:creationId xmlns:a16="http://schemas.microsoft.com/office/drawing/2014/main" id="{90E95DEC-4399-0F40-A7F5-C760C108C741}"/>
+              </a:ext>
+            </a:extLst>
+          </p:cNvPr>
+          <p:cNvSpPr/>
+          <p:nvPr/>
+        </p:nvSpPr>
+        <p:spPr>
+          <a:xfrm>
+            <a:off x="10625027" y="582096"/>
+            <a:ext cx="1045159" cy="338554"/>
+          </a:xfrm>
+          <a:prstGeom prst="rect">
+            <a:avLst/>
+          </a:prstGeom>
+        </p:spPr>
+        <p:txBody>
+          <a:bodyPr wrap="none" lIns="0" tIns="0" rIns="0" bIns="0">
+            <a:spAutoFit/>
+          </a:bodyPr>
+          <a:lstStyle/>
+          <a:p>
+            <a:pPr algn="ctr"/>
+            <a:r>
+              <a:rPr lang="en-US" sz="1100" b="1" dirty="0">
+                <a:solidFill>
+                  <a:srgbClr val="427CAC"/>
+                </a:solidFill>
+                <a:latin typeface="Arial" charset="0"/>
+                <a:ea typeface="Arial" charset="0"/>
+                <a:cs typeface="Arial" charset="0"/>
+              </a:rPr>
+              <a:t>Neo Umgebung</a:t>
+            </a:r>
+          </a:p>
+          <a:p>
+            <a:pPr algn="ctr"/>
+            <a:endParaRPr lang="en-US" sz="1100" b="1" dirty="0">
+              <a:solidFill>
+                <a:srgbClr val="427CAC"/>
+              </a:solidFill>
+              <a:latin typeface="Arial" charset="0"/>
+              <a:ea typeface="Arial" charset="0"/>
+              <a:cs typeface="Arial" charset="0"/>
+            </a:endParaRPr>
+          </a:p>
+        </p:txBody>
+      </p:sp>
+      <p:sp>
+        <p:nvSpPr>
+          <p:cNvPr id="179" name="Abgerundetes Rechteck 178">
+            <a:extLst>
+              <a:ext uri="{FF2B5EF4-FFF2-40B4-BE49-F238E27FC236}">
+                <a16:creationId xmlns:a16="http://schemas.microsoft.com/office/drawing/2014/main" id="{E96513F6-A944-8843-AD16-BEFF56F66D79}"/>
+              </a:ext>
+            </a:extLst>
+          </p:cNvPr>
+          <p:cNvSpPr/>
+          <p:nvPr/>
+        </p:nvSpPr>
+        <p:spPr>
+          <a:xfrm>
+            <a:off x="2499572" y="2606783"/>
+            <a:ext cx="900868" cy="588699"/>
+          </a:xfrm>
+          <a:prstGeom prst="roundRect">
+            <a:avLst/>
+          </a:prstGeom>
+        </p:spPr>
+        <p:style>
+          <a:lnRef idx="2">
+            <a:schemeClr val="accent1">
+              <a:shade val="50000"/>
+            </a:schemeClr>
+          </a:lnRef>
+          <a:fillRef idx="1">
+            <a:schemeClr val="accent1"/>
+          </a:fillRef>
+          <a:effectRef idx="0">
+            <a:schemeClr val="accent1"/>
+          </a:effectRef>
+          <a:fontRef idx="minor">
+            <a:schemeClr val="lt1"/>
+          </a:fontRef>
+        </p:style>
+        <p:txBody>
+          <a:bodyPr rtlCol="0" anchor="ctr"/>
+          <a:lstStyle/>
+          <a:p>
+            <a:pPr algn="ctr"/>
+            <a:r>
+              <a:rPr lang="de-DE" sz="1200" dirty="0"/>
+              <a:t>IoT Edge Platform REST</a:t>
+            </a:r>
+          </a:p>
+        </p:txBody>
+      </p:sp>
+      <p:sp>
+        <p:nvSpPr>
+          <p:cNvPr id="180" name="Abgerundetes Rechteck 179">
+            <a:extLst>
+              <a:ext uri="{FF2B5EF4-FFF2-40B4-BE49-F238E27FC236}">
+                <a16:creationId xmlns:a16="http://schemas.microsoft.com/office/drawing/2014/main" id="{D71592D3-09DE-7C47-9616-ECF7FFC9693A}"/>
+              </a:ext>
+            </a:extLst>
+          </p:cNvPr>
+          <p:cNvSpPr/>
+          <p:nvPr/>
+        </p:nvSpPr>
+        <p:spPr>
+          <a:xfrm>
+            <a:off x="5215603" y="815013"/>
+            <a:ext cx="1603197" cy="400560"/>
+          </a:xfrm>
+          <a:prstGeom prst="roundRect">
+            <a:avLst/>
+          </a:prstGeom>
+          <a:solidFill>
+            <a:schemeClr val="accent6">
+              <a:lumMod val="60000"/>
+              <a:lumOff val="40000"/>
+            </a:schemeClr>
+          </a:solidFill>
+        </p:spPr>
+        <p:style>
+          <a:lnRef idx="2">
+            <a:schemeClr val="accent1">
+              <a:shade val="50000"/>
+            </a:schemeClr>
+          </a:lnRef>
+          <a:fillRef idx="1">
+            <a:schemeClr val="accent1"/>
+          </a:fillRef>
+          <a:effectRef idx="0">
+            <a:schemeClr val="accent1"/>
+          </a:effectRef>
+          <a:fontRef idx="minor">
+            <a:schemeClr val="lt1"/>
+          </a:fontRef>
+        </p:style>
+        <p:txBody>
+          <a:bodyPr rtlCol="0" anchor="ctr"/>
+          <a:lstStyle/>
+          <a:p>
+            <a:pPr algn="ctr"/>
+            <a:r>
+              <a:rPr lang="de-DE" sz="1200" dirty="0"/>
+              <a:t>UI5 IoT App</a:t>
+            </a:r>
+          </a:p>
+        </p:txBody>
+      </p:sp>
+      <p:cxnSp>
+        <p:nvCxnSpPr>
+          <p:cNvPr id="204" name="Gerade Verbindung 203">
+            <a:extLst>
+              <a:ext uri="{FF2B5EF4-FFF2-40B4-BE49-F238E27FC236}">
+                <a16:creationId xmlns:a16="http://schemas.microsoft.com/office/drawing/2014/main" id="{1A60B4D6-9225-C842-B5DF-041A6F3BFABE}"/>
+              </a:ext>
+            </a:extLst>
+          </p:cNvPr>
+          <p:cNvCxnSpPr>
+            <a:stCxn id="101" idx="6"/>
+            <a:endCxn id="64" idx="1"/>
+          </p:cNvCxnSpPr>
+          <p:nvPr/>
+        </p:nvCxnSpPr>
+        <p:spPr>
+          <a:xfrm flipV="1">
+            <a:off x="8291756" y="3192821"/>
+            <a:ext cx="584770" cy="199183"/>
+          </a:xfrm>
+          <a:prstGeom prst="line">
+            <a:avLst/>
+          </a:prstGeom>
+        </p:spPr>
+        <p:style>
+          <a:lnRef idx="1">
+            <a:schemeClr val="accent1"/>
+          </a:lnRef>
+          <a:fillRef idx="0">
+            <a:schemeClr val="accent1"/>
+          </a:fillRef>
+          <a:effectRef idx="0">
+            <a:schemeClr val="accent1"/>
+          </a:effectRef>
+          <a:fontRef idx="minor">
+            <a:schemeClr val="tx1"/>
+          </a:fontRef>
+        </p:style>
+      </p:cxnSp>
+      <p:sp>
+        <p:nvSpPr>
+          <p:cNvPr id="205" name="Rechteck 204">
+            <a:extLst>
+              <a:ext uri="{FF2B5EF4-FFF2-40B4-BE49-F238E27FC236}">
+                <a16:creationId xmlns:a16="http://schemas.microsoft.com/office/drawing/2014/main" id="{B1858308-5CB8-ED4B-9770-14E166CFDC51}"/>
+              </a:ext>
+            </a:extLst>
+          </p:cNvPr>
+          <p:cNvSpPr/>
+          <p:nvPr/>
+        </p:nvSpPr>
+        <p:spPr>
+          <a:xfrm>
+            <a:off x="10868316" y="1415603"/>
+            <a:ext cx="684250" cy="3325720"/>
+          </a:xfrm>
+          <a:prstGeom prst="rect">
+            <a:avLst/>
+          </a:prstGeom>
+        </p:spPr>
+        <p:style>
+          <a:lnRef idx="2">
+            <a:schemeClr val="accent1">
+              <a:shade val="50000"/>
+            </a:schemeClr>
+          </a:lnRef>
+          <a:fillRef idx="1">
+            <a:schemeClr val="accent1"/>
+          </a:fillRef>
+          <a:effectRef idx="0">
+            <a:schemeClr val="accent1"/>
+          </a:effectRef>
+          <a:fontRef idx="minor">
+            <a:schemeClr val="lt1"/>
+          </a:fontRef>
+        </p:style>
+        <p:txBody>
+          <a:bodyPr rtlCol="0" anchor="ctr"/>
+          <a:lstStyle/>
+          <a:p>
+            <a:pPr algn="ctr"/>
+            <a:r>
+              <a:rPr lang="de-DE" dirty="0"/>
+              <a:t>SAP Web IDE</a:t>
+            </a:r>
+          </a:p>
+        </p:txBody>
+      </p:sp>
+      <p:cxnSp>
+        <p:nvCxnSpPr>
+          <p:cNvPr id="212" name="Gerade Verbindung 211">
+            <a:extLst>
+              <a:ext uri="{FF2B5EF4-FFF2-40B4-BE49-F238E27FC236}">
+                <a16:creationId xmlns:a16="http://schemas.microsoft.com/office/drawing/2014/main" id="{C9F001B5-B999-3646-A8CD-34EEA54C3402}"/>
+              </a:ext>
+            </a:extLst>
+          </p:cNvPr>
+          <p:cNvCxnSpPr>
+            <a:stCxn id="101" idx="5"/>
+          </p:cNvCxnSpPr>
+          <p:nvPr/>
+        </p:nvCxnSpPr>
+        <p:spPr>
+          <a:xfrm>
+            <a:off x="8137717" y="3530646"/>
+            <a:ext cx="237381" cy="257411"/>
+          </a:xfrm>
+          <a:prstGeom prst="line">
+            <a:avLst/>
+          </a:prstGeom>
+        </p:spPr>
+        <p:style>
+          <a:lnRef idx="1">
+            <a:schemeClr val="accent1"/>
+          </a:lnRef>
+          <a:fillRef idx="0">
+            <a:schemeClr val="accent1"/>
+          </a:fillRef>
+          <a:effectRef idx="0">
+            <a:schemeClr val="accent1"/>
+          </a:effectRef>
+          <a:fontRef idx="minor">
+            <a:schemeClr val="tx1"/>
+          </a:fontRef>
+        </p:style>
+      </p:cxnSp>
+      <p:cxnSp>
+        <p:nvCxnSpPr>
+          <p:cNvPr id="214" name="Gerade Verbindung 213">
+            <a:extLst>
+              <a:ext uri="{FF2B5EF4-FFF2-40B4-BE49-F238E27FC236}">
+                <a16:creationId xmlns:a16="http://schemas.microsoft.com/office/drawing/2014/main" id="{7144103E-DAB8-B644-BC6B-F1CBDFB91756}"/>
+              </a:ext>
+            </a:extLst>
+          </p:cNvPr>
+          <p:cNvCxnSpPr>
+            <a:cxnSpLocks/>
+            <a:stCxn id="115" idx="2"/>
+            <a:endCxn id="110" idx="0"/>
+          </p:cNvCxnSpPr>
+          <p:nvPr/>
+        </p:nvCxnSpPr>
+        <p:spPr>
+          <a:xfrm>
+            <a:off x="8551904" y="3974247"/>
+            <a:ext cx="27292" cy="716963"/>
+          </a:xfrm>
+          <a:prstGeom prst="line">
+            <a:avLst/>
+          </a:prstGeom>
+          <a:ln w="19050">
+            <a:solidFill>
+              <a:schemeClr val="accent2">
+                <a:lumMod val="75000"/>
+              </a:schemeClr>
+            </a:solidFill>
+            <a:headEnd type="oval"/>
+            <a:tailEnd type="arrow"/>
+          </a:ln>
+        </p:spPr>
+        <p:style>
+          <a:lnRef idx="1">
+            <a:schemeClr val="accent1"/>
+          </a:lnRef>
+          <a:fillRef idx="0">
+            <a:schemeClr val="accent1"/>
+          </a:fillRef>
+          <a:effectRef idx="0">
+            <a:schemeClr val="accent1"/>
+          </a:effectRef>
+          <a:fontRef idx="minor">
+            <a:schemeClr val="tx1"/>
+          </a:fontRef>
+        </p:style>
+      </p:cxnSp>
+      <p:cxnSp>
+        <p:nvCxnSpPr>
+          <p:cNvPr id="222" name="Gerade Verbindung 221">
+            <a:extLst>
+              <a:ext uri="{FF2B5EF4-FFF2-40B4-BE49-F238E27FC236}">
+                <a16:creationId xmlns:a16="http://schemas.microsoft.com/office/drawing/2014/main" id="{6E3FBE51-E7FC-A541-80BD-ECA5471F3B7C}"/>
+              </a:ext>
+            </a:extLst>
+          </p:cNvPr>
+          <p:cNvCxnSpPr>
+            <a:cxnSpLocks/>
+            <a:stCxn id="110" idx="0"/>
+            <a:endCxn id="64" idx="2"/>
+          </p:cNvCxnSpPr>
+          <p:nvPr/>
+        </p:nvCxnSpPr>
+        <p:spPr>
+          <a:xfrm flipV="1">
+            <a:off x="8579196" y="3342086"/>
+            <a:ext cx="748691" cy="1349124"/>
+          </a:xfrm>
+          <a:prstGeom prst="line">
+            <a:avLst/>
+          </a:prstGeom>
+          <a:ln w="19050">
+            <a:solidFill>
+              <a:schemeClr val="accent2">
+                <a:lumMod val="75000"/>
+              </a:schemeClr>
+            </a:solidFill>
+            <a:tailEnd type="arrow"/>
+          </a:ln>
+        </p:spPr>
+        <p:style>
+          <a:lnRef idx="1">
+            <a:schemeClr val="accent1"/>
+          </a:lnRef>
+          <a:fillRef idx="0">
+            <a:schemeClr val="accent1"/>
+          </a:fillRef>
+          <a:effectRef idx="0">
+            <a:schemeClr val="accent1"/>
+          </a:effectRef>
+          <a:fontRef idx="minor">
+            <a:schemeClr val="tx1"/>
+          </a:fontRef>
+        </p:style>
+      </p:cxnSp>
+      <p:cxnSp>
+        <p:nvCxnSpPr>
+          <p:cNvPr id="225" name="Gerade Verbindung mit Pfeil 224">
+            <a:extLst>
+              <a:ext uri="{FF2B5EF4-FFF2-40B4-BE49-F238E27FC236}">
+                <a16:creationId xmlns:a16="http://schemas.microsoft.com/office/drawing/2014/main" id="{F117CDA0-DC5F-254C-93CC-FDF6BF519640}"/>
+              </a:ext>
+            </a:extLst>
+          </p:cNvPr>
+          <p:cNvCxnSpPr>
+            <a:cxnSpLocks/>
+            <a:stCxn id="64" idx="3"/>
+          </p:cNvCxnSpPr>
+          <p:nvPr/>
+        </p:nvCxnSpPr>
+        <p:spPr>
+          <a:xfrm>
+            <a:off x="9779247" y="3192821"/>
+            <a:ext cx="1089069" cy="0"/>
+          </a:xfrm>
+          <a:prstGeom prst="straightConnector1">
+            <a:avLst/>
+          </a:prstGeom>
+          <a:ln w="19050">
+            <a:solidFill>
+              <a:schemeClr val="accent6"/>
+            </a:solidFill>
+            <a:headEnd type="oval"/>
+            <a:tailEnd type="triangle"/>
+          </a:ln>
+        </p:spPr>
+        <p:style>
+          <a:lnRef idx="1">
+            <a:schemeClr val="accent1"/>
+          </a:lnRef>
+          <a:fillRef idx="0">
+            <a:schemeClr val="accent1"/>
+          </a:fillRef>
+          <a:effectRef idx="0">
+            <a:schemeClr val="accent1"/>
+          </a:effectRef>
+          <a:fontRef idx="minor">
+            <a:schemeClr val="tx1"/>
+          </a:fontRef>
+        </p:style>
+      </p:cxnSp>
+      <p:cxnSp>
+        <p:nvCxnSpPr>
+          <p:cNvPr id="232" name="Gerade Verbindung mit Pfeil 231">
+            <a:extLst>
+              <a:ext uri="{FF2B5EF4-FFF2-40B4-BE49-F238E27FC236}">
+                <a16:creationId xmlns:a16="http://schemas.microsoft.com/office/drawing/2014/main" id="{B46EDF9A-8337-E641-BC77-04139F41A35C}"/>
+              </a:ext>
+            </a:extLst>
+          </p:cNvPr>
+          <p:cNvCxnSpPr>
+            <a:stCxn id="101" idx="7"/>
+            <a:endCxn id="114" idx="1"/>
+          </p:cNvCxnSpPr>
+          <p:nvPr/>
+        </p:nvCxnSpPr>
+        <p:spPr>
+          <a:xfrm flipV="1">
+            <a:off x="8137717" y="2651656"/>
+            <a:ext cx="738809" cy="601705"/>
+          </a:xfrm>
+          <a:prstGeom prst="straightConnector1">
+            <a:avLst/>
+          </a:prstGeom>
+          <a:ln>
+            <a:tailEnd type="none"/>
+          </a:ln>
+        </p:spPr>
+        <p:style>
+          <a:lnRef idx="1">
+            <a:schemeClr val="accent1"/>
+          </a:lnRef>
+          <a:fillRef idx="0">
+            <a:schemeClr val="accent1"/>
+          </a:fillRef>
+          <a:effectRef idx="0">
+            <a:schemeClr val="accent1"/>
+          </a:effectRef>
+          <a:fontRef idx="minor">
+            <a:schemeClr val="tx1"/>
+          </a:fontRef>
+        </p:style>
+      </p:cxnSp>
+      <p:cxnSp>
+        <p:nvCxnSpPr>
+          <p:cNvPr id="235" name="Gewinkelte Verbindung 234">
+            <a:extLst>
+              <a:ext uri="{FF2B5EF4-FFF2-40B4-BE49-F238E27FC236}">
+                <a16:creationId xmlns:a16="http://schemas.microsoft.com/office/drawing/2014/main" id="{A75DD385-9D9A-284F-80C2-DF4F3F6DAA49}"/>
+              </a:ext>
+            </a:extLst>
+          </p:cNvPr>
+          <p:cNvCxnSpPr>
+            <a:cxnSpLocks/>
+            <a:stCxn id="114" idx="0"/>
+            <a:endCxn id="109" idx="3"/>
+          </p:cNvCxnSpPr>
+          <p:nvPr/>
+        </p:nvCxnSpPr>
+        <p:spPr>
+          <a:xfrm rot="16200000" flipV="1">
+            <a:off x="7309105" y="689092"/>
+            <a:ext cx="1035113" cy="2710509"/>
+          </a:xfrm>
+          <a:prstGeom prst="bentConnector2">
+            <a:avLst/>
+          </a:prstGeom>
+          <a:ln w="19050">
+            <a:solidFill>
+              <a:schemeClr val="accent2">
+                <a:lumMod val="75000"/>
+              </a:schemeClr>
+            </a:solidFill>
+            <a:headEnd type="oval"/>
+            <a:tailEnd type="triangle"/>
+          </a:ln>
+        </p:spPr>
+        <p:style>
+          <a:lnRef idx="1">
+            <a:schemeClr val="accent1"/>
+          </a:lnRef>
+          <a:fillRef idx="0">
+            <a:schemeClr val="accent1"/>
+          </a:fillRef>
+          <a:effectRef idx="0">
+            <a:schemeClr val="accent1"/>
+          </a:effectRef>
+          <a:fontRef idx="minor">
+            <a:schemeClr val="tx1"/>
+          </a:fontRef>
+        </p:style>
+      </p:cxnSp>
+      <p:cxnSp>
+        <p:nvCxnSpPr>
+          <p:cNvPr id="241" name="Gewinkelte Verbindung 240">
+            <a:extLst>
+              <a:ext uri="{FF2B5EF4-FFF2-40B4-BE49-F238E27FC236}">
+                <a16:creationId xmlns:a16="http://schemas.microsoft.com/office/drawing/2014/main" id="{4DB2A7F7-4B04-3548-BCF0-38642FE193A7}"/>
+              </a:ext>
+            </a:extLst>
+          </p:cNvPr>
+          <p:cNvCxnSpPr>
+            <a:cxnSpLocks/>
+            <a:endCxn id="180" idx="3"/>
+          </p:cNvCxnSpPr>
+          <p:nvPr/>
+        </p:nvCxnSpPr>
+        <p:spPr>
+          <a:xfrm rot="10800000">
+            <a:off x="6818800" y="1015293"/>
+            <a:ext cx="4049516" cy="481016"/>
+          </a:xfrm>
+          <a:prstGeom prst="bentConnector3">
+            <a:avLst>
+              <a:gd name="adj1" fmla="val 33472"/>
+            </a:avLst>
+          </a:prstGeom>
+          <a:ln w="19050">
+            <a:solidFill>
+              <a:schemeClr val="accent6"/>
+            </a:solidFill>
+            <a:headEnd type="oval"/>
+            <a:tailEnd type="arrow"/>
+          </a:ln>
+        </p:spPr>
+        <p:style>
+          <a:lnRef idx="1">
+            <a:schemeClr val="accent1"/>
+          </a:lnRef>
+          <a:fillRef idx="0">
+            <a:schemeClr val="accent1"/>
+          </a:fillRef>
+          <a:effectRef idx="0">
+            <a:schemeClr val="accent1"/>
+          </a:effectRef>
+          <a:fontRef idx="minor">
+            <a:schemeClr val="tx1"/>
+          </a:fontRef>
+        </p:style>
+      </p:cxnSp>
+      <p:cxnSp>
+        <p:nvCxnSpPr>
+          <p:cNvPr id="244" name="Gewinkelte Verbindung 243">
+            <a:extLst>
+              <a:ext uri="{FF2B5EF4-FFF2-40B4-BE49-F238E27FC236}">
+                <a16:creationId xmlns:a16="http://schemas.microsoft.com/office/drawing/2014/main" id="{ED2147DA-18EB-7740-AF80-5281B8850135}"/>
+              </a:ext>
+            </a:extLst>
+          </p:cNvPr>
+          <p:cNvCxnSpPr>
+            <a:cxnSpLocks/>
+            <a:stCxn id="180" idx="1"/>
+          </p:cNvCxnSpPr>
+          <p:nvPr/>
+        </p:nvCxnSpPr>
+        <p:spPr>
+          <a:xfrm rot="10800000" flipV="1">
+            <a:off x="2957343" y="1015293"/>
+            <a:ext cx="2258260" cy="407974"/>
+          </a:xfrm>
+          <a:prstGeom prst="bentConnector3">
+            <a:avLst/>
+          </a:prstGeom>
+          <a:ln w="19050">
+            <a:solidFill>
+              <a:schemeClr val="accent6"/>
+            </a:solidFill>
+            <a:headEnd type="oval"/>
+            <a:tailEnd type="triangle" w="lg" len="lg"/>
+          </a:ln>
+        </p:spPr>
+        <p:style>
+          <a:lnRef idx="1">
+            <a:schemeClr val="accent1"/>
+          </a:lnRef>
+          <a:fillRef idx="0">
+            <a:schemeClr val="accent1"/>
+          </a:fillRef>
+          <a:effectRef idx="0">
+            <a:schemeClr val="accent1"/>
+          </a:effectRef>
+          <a:fontRef idx="minor">
+            <a:schemeClr val="tx1"/>
+          </a:fontRef>
+        </p:style>
+      </p:cxnSp>
+      <p:cxnSp>
+        <p:nvCxnSpPr>
+          <p:cNvPr id="260" name="Gerade Verbindung 259">
+            <a:extLst>
+              <a:ext uri="{FF2B5EF4-FFF2-40B4-BE49-F238E27FC236}">
+                <a16:creationId xmlns:a16="http://schemas.microsoft.com/office/drawing/2014/main" id="{32CCD807-C7CE-4241-B8F3-4C9BD0071130}"/>
+              </a:ext>
+            </a:extLst>
+          </p:cNvPr>
+          <p:cNvCxnSpPr>
+            <a:cxnSpLocks/>
+            <a:stCxn id="74" idx="0"/>
+            <a:endCxn id="65" idx="4"/>
+          </p:cNvCxnSpPr>
+          <p:nvPr/>
+        </p:nvCxnSpPr>
+        <p:spPr>
+          <a:xfrm flipH="1" flipV="1">
+            <a:off x="5995781" y="2994316"/>
+            <a:ext cx="187882" cy="151612"/>
+          </a:xfrm>
+          <a:prstGeom prst="line">
+            <a:avLst/>
+          </a:prstGeom>
+        </p:spPr>
+        <p:style>
+          <a:lnRef idx="1">
+            <a:schemeClr val="accent1"/>
+          </a:lnRef>
+          <a:fillRef idx="0">
+            <a:schemeClr val="accent1"/>
+          </a:fillRef>
+          <a:effectRef idx="0">
+            <a:schemeClr val="accent1"/>
+          </a:effectRef>
+          <a:fontRef idx="minor">
+            <a:schemeClr val="tx1"/>
+          </a:fontRef>
+        </p:style>
+      </p:cxnSp>
+      <p:cxnSp>
+        <p:nvCxnSpPr>
+          <p:cNvPr id="270" name="Gerade Verbindung 269">
+            <a:extLst>
+              <a:ext uri="{FF2B5EF4-FFF2-40B4-BE49-F238E27FC236}">
+                <a16:creationId xmlns:a16="http://schemas.microsoft.com/office/drawing/2014/main" id="{96CF4554-3642-F44D-936A-A7A782FD710E}"/>
+              </a:ext>
+            </a:extLst>
+          </p:cNvPr>
+          <p:cNvCxnSpPr>
+            <a:stCxn id="75" idx="0"/>
+            <a:endCxn id="65" idx="3"/>
+          </p:cNvCxnSpPr>
+          <p:nvPr/>
+        </p:nvCxnSpPr>
+        <p:spPr>
+          <a:xfrm flipV="1">
+            <a:off x="5411734" y="2947565"/>
+            <a:ext cx="199713" cy="397930"/>
+          </a:xfrm>
+          <a:prstGeom prst="line">
+            <a:avLst/>
+          </a:prstGeom>
+        </p:spPr>
+        <p:style>
+          <a:lnRef idx="1">
+            <a:schemeClr val="accent1"/>
+          </a:lnRef>
+          <a:fillRef idx="0">
+            <a:schemeClr val="accent1"/>
+          </a:fillRef>
+          <a:effectRef idx="0">
+            <a:schemeClr val="accent1"/>
+          </a:effectRef>
+          <a:fontRef idx="minor">
+            <a:schemeClr val="tx1"/>
+          </a:fontRef>
+        </p:style>
+      </p:cxnSp>
+    </p:spTree>
+    <p:extLst>
+      <p:ext uri="{BB962C8B-B14F-4D97-AF65-F5344CB8AC3E}">
+        <p14:creationId xmlns:p14="http://schemas.microsoft.com/office/powerpoint/2010/main" val="2155447701"/>
+      </p:ext>
+    </p:extLst>
+  </p:cSld>
+  <p:clrMapOvr>
+    <a:masterClrMapping/>
+  </p:clrMapOvr>
+</p:sld>
+</file>
+
+<file path=ppt/slides/slide15.xml><?xml version="1.0" encoding="utf-8"?>
+<p:sld xmlns:a="http://schemas.openxmlformats.org/drawingml/2006/main" xmlns:r="http://schemas.openxmlformats.org/officeDocument/2006/relationships" xmlns:p="http://schemas.openxmlformats.org/presentationml/2006/main">
+  <p:cSld>
+    <p:spTree>
+      <p:nvGrpSpPr>
+        <p:cNvPr id="1" name=""/>
+        <p:cNvGrpSpPr/>
+        <p:nvPr/>
+      </p:nvGrpSpPr>
+      <p:grpSpPr>
+        <a:xfrm>
+          <a:off x="0" y="0"/>
+          <a:ext cx="0" cy="0"/>
+          <a:chOff x="0" y="0"/>
+          <a:chExt cx="0" cy="0"/>
+        </a:xfrm>
+      </p:grpSpPr>
+      <p:sp>
+        <p:nvSpPr>
+          <p:cNvPr id="4" name="Rechteck 3">
+            <a:extLst>
+              <a:ext uri="{FF2B5EF4-FFF2-40B4-BE49-F238E27FC236}">
+                <a16:creationId xmlns:a16="http://schemas.microsoft.com/office/drawing/2014/main" id="{EAC9E6EA-1835-324F-A960-3023AED7C332}"/>
+              </a:ext>
+            </a:extLst>
+          </p:cNvPr>
+          <p:cNvSpPr/>
+          <p:nvPr/>
+        </p:nvSpPr>
+        <p:spPr>
+          <a:xfrm>
+            <a:off x="3428036" y="3173393"/>
+            <a:ext cx="1803721" cy="511213"/>
+          </a:xfrm>
+          <a:prstGeom prst="rect">
+            <a:avLst/>
+          </a:prstGeom>
+        </p:spPr>
+        <p:style>
+          <a:lnRef idx="2">
+            <a:schemeClr val="accent1">
+              <a:shade val="50000"/>
+            </a:schemeClr>
+          </a:lnRef>
+          <a:fillRef idx="1">
+            <a:schemeClr val="accent1"/>
+          </a:fillRef>
+          <a:effectRef idx="0">
+            <a:schemeClr val="accent1"/>
+          </a:effectRef>
+          <a:fontRef idx="minor">
+            <a:schemeClr val="lt1"/>
+          </a:fontRef>
+        </p:style>
+        <p:txBody>
+          <a:bodyPr rtlCol="0" anchor="ctr"/>
+          <a:lstStyle/>
+          <a:p>
+            <a:pPr algn="ctr"/>
+            <a:r>
+              <a:rPr lang="de-DE" dirty="0"/>
+              <a:t>Device: test_device_com</a:t>
+            </a:r>
+          </a:p>
+        </p:txBody>
+      </p:sp>
+      <p:sp>
+        <p:nvSpPr>
+          <p:cNvPr id="5" name="Rechteck 4">
+            <a:extLst>
+              <a:ext uri="{FF2B5EF4-FFF2-40B4-BE49-F238E27FC236}">
+                <a16:creationId xmlns:a16="http://schemas.microsoft.com/office/drawing/2014/main" id="{9A898599-B8E2-144F-AFBD-D20974A53DF5}"/>
+              </a:ext>
+            </a:extLst>
+          </p:cNvPr>
+          <p:cNvSpPr/>
+          <p:nvPr/>
+        </p:nvSpPr>
+        <p:spPr>
+          <a:xfrm>
+            <a:off x="5407307" y="3173392"/>
+            <a:ext cx="1803721" cy="511213"/>
+          </a:xfrm>
+          <a:prstGeom prst="rect">
+            <a:avLst/>
+          </a:prstGeom>
+        </p:spPr>
+        <p:style>
+          <a:lnRef idx="2">
+            <a:schemeClr val="accent1">
+              <a:shade val="50000"/>
+            </a:schemeClr>
+          </a:lnRef>
+          <a:fillRef idx="1">
+            <a:schemeClr val="accent1"/>
+          </a:fillRef>
+          <a:effectRef idx="0">
+            <a:schemeClr val="accent1"/>
+          </a:effectRef>
+          <a:fontRef idx="minor">
+            <a:schemeClr val="lt1"/>
+          </a:fontRef>
+        </p:style>
+        <p:txBody>
+          <a:bodyPr rtlCol="0" anchor="ctr"/>
+          <a:lstStyle/>
+          <a:p>
+            <a:pPr algn="ctr"/>
+            <a:r>
+              <a:rPr lang="de-DE" dirty="0"/>
+              <a:t>Sensor: </a:t>
+            </a:r>
+            <a:br>
+              <a:rPr lang="de-DE" dirty="0"/>
+            </a:br>
+            <a:r>
+              <a:rPr lang="de-DE" dirty="0"/>
+              <a:t>test_sensor_com</a:t>
+            </a:r>
+          </a:p>
+        </p:txBody>
+      </p:sp>
+      <p:sp>
+        <p:nvSpPr>
+          <p:cNvPr id="6" name="Rechteck 5">
+            <a:extLst>
+              <a:ext uri="{FF2B5EF4-FFF2-40B4-BE49-F238E27FC236}">
+                <a16:creationId xmlns:a16="http://schemas.microsoft.com/office/drawing/2014/main" id="{48F95B21-68FF-2C42-831F-42A960CF4FA0}"/>
+              </a:ext>
+            </a:extLst>
+          </p:cNvPr>
+          <p:cNvSpPr/>
+          <p:nvPr/>
+        </p:nvSpPr>
+        <p:spPr>
+          <a:xfrm>
+            <a:off x="3428036" y="4156276"/>
+            <a:ext cx="1942617" cy="511213"/>
+          </a:xfrm>
+          <a:prstGeom prst="rect">
+            <a:avLst/>
+          </a:prstGeom>
+        </p:spPr>
+        <p:style>
+          <a:lnRef idx="2">
+            <a:schemeClr val="accent1">
+              <a:shade val="50000"/>
+            </a:schemeClr>
+          </a:lnRef>
+          <a:fillRef idx="1">
+            <a:schemeClr val="accent1"/>
+          </a:fillRef>
+          <a:effectRef idx="0">
+            <a:schemeClr val="accent1"/>
+          </a:effectRef>
+          <a:fontRef idx="minor">
+            <a:schemeClr val="lt1"/>
+          </a:fontRef>
+        </p:style>
+        <p:txBody>
+          <a:bodyPr rtlCol="0" anchor="ctr"/>
+          <a:lstStyle/>
+          <a:p>
+            <a:pPr algn="ctr"/>
+            <a:r>
+              <a:rPr lang="de-DE" dirty="0"/>
+              <a:t>IoT Gateway Edge</a:t>
+            </a:r>
+          </a:p>
+        </p:txBody>
+      </p:sp>
+      <p:sp>
+        <p:nvSpPr>
+          <p:cNvPr id="7" name="Rechteck 6">
+            <a:extLst>
+              <a:ext uri="{FF2B5EF4-FFF2-40B4-BE49-F238E27FC236}">
+                <a16:creationId xmlns:a16="http://schemas.microsoft.com/office/drawing/2014/main" id="{8F543571-ECCC-B34E-A41A-077B4238EA4B}"/>
+              </a:ext>
+            </a:extLst>
+          </p:cNvPr>
+          <p:cNvSpPr/>
+          <p:nvPr/>
+        </p:nvSpPr>
+        <p:spPr>
+          <a:xfrm>
+            <a:off x="5407307" y="2350629"/>
+            <a:ext cx="1803721" cy="511213"/>
+          </a:xfrm>
+          <a:prstGeom prst="rect">
+            <a:avLst/>
+          </a:prstGeom>
+        </p:spPr>
+        <p:style>
+          <a:lnRef idx="2">
+            <a:schemeClr val="accent1">
+              <a:shade val="50000"/>
+            </a:schemeClr>
+          </a:lnRef>
+          <a:fillRef idx="1">
+            <a:schemeClr val="accent1"/>
+          </a:fillRef>
+          <a:effectRef idx="0">
+            <a:schemeClr val="accent1"/>
+          </a:effectRef>
+          <a:fontRef idx="minor">
+            <a:schemeClr val="lt1"/>
+          </a:fontRef>
+        </p:style>
+        <p:txBody>
+          <a:bodyPr rtlCol="0" anchor="ctr"/>
+          <a:lstStyle/>
+          <a:p>
+            <a:pPr algn="ctr"/>
+            <a:r>
+              <a:rPr lang="de-DE" dirty="0"/>
+              <a:t>Sensor Type: </a:t>
+            </a:r>
+            <a:br>
+              <a:rPr lang="de-DE" dirty="0"/>
+            </a:br>
+            <a:r>
+              <a:rPr lang="de-DE" dirty="0"/>
+              <a:t>test_st_com</a:t>
+            </a:r>
+          </a:p>
+        </p:txBody>
+      </p:sp>
+      <p:sp>
+        <p:nvSpPr>
+          <p:cNvPr id="8" name="Rechteck 7">
+            <a:extLst>
+              <a:ext uri="{FF2B5EF4-FFF2-40B4-BE49-F238E27FC236}">
+                <a16:creationId xmlns:a16="http://schemas.microsoft.com/office/drawing/2014/main" id="{0861B6B0-3D50-E941-9AA2-504CCB4D0CA5}"/>
+              </a:ext>
+            </a:extLst>
+          </p:cNvPr>
+          <p:cNvSpPr/>
+          <p:nvPr/>
+        </p:nvSpPr>
+        <p:spPr>
+          <a:xfrm>
+            <a:off x="7677874" y="2049691"/>
+            <a:ext cx="1803721" cy="511213"/>
+          </a:xfrm>
+          <a:prstGeom prst="rect">
+            <a:avLst/>
+          </a:prstGeom>
+        </p:spPr>
+        <p:style>
+          <a:lnRef idx="2">
+            <a:schemeClr val="accent1">
+              <a:shade val="50000"/>
+            </a:schemeClr>
+          </a:lnRef>
+          <a:fillRef idx="1">
+            <a:schemeClr val="accent1"/>
+          </a:fillRef>
+          <a:effectRef idx="0">
+            <a:schemeClr val="accent1"/>
+          </a:effectRef>
+          <a:fontRef idx="minor">
+            <a:schemeClr val="lt1"/>
+          </a:fontRef>
+        </p:style>
+        <p:txBody>
+          <a:bodyPr rtlCol="0" anchor="ctr"/>
+          <a:lstStyle/>
+          <a:p>
+            <a:pPr algn="ctr"/>
+            <a:r>
+              <a:rPr lang="de-DE" dirty="0"/>
+              <a:t>Capability: </a:t>
+            </a:r>
+            <a:br>
+              <a:rPr lang="de-DE" dirty="0"/>
+            </a:br>
+            <a:r>
+              <a:rPr lang="de-DE" dirty="0"/>
+              <a:t>wind_1</a:t>
+            </a:r>
+          </a:p>
+        </p:txBody>
+      </p:sp>
+      <p:sp>
+        <p:nvSpPr>
+          <p:cNvPr id="9" name="Rechteck 8">
+            <a:extLst>
+              <a:ext uri="{FF2B5EF4-FFF2-40B4-BE49-F238E27FC236}">
+                <a16:creationId xmlns:a16="http://schemas.microsoft.com/office/drawing/2014/main" id="{1DB89D26-BDC3-F048-AFEA-A6741A7DE289}"/>
+              </a:ext>
+            </a:extLst>
+          </p:cNvPr>
+          <p:cNvSpPr/>
+          <p:nvPr/>
+        </p:nvSpPr>
+        <p:spPr>
+          <a:xfrm>
+            <a:off x="7677874" y="2861842"/>
+            <a:ext cx="1803721" cy="511213"/>
+          </a:xfrm>
+          <a:prstGeom prst="rect">
+            <a:avLst/>
+          </a:prstGeom>
+        </p:spPr>
+        <p:style>
+          <a:lnRef idx="2">
+            <a:schemeClr val="accent1">
+              <a:shade val="50000"/>
+            </a:schemeClr>
+          </a:lnRef>
+          <a:fillRef idx="1">
+            <a:schemeClr val="accent1"/>
+          </a:fillRef>
+          <a:effectRef idx="0">
+            <a:schemeClr val="accent1"/>
+          </a:effectRef>
+          <a:fontRef idx="minor">
+            <a:schemeClr val="lt1"/>
+          </a:fontRef>
+        </p:style>
+        <p:txBody>
+          <a:bodyPr rtlCol="0" anchor="ctr"/>
+          <a:lstStyle/>
+          <a:p>
+            <a:pPr algn="ctr"/>
+            <a:r>
+              <a:rPr lang="de-DE" dirty="0"/>
+              <a:t>Capability: </a:t>
+            </a:r>
+            <a:br>
+              <a:rPr lang="de-DE" dirty="0"/>
+            </a:br>
+            <a:r>
+              <a:rPr lang="de-DE" dirty="0"/>
+              <a:t>commands_test</a:t>
+            </a:r>
+          </a:p>
+        </p:txBody>
+      </p:sp>
+      <p:sp>
+        <p:nvSpPr>
+          <p:cNvPr id="10" name="Rechteck 9">
+            <a:extLst>
+              <a:ext uri="{FF2B5EF4-FFF2-40B4-BE49-F238E27FC236}">
+                <a16:creationId xmlns:a16="http://schemas.microsoft.com/office/drawing/2014/main" id="{2EC1CA69-7E42-BF48-89D6-78176085AF76}"/>
+              </a:ext>
+            </a:extLst>
+          </p:cNvPr>
+          <p:cNvSpPr/>
+          <p:nvPr/>
+        </p:nvSpPr>
+        <p:spPr>
+          <a:xfrm>
+            <a:off x="9657145" y="2967942"/>
+            <a:ext cx="1803721" cy="511213"/>
+          </a:xfrm>
+          <a:prstGeom prst="rect">
+            <a:avLst/>
+          </a:prstGeom>
+        </p:spPr>
+        <p:style>
+          <a:lnRef idx="2">
+            <a:schemeClr val="accent1">
+              <a:shade val="50000"/>
+            </a:schemeClr>
+          </a:lnRef>
+          <a:fillRef idx="1">
+            <a:schemeClr val="accent1"/>
+          </a:fillRef>
+          <a:effectRef idx="0">
+            <a:schemeClr val="accent1"/>
+          </a:effectRef>
+          <a:fontRef idx="minor">
+            <a:schemeClr val="lt1"/>
+          </a:fontRef>
+        </p:style>
+        <p:txBody>
+          <a:bodyPr rtlCol="0" anchor="ctr"/>
+          <a:lstStyle/>
+          <a:p>
+            <a:pPr algn="ctr"/>
+            <a:r>
+              <a:rPr lang="de-DE" dirty="0"/>
+              <a:t>Led </a:t>
+            </a:r>
+            <a:r>
+              <a:rPr lang="de-DE" dirty="0" err="1"/>
+              <a:t>boolean</a:t>
+            </a:r>
+            <a:endParaRPr lang="de-DE" dirty="0"/>
+          </a:p>
+        </p:txBody>
+      </p:sp>
+    </p:spTree>
+    <p:extLst>
+      <p:ext uri="{BB962C8B-B14F-4D97-AF65-F5344CB8AC3E}">
+        <p14:creationId xmlns:p14="http://schemas.microsoft.com/office/powerpoint/2010/main" val="2504735270"/>
+      </p:ext>
+    </p:extLst>
+  </p:cSld>
+  <p:clrMapOvr>
+    <a:masterClrMapping/>
+  </p:clrMapOvr>
+</p:sld>
+</file>
+
+<file path=ppt/slides/slide16.xml><?xml version="1.0" encoding="utf-8"?>
+<p:sld xmlns:a="http://schemas.openxmlformats.org/drawingml/2006/main" xmlns:r="http://schemas.openxmlformats.org/officeDocument/2006/relationships" xmlns:p="http://schemas.openxmlformats.org/presentationml/2006/main">
+  <p:cSld>
+    <p:spTree>
+      <p:nvGrpSpPr>
+        <p:cNvPr id="1" name=""/>
+        <p:cNvGrpSpPr/>
+        <p:nvPr/>
+      </p:nvGrpSpPr>
+      <p:grpSpPr>
+        <a:xfrm>
+          <a:off x="0" y="0"/>
+          <a:ext cx="0" cy="0"/>
+          <a:chOff x="0" y="0"/>
+          <a:chExt cx="0" cy="0"/>
+        </a:xfrm>
+      </p:grpSpPr>
       <p:sp>
         <p:nvSpPr>
           <p:cNvPr id="2" name="Titel 1">
             <a:extLst>
               <a:ext uri="{FF2B5EF4-FFF2-40B4-BE49-F238E27FC236}">
-                <a16:creationId xmlns:a16="http://schemas.microsoft.com/office/drawing/2014/main" id="{17199C80-FEE2-7143-8588-69C4D6B19ECC}"/>
+                <a16:creationId xmlns:a16="http://schemas.microsoft.com/office/drawing/2014/main" id="{BCF50EFD-5A06-784B-8828-8BE93823ADC5}"/>
               </a:ext>
             </a:extLst>
           </p:cNvPr>
@@ -20672,37 +23920,1098 @@
           </a:p>
         </p:txBody>
       </p:sp>
-      <p:sp>
-        <p:nvSpPr>
-          <p:cNvPr id="3" name="Inhaltsplatzhalter 2">
+      <p:grpSp>
+        <p:nvGrpSpPr>
+          <p:cNvPr id="4" name="Gruppierung 25">
             <a:extLst>
               <a:ext uri="{FF2B5EF4-FFF2-40B4-BE49-F238E27FC236}">
-                <a16:creationId xmlns:a16="http://schemas.microsoft.com/office/drawing/2014/main" id="{B37AAF40-A892-CE49-9B92-DA4A5DF4394F}"/>
+                <a16:creationId xmlns:a16="http://schemas.microsoft.com/office/drawing/2014/main" id="{8DA1D8B1-82CC-2849-8F69-B2FC8B0B23DF}"/>
               </a:ext>
             </a:extLst>
           </p:cNvPr>
-          <p:cNvSpPr>
-            <a:spLocks noGrp="1"/>
-          </p:cNvSpPr>
-          <p:nvPr>
-            <p:ph idx="1"/>
-          </p:nvPr>
-        </p:nvSpPr>
-        <p:spPr/>
-        <p:txBody>
-          <a:bodyPr>
-            <a:normAutofit/>
-          </a:bodyPr>
-          <a:lstStyle/>
-          <a:p>
-            <a:endParaRPr lang="de-DE" dirty="0"/>
-          </a:p>
-        </p:txBody>
-      </p:sp>
+          <p:cNvGrpSpPr/>
+          <p:nvPr/>
+        </p:nvGrpSpPr>
+        <p:grpSpPr>
+          <a:xfrm>
+            <a:off x="1749843" y="4103943"/>
+            <a:ext cx="720000" cy="1133451"/>
+            <a:chOff x="6099741" y="2283088"/>
+            <a:chExt cx="720000" cy="1133451"/>
+          </a:xfrm>
+        </p:grpSpPr>
+        <p:sp>
+          <p:nvSpPr>
+            <p:cNvPr id="5" name="Rechteck 4">
+              <a:extLst>
+                <a:ext uri="{FF2B5EF4-FFF2-40B4-BE49-F238E27FC236}">
+                  <a16:creationId xmlns:a16="http://schemas.microsoft.com/office/drawing/2014/main" id="{1AE57A17-1390-B04B-9901-832436CC10C2}"/>
+                </a:ext>
+              </a:extLst>
+            </p:cNvPr>
+            <p:cNvSpPr/>
+            <p:nvPr/>
+          </p:nvSpPr>
+          <p:spPr>
+            <a:xfrm>
+              <a:off x="6151326" y="3077985"/>
+              <a:ext cx="634790" cy="338554"/>
+            </a:xfrm>
+            <a:prstGeom prst="rect">
+              <a:avLst/>
+            </a:prstGeom>
+          </p:spPr>
+          <p:txBody>
+            <a:bodyPr wrap="none" lIns="0" tIns="0" rIns="0" bIns="0">
+              <a:spAutoFit/>
+            </a:bodyPr>
+            <a:lstStyle/>
+            <a:p>
+              <a:pPr algn="ctr"/>
+              <a:r>
+                <a:rPr lang="en-US" sz="1100" b="1" dirty="0">
+                  <a:solidFill>
+                    <a:srgbClr val="427CAC"/>
+                  </a:solidFill>
+                  <a:latin typeface="Arial" charset="0"/>
+                  <a:ea typeface="Arial" charset="0"/>
+                  <a:cs typeface="Arial" charset="0"/>
+                </a:rPr>
+                <a:t>Internet</a:t>
+              </a:r>
+            </a:p>
+            <a:p>
+              <a:pPr algn="ctr"/>
+              <a:r>
+                <a:rPr lang="en-US" sz="1100" b="1" dirty="0">
+                  <a:solidFill>
+                    <a:srgbClr val="427CAC"/>
+                  </a:solidFill>
+                  <a:latin typeface="Arial" charset="0"/>
+                  <a:ea typeface="Arial" charset="0"/>
+                  <a:cs typeface="Arial" charset="0"/>
+                </a:rPr>
+                <a:t>of Things</a:t>
+              </a:r>
+            </a:p>
+          </p:txBody>
+        </p:sp>
+        <p:pic>
+          <p:nvPicPr>
+            <p:cNvPr id="6" name="Bild 94">
+              <a:extLst>
+                <a:ext uri="{FF2B5EF4-FFF2-40B4-BE49-F238E27FC236}">
+                  <a16:creationId xmlns:a16="http://schemas.microsoft.com/office/drawing/2014/main" id="{4853F46B-7445-634B-B810-97189A485065}"/>
+                </a:ext>
+              </a:extLst>
+            </p:cNvPr>
+            <p:cNvPicPr>
+              <a:picLocks noChangeAspect="1"/>
+            </p:cNvPicPr>
+            <p:nvPr/>
+          </p:nvPicPr>
+          <p:blipFill>
+            <a:blip r:embed="rId2">
+              <a:extLst>
+                <a:ext uri="{28A0092B-C50C-407E-A947-70E740481C1C}">
+                  <a14:useLocalDpi xmlns:a14="http://schemas.microsoft.com/office/drawing/2010/main" val="0"/>
+                </a:ext>
+              </a:extLst>
+            </a:blip>
+            <a:stretch>
+              <a:fillRect/>
+            </a:stretch>
+          </p:blipFill>
+          <p:spPr>
+            <a:xfrm>
+              <a:off x="6099741" y="2283088"/>
+              <a:ext cx="720000" cy="720000"/>
+            </a:xfrm>
+            <a:prstGeom prst="ellipse">
+              <a:avLst/>
+            </a:prstGeom>
+          </p:spPr>
+        </p:pic>
+      </p:grpSp>
+      <p:grpSp>
+        <p:nvGrpSpPr>
+          <p:cNvPr id="7" name="Gruppierung 7">
+            <a:extLst>
+              <a:ext uri="{FF2B5EF4-FFF2-40B4-BE49-F238E27FC236}">
+                <a16:creationId xmlns:a16="http://schemas.microsoft.com/office/drawing/2014/main" id="{32511EF5-420D-E14A-BE1A-F0437AA08100}"/>
+              </a:ext>
+            </a:extLst>
+          </p:cNvPr>
+          <p:cNvGrpSpPr/>
+          <p:nvPr/>
+        </p:nvGrpSpPr>
+        <p:grpSpPr>
+          <a:xfrm>
+            <a:off x="7058814" y="5307976"/>
+            <a:ext cx="720929" cy="1076104"/>
+            <a:chOff x="6094761" y="3738616"/>
+            <a:chExt cx="720929" cy="1076104"/>
+          </a:xfrm>
+        </p:grpSpPr>
+        <p:sp>
+          <p:nvSpPr>
+            <p:cNvPr id="8" name="Rechteck 48">
+              <a:extLst>
+                <a:ext uri="{FF2B5EF4-FFF2-40B4-BE49-F238E27FC236}">
+                  <a16:creationId xmlns:a16="http://schemas.microsoft.com/office/drawing/2014/main" id="{CDABD2A2-1CBA-D747-9978-EAE281F6B019}"/>
+                </a:ext>
+              </a:extLst>
+            </p:cNvPr>
+            <p:cNvSpPr/>
+            <p:nvPr/>
+          </p:nvSpPr>
+          <p:spPr>
+            <a:xfrm>
+              <a:off x="6094761" y="4476166"/>
+              <a:ext cx="720929" cy="338554"/>
+            </a:xfrm>
+            <a:prstGeom prst="rect">
+              <a:avLst/>
+            </a:prstGeom>
+          </p:spPr>
+          <p:txBody>
+            <a:bodyPr wrap="square" lIns="0" tIns="0" rIns="0" bIns="0">
+              <a:spAutoFit/>
+            </a:bodyPr>
+            <a:lstStyle/>
+            <a:p>
+              <a:pPr algn="ctr"/>
+              <a:r>
+                <a:rPr lang="en-US" sz="1100" b="1" dirty="0">
+                  <a:solidFill>
+                    <a:srgbClr val="427CAC"/>
+                  </a:solidFill>
+                  <a:latin typeface="Arial" charset="0"/>
+                  <a:ea typeface="Arial" charset="0"/>
+                  <a:cs typeface="Arial" charset="0"/>
+                </a:rPr>
+                <a:t>OAuth 2.0</a:t>
+              </a:r>
+              <a:br>
+                <a:rPr lang="en-US" sz="1100" b="1" dirty="0">
+                  <a:solidFill>
+                    <a:srgbClr val="427CAC"/>
+                  </a:solidFill>
+                  <a:latin typeface="Arial" charset="0"/>
+                  <a:ea typeface="Arial" charset="0"/>
+                  <a:cs typeface="Arial" charset="0"/>
+                </a:rPr>
+              </a:br>
+              <a:r>
+                <a:rPr lang="en-US" sz="1100" b="1" dirty="0">
+                  <a:solidFill>
+                    <a:srgbClr val="427CAC"/>
+                  </a:solidFill>
+                  <a:latin typeface="Arial" charset="0"/>
+                  <a:ea typeface="Arial" charset="0"/>
+                  <a:cs typeface="Arial" charset="0"/>
+                </a:rPr>
+                <a:t>Service</a:t>
+              </a:r>
+            </a:p>
+          </p:txBody>
+        </p:sp>
+        <p:pic>
+          <p:nvPicPr>
+            <p:cNvPr id="9" name="Bild 40">
+              <a:extLst>
+                <a:ext uri="{FF2B5EF4-FFF2-40B4-BE49-F238E27FC236}">
+                  <a16:creationId xmlns:a16="http://schemas.microsoft.com/office/drawing/2014/main" id="{0D2FB479-4BDD-EA46-B09D-23EFE14497D7}"/>
+                </a:ext>
+              </a:extLst>
+            </p:cNvPr>
+            <p:cNvPicPr>
+              <a:picLocks noChangeAspect="1"/>
+            </p:cNvPicPr>
+            <p:nvPr/>
+          </p:nvPicPr>
+          <p:blipFill>
+            <a:blip r:embed="rId3">
+              <a:extLst>
+                <a:ext uri="{28A0092B-C50C-407E-A947-70E740481C1C}">
+                  <a14:useLocalDpi xmlns:a14="http://schemas.microsoft.com/office/drawing/2010/main" val="0"/>
+                </a:ext>
+              </a:extLst>
+            </a:blip>
+            <a:stretch>
+              <a:fillRect/>
+            </a:stretch>
+          </p:blipFill>
+          <p:spPr>
+            <a:xfrm>
+              <a:off x="6148924" y="3738616"/>
+              <a:ext cx="612000" cy="612000"/>
+            </a:xfrm>
+            <a:prstGeom prst="rect">
+              <a:avLst/>
+            </a:prstGeom>
+          </p:spPr>
+        </p:pic>
+      </p:grpSp>
+      <p:grpSp>
+        <p:nvGrpSpPr>
+          <p:cNvPr id="10" name="Gruppierung 4">
+            <a:extLst>
+              <a:ext uri="{FF2B5EF4-FFF2-40B4-BE49-F238E27FC236}">
+                <a16:creationId xmlns:a16="http://schemas.microsoft.com/office/drawing/2014/main" id="{8CAE7F34-2854-C547-9E8B-F40C89C67627}"/>
+              </a:ext>
+            </a:extLst>
+          </p:cNvPr>
+          <p:cNvGrpSpPr/>
+          <p:nvPr/>
+        </p:nvGrpSpPr>
+        <p:grpSpPr>
+          <a:xfrm>
+            <a:off x="8948721" y="4290142"/>
+            <a:ext cx="1167190" cy="1092150"/>
+            <a:chOff x="7162646" y="2335701"/>
+            <a:chExt cx="1167190" cy="1092150"/>
+          </a:xfrm>
+        </p:grpSpPr>
+        <p:sp>
+          <p:nvSpPr>
+            <p:cNvPr id="11" name="Rechteck 44">
+              <a:extLst>
+                <a:ext uri="{FF2B5EF4-FFF2-40B4-BE49-F238E27FC236}">
+                  <a16:creationId xmlns:a16="http://schemas.microsoft.com/office/drawing/2014/main" id="{35ADF264-5323-A547-A6EA-E1155CCB03F5}"/>
+                </a:ext>
+              </a:extLst>
+            </p:cNvPr>
+            <p:cNvSpPr/>
+            <p:nvPr/>
+          </p:nvSpPr>
+          <p:spPr>
+            <a:xfrm>
+              <a:off x="7162646" y="3089297"/>
+              <a:ext cx="1167190" cy="338554"/>
+            </a:xfrm>
+            <a:prstGeom prst="rect">
+              <a:avLst/>
+            </a:prstGeom>
+          </p:spPr>
+          <p:txBody>
+            <a:bodyPr wrap="square" lIns="0" tIns="0" rIns="0" bIns="0">
+              <a:spAutoFit/>
+            </a:bodyPr>
+            <a:lstStyle/>
+            <a:p>
+              <a:pPr algn="ctr"/>
+              <a:r>
+                <a:rPr lang="en-US" sz="1100" b="1" dirty="0">
+                  <a:solidFill>
+                    <a:srgbClr val="427CAC"/>
+                  </a:solidFill>
+                  <a:latin typeface="Arial" charset="0"/>
+                  <a:ea typeface="Arial" charset="0"/>
+                  <a:cs typeface="Arial" charset="0"/>
+                </a:rPr>
+                <a:t>Identity</a:t>
+              </a:r>
+              <a:br>
+                <a:rPr lang="en-US" sz="1100" b="1" dirty="0">
+                  <a:solidFill>
+                    <a:srgbClr val="427CAC"/>
+                  </a:solidFill>
+                  <a:latin typeface="Arial" charset="0"/>
+                  <a:ea typeface="Arial" charset="0"/>
+                  <a:cs typeface="Arial" charset="0"/>
+                </a:rPr>
+              </a:br>
+              <a:r>
+                <a:rPr lang="en-US" sz="1100" b="1" dirty="0">
+                  <a:solidFill>
+                    <a:srgbClr val="427CAC"/>
+                  </a:solidFill>
+                  <a:latin typeface="Arial" charset="0"/>
+                  <a:ea typeface="Arial" charset="0"/>
+                  <a:cs typeface="Arial" charset="0"/>
+                </a:rPr>
+                <a:t>Authentication</a:t>
+              </a:r>
+            </a:p>
+          </p:txBody>
+        </p:sp>
+        <p:pic>
+          <p:nvPicPr>
+            <p:cNvPr id="12" name="Bild 36">
+              <a:extLst>
+                <a:ext uri="{FF2B5EF4-FFF2-40B4-BE49-F238E27FC236}">
+                  <a16:creationId xmlns:a16="http://schemas.microsoft.com/office/drawing/2014/main" id="{BCE09D79-15DB-AB46-8165-A2D0CC491BDE}"/>
+                </a:ext>
+              </a:extLst>
+            </p:cNvPr>
+            <p:cNvPicPr>
+              <a:picLocks noChangeAspect="1"/>
+            </p:cNvPicPr>
+            <p:nvPr/>
+          </p:nvPicPr>
+          <p:blipFill>
+            <a:blip r:embed="rId4">
+              <a:extLst>
+                <a:ext uri="{28A0092B-C50C-407E-A947-70E740481C1C}">
+                  <a14:useLocalDpi xmlns:a14="http://schemas.microsoft.com/office/drawing/2010/main" val="0"/>
+                </a:ext>
+              </a:extLst>
+            </a:blip>
+            <a:stretch>
+              <a:fillRect/>
+            </a:stretch>
+          </p:blipFill>
+          <p:spPr>
+            <a:xfrm>
+              <a:off x="7440240" y="2335701"/>
+              <a:ext cx="612000" cy="612000"/>
+            </a:xfrm>
+            <a:prstGeom prst="rect">
+              <a:avLst/>
+            </a:prstGeom>
+          </p:spPr>
+        </p:pic>
+      </p:grpSp>
+      <p:grpSp>
+        <p:nvGrpSpPr>
+          <p:cNvPr id="13" name="Gruppierung 3">
+            <a:extLst>
+              <a:ext uri="{FF2B5EF4-FFF2-40B4-BE49-F238E27FC236}">
+                <a16:creationId xmlns:a16="http://schemas.microsoft.com/office/drawing/2014/main" id="{C7538E85-19A4-4A40-B3D0-A76A0F72597F}"/>
+              </a:ext>
+            </a:extLst>
+          </p:cNvPr>
+          <p:cNvGrpSpPr/>
+          <p:nvPr/>
+        </p:nvGrpSpPr>
+        <p:grpSpPr>
+          <a:xfrm>
+            <a:off x="10390831" y="4294585"/>
+            <a:ext cx="866734" cy="1087707"/>
+            <a:chOff x="8604756" y="2340144"/>
+            <a:chExt cx="866734" cy="1087707"/>
+          </a:xfrm>
+        </p:grpSpPr>
+        <p:sp>
+          <p:nvSpPr>
+            <p:cNvPr id="14" name="Rechteck 45">
+              <a:extLst>
+                <a:ext uri="{FF2B5EF4-FFF2-40B4-BE49-F238E27FC236}">
+                  <a16:creationId xmlns:a16="http://schemas.microsoft.com/office/drawing/2014/main" id="{34D1CDE9-A0F6-FA4E-970D-17B5CE7431A7}"/>
+                </a:ext>
+              </a:extLst>
+            </p:cNvPr>
+            <p:cNvSpPr/>
+            <p:nvPr/>
+          </p:nvSpPr>
+          <p:spPr>
+            <a:xfrm>
+              <a:off x="8604756" y="3089297"/>
+              <a:ext cx="866734" cy="338554"/>
+            </a:xfrm>
+            <a:prstGeom prst="rect">
+              <a:avLst/>
+            </a:prstGeom>
+          </p:spPr>
+          <p:txBody>
+            <a:bodyPr wrap="square" lIns="0" tIns="0" rIns="0" bIns="0">
+              <a:spAutoFit/>
+            </a:bodyPr>
+            <a:lstStyle/>
+            <a:p>
+              <a:pPr algn="ctr"/>
+              <a:r>
+                <a:rPr lang="en-US" sz="1100" b="1" dirty="0">
+                  <a:solidFill>
+                    <a:srgbClr val="427CAC"/>
+                  </a:solidFill>
+                  <a:latin typeface="Arial" charset="0"/>
+                  <a:ea typeface="Arial" charset="0"/>
+                  <a:cs typeface="Arial" charset="0"/>
+                </a:rPr>
+                <a:t>Identity</a:t>
+              </a:r>
+              <a:br>
+                <a:rPr lang="en-US" sz="1100" b="1" dirty="0">
+                  <a:solidFill>
+                    <a:srgbClr val="427CAC"/>
+                  </a:solidFill>
+                  <a:latin typeface="Arial" charset="0"/>
+                  <a:ea typeface="Arial" charset="0"/>
+                  <a:cs typeface="Arial" charset="0"/>
+                </a:rPr>
+              </a:br>
+              <a:r>
+                <a:rPr lang="en-US" sz="1100" b="1" dirty="0">
+                  <a:solidFill>
+                    <a:srgbClr val="427CAC"/>
+                  </a:solidFill>
+                  <a:latin typeface="Arial" charset="0"/>
+                  <a:ea typeface="Arial" charset="0"/>
+                  <a:cs typeface="Arial" charset="0"/>
+                </a:rPr>
+                <a:t>Provisioning</a:t>
+              </a:r>
+            </a:p>
+          </p:txBody>
+        </p:sp>
+        <p:pic>
+          <p:nvPicPr>
+            <p:cNvPr id="15" name="Bild 37">
+              <a:extLst>
+                <a:ext uri="{FF2B5EF4-FFF2-40B4-BE49-F238E27FC236}">
+                  <a16:creationId xmlns:a16="http://schemas.microsoft.com/office/drawing/2014/main" id="{026CD18E-429A-3244-B039-C36D8A76C97E}"/>
+                </a:ext>
+              </a:extLst>
+            </p:cNvPr>
+            <p:cNvPicPr>
+              <a:picLocks noChangeAspect="1"/>
+            </p:cNvPicPr>
+            <p:nvPr/>
+          </p:nvPicPr>
+          <p:blipFill>
+            <a:blip r:embed="rId5">
+              <a:extLst>
+                <a:ext uri="{28A0092B-C50C-407E-A947-70E740481C1C}">
+                  <a14:useLocalDpi xmlns:a14="http://schemas.microsoft.com/office/drawing/2010/main" val="0"/>
+                </a:ext>
+              </a:extLst>
+            </a:blip>
+            <a:stretch>
+              <a:fillRect/>
+            </a:stretch>
+          </p:blipFill>
+          <p:spPr>
+            <a:xfrm>
+              <a:off x="8732123" y="2340144"/>
+              <a:ext cx="612000" cy="612000"/>
+            </a:xfrm>
+            <a:prstGeom prst="rect">
+              <a:avLst/>
+            </a:prstGeom>
+          </p:spPr>
+        </p:pic>
+      </p:grpSp>
+      <p:grpSp>
+        <p:nvGrpSpPr>
+          <p:cNvPr id="16" name="Gruppierung 33">
+            <a:extLst>
+              <a:ext uri="{FF2B5EF4-FFF2-40B4-BE49-F238E27FC236}">
+                <a16:creationId xmlns:a16="http://schemas.microsoft.com/office/drawing/2014/main" id="{B58811FC-B5F6-4345-B06B-523286E609A4}"/>
+              </a:ext>
+            </a:extLst>
+          </p:cNvPr>
+          <p:cNvGrpSpPr/>
+          <p:nvPr/>
+        </p:nvGrpSpPr>
+        <p:grpSpPr>
+          <a:xfrm>
+            <a:off x="3176659" y="2277149"/>
+            <a:ext cx="980562" cy="1380451"/>
+            <a:chOff x="6293929" y="3212892"/>
+            <a:chExt cx="1189428" cy="1186041"/>
+          </a:xfrm>
+        </p:grpSpPr>
+        <p:sp>
+          <p:nvSpPr>
+            <p:cNvPr id="17" name="Rechteck 16">
+              <a:extLst>
+                <a:ext uri="{FF2B5EF4-FFF2-40B4-BE49-F238E27FC236}">
+                  <a16:creationId xmlns:a16="http://schemas.microsoft.com/office/drawing/2014/main" id="{34BC8841-58F4-5645-B69E-65152C3A164D}"/>
+                </a:ext>
+              </a:extLst>
+            </p:cNvPr>
+            <p:cNvSpPr/>
+            <p:nvPr/>
+          </p:nvSpPr>
+          <p:spPr>
+            <a:xfrm>
+              <a:off x="6293929" y="4229656"/>
+              <a:ext cx="1189428" cy="169277"/>
+            </a:xfrm>
+            <a:prstGeom prst="rect">
+              <a:avLst/>
+            </a:prstGeom>
+          </p:spPr>
+          <p:txBody>
+            <a:bodyPr wrap="none" lIns="0" tIns="0" rIns="0" bIns="0">
+              <a:spAutoFit/>
+            </a:bodyPr>
+            <a:lstStyle/>
+            <a:p>
+              <a:pPr algn="ctr"/>
+              <a:r>
+                <a:rPr lang="en-US" sz="1100" b="1" dirty="0">
+                  <a:solidFill>
+                    <a:srgbClr val="427CAC"/>
+                  </a:solidFill>
+                  <a:latin typeface="Arial" charset="0"/>
+                  <a:ea typeface="Arial" charset="0"/>
+                  <a:cs typeface="Arial" charset="0"/>
+                </a:rPr>
+                <a:t>Internet of Things</a:t>
+              </a:r>
+            </a:p>
+          </p:txBody>
+        </p:sp>
+        <p:pic>
+          <p:nvPicPr>
+            <p:cNvPr id="18" name="Bild 22">
+              <a:extLst>
+                <a:ext uri="{FF2B5EF4-FFF2-40B4-BE49-F238E27FC236}">
+                  <a16:creationId xmlns:a16="http://schemas.microsoft.com/office/drawing/2014/main" id="{8BFD9523-B4C3-C040-A933-0995A1B1D426}"/>
+                </a:ext>
+              </a:extLst>
+            </p:cNvPr>
+            <p:cNvPicPr>
+              <a:picLocks noChangeAspect="1"/>
+            </p:cNvPicPr>
+            <p:nvPr/>
+          </p:nvPicPr>
+          <p:blipFill>
+            <a:blip r:embed="rId6">
+              <a:extLst>
+                <a:ext uri="{28A0092B-C50C-407E-A947-70E740481C1C}">
+                  <a14:useLocalDpi xmlns:a14="http://schemas.microsoft.com/office/drawing/2010/main" val="0"/>
+                </a:ext>
+              </a:extLst>
+            </a:blip>
+            <a:stretch>
+              <a:fillRect/>
+            </a:stretch>
+          </p:blipFill>
+          <p:spPr>
+            <a:xfrm>
+              <a:off x="6444421" y="3212892"/>
+              <a:ext cx="900000" cy="900000"/>
+            </a:xfrm>
+            <a:prstGeom prst="rect">
+              <a:avLst/>
+            </a:prstGeom>
+          </p:spPr>
+        </p:pic>
+      </p:grpSp>
+      <p:pic>
+        <p:nvPicPr>
+          <p:cNvPr id="19" name="Bild 14">
+            <a:extLst>
+              <a:ext uri="{FF2B5EF4-FFF2-40B4-BE49-F238E27FC236}">
+                <a16:creationId xmlns:a16="http://schemas.microsoft.com/office/drawing/2014/main" id="{4197FC3B-FB6D-694B-AF65-15E14B90531C}"/>
+              </a:ext>
+            </a:extLst>
+          </p:cNvPr>
+          <p:cNvPicPr>
+            <a:picLocks noChangeAspect="1"/>
+          </p:cNvPicPr>
+          <p:nvPr/>
+        </p:nvPicPr>
+        <p:blipFill>
+          <a:blip r:embed="rId7">
+            <a:extLst>
+              <a:ext uri="{28A0092B-C50C-407E-A947-70E740481C1C}">
+                <a14:useLocalDpi xmlns:a14="http://schemas.microsoft.com/office/drawing/2010/main" val="0"/>
+              </a:ext>
+            </a:extLst>
+          </a:blip>
+          <a:stretch>
+            <a:fillRect/>
+          </a:stretch>
+        </p:blipFill>
+        <p:spPr>
+          <a:xfrm>
+            <a:off x="6589515" y="2190407"/>
+            <a:ext cx="1747441" cy="1066858"/>
+          </a:xfrm>
+          <a:prstGeom prst="rect">
+            <a:avLst/>
+          </a:prstGeom>
+        </p:spPr>
+      </p:pic>
+      <p:grpSp>
+        <p:nvGrpSpPr>
+          <p:cNvPr id="20" name="Gruppierung 25">
+            <a:extLst>
+              <a:ext uri="{FF2B5EF4-FFF2-40B4-BE49-F238E27FC236}">
+                <a16:creationId xmlns:a16="http://schemas.microsoft.com/office/drawing/2014/main" id="{FA1C5919-0019-9B41-8DDB-2AA9EFAB8B2A}"/>
+              </a:ext>
+            </a:extLst>
+          </p:cNvPr>
+          <p:cNvGrpSpPr/>
+          <p:nvPr/>
+        </p:nvGrpSpPr>
+        <p:grpSpPr>
+          <a:xfrm>
+            <a:off x="3388006" y="4429773"/>
+            <a:ext cx="720000" cy="1133451"/>
+            <a:chOff x="6099741" y="2283088"/>
+            <a:chExt cx="720000" cy="1133451"/>
+          </a:xfrm>
+        </p:grpSpPr>
+        <p:sp>
+          <p:nvSpPr>
+            <p:cNvPr id="21" name="Rechteck 20">
+              <a:extLst>
+                <a:ext uri="{FF2B5EF4-FFF2-40B4-BE49-F238E27FC236}">
+                  <a16:creationId xmlns:a16="http://schemas.microsoft.com/office/drawing/2014/main" id="{C85FCE31-A116-794C-8E88-C42846E64C9D}"/>
+                </a:ext>
+              </a:extLst>
+            </p:cNvPr>
+            <p:cNvSpPr/>
+            <p:nvPr/>
+          </p:nvSpPr>
+          <p:spPr>
+            <a:xfrm>
+              <a:off x="6151326" y="3077985"/>
+              <a:ext cx="634790" cy="338554"/>
+            </a:xfrm>
+            <a:prstGeom prst="rect">
+              <a:avLst/>
+            </a:prstGeom>
+          </p:spPr>
+          <p:txBody>
+            <a:bodyPr wrap="none" lIns="0" tIns="0" rIns="0" bIns="0">
+              <a:spAutoFit/>
+            </a:bodyPr>
+            <a:lstStyle/>
+            <a:p>
+              <a:pPr algn="ctr"/>
+              <a:r>
+                <a:rPr lang="en-US" sz="1100" b="1" dirty="0">
+                  <a:solidFill>
+                    <a:srgbClr val="427CAC"/>
+                  </a:solidFill>
+                  <a:latin typeface="Arial" charset="0"/>
+                  <a:ea typeface="Arial" charset="0"/>
+                  <a:cs typeface="Arial" charset="0"/>
+                </a:rPr>
+                <a:t>Internet</a:t>
+              </a:r>
+            </a:p>
+            <a:p>
+              <a:pPr algn="ctr"/>
+              <a:r>
+                <a:rPr lang="en-US" sz="1100" b="1" dirty="0">
+                  <a:solidFill>
+                    <a:srgbClr val="427CAC"/>
+                  </a:solidFill>
+                  <a:latin typeface="Arial" charset="0"/>
+                  <a:ea typeface="Arial" charset="0"/>
+                  <a:cs typeface="Arial" charset="0"/>
+                </a:rPr>
+                <a:t>of Things</a:t>
+              </a:r>
+            </a:p>
+          </p:txBody>
+        </p:sp>
+        <p:pic>
+          <p:nvPicPr>
+            <p:cNvPr id="22" name="Bild 94">
+              <a:extLst>
+                <a:ext uri="{FF2B5EF4-FFF2-40B4-BE49-F238E27FC236}">
+                  <a16:creationId xmlns:a16="http://schemas.microsoft.com/office/drawing/2014/main" id="{3A9F61F4-1B07-3E46-A7E3-3836F62C9BEE}"/>
+                </a:ext>
+              </a:extLst>
+            </p:cNvPr>
+            <p:cNvPicPr>
+              <a:picLocks noChangeAspect="1"/>
+            </p:cNvPicPr>
+            <p:nvPr/>
+          </p:nvPicPr>
+          <p:blipFill>
+            <a:blip r:embed="rId2">
+              <a:extLst>
+                <a:ext uri="{28A0092B-C50C-407E-A947-70E740481C1C}">
+                  <a14:useLocalDpi xmlns:a14="http://schemas.microsoft.com/office/drawing/2010/main" val="0"/>
+                </a:ext>
+              </a:extLst>
+            </a:blip>
+            <a:stretch>
+              <a:fillRect/>
+            </a:stretch>
+          </p:blipFill>
+          <p:spPr>
+            <a:xfrm>
+              <a:off x="6099741" y="2283088"/>
+              <a:ext cx="720000" cy="720000"/>
+            </a:xfrm>
+            <a:prstGeom prst="ellipse">
+              <a:avLst/>
+            </a:prstGeom>
+          </p:spPr>
+        </p:pic>
+      </p:grpSp>
+      <p:grpSp>
+        <p:nvGrpSpPr>
+          <p:cNvPr id="23" name="Gruppierung 28">
+            <a:extLst>
+              <a:ext uri="{FF2B5EF4-FFF2-40B4-BE49-F238E27FC236}">
+                <a16:creationId xmlns:a16="http://schemas.microsoft.com/office/drawing/2014/main" id="{A57B38DD-9D3C-F445-B917-146EE7BEEB89}"/>
+              </a:ext>
+            </a:extLst>
+          </p:cNvPr>
+          <p:cNvGrpSpPr/>
+          <p:nvPr/>
+        </p:nvGrpSpPr>
+        <p:grpSpPr>
+          <a:xfrm>
+            <a:off x="5300107" y="4256343"/>
+            <a:ext cx="979610" cy="1306881"/>
+            <a:chOff x="9851783" y="2278935"/>
+            <a:chExt cx="979610" cy="1306881"/>
+          </a:xfrm>
+        </p:grpSpPr>
+        <p:sp>
+          <p:nvSpPr>
+            <p:cNvPr id="24" name="Rechteck 23">
+              <a:extLst>
+                <a:ext uri="{FF2B5EF4-FFF2-40B4-BE49-F238E27FC236}">
+                  <a16:creationId xmlns:a16="http://schemas.microsoft.com/office/drawing/2014/main" id="{3D3A37D8-C814-E143-BC19-DF2B11780769}"/>
+                </a:ext>
+              </a:extLst>
+            </p:cNvPr>
+            <p:cNvSpPr/>
+            <p:nvPr/>
+          </p:nvSpPr>
+          <p:spPr>
+            <a:xfrm>
+              <a:off x="9851783" y="3077985"/>
+              <a:ext cx="979610" cy="507831"/>
+            </a:xfrm>
+            <a:prstGeom prst="rect">
+              <a:avLst/>
+            </a:prstGeom>
+          </p:spPr>
+          <p:txBody>
+            <a:bodyPr wrap="square" lIns="0" tIns="0" rIns="0" bIns="0">
+              <a:spAutoFit/>
+            </a:bodyPr>
+            <a:lstStyle/>
+            <a:p>
+              <a:pPr algn="ctr"/>
+              <a:r>
+                <a:rPr lang="en-US" sz="1100" b="1" dirty="0">
+                  <a:solidFill>
+                    <a:srgbClr val="427CAC"/>
+                  </a:solidFill>
+                  <a:latin typeface="Arial" charset="0"/>
+                  <a:ea typeface="Arial" charset="0"/>
+                  <a:cs typeface="Arial" charset="0"/>
+                </a:rPr>
+                <a:t>SAP IoT </a:t>
+              </a:r>
+              <a:br>
+                <a:rPr lang="en-US" sz="1100" b="1" dirty="0">
+                  <a:solidFill>
+                    <a:srgbClr val="427CAC"/>
+                  </a:solidFill>
+                  <a:latin typeface="Arial" charset="0"/>
+                  <a:ea typeface="Arial" charset="0"/>
+                  <a:cs typeface="Arial" charset="0"/>
+                </a:rPr>
+              </a:br>
+              <a:r>
+                <a:rPr lang="en-US" sz="1100" b="1" dirty="0">
+                  <a:solidFill>
+                    <a:srgbClr val="427CAC"/>
+                  </a:solidFill>
+                  <a:latin typeface="Arial" charset="0"/>
+                  <a:ea typeface="Arial" charset="0"/>
+                  <a:cs typeface="Arial" charset="0"/>
+                </a:rPr>
+                <a:t>Application Enablement</a:t>
+              </a:r>
+            </a:p>
+          </p:txBody>
+        </p:sp>
+        <p:pic>
+          <p:nvPicPr>
+            <p:cNvPr id="25" name="Bild 95">
+              <a:extLst>
+                <a:ext uri="{FF2B5EF4-FFF2-40B4-BE49-F238E27FC236}">
+                  <a16:creationId xmlns:a16="http://schemas.microsoft.com/office/drawing/2014/main" id="{D961CE55-5F87-9446-93D7-E489AB079893}"/>
+                </a:ext>
+              </a:extLst>
+            </p:cNvPr>
+            <p:cNvPicPr>
+              <a:picLocks noChangeAspect="1"/>
+            </p:cNvPicPr>
+            <p:nvPr/>
+          </p:nvPicPr>
+          <p:blipFill>
+            <a:blip r:embed="rId8">
+              <a:extLst>
+                <a:ext uri="{28A0092B-C50C-407E-A947-70E740481C1C}">
+                  <a14:useLocalDpi xmlns:a14="http://schemas.microsoft.com/office/drawing/2010/main" val="0"/>
+                </a:ext>
+              </a:extLst>
+            </a:blip>
+            <a:stretch>
+              <a:fillRect/>
+            </a:stretch>
+          </p:blipFill>
+          <p:spPr>
+            <a:xfrm>
+              <a:off x="9981588" y="2278935"/>
+              <a:ext cx="720000" cy="720000"/>
+            </a:xfrm>
+            <a:prstGeom prst="ellipse">
+              <a:avLst/>
+            </a:prstGeom>
+          </p:spPr>
+        </p:pic>
+      </p:grpSp>
+      <p:grpSp>
+        <p:nvGrpSpPr>
+          <p:cNvPr id="26" name="Gruppierung 6">
+            <a:extLst>
+              <a:ext uri="{FF2B5EF4-FFF2-40B4-BE49-F238E27FC236}">
+                <a16:creationId xmlns:a16="http://schemas.microsoft.com/office/drawing/2014/main" id="{1693DF6E-982B-414D-A745-D951FD1B4352}"/>
+              </a:ext>
+            </a:extLst>
+          </p:cNvPr>
+          <p:cNvGrpSpPr/>
+          <p:nvPr/>
+        </p:nvGrpSpPr>
+        <p:grpSpPr>
+          <a:xfrm>
+            <a:off x="7171694" y="3725340"/>
+            <a:ext cx="908903" cy="1251003"/>
+            <a:chOff x="6000776" y="2340144"/>
+            <a:chExt cx="908903" cy="1251003"/>
+          </a:xfrm>
+        </p:grpSpPr>
+        <p:sp>
+          <p:nvSpPr>
+            <p:cNvPr id="27" name="Rechteck 42">
+              <a:extLst>
+                <a:ext uri="{FF2B5EF4-FFF2-40B4-BE49-F238E27FC236}">
+                  <a16:creationId xmlns:a16="http://schemas.microsoft.com/office/drawing/2014/main" id="{BAFFB4A3-1A9D-7147-813A-978666D34311}"/>
+                </a:ext>
+              </a:extLst>
+            </p:cNvPr>
+            <p:cNvSpPr/>
+            <p:nvPr/>
+          </p:nvSpPr>
+          <p:spPr>
+            <a:xfrm>
+              <a:off x="6000776" y="3083316"/>
+              <a:ext cx="908903" cy="507831"/>
+            </a:xfrm>
+            <a:prstGeom prst="rect">
+              <a:avLst/>
+            </a:prstGeom>
+          </p:spPr>
+          <p:txBody>
+            <a:bodyPr wrap="none" lIns="0" tIns="0" rIns="0" bIns="0">
+              <a:spAutoFit/>
+            </a:bodyPr>
+            <a:lstStyle/>
+            <a:p>
+              <a:pPr algn="ctr"/>
+              <a:r>
+                <a:rPr lang="en-US" sz="1100" b="1" dirty="0">
+                  <a:solidFill>
+                    <a:srgbClr val="427CAC"/>
+                  </a:solidFill>
+                  <a:latin typeface="Arial" charset="0"/>
+                  <a:ea typeface="Arial" charset="0"/>
+                  <a:cs typeface="Arial" charset="0"/>
+                </a:rPr>
+                <a:t>Authorization</a:t>
+              </a:r>
+            </a:p>
+            <a:p>
+              <a:pPr algn="ctr"/>
+              <a:r>
+                <a:rPr lang="en-US" sz="1100" b="1" dirty="0">
+                  <a:solidFill>
+                    <a:srgbClr val="427CAC"/>
+                  </a:solidFill>
+                  <a:latin typeface="Arial" charset="0"/>
+                  <a:ea typeface="Arial" charset="0"/>
+                  <a:cs typeface="Arial" charset="0"/>
+                </a:rPr>
+                <a:t>and Trust </a:t>
+              </a:r>
+            </a:p>
+            <a:p>
+              <a:pPr algn="ctr"/>
+              <a:r>
+                <a:rPr lang="en-US" sz="1100" b="1" dirty="0">
+                  <a:solidFill>
+                    <a:srgbClr val="427CAC"/>
+                  </a:solidFill>
+                  <a:latin typeface="Arial" charset="0"/>
+                  <a:ea typeface="Arial" charset="0"/>
+                  <a:cs typeface="Arial" charset="0"/>
+                </a:rPr>
+                <a:t>Management</a:t>
+              </a:r>
+            </a:p>
+          </p:txBody>
+        </p:sp>
+        <p:pic>
+          <p:nvPicPr>
+            <p:cNvPr id="28" name="Bild 35">
+              <a:extLst>
+                <a:ext uri="{FF2B5EF4-FFF2-40B4-BE49-F238E27FC236}">
+                  <a16:creationId xmlns:a16="http://schemas.microsoft.com/office/drawing/2014/main" id="{6B3BBBB6-0956-AA46-9D3C-9D06ABB3D361}"/>
+                </a:ext>
+              </a:extLst>
+            </p:cNvPr>
+            <p:cNvPicPr>
+              <a:picLocks noChangeAspect="1"/>
+            </p:cNvPicPr>
+            <p:nvPr/>
+          </p:nvPicPr>
+          <p:blipFill>
+            <a:blip r:embed="rId9">
+              <a:extLst>
+                <a:ext uri="{28A0092B-C50C-407E-A947-70E740481C1C}">
+                  <a14:useLocalDpi xmlns:a14="http://schemas.microsoft.com/office/drawing/2010/main" val="0"/>
+                </a:ext>
+              </a:extLst>
+            </a:blip>
+            <a:stretch>
+              <a:fillRect/>
+            </a:stretch>
+          </p:blipFill>
+          <p:spPr>
+            <a:xfrm>
+              <a:off x="6149225" y="2340144"/>
+              <a:ext cx="612000" cy="612000"/>
+            </a:xfrm>
+            <a:prstGeom prst="rect">
+              <a:avLst/>
+            </a:prstGeom>
+          </p:spPr>
+        </p:pic>
+      </p:grpSp>
+      <p:grpSp>
+        <p:nvGrpSpPr>
+          <p:cNvPr id="29" name="Gruppierung 7">
+            <a:extLst>
+              <a:ext uri="{FF2B5EF4-FFF2-40B4-BE49-F238E27FC236}">
+                <a16:creationId xmlns:a16="http://schemas.microsoft.com/office/drawing/2014/main" id="{212315B2-DC1F-7644-8ADD-00744FA3AFFC}"/>
+              </a:ext>
+            </a:extLst>
+          </p:cNvPr>
+          <p:cNvGrpSpPr/>
+          <p:nvPr/>
+        </p:nvGrpSpPr>
+        <p:grpSpPr>
+          <a:xfrm>
+            <a:off x="7211214" y="5460376"/>
+            <a:ext cx="720929" cy="1076104"/>
+            <a:chOff x="6094761" y="3738616"/>
+            <a:chExt cx="720929" cy="1076104"/>
+          </a:xfrm>
+        </p:grpSpPr>
+        <p:sp>
+          <p:nvSpPr>
+            <p:cNvPr id="30" name="Rechteck 48">
+              <a:extLst>
+                <a:ext uri="{FF2B5EF4-FFF2-40B4-BE49-F238E27FC236}">
+                  <a16:creationId xmlns:a16="http://schemas.microsoft.com/office/drawing/2014/main" id="{78D3CEF0-7E25-4944-8AD6-DF7114CA5613}"/>
+                </a:ext>
+              </a:extLst>
+            </p:cNvPr>
+            <p:cNvSpPr/>
+            <p:nvPr/>
+          </p:nvSpPr>
+          <p:spPr>
+            <a:xfrm>
+              <a:off x="6094761" y="4476166"/>
+              <a:ext cx="720929" cy="338554"/>
+            </a:xfrm>
+            <a:prstGeom prst="rect">
+              <a:avLst/>
+            </a:prstGeom>
+          </p:spPr>
+          <p:txBody>
+            <a:bodyPr wrap="square" lIns="0" tIns="0" rIns="0" bIns="0">
+              <a:spAutoFit/>
+            </a:bodyPr>
+            <a:lstStyle/>
+            <a:p>
+              <a:pPr algn="ctr"/>
+              <a:r>
+                <a:rPr lang="en-US" sz="1100" b="1" dirty="0">
+                  <a:solidFill>
+                    <a:srgbClr val="427CAC"/>
+                  </a:solidFill>
+                  <a:latin typeface="Arial" charset="0"/>
+                  <a:ea typeface="Arial" charset="0"/>
+                  <a:cs typeface="Arial" charset="0"/>
+                </a:rPr>
+                <a:t>OAuth 2.0</a:t>
+              </a:r>
+              <a:br>
+                <a:rPr lang="en-US" sz="1100" b="1" dirty="0">
+                  <a:solidFill>
+                    <a:srgbClr val="427CAC"/>
+                  </a:solidFill>
+                  <a:latin typeface="Arial" charset="0"/>
+                  <a:ea typeface="Arial" charset="0"/>
+                  <a:cs typeface="Arial" charset="0"/>
+                </a:rPr>
+              </a:br>
+              <a:r>
+                <a:rPr lang="en-US" sz="1100" b="1" dirty="0">
+                  <a:solidFill>
+                    <a:srgbClr val="427CAC"/>
+                  </a:solidFill>
+                  <a:latin typeface="Arial" charset="0"/>
+                  <a:ea typeface="Arial" charset="0"/>
+                  <a:cs typeface="Arial" charset="0"/>
+                </a:rPr>
+                <a:t>Service</a:t>
+              </a:r>
+            </a:p>
+          </p:txBody>
+        </p:sp>
+        <p:pic>
+          <p:nvPicPr>
+            <p:cNvPr id="31" name="Bild 40">
+              <a:extLst>
+                <a:ext uri="{FF2B5EF4-FFF2-40B4-BE49-F238E27FC236}">
+                  <a16:creationId xmlns:a16="http://schemas.microsoft.com/office/drawing/2014/main" id="{CBC3B9F0-593B-C348-9B8E-CA413BC8DB51}"/>
+                </a:ext>
+              </a:extLst>
+            </p:cNvPr>
+            <p:cNvPicPr>
+              <a:picLocks noChangeAspect="1"/>
+            </p:cNvPicPr>
+            <p:nvPr/>
+          </p:nvPicPr>
+          <p:blipFill>
+            <a:blip r:embed="rId3">
+              <a:extLst>
+                <a:ext uri="{28A0092B-C50C-407E-A947-70E740481C1C}">
+                  <a14:useLocalDpi xmlns:a14="http://schemas.microsoft.com/office/drawing/2010/main" val="0"/>
+                </a:ext>
+              </a:extLst>
+            </a:blip>
+            <a:stretch>
+              <a:fillRect/>
+            </a:stretch>
+          </p:blipFill>
+          <p:spPr>
+            <a:xfrm>
+              <a:off x="6148924" y="3738616"/>
+              <a:ext cx="612000" cy="612000"/>
+            </a:xfrm>
+            <a:prstGeom prst="rect">
+              <a:avLst/>
+            </a:prstGeom>
+          </p:spPr>
+        </p:pic>
+      </p:grpSp>
     </p:spTree>
     <p:extLst>
       <p:ext uri="{BB962C8B-B14F-4D97-AF65-F5344CB8AC3E}">
-        <p14:creationId xmlns:p14="http://schemas.microsoft.com/office/powerpoint/2010/main" val="2155447701"/>
+        <p14:creationId xmlns:p14="http://schemas.microsoft.com/office/powerpoint/2010/main" val="1174092254"/>
       </p:ext>
     </p:extLst>
   </p:cSld>

--- a/presentations/models.pptx
+++ b/presentations/models.pptx
@@ -14210,7 +14210,7 @@
           <a:p>
             <a:fld id="{3248773E-0E1D-C44D-81DB-7C2B8F8EC2A7}" type="datetimeFigureOut">
               <a:rPr lang="de-DE" smtClean="0"/>
-              <a:t>22.01.20</a:t>
+              <a:t>23.01.20</a:t>
             </a:fld>
             <a:endParaRPr lang="de-DE"/>
           </a:p>
@@ -14408,7 +14408,7 @@
           <a:p>
             <a:fld id="{3248773E-0E1D-C44D-81DB-7C2B8F8EC2A7}" type="datetimeFigureOut">
               <a:rPr lang="de-DE" smtClean="0"/>
-              <a:t>22.01.20</a:t>
+              <a:t>23.01.20</a:t>
             </a:fld>
             <a:endParaRPr lang="de-DE"/>
           </a:p>
@@ -14616,7 +14616,7 @@
           <a:p>
             <a:fld id="{3248773E-0E1D-C44D-81DB-7C2B8F8EC2A7}" type="datetimeFigureOut">
               <a:rPr lang="de-DE" smtClean="0"/>
-              <a:t>22.01.20</a:t>
+              <a:t>23.01.20</a:t>
             </a:fld>
             <a:endParaRPr lang="de-DE"/>
           </a:p>
@@ -14814,7 +14814,7 @@
           <a:p>
             <a:fld id="{3248773E-0E1D-C44D-81DB-7C2B8F8EC2A7}" type="datetimeFigureOut">
               <a:rPr lang="de-DE" smtClean="0"/>
-              <a:t>22.01.20</a:t>
+              <a:t>23.01.20</a:t>
             </a:fld>
             <a:endParaRPr lang="de-DE"/>
           </a:p>
@@ -15089,7 +15089,7 @@
           <a:p>
             <a:fld id="{3248773E-0E1D-C44D-81DB-7C2B8F8EC2A7}" type="datetimeFigureOut">
               <a:rPr lang="de-DE" smtClean="0"/>
-              <a:t>22.01.20</a:t>
+              <a:t>23.01.20</a:t>
             </a:fld>
             <a:endParaRPr lang="de-DE"/>
           </a:p>
@@ -15354,7 +15354,7 @@
           <a:p>
             <a:fld id="{3248773E-0E1D-C44D-81DB-7C2B8F8EC2A7}" type="datetimeFigureOut">
               <a:rPr lang="de-DE" smtClean="0"/>
-              <a:t>22.01.20</a:t>
+              <a:t>23.01.20</a:t>
             </a:fld>
             <a:endParaRPr lang="de-DE"/>
           </a:p>
@@ -15766,7 +15766,7 @@
           <a:p>
             <a:fld id="{3248773E-0E1D-C44D-81DB-7C2B8F8EC2A7}" type="datetimeFigureOut">
               <a:rPr lang="de-DE" smtClean="0"/>
-              <a:t>22.01.20</a:t>
+              <a:t>23.01.20</a:t>
             </a:fld>
             <a:endParaRPr lang="de-DE"/>
           </a:p>
@@ -15907,7 +15907,7 @@
           <a:p>
             <a:fld id="{3248773E-0E1D-C44D-81DB-7C2B8F8EC2A7}" type="datetimeFigureOut">
               <a:rPr lang="de-DE" smtClean="0"/>
-              <a:t>22.01.20</a:t>
+              <a:t>23.01.20</a:t>
             </a:fld>
             <a:endParaRPr lang="de-DE"/>
           </a:p>
@@ -16020,7 +16020,7 @@
           <a:p>
             <a:fld id="{3248773E-0E1D-C44D-81DB-7C2B8F8EC2A7}" type="datetimeFigureOut">
               <a:rPr lang="de-DE" smtClean="0"/>
-              <a:t>22.01.20</a:t>
+              <a:t>23.01.20</a:t>
             </a:fld>
             <a:endParaRPr lang="de-DE"/>
           </a:p>
@@ -16331,7 +16331,7 @@
           <a:p>
             <a:fld id="{3248773E-0E1D-C44D-81DB-7C2B8F8EC2A7}" type="datetimeFigureOut">
               <a:rPr lang="de-DE" smtClean="0"/>
-              <a:t>22.01.20</a:t>
+              <a:t>23.01.20</a:t>
             </a:fld>
             <a:endParaRPr lang="de-DE"/>
           </a:p>
@@ -16619,7 +16619,7 @@
           <a:p>
             <a:fld id="{3248773E-0E1D-C44D-81DB-7C2B8F8EC2A7}" type="datetimeFigureOut">
               <a:rPr lang="de-DE" smtClean="0"/>
-              <a:t>22.01.20</a:t>
+              <a:t>23.01.20</a:t>
             </a:fld>
             <a:endParaRPr lang="de-DE"/>
           </a:p>
@@ -16860,7 +16860,7 @@
           <a:p>
             <a:fld id="{3248773E-0E1D-C44D-81DB-7C2B8F8EC2A7}" type="datetimeFigureOut">
               <a:rPr lang="de-DE" smtClean="0"/>
-              <a:t>22.01.20</a:t>
+              <a:t>23.01.20</a:t>
             </a:fld>
             <a:endParaRPr lang="de-DE"/>
           </a:p>
@@ -17633,7 +17633,7 @@
             <a:fld id="{D15945BB-CB13-F048-8038-6D73515B4389}" type="datetime1">
               <a:rPr lang="de-DE" smtClean="0"/>
               <a:pPr/>
-              <a:t>22.01.20</a:t>
+              <a:t>23.01.20</a:t>
             </a:fld>
             <a:endParaRPr lang="de-DE" dirty="0"/>
           </a:p>
@@ -21625,8 +21625,12 @@
           <a:p>
             <a:pPr algn="ctr"/>
             <a:r>
+              <a:rPr lang="de-DE" sz="1100" dirty="0" err="1"/>
+              <a:t>Led_Blink_Command</a:t>
+            </a:r>
+            <a:r>
               <a:rPr lang="de-DE" sz="1100" dirty="0"/>
-              <a:t>Led_Blink_Command*</a:t>
+              <a:t>*</a:t>
             </a:r>
           </a:p>
         </p:txBody>
@@ -23503,7 +23507,71 @@
         </p:nvSpPr>
         <p:spPr>
           <a:xfrm>
-            <a:off x="3428036" y="3173393"/>
+            <a:off x="2527939" y="1769379"/>
+            <a:ext cx="1803721" cy="616053"/>
+          </a:xfrm>
+          <a:prstGeom prst="rect">
+            <a:avLst/>
+          </a:prstGeom>
+        </p:spPr>
+        <p:style>
+          <a:lnRef idx="2">
+            <a:schemeClr val="accent1">
+              <a:shade val="50000"/>
+            </a:schemeClr>
+          </a:lnRef>
+          <a:fillRef idx="1">
+            <a:schemeClr val="accent1"/>
+          </a:fillRef>
+          <a:effectRef idx="0">
+            <a:schemeClr val="accent1"/>
+          </a:effectRef>
+          <a:fontRef idx="minor">
+            <a:schemeClr val="lt1"/>
+          </a:fontRef>
+        </p:style>
+        <p:txBody>
+          <a:bodyPr rtlCol="0" anchor="ctr"/>
+          <a:lstStyle/>
+          <a:p>
+            <a:pPr algn="ctr"/>
+            <a:r>
+              <a:rPr lang="de-DE" sz="1100" b="1" dirty="0"/>
+              <a:t>id</a:t>
+            </a:r>
+            <a:r>
+              <a:rPr lang="de-DE" sz="1100" dirty="0"/>
+              <a:t>: 60b373db-d6dc-4696-b916-aefec6d95cd0</a:t>
+            </a:r>
+          </a:p>
+          <a:p>
+            <a:pPr algn="ctr"/>
+            <a:r>
+              <a:rPr lang="de-DE" sz="1200" dirty="0"/>
+              <a:t> </a:t>
+            </a:r>
+            <a:r>
+              <a:rPr lang="de-DE" sz="1200" b="1" dirty="0"/>
+              <a:t>test_device_com</a:t>
+            </a:r>
+          </a:p>
+        </p:txBody>
+      </p:sp>
+      <p:sp>
+        <p:nvSpPr>
+          <p:cNvPr id="5" name="Rechteck 4">
+            <a:extLst>
+              <a:ext uri="{FF2B5EF4-FFF2-40B4-BE49-F238E27FC236}">
+                <a16:creationId xmlns:a16="http://schemas.microsoft.com/office/drawing/2014/main" id="{9A898599-B8E2-144F-AFBD-D20974A53DF5}"/>
+              </a:ext>
+            </a:extLst>
+          </p:cNvPr>
+          <p:cNvSpPr/>
+          <p:nvPr/>
+        </p:nvSpPr>
+        <p:spPr>
+          <a:xfrm>
+            <a:off x="4759092" y="3073765"/>
             <a:ext cx="1803721" cy="511213"/>
           </a:xfrm>
           <a:prstGeom prst="rect">
@@ -23532,18 +23600,26 @@
           <a:p>
             <a:pPr algn="ctr"/>
             <a:r>
-              <a:rPr lang="de-DE" dirty="0"/>
-              <a:t>Device: test_device_com</a:t>
+              <a:rPr lang="de-DE" sz="1100" dirty="0"/>
+              <a:t>id: b392cda8-c630-47a6-bbec-487f9acdb254</a:t>
             </a:r>
+            <a:br>
+              <a:rPr lang="de-DE" sz="1100" dirty="0"/>
+            </a:br>
+            <a:r>
+              <a:rPr lang="de-DE" sz="1200" b="1" dirty="0"/>
+              <a:t>test_st_com</a:t>
+            </a:r>
+            <a:endParaRPr lang="de-DE" sz="1100" b="1" dirty="0"/>
           </a:p>
         </p:txBody>
       </p:sp>
       <p:sp>
         <p:nvSpPr>
-          <p:cNvPr id="5" name="Rechteck 4">
+          <p:cNvPr id="6" name="Rechteck 5">
             <a:extLst>
               <a:ext uri="{FF2B5EF4-FFF2-40B4-BE49-F238E27FC236}">
-                <a16:creationId xmlns:a16="http://schemas.microsoft.com/office/drawing/2014/main" id="{9A898599-B8E2-144F-AFBD-D20974A53DF5}"/>
+                <a16:creationId xmlns:a16="http://schemas.microsoft.com/office/drawing/2014/main" id="{48F95B21-68FF-2C42-831F-42A960CF4FA0}"/>
               </a:ext>
             </a:extLst>
           </p:cNvPr>
@@ -23552,7 +23628,63 @@
         </p:nvSpPr>
         <p:spPr>
           <a:xfrm>
-            <a:off x="5407307" y="3173392"/>
+            <a:off x="496815" y="1805945"/>
+            <a:ext cx="1603692" cy="511213"/>
+          </a:xfrm>
+          <a:prstGeom prst="rect">
+            <a:avLst/>
+          </a:prstGeom>
+        </p:spPr>
+        <p:style>
+          <a:lnRef idx="2">
+            <a:schemeClr val="accent1">
+              <a:shade val="50000"/>
+            </a:schemeClr>
+          </a:lnRef>
+          <a:fillRef idx="1">
+            <a:schemeClr val="accent1"/>
+          </a:fillRef>
+          <a:effectRef idx="0">
+            <a:schemeClr val="accent1"/>
+          </a:effectRef>
+          <a:fontRef idx="minor">
+            <a:schemeClr val="lt1"/>
+          </a:fontRef>
+        </p:style>
+        <p:txBody>
+          <a:bodyPr rtlCol="0" anchor="ctr"/>
+          <a:lstStyle/>
+          <a:p>
+            <a:pPr algn="ctr"/>
+            <a:r>
+              <a:rPr lang="de-DE" sz="1100" dirty="0"/>
+              <a:t>id: 2019161729 </a:t>
+            </a:r>
+          </a:p>
+          <a:p>
+            <a:pPr algn="ctr"/>
+            <a:r>
+              <a:rPr lang="de-DE" sz="1100" b="1" dirty="0"/>
+              <a:t>IoT Gateway REST</a:t>
+            </a:r>
+          </a:p>
+        </p:txBody>
+      </p:sp>
+      <p:sp>
+        <p:nvSpPr>
+          <p:cNvPr id="7" name="Rechteck 6">
+            <a:extLst>
+              <a:ext uri="{FF2B5EF4-FFF2-40B4-BE49-F238E27FC236}">
+                <a16:creationId xmlns:a16="http://schemas.microsoft.com/office/drawing/2014/main" id="{8F543571-ECCC-B34E-A41A-077B4238EA4B}"/>
+              </a:ext>
+            </a:extLst>
+          </p:cNvPr>
+          <p:cNvSpPr/>
+          <p:nvPr/>
+        </p:nvSpPr>
+        <p:spPr>
+          <a:xfrm>
+            <a:off x="4759092" y="1821799"/>
             <a:ext cx="1803721" cy="511213"/>
           </a:xfrm>
           <a:prstGeom prst="rect">
@@ -23581,14 +23713,18 @@
           <a:p>
             <a:pPr algn="ctr"/>
             <a:r>
-              <a:rPr lang="de-DE" dirty="0"/>
-              <a:t>Sensor: </a:t>
+              <a:rPr lang="de-DE" sz="1100" b="1" dirty="0"/>
+              <a:t>id</a:t>
             </a:r>
-            <a:br>
-              <a:rPr lang="de-DE" dirty="0"/>
-            </a:br>
             <a:r>
-              <a:rPr lang="de-DE" dirty="0"/>
+              <a:rPr lang="de-DE" sz="1100" dirty="0"/>
+              <a:t>: 52a78d29-0527-42bc-9683-827832dae242</a:t>
+            </a:r>
+          </a:p>
+          <a:p>
+            <a:pPr algn="ctr"/>
+            <a:r>
+              <a:rPr lang="de-DE" sz="1200" b="1" dirty="0"/>
               <a:t>test_sensor_com</a:t>
             </a:r>
           </a:p>
@@ -23596,10 +23732,10 @@
       </p:sp>
       <p:sp>
         <p:nvSpPr>
-          <p:cNvPr id="6" name="Rechteck 5">
+          <p:cNvPr id="9" name="Rechteck 8">
             <a:extLst>
               <a:ext uri="{FF2B5EF4-FFF2-40B4-BE49-F238E27FC236}">
-                <a16:creationId xmlns:a16="http://schemas.microsoft.com/office/drawing/2014/main" id="{48F95B21-68FF-2C42-831F-42A960CF4FA0}"/>
+                <a16:creationId xmlns:a16="http://schemas.microsoft.com/office/drawing/2014/main" id="{1DB89D26-BDC3-F048-AFEA-A6741A7DE289}"/>
               </a:ext>
             </a:extLst>
           </p:cNvPr>
@@ -23608,8 +23744,8 @@
         </p:nvSpPr>
         <p:spPr>
           <a:xfrm>
-            <a:off x="3428036" y="4156276"/>
-            <a:ext cx="1942617" cy="511213"/>
+            <a:off x="3643515" y="4037508"/>
+            <a:ext cx="1803721" cy="682037"/>
           </a:xfrm>
           <a:prstGeom prst="rect">
             <a:avLst/>
@@ -23637,18 +23773,26 @@
           <a:p>
             <a:pPr algn="ctr"/>
             <a:r>
-              <a:rPr lang="de-DE" dirty="0"/>
-              <a:t>IoT Gateway Edge</a:t>
+              <a:rPr lang="de-DE" sz="1100" dirty="0"/>
+              <a:t>Id: 90175e2c-c4ae-4d61-813b-a60846aad12b</a:t>
             </a:r>
+            <a:br>
+              <a:rPr lang="de-DE" sz="1100" dirty="0"/>
+            </a:br>
+            <a:r>
+              <a:rPr lang="de-DE" sz="1200" b="1" dirty="0"/>
+              <a:t>commands_test (command)</a:t>
+            </a:r>
+            <a:endParaRPr lang="de-DE" sz="1100" b="1" dirty="0"/>
           </a:p>
         </p:txBody>
       </p:sp>
       <p:sp>
         <p:nvSpPr>
-          <p:cNvPr id="7" name="Rechteck 6">
+          <p:cNvPr id="10" name="Rechteck 9">
             <a:extLst>
               <a:ext uri="{FF2B5EF4-FFF2-40B4-BE49-F238E27FC236}">
-                <a16:creationId xmlns:a16="http://schemas.microsoft.com/office/drawing/2014/main" id="{8F543571-ECCC-B34E-A41A-077B4238EA4B}"/>
+                <a16:creationId xmlns:a16="http://schemas.microsoft.com/office/drawing/2014/main" id="{2EC1CA69-7E42-BF48-89D6-78176085AF76}"/>
               </a:ext>
             </a:extLst>
           </p:cNvPr>
@@ -23657,8 +23801,8 @@
         </p:nvSpPr>
         <p:spPr>
           <a:xfrm>
-            <a:off x="5407307" y="2350629"/>
-            <a:ext cx="1803721" cy="511213"/>
+            <a:off x="3865162" y="5037741"/>
+            <a:ext cx="1360425" cy="381000"/>
           </a:xfrm>
           <a:prstGeom prst="rect">
             <a:avLst/>
@@ -23686,25 +23830,18 @@
           <a:p>
             <a:pPr algn="ctr"/>
             <a:r>
-              <a:rPr lang="de-DE" dirty="0"/>
-              <a:t>Sensor Type: </a:t>
-            </a:r>
-            <a:br>
-              <a:rPr lang="de-DE" dirty="0"/>
-            </a:br>
-            <a:r>
-              <a:rPr lang="de-DE" dirty="0"/>
-              <a:t>test_st_com</a:t>
+              <a:rPr lang="de-DE" sz="1200" dirty="0"/>
+              <a:t>led (boolean)</a:t>
             </a:r>
           </a:p>
         </p:txBody>
       </p:sp>
       <p:sp>
         <p:nvSpPr>
-          <p:cNvPr id="8" name="Rechteck 7">
+          <p:cNvPr id="11" name="Rechteck 10">
             <a:extLst>
               <a:ext uri="{FF2B5EF4-FFF2-40B4-BE49-F238E27FC236}">
-                <a16:creationId xmlns:a16="http://schemas.microsoft.com/office/drawing/2014/main" id="{0861B6B0-3D50-E941-9AA2-504CCB4D0CA5}"/>
+                <a16:creationId xmlns:a16="http://schemas.microsoft.com/office/drawing/2014/main" id="{9BDF57F4-BB19-804F-A27A-86CDC808A20C}"/>
               </a:ext>
             </a:extLst>
           </p:cNvPr>
@@ -23713,8 +23850,325 @@
         </p:nvSpPr>
         <p:spPr>
           <a:xfrm>
-            <a:off x="7677874" y="2049691"/>
-            <a:ext cx="1803721" cy="511213"/>
+            <a:off x="5929090" y="5037741"/>
+            <a:ext cx="2301565" cy="1006903"/>
+          </a:xfrm>
+          <a:prstGeom prst="rect">
+            <a:avLst/>
+          </a:prstGeom>
+        </p:spPr>
+        <p:style>
+          <a:lnRef idx="2">
+            <a:schemeClr val="accent1">
+              <a:shade val="50000"/>
+            </a:schemeClr>
+          </a:lnRef>
+          <a:fillRef idx="1">
+            <a:schemeClr val="accent1"/>
+          </a:fillRef>
+          <a:effectRef idx="0">
+            <a:schemeClr val="accent1"/>
+          </a:effectRef>
+          <a:fontRef idx="minor">
+            <a:schemeClr val="lt1"/>
+          </a:fontRef>
+        </p:style>
+        <p:txBody>
+          <a:bodyPr rtlCol="0" anchor="ctr"/>
+          <a:lstStyle/>
+          <a:p>
+            <a:pPr marL="171450" indent="-171450">
+              <a:buFontTx/>
+              <a:buChar char="-"/>
+            </a:pPr>
+            <a:r>
+              <a:rPr lang="de-DE" sz="1200" dirty="0"/>
+              <a:t>temperature in °C (double)</a:t>
+            </a:r>
+          </a:p>
+          <a:p>
+            <a:pPr marL="171450" indent="-171450">
+              <a:buFontTx/>
+              <a:buChar char="-"/>
+            </a:pPr>
+            <a:r>
+              <a:rPr lang="de-DE" sz="1200" dirty="0"/>
+              <a:t>wind_speed in km/h (double)</a:t>
+            </a:r>
+          </a:p>
+          <a:p>
+            <a:pPr marL="171450" indent="-171450">
+              <a:buFontTx/>
+              <a:buChar char="-"/>
+            </a:pPr>
+            <a:r>
+              <a:rPr lang="de-DE" sz="1200" dirty="0"/>
+              <a:t>pressure in hPA (double)</a:t>
+            </a:r>
+          </a:p>
+          <a:p>
+            <a:pPr marL="171450" indent="-171450">
+              <a:buFontTx/>
+              <a:buChar char="-"/>
+            </a:pPr>
+            <a:r>
+              <a:rPr lang="de-DE" sz="1200" dirty="0"/>
+              <a:t>humidity in % (integer)</a:t>
+            </a:r>
+          </a:p>
+          <a:p>
+            <a:pPr marL="171450" indent="-171450">
+              <a:buFontTx/>
+              <a:buChar char="-"/>
+            </a:pPr>
+            <a:r>
+              <a:rPr lang="de-DE" sz="1200" dirty="0"/>
+              <a:t>airtight in kg/m³ (double)</a:t>
+            </a:r>
+          </a:p>
+        </p:txBody>
+      </p:sp>
+      <p:cxnSp>
+        <p:nvCxnSpPr>
+          <p:cNvPr id="3" name="Gerade Verbindung 2">
+            <a:extLst>
+              <a:ext uri="{FF2B5EF4-FFF2-40B4-BE49-F238E27FC236}">
+                <a16:creationId xmlns:a16="http://schemas.microsoft.com/office/drawing/2014/main" id="{E9FA2AAC-9E36-0B43-9D05-2B65676047CE}"/>
+              </a:ext>
+            </a:extLst>
+          </p:cNvPr>
+          <p:cNvCxnSpPr>
+            <a:cxnSpLocks/>
+            <a:stCxn id="4" idx="1"/>
+          </p:cNvCxnSpPr>
+          <p:nvPr/>
+        </p:nvCxnSpPr>
+        <p:spPr>
+          <a:xfrm flipH="1">
+            <a:off x="2100507" y="2077406"/>
+            <a:ext cx="427432" cy="0"/>
+          </a:xfrm>
+          <a:prstGeom prst="line">
+            <a:avLst/>
+          </a:prstGeom>
+          <a:ln w="34925">
+            <a:solidFill>
+              <a:schemeClr val="tx1"/>
+            </a:solidFill>
+            <a:tailEnd type="diamond" w="lg" len="lg"/>
+          </a:ln>
+        </p:spPr>
+        <p:style>
+          <a:lnRef idx="1">
+            <a:schemeClr val="accent1"/>
+          </a:lnRef>
+          <a:fillRef idx="0">
+            <a:schemeClr val="accent1"/>
+          </a:fillRef>
+          <a:effectRef idx="0">
+            <a:schemeClr val="accent1"/>
+          </a:effectRef>
+          <a:fontRef idx="minor">
+            <a:schemeClr val="tx1"/>
+          </a:fontRef>
+        </p:style>
+      </p:cxnSp>
+      <p:cxnSp>
+        <p:nvCxnSpPr>
+          <p:cNvPr id="16" name="Gerade Verbindung 15">
+            <a:extLst>
+              <a:ext uri="{FF2B5EF4-FFF2-40B4-BE49-F238E27FC236}">
+                <a16:creationId xmlns:a16="http://schemas.microsoft.com/office/drawing/2014/main" id="{DDA32DC2-EAD2-D646-8965-1091C3CE9382}"/>
+              </a:ext>
+            </a:extLst>
+          </p:cNvPr>
+          <p:cNvCxnSpPr>
+            <a:cxnSpLocks/>
+            <a:stCxn id="7" idx="1"/>
+            <a:endCxn id="4" idx="3"/>
+          </p:cNvCxnSpPr>
+          <p:nvPr/>
+        </p:nvCxnSpPr>
+        <p:spPr>
+          <a:xfrm flipH="1">
+            <a:off x="4331660" y="2077406"/>
+            <a:ext cx="427432" cy="0"/>
+          </a:xfrm>
+          <a:prstGeom prst="line">
+            <a:avLst/>
+          </a:prstGeom>
+          <a:ln w="34925">
+            <a:solidFill>
+              <a:schemeClr val="tx1"/>
+            </a:solidFill>
+            <a:tailEnd type="diamond" w="lg" len="lg"/>
+          </a:ln>
+        </p:spPr>
+        <p:style>
+          <a:lnRef idx="1">
+            <a:schemeClr val="accent1"/>
+          </a:lnRef>
+          <a:fillRef idx="0">
+            <a:schemeClr val="accent1"/>
+          </a:fillRef>
+          <a:effectRef idx="0">
+            <a:schemeClr val="accent1"/>
+          </a:effectRef>
+          <a:fontRef idx="minor">
+            <a:schemeClr val="tx1"/>
+          </a:fontRef>
+        </p:style>
+      </p:cxnSp>
+      <p:cxnSp>
+        <p:nvCxnSpPr>
+          <p:cNvPr id="21" name="Gerade Verbindung mit Pfeil 20">
+            <a:extLst>
+              <a:ext uri="{FF2B5EF4-FFF2-40B4-BE49-F238E27FC236}">
+                <a16:creationId xmlns:a16="http://schemas.microsoft.com/office/drawing/2014/main" id="{36662567-B843-2143-BBB6-34C0D963EB8E}"/>
+              </a:ext>
+            </a:extLst>
+          </p:cNvPr>
+          <p:cNvCxnSpPr>
+            <a:stCxn id="7" idx="2"/>
+            <a:endCxn id="5" idx="0"/>
+          </p:cNvCxnSpPr>
+          <p:nvPr/>
+        </p:nvCxnSpPr>
+        <p:spPr>
+          <a:xfrm>
+            <a:off x="5660953" y="2333012"/>
+            <a:ext cx="0" cy="740753"/>
+          </a:xfrm>
+          <a:prstGeom prst="straightConnector1">
+            <a:avLst/>
+          </a:prstGeom>
+          <a:ln w="34925">
+            <a:solidFill>
+              <a:schemeClr val="tx1"/>
+            </a:solidFill>
+            <a:prstDash val="dash"/>
+            <a:tailEnd type="triangle"/>
+          </a:ln>
+        </p:spPr>
+        <p:style>
+          <a:lnRef idx="1">
+            <a:schemeClr val="accent1"/>
+          </a:lnRef>
+          <a:fillRef idx="0">
+            <a:schemeClr val="accent1"/>
+          </a:fillRef>
+          <a:effectRef idx="0">
+            <a:schemeClr val="accent1"/>
+          </a:effectRef>
+          <a:fontRef idx="minor">
+            <a:schemeClr val="tx1"/>
+          </a:fontRef>
+        </p:style>
+      </p:cxnSp>
+      <p:cxnSp>
+        <p:nvCxnSpPr>
+          <p:cNvPr id="23" name="Gerade Verbindung 22">
+            <a:extLst>
+              <a:ext uri="{FF2B5EF4-FFF2-40B4-BE49-F238E27FC236}">
+                <a16:creationId xmlns:a16="http://schemas.microsoft.com/office/drawing/2014/main" id="{0B9DC179-AD6E-F547-8E8B-1F4D0020164C}"/>
+              </a:ext>
+            </a:extLst>
+          </p:cNvPr>
+          <p:cNvCxnSpPr>
+            <a:cxnSpLocks/>
+            <a:endCxn id="9" idx="0"/>
+          </p:cNvCxnSpPr>
+          <p:nvPr/>
+        </p:nvCxnSpPr>
+        <p:spPr>
+          <a:xfrm flipH="1">
+            <a:off x="4545376" y="3596084"/>
+            <a:ext cx="605358" cy="441424"/>
+          </a:xfrm>
+          <a:prstGeom prst="line">
+            <a:avLst/>
+          </a:prstGeom>
+          <a:ln w="34925">
+            <a:headEnd type="diamond" w="lg" len="lg"/>
+          </a:ln>
+        </p:spPr>
+        <p:style>
+          <a:lnRef idx="1">
+            <a:schemeClr val="dk1"/>
+          </a:lnRef>
+          <a:fillRef idx="0">
+            <a:schemeClr val="dk1"/>
+          </a:fillRef>
+          <a:effectRef idx="0">
+            <a:schemeClr val="dk1"/>
+          </a:effectRef>
+          <a:fontRef idx="minor">
+            <a:schemeClr val="tx1"/>
+          </a:fontRef>
+        </p:style>
+      </p:cxnSp>
+      <p:cxnSp>
+        <p:nvCxnSpPr>
+          <p:cNvPr id="30" name="Gerade Verbindung 29">
+            <a:extLst>
+              <a:ext uri="{FF2B5EF4-FFF2-40B4-BE49-F238E27FC236}">
+                <a16:creationId xmlns:a16="http://schemas.microsoft.com/office/drawing/2014/main" id="{CA7544D6-3A7F-D44A-956F-3627E9AFB5D6}"/>
+              </a:ext>
+            </a:extLst>
+          </p:cNvPr>
+          <p:cNvCxnSpPr>
+            <a:cxnSpLocks/>
+          </p:cNvCxnSpPr>
+          <p:nvPr/>
+        </p:nvCxnSpPr>
+        <p:spPr>
+          <a:xfrm>
+            <a:off x="6262911" y="3596084"/>
+            <a:ext cx="646478" cy="682037"/>
+          </a:xfrm>
+          <a:prstGeom prst="line">
+            <a:avLst/>
+          </a:prstGeom>
+          <a:ln w="34925">
+            <a:solidFill>
+              <a:schemeClr val="dk1">
+                <a:alpha val="93000"/>
+              </a:schemeClr>
+            </a:solidFill>
+            <a:headEnd type="diamond" w="lg" len="lg"/>
+          </a:ln>
+        </p:spPr>
+        <p:style>
+          <a:lnRef idx="1">
+            <a:schemeClr val="dk1"/>
+          </a:lnRef>
+          <a:fillRef idx="0">
+            <a:schemeClr val="dk1"/>
+          </a:fillRef>
+          <a:effectRef idx="0">
+            <a:schemeClr val="dk1"/>
+          </a:effectRef>
+          <a:fontRef idx="minor">
+            <a:schemeClr val="tx1"/>
+          </a:fontRef>
+        </p:style>
+      </p:cxnSp>
+      <p:sp>
+        <p:nvSpPr>
+          <p:cNvPr id="8" name="Rechteck 7">
+            <a:extLst>
+              <a:ext uri="{FF2B5EF4-FFF2-40B4-BE49-F238E27FC236}">
+                <a16:creationId xmlns:a16="http://schemas.microsoft.com/office/drawing/2014/main" id="{0861B6B0-3D50-E941-9AA2-504CCB4D0CA5}"/>
+              </a:ext>
+            </a:extLst>
+          </p:cNvPr>
+          <p:cNvSpPr/>
+          <p:nvPr/>
+        </p:nvSpPr>
+        <p:spPr>
+          <a:xfrm>
+            <a:off x="5929090" y="4037508"/>
+            <a:ext cx="1803721" cy="665609"/>
           </a:xfrm>
           <a:prstGeom prst="rect">
             <a:avLst/>
@@ -23742,25 +24196,117 @@
           <a:p>
             <a:pPr algn="ctr"/>
             <a:r>
-              <a:rPr lang="de-DE" dirty="0"/>
-              <a:t>Capability: </a:t>
+              <a:rPr lang="de-DE" sz="1100" dirty="0"/>
+              <a:t>id:ac62e79b-780a-49c9-b3de-7e5c26298833</a:t>
             </a:r>
             <a:br>
-              <a:rPr lang="de-DE" dirty="0"/>
+              <a:rPr lang="de-DE" sz="1100" dirty="0"/>
             </a:br>
             <a:r>
-              <a:rPr lang="de-DE" dirty="0"/>
-              <a:t>wind_1</a:t>
+              <a:rPr lang="de-DE" sz="1200" b="1" dirty="0"/>
+              <a:t>wind_1 (measure)</a:t>
             </a:r>
           </a:p>
         </p:txBody>
       </p:sp>
+      <p:cxnSp>
+        <p:nvCxnSpPr>
+          <p:cNvPr id="32" name="Gerade Verbindung 31">
+            <a:extLst>
+              <a:ext uri="{FF2B5EF4-FFF2-40B4-BE49-F238E27FC236}">
+                <a16:creationId xmlns:a16="http://schemas.microsoft.com/office/drawing/2014/main" id="{885A94BB-8B3C-D043-AD1D-569A76F70F37}"/>
+              </a:ext>
+            </a:extLst>
+          </p:cNvPr>
+          <p:cNvCxnSpPr>
+            <a:cxnSpLocks/>
+          </p:cNvCxnSpPr>
+          <p:nvPr/>
+        </p:nvCxnSpPr>
+        <p:spPr>
+          <a:xfrm>
+            <a:off x="6262911" y="4681750"/>
+            <a:ext cx="0" cy="355991"/>
+          </a:xfrm>
+          <a:prstGeom prst="line">
+            <a:avLst/>
+          </a:prstGeom>
+          <a:ln w="34925">
+            <a:solidFill>
+              <a:schemeClr val="dk1">
+                <a:alpha val="93000"/>
+              </a:schemeClr>
+            </a:solidFill>
+            <a:headEnd type="diamond" w="lg" len="lg"/>
+          </a:ln>
+        </p:spPr>
+        <p:style>
+          <a:lnRef idx="1">
+            <a:schemeClr val="dk1"/>
+          </a:lnRef>
+          <a:fillRef idx="0">
+            <a:schemeClr val="dk1"/>
+          </a:fillRef>
+          <a:effectRef idx="0">
+            <a:schemeClr val="dk1"/>
+          </a:effectRef>
+          <a:fontRef idx="minor">
+            <a:schemeClr val="tx1"/>
+          </a:fontRef>
+        </p:style>
+      </p:cxnSp>
+      <p:cxnSp>
+        <p:nvCxnSpPr>
+          <p:cNvPr id="34" name="Gerade Verbindung 33">
+            <a:extLst>
+              <a:ext uri="{FF2B5EF4-FFF2-40B4-BE49-F238E27FC236}">
+                <a16:creationId xmlns:a16="http://schemas.microsoft.com/office/drawing/2014/main" id="{211A061A-E542-E749-BAC4-BC94E6F191D4}"/>
+              </a:ext>
+            </a:extLst>
+          </p:cNvPr>
+          <p:cNvCxnSpPr>
+            <a:cxnSpLocks/>
+          </p:cNvCxnSpPr>
+          <p:nvPr/>
+        </p:nvCxnSpPr>
+        <p:spPr>
+          <a:xfrm>
+            <a:off x="3961478" y="4681749"/>
+            <a:ext cx="0" cy="355991"/>
+          </a:xfrm>
+          <a:prstGeom prst="line">
+            <a:avLst/>
+          </a:prstGeom>
+          <a:ln w="34925">
+            <a:solidFill>
+              <a:schemeClr val="dk1">
+                <a:alpha val="93000"/>
+              </a:schemeClr>
+            </a:solidFill>
+            <a:headEnd type="diamond" w="lg" len="lg"/>
+          </a:ln>
+        </p:spPr>
+        <p:style>
+          <a:lnRef idx="1">
+            <a:schemeClr val="dk1"/>
+          </a:lnRef>
+          <a:fillRef idx="0">
+            <a:schemeClr val="dk1"/>
+          </a:fillRef>
+          <a:effectRef idx="0">
+            <a:schemeClr val="dk1"/>
+          </a:effectRef>
+          <a:fontRef idx="minor">
+            <a:schemeClr val="tx1"/>
+          </a:fontRef>
+        </p:style>
+      </p:cxnSp>
       <p:sp>
         <p:nvSpPr>
-          <p:cNvPr id="9" name="Rechteck 8">
+          <p:cNvPr id="35" name="Rechteck 34">
             <a:extLst>
               <a:ext uri="{FF2B5EF4-FFF2-40B4-BE49-F238E27FC236}">
-                <a16:creationId xmlns:a16="http://schemas.microsoft.com/office/drawing/2014/main" id="{1DB89D26-BDC3-F048-AFEA-A6741A7DE289}"/>
+                <a16:creationId xmlns:a16="http://schemas.microsoft.com/office/drawing/2014/main" id="{9676F971-8D1A-604D-962B-FE4F1811C114}"/>
               </a:ext>
             </a:extLst>
           </p:cNvPr>
@@ -23768,13 +24314,16 @@
           <p:nvPr/>
         </p:nvSpPr>
         <p:spPr>
-          <a:xfrm>
-            <a:off x="7677874" y="2861842"/>
-            <a:ext cx="1803721" cy="511213"/>
+          <a:xfrm rot="617237">
+            <a:off x="6224648" y="3559211"/>
+            <a:ext cx="76526" cy="73745"/>
           </a:xfrm>
           <a:prstGeom prst="rect">
             <a:avLst/>
           </a:prstGeom>
+          <a:solidFill>
+            <a:schemeClr val="bg1"/>
+          </a:solidFill>
         </p:spPr>
         <p:style>
           <a:lnRef idx="2">
@@ -23797,26 +24346,16 @@
           <a:lstStyle/>
           <a:p>
             <a:pPr algn="ctr"/>
-            <a:r>
-              <a:rPr lang="de-DE" dirty="0"/>
-              <a:t>Capability: </a:t>
-            </a:r>
-            <a:br>
-              <a:rPr lang="de-DE" dirty="0"/>
-            </a:br>
-            <a:r>
-              <a:rPr lang="de-DE" dirty="0"/>
-              <a:t>commands_test</a:t>
-            </a:r>
+            <a:endParaRPr lang="de-DE"/>
           </a:p>
         </p:txBody>
       </p:sp>
       <p:sp>
         <p:nvSpPr>
-          <p:cNvPr id="10" name="Rechteck 9">
+          <p:cNvPr id="36" name="Rechteck 35">
             <a:extLst>
               <a:ext uri="{FF2B5EF4-FFF2-40B4-BE49-F238E27FC236}">
-                <a16:creationId xmlns:a16="http://schemas.microsoft.com/office/drawing/2014/main" id="{2EC1CA69-7E42-BF48-89D6-78176085AF76}"/>
+                <a16:creationId xmlns:a16="http://schemas.microsoft.com/office/drawing/2014/main" id="{FDC4FECE-1071-4F42-90F1-B58A5B2A66E3}"/>
               </a:ext>
             </a:extLst>
           </p:cNvPr>
@@ -23824,13 +24363,16 @@
           <p:nvPr/>
         </p:nvSpPr>
         <p:spPr>
-          <a:xfrm>
-            <a:off x="9657145" y="2967942"/>
-            <a:ext cx="1803721" cy="511213"/>
+          <a:xfrm rot="4496915">
+            <a:off x="5122735" y="3571571"/>
+            <a:ext cx="76526" cy="73745"/>
           </a:xfrm>
           <a:prstGeom prst="rect">
             <a:avLst/>
           </a:prstGeom>
+          <a:solidFill>
+            <a:schemeClr val="bg1"/>
+          </a:solidFill>
         </p:spPr>
         <p:style>
           <a:lnRef idx="2">
@@ -23853,15 +24395,105 @@
           <a:lstStyle/>
           <a:p>
             <a:pPr algn="ctr"/>
-            <a:r>
-              <a:rPr lang="de-DE" dirty="0"/>
-              <a:t>Led </a:t>
-            </a:r>
-            <a:r>
-              <a:rPr lang="de-DE" dirty="0" err="1"/>
-              <a:t>boolean</a:t>
-            </a:r>
-            <a:endParaRPr lang="de-DE" dirty="0"/>
+            <a:endParaRPr lang="de-DE"/>
+          </a:p>
+        </p:txBody>
+      </p:sp>
+      <p:sp>
+        <p:nvSpPr>
+          <p:cNvPr id="37" name="Rechteck 36">
+            <a:extLst>
+              <a:ext uri="{FF2B5EF4-FFF2-40B4-BE49-F238E27FC236}">
+                <a16:creationId xmlns:a16="http://schemas.microsoft.com/office/drawing/2014/main" id="{0DE01EE8-FFB6-C948-97FF-53695E9F0792}"/>
+              </a:ext>
+            </a:extLst>
+          </p:cNvPr>
+          <p:cNvSpPr/>
+          <p:nvPr/>
+        </p:nvSpPr>
+        <p:spPr>
+          <a:xfrm rot="2610512">
+            <a:off x="6224647" y="4644877"/>
+            <a:ext cx="76526" cy="73745"/>
+          </a:xfrm>
+          <a:prstGeom prst="rect">
+            <a:avLst/>
+          </a:prstGeom>
+          <a:solidFill>
+            <a:schemeClr val="bg1"/>
+          </a:solidFill>
+        </p:spPr>
+        <p:style>
+          <a:lnRef idx="2">
+            <a:schemeClr val="accent1">
+              <a:shade val="50000"/>
+            </a:schemeClr>
+          </a:lnRef>
+          <a:fillRef idx="1">
+            <a:schemeClr val="accent1"/>
+          </a:fillRef>
+          <a:effectRef idx="0">
+            <a:schemeClr val="accent1"/>
+          </a:effectRef>
+          <a:fontRef idx="minor">
+            <a:schemeClr val="lt1"/>
+          </a:fontRef>
+        </p:style>
+        <p:txBody>
+          <a:bodyPr rtlCol="0" anchor="ctr"/>
+          <a:lstStyle/>
+          <a:p>
+            <a:pPr algn="ctr"/>
+            <a:endParaRPr lang="de-DE"/>
+          </a:p>
+        </p:txBody>
+      </p:sp>
+      <p:sp>
+        <p:nvSpPr>
+          <p:cNvPr id="38" name="Rechteck 37">
+            <a:extLst>
+              <a:ext uri="{FF2B5EF4-FFF2-40B4-BE49-F238E27FC236}">
+                <a16:creationId xmlns:a16="http://schemas.microsoft.com/office/drawing/2014/main" id="{CA427C1C-AAEB-8D44-950C-4C7EFC0E45F6}"/>
+              </a:ext>
+            </a:extLst>
+          </p:cNvPr>
+          <p:cNvSpPr/>
+          <p:nvPr/>
+        </p:nvSpPr>
+        <p:spPr>
+          <a:xfrm rot="2610512">
+            <a:off x="3923083" y="4644875"/>
+            <a:ext cx="76526" cy="73745"/>
+          </a:xfrm>
+          <a:prstGeom prst="rect">
+            <a:avLst/>
+          </a:prstGeom>
+          <a:solidFill>
+            <a:schemeClr val="bg1"/>
+          </a:solidFill>
+        </p:spPr>
+        <p:style>
+          <a:lnRef idx="2">
+            <a:schemeClr val="accent1">
+              <a:shade val="50000"/>
+            </a:schemeClr>
+          </a:lnRef>
+          <a:fillRef idx="1">
+            <a:schemeClr val="accent1"/>
+          </a:fillRef>
+          <a:effectRef idx="0">
+            <a:schemeClr val="accent1"/>
+          </a:effectRef>
+          <a:fontRef idx="minor">
+            <a:schemeClr val="lt1"/>
+          </a:fontRef>
+        </p:style>
+        <p:txBody>
+          <a:bodyPr rtlCol="0" anchor="ctr"/>
+          <a:lstStyle/>
+          <a:p>
+            <a:pPr algn="ctr"/>
+            <a:endParaRPr lang="de-DE"/>
           </a:p>
         </p:txBody>
       </p:sp>

--- a/presentations/models.pptx
+++ b/presentations/models.pptx
@@ -14210,7 +14210,7 @@
           <a:p>
             <a:fld id="{3248773E-0E1D-C44D-81DB-7C2B8F8EC2A7}" type="datetimeFigureOut">
               <a:rPr lang="de-DE" smtClean="0"/>
-              <a:t>23.01.20</a:t>
+              <a:t>19.02.20</a:t>
             </a:fld>
             <a:endParaRPr lang="de-DE"/>
           </a:p>
@@ -14408,7 +14408,7 @@
           <a:p>
             <a:fld id="{3248773E-0E1D-C44D-81DB-7C2B8F8EC2A7}" type="datetimeFigureOut">
               <a:rPr lang="de-DE" smtClean="0"/>
-              <a:t>23.01.20</a:t>
+              <a:t>19.02.20</a:t>
             </a:fld>
             <a:endParaRPr lang="de-DE"/>
           </a:p>
@@ -14616,7 +14616,7 @@
           <a:p>
             <a:fld id="{3248773E-0E1D-C44D-81DB-7C2B8F8EC2A7}" type="datetimeFigureOut">
               <a:rPr lang="de-DE" smtClean="0"/>
-              <a:t>23.01.20</a:t>
+              <a:t>19.02.20</a:t>
             </a:fld>
             <a:endParaRPr lang="de-DE"/>
           </a:p>
@@ -14814,7 +14814,7 @@
           <a:p>
             <a:fld id="{3248773E-0E1D-C44D-81DB-7C2B8F8EC2A7}" type="datetimeFigureOut">
               <a:rPr lang="de-DE" smtClean="0"/>
-              <a:t>23.01.20</a:t>
+              <a:t>19.02.20</a:t>
             </a:fld>
             <a:endParaRPr lang="de-DE"/>
           </a:p>
@@ -15089,7 +15089,7 @@
           <a:p>
             <a:fld id="{3248773E-0E1D-C44D-81DB-7C2B8F8EC2A7}" type="datetimeFigureOut">
               <a:rPr lang="de-DE" smtClean="0"/>
-              <a:t>23.01.20</a:t>
+              <a:t>19.02.20</a:t>
             </a:fld>
             <a:endParaRPr lang="de-DE"/>
           </a:p>
@@ -15354,7 +15354,7 @@
           <a:p>
             <a:fld id="{3248773E-0E1D-C44D-81DB-7C2B8F8EC2A7}" type="datetimeFigureOut">
               <a:rPr lang="de-DE" smtClean="0"/>
-              <a:t>23.01.20</a:t>
+              <a:t>19.02.20</a:t>
             </a:fld>
             <a:endParaRPr lang="de-DE"/>
           </a:p>
@@ -15766,7 +15766,7 @@
           <a:p>
             <a:fld id="{3248773E-0E1D-C44D-81DB-7C2B8F8EC2A7}" type="datetimeFigureOut">
               <a:rPr lang="de-DE" smtClean="0"/>
-              <a:t>23.01.20</a:t>
+              <a:t>19.02.20</a:t>
             </a:fld>
             <a:endParaRPr lang="de-DE"/>
           </a:p>
@@ -15907,7 +15907,7 @@
           <a:p>
             <a:fld id="{3248773E-0E1D-C44D-81DB-7C2B8F8EC2A7}" type="datetimeFigureOut">
               <a:rPr lang="de-DE" smtClean="0"/>
-              <a:t>23.01.20</a:t>
+              <a:t>19.02.20</a:t>
             </a:fld>
             <a:endParaRPr lang="de-DE"/>
           </a:p>
@@ -16020,7 +16020,7 @@
           <a:p>
             <a:fld id="{3248773E-0E1D-C44D-81DB-7C2B8F8EC2A7}" type="datetimeFigureOut">
               <a:rPr lang="de-DE" smtClean="0"/>
-              <a:t>23.01.20</a:t>
+              <a:t>19.02.20</a:t>
             </a:fld>
             <a:endParaRPr lang="de-DE"/>
           </a:p>
@@ -16331,7 +16331,7 @@
           <a:p>
             <a:fld id="{3248773E-0E1D-C44D-81DB-7C2B8F8EC2A7}" type="datetimeFigureOut">
               <a:rPr lang="de-DE" smtClean="0"/>
-              <a:t>23.01.20</a:t>
+              <a:t>19.02.20</a:t>
             </a:fld>
             <a:endParaRPr lang="de-DE"/>
           </a:p>
@@ -16619,7 +16619,7 @@
           <a:p>
             <a:fld id="{3248773E-0E1D-C44D-81DB-7C2B8F8EC2A7}" type="datetimeFigureOut">
               <a:rPr lang="de-DE" smtClean="0"/>
-              <a:t>23.01.20</a:t>
+              <a:t>19.02.20</a:t>
             </a:fld>
             <a:endParaRPr lang="de-DE"/>
           </a:p>
@@ -16860,7 +16860,7 @@
           <a:p>
             <a:fld id="{3248773E-0E1D-C44D-81DB-7C2B8F8EC2A7}" type="datetimeFigureOut">
               <a:rPr lang="de-DE" smtClean="0"/>
-              <a:t>23.01.20</a:t>
+              <a:t>19.02.20</a:t>
             </a:fld>
             <a:endParaRPr lang="de-DE"/>
           </a:p>
@@ -17633,7 +17633,7 @@
             <a:fld id="{D15945BB-CB13-F048-8038-6D73515B4389}" type="datetime1">
               <a:rPr lang="de-DE" smtClean="0"/>
               <a:pPr/>
-              <a:t>23.01.20</a:t>
+              <a:t>19.02.20</a:t>
             </a:fld>
             <a:endParaRPr lang="de-DE" dirty="0"/>
           </a:p>
@@ -21649,7 +21649,7 @@
         </p:nvSpPr>
         <p:spPr>
           <a:xfrm>
-            <a:off x="1468828" y="5174521"/>
+            <a:off x="1462678" y="4923632"/>
             <a:ext cx="1622886" cy="203789"/>
           </a:xfrm>
           <a:prstGeom prst="rect">
